--- a/00_Relazione/Modello fisico pendolo/Equazioni_del_moto.pptx
+++ b/00_Relazione/Modello fisico pendolo/Equazioni_del_moto.pptx
@@ -173,6780 +173,6 @@
 </p:cmAuthorLst>
 </file>
 
-<file path=ppt/diagrams/colors1.xml><?xml version="1.0" encoding="utf-8"?>
-<dgm:colorsDef xmlns:dgm="http://schemas.openxmlformats.org/drawingml/2006/diagram" xmlns:a="http://schemas.openxmlformats.org/drawingml/2006/main" uniqueId="urn:microsoft.com/office/officeart/2005/8/colors/accent1_2">
-  <dgm:title val=""/>
-  <dgm:desc val=""/>
-  <dgm:catLst>
-    <dgm:cat type="accent1" pri="11200"/>
-  </dgm:catLst>
-  <dgm:styleLbl name="node0">
-    <dgm:fillClrLst meth="repeat">
-      <a:schemeClr val="accent1"/>
-    </dgm:fillClrLst>
-    <dgm:linClrLst meth="repeat">
-      <a:schemeClr val="lt1"/>
-    </dgm:linClrLst>
-    <dgm:effectClrLst/>
-    <dgm:txLinClrLst/>
-    <dgm:txFillClrLst/>
-    <dgm:txEffectClrLst/>
-  </dgm:styleLbl>
-  <dgm:styleLbl name="alignNode1">
-    <dgm:fillClrLst meth="repeat">
-      <a:schemeClr val="accent1"/>
-    </dgm:fillClrLst>
-    <dgm:linClrLst meth="repeat">
-      <a:schemeClr val="accent1"/>
-    </dgm:linClrLst>
-    <dgm:effectClrLst/>
-    <dgm:txLinClrLst/>
-    <dgm:txFillClrLst/>
-    <dgm:txEffectClrLst/>
-  </dgm:styleLbl>
-  <dgm:styleLbl name="node1">
-    <dgm:fillClrLst meth="repeat">
-      <a:schemeClr val="accent1"/>
-    </dgm:fillClrLst>
-    <dgm:linClrLst meth="repeat">
-      <a:schemeClr val="lt1"/>
-    </dgm:linClrLst>
-    <dgm:effectClrLst/>
-    <dgm:txLinClrLst/>
-    <dgm:txFillClrLst/>
-    <dgm:txEffectClrLst/>
-  </dgm:styleLbl>
-  <dgm:styleLbl name="lnNode1">
-    <dgm:fillClrLst meth="repeat">
-      <a:schemeClr val="accent1"/>
-    </dgm:fillClrLst>
-    <dgm:linClrLst meth="repeat">
-      <a:schemeClr val="lt1"/>
-    </dgm:linClrLst>
-    <dgm:effectClrLst/>
-    <dgm:txLinClrLst/>
-    <dgm:txFillClrLst/>
-    <dgm:txEffectClrLst/>
-  </dgm:styleLbl>
-  <dgm:styleLbl name="vennNode1">
-    <dgm:fillClrLst meth="repeat">
-      <a:schemeClr val="accent1">
-        <a:alpha val="50000"/>
-      </a:schemeClr>
-    </dgm:fillClrLst>
-    <dgm:linClrLst meth="repeat">
-      <a:schemeClr val="lt1"/>
-    </dgm:linClrLst>
-    <dgm:effectClrLst/>
-    <dgm:txLinClrLst/>
-    <dgm:txFillClrLst/>
-    <dgm:txEffectClrLst/>
-  </dgm:styleLbl>
-  <dgm:styleLbl name="node2">
-    <dgm:fillClrLst meth="repeat">
-      <a:schemeClr val="accent1"/>
-    </dgm:fillClrLst>
-    <dgm:linClrLst meth="repeat">
-      <a:schemeClr val="lt1"/>
-    </dgm:linClrLst>
-    <dgm:effectClrLst/>
-    <dgm:txLinClrLst/>
-    <dgm:txFillClrLst/>
-    <dgm:txEffectClrLst/>
-  </dgm:styleLbl>
-  <dgm:styleLbl name="node3">
-    <dgm:fillClrLst meth="repeat">
-      <a:schemeClr val="accent1"/>
-    </dgm:fillClrLst>
-    <dgm:linClrLst meth="repeat">
-      <a:schemeClr val="lt1"/>
-    </dgm:linClrLst>
-    <dgm:effectClrLst/>
-    <dgm:txLinClrLst/>
-    <dgm:txFillClrLst/>
-    <dgm:txEffectClrLst/>
-  </dgm:styleLbl>
-  <dgm:styleLbl name="node4">
-    <dgm:fillClrLst meth="repeat">
-      <a:schemeClr val="accent1"/>
-    </dgm:fillClrLst>
-    <dgm:linClrLst meth="repeat">
-      <a:schemeClr val="lt1"/>
-    </dgm:linClrLst>
-    <dgm:effectClrLst/>
-    <dgm:txLinClrLst/>
-    <dgm:txFillClrLst/>
-    <dgm:txEffectClrLst/>
-  </dgm:styleLbl>
-  <dgm:styleLbl name="fgImgPlace1">
-    <dgm:fillClrLst meth="repeat">
-      <a:schemeClr val="accent1">
-        <a:tint val="50000"/>
-      </a:schemeClr>
-    </dgm:fillClrLst>
-    <dgm:linClrLst meth="repeat">
-      <a:schemeClr val="lt1"/>
-    </dgm:linClrLst>
-    <dgm:effectClrLst/>
-    <dgm:txLinClrLst/>
-    <dgm:txFillClrLst meth="repeat">
-      <a:schemeClr val="lt1"/>
-    </dgm:txFillClrLst>
-    <dgm:txEffectClrLst/>
-  </dgm:styleLbl>
-  <dgm:styleLbl name="alignImgPlace1">
-    <dgm:fillClrLst meth="repeat">
-      <a:schemeClr val="accent1">
-        <a:tint val="50000"/>
-      </a:schemeClr>
-    </dgm:fillClrLst>
-    <dgm:linClrLst meth="repeat">
-      <a:schemeClr val="lt1"/>
-    </dgm:linClrLst>
-    <dgm:effectClrLst/>
-    <dgm:txLinClrLst/>
-    <dgm:txFillClrLst meth="repeat">
-      <a:schemeClr val="lt1"/>
-    </dgm:txFillClrLst>
-    <dgm:txEffectClrLst/>
-  </dgm:styleLbl>
-  <dgm:styleLbl name="bgImgPlace1">
-    <dgm:fillClrLst meth="repeat">
-      <a:schemeClr val="accent1">
-        <a:tint val="50000"/>
-      </a:schemeClr>
-    </dgm:fillClrLst>
-    <dgm:linClrLst meth="repeat">
-      <a:schemeClr val="lt1"/>
-    </dgm:linClrLst>
-    <dgm:effectClrLst/>
-    <dgm:txLinClrLst/>
-    <dgm:txFillClrLst meth="repeat">
-      <a:schemeClr val="lt1"/>
-    </dgm:txFillClrLst>
-    <dgm:txEffectClrLst/>
-  </dgm:styleLbl>
-  <dgm:styleLbl name="sibTrans2D1">
-    <dgm:fillClrLst meth="repeat">
-      <a:schemeClr val="accent1">
-        <a:tint val="60000"/>
-      </a:schemeClr>
-    </dgm:fillClrLst>
-    <dgm:linClrLst meth="repeat">
-      <a:schemeClr val="accent1">
-        <a:tint val="60000"/>
-      </a:schemeClr>
-    </dgm:linClrLst>
-    <dgm:effectClrLst/>
-    <dgm:txLinClrLst/>
-    <dgm:txFillClrLst/>
-    <dgm:txEffectClrLst/>
-  </dgm:styleLbl>
-  <dgm:styleLbl name="fgSibTrans2D1">
-    <dgm:fillClrLst meth="repeat">
-      <a:schemeClr val="accent1">
-        <a:tint val="60000"/>
-      </a:schemeClr>
-    </dgm:fillClrLst>
-    <dgm:linClrLst meth="repeat">
-      <a:schemeClr val="accent1">
-        <a:tint val="60000"/>
-      </a:schemeClr>
-    </dgm:linClrLst>
-    <dgm:effectClrLst/>
-    <dgm:txLinClrLst/>
-    <dgm:txFillClrLst/>
-    <dgm:txEffectClrLst/>
-  </dgm:styleLbl>
-  <dgm:styleLbl name="bgSibTrans2D1">
-    <dgm:fillClrLst meth="repeat">
-      <a:schemeClr val="accent1">
-        <a:tint val="60000"/>
-      </a:schemeClr>
-    </dgm:fillClrLst>
-    <dgm:linClrLst meth="repeat">
-      <a:schemeClr val="accent1">
-        <a:tint val="60000"/>
-      </a:schemeClr>
-    </dgm:linClrLst>
-    <dgm:effectClrLst/>
-    <dgm:txLinClrLst/>
-    <dgm:txFillClrLst/>
-    <dgm:txEffectClrLst/>
-  </dgm:styleLbl>
-  <dgm:styleLbl name="sibTrans1D1">
-    <dgm:fillClrLst meth="repeat">
-      <a:schemeClr val="accent1"/>
-    </dgm:fillClrLst>
-    <dgm:linClrLst meth="repeat">
-      <a:schemeClr val="accent1"/>
-    </dgm:linClrLst>
-    <dgm:effectClrLst/>
-    <dgm:txLinClrLst/>
-    <dgm:txFillClrLst meth="repeat">
-      <a:schemeClr val="tx1"/>
-    </dgm:txFillClrLst>
-    <dgm:txEffectClrLst/>
-  </dgm:styleLbl>
-  <dgm:styleLbl name="callout">
-    <dgm:fillClrLst meth="repeat">
-      <a:schemeClr val="accent1"/>
-    </dgm:fillClrLst>
-    <dgm:linClrLst meth="repeat">
-      <a:schemeClr val="accent1">
-        <a:tint val="50000"/>
-      </a:schemeClr>
-    </dgm:linClrLst>
-    <dgm:effectClrLst/>
-    <dgm:txLinClrLst/>
-    <dgm:txFillClrLst meth="repeat">
-      <a:schemeClr val="tx1"/>
-    </dgm:txFillClrLst>
-    <dgm:txEffectClrLst/>
-  </dgm:styleLbl>
-  <dgm:styleLbl name="asst0">
-    <dgm:fillClrLst meth="repeat">
-      <a:schemeClr val="accent1"/>
-    </dgm:fillClrLst>
-    <dgm:linClrLst meth="repeat">
-      <a:schemeClr val="lt1"/>
-    </dgm:linClrLst>
-    <dgm:effectClrLst/>
-    <dgm:txLinClrLst/>
-    <dgm:txFillClrLst/>
-    <dgm:txEffectClrLst/>
-  </dgm:styleLbl>
-  <dgm:styleLbl name="asst1">
-    <dgm:fillClrLst meth="repeat">
-      <a:schemeClr val="accent1"/>
-    </dgm:fillClrLst>
-    <dgm:linClrLst meth="repeat">
-      <a:schemeClr val="lt1"/>
-    </dgm:linClrLst>
-    <dgm:effectClrLst/>
-    <dgm:txLinClrLst/>
-    <dgm:txFillClrLst/>
-    <dgm:txEffectClrLst/>
-  </dgm:styleLbl>
-  <dgm:styleLbl name="asst2">
-    <dgm:fillClrLst meth="repeat">
-      <a:schemeClr val="accent1"/>
-    </dgm:fillClrLst>
-    <dgm:linClrLst meth="repeat">
-      <a:schemeClr val="lt1"/>
-    </dgm:linClrLst>
-    <dgm:effectClrLst/>
-    <dgm:txLinClrLst/>
-    <dgm:txFillClrLst/>
-    <dgm:txEffectClrLst/>
-  </dgm:styleLbl>
-  <dgm:styleLbl name="asst3">
-    <dgm:fillClrLst meth="repeat">
-      <a:schemeClr val="accent1"/>
-    </dgm:fillClrLst>
-    <dgm:linClrLst meth="repeat">
-      <a:schemeClr val="lt1"/>
-    </dgm:linClrLst>
-    <dgm:effectClrLst/>
-    <dgm:txLinClrLst/>
-    <dgm:txFillClrLst/>
-    <dgm:txEffectClrLst/>
-  </dgm:styleLbl>
-  <dgm:styleLbl name="asst4">
-    <dgm:fillClrLst meth="repeat">
-      <a:schemeClr val="accent1"/>
-    </dgm:fillClrLst>
-    <dgm:linClrLst meth="repeat">
-      <a:schemeClr val="lt1"/>
-    </dgm:linClrLst>
-    <dgm:effectClrLst/>
-    <dgm:txLinClrLst/>
-    <dgm:txFillClrLst/>
-    <dgm:txEffectClrLst/>
-  </dgm:styleLbl>
-  <dgm:styleLbl name="parChTrans2D1">
-    <dgm:fillClrLst meth="repeat">
-      <a:schemeClr val="accent1">
-        <a:tint val="60000"/>
-      </a:schemeClr>
-    </dgm:fillClrLst>
-    <dgm:linClrLst meth="repeat">
-      <a:schemeClr val="accent1">
-        <a:tint val="60000"/>
-      </a:schemeClr>
-    </dgm:linClrLst>
-    <dgm:effectClrLst/>
-    <dgm:txLinClrLst/>
-    <dgm:txFillClrLst meth="repeat">
-      <a:schemeClr val="lt1"/>
-    </dgm:txFillClrLst>
-    <dgm:txEffectClrLst/>
-  </dgm:styleLbl>
-  <dgm:styleLbl name="parChTrans2D2">
-    <dgm:fillClrLst meth="repeat">
-      <a:schemeClr val="accent1"/>
-    </dgm:fillClrLst>
-    <dgm:linClrLst meth="repeat">
-      <a:schemeClr val="accent1"/>
-    </dgm:linClrLst>
-    <dgm:effectClrLst/>
-    <dgm:txLinClrLst/>
-    <dgm:txFillClrLst meth="repeat">
-      <a:schemeClr val="lt1"/>
-    </dgm:txFillClrLst>
-    <dgm:txEffectClrLst/>
-  </dgm:styleLbl>
-  <dgm:styleLbl name="parChTrans2D3">
-    <dgm:fillClrLst meth="repeat">
-      <a:schemeClr val="accent1"/>
-    </dgm:fillClrLst>
-    <dgm:linClrLst meth="repeat">
-      <a:schemeClr val="accent1"/>
-    </dgm:linClrLst>
-    <dgm:effectClrLst/>
-    <dgm:txLinClrLst/>
-    <dgm:txFillClrLst meth="repeat">
-      <a:schemeClr val="lt1"/>
-    </dgm:txFillClrLst>
-    <dgm:txEffectClrLst/>
-  </dgm:styleLbl>
-  <dgm:styleLbl name="parChTrans2D4">
-    <dgm:fillClrLst meth="repeat">
-      <a:schemeClr val="accent1"/>
-    </dgm:fillClrLst>
-    <dgm:linClrLst meth="repeat">
-      <a:schemeClr val="accent1"/>
-    </dgm:linClrLst>
-    <dgm:effectClrLst/>
-    <dgm:txLinClrLst/>
-    <dgm:txFillClrLst meth="repeat">
-      <a:schemeClr val="lt1"/>
-    </dgm:txFillClrLst>
-    <dgm:txEffectClrLst/>
-  </dgm:styleLbl>
-  <dgm:styleLbl name="parChTrans1D1">
-    <dgm:fillClrLst meth="repeat">
-      <a:schemeClr val="accent1"/>
-    </dgm:fillClrLst>
-    <dgm:linClrLst meth="repeat">
-      <a:schemeClr val="accent1">
-        <a:shade val="60000"/>
-      </a:schemeClr>
-    </dgm:linClrLst>
-    <dgm:effectClrLst/>
-    <dgm:txLinClrLst/>
-    <dgm:txFillClrLst meth="repeat">
-      <a:schemeClr val="tx1"/>
-    </dgm:txFillClrLst>
-    <dgm:txEffectClrLst/>
-  </dgm:styleLbl>
-  <dgm:styleLbl name="parChTrans1D2">
-    <dgm:fillClrLst meth="repeat">
-      <a:schemeClr val="accent1"/>
-    </dgm:fillClrLst>
-    <dgm:linClrLst meth="repeat">
-      <a:schemeClr val="accent1">
-        <a:shade val="60000"/>
-      </a:schemeClr>
-    </dgm:linClrLst>
-    <dgm:effectClrLst/>
-    <dgm:txLinClrLst/>
-    <dgm:txFillClrLst meth="repeat">
-      <a:schemeClr val="tx1"/>
-    </dgm:txFillClrLst>
-    <dgm:txEffectClrLst/>
-  </dgm:styleLbl>
-  <dgm:styleLbl name="parChTrans1D3">
-    <dgm:fillClrLst meth="repeat">
-      <a:schemeClr val="accent1"/>
-    </dgm:fillClrLst>
-    <dgm:linClrLst meth="repeat">
-      <a:schemeClr val="accent1">
-        <a:shade val="80000"/>
-      </a:schemeClr>
-    </dgm:linClrLst>
-    <dgm:effectClrLst/>
-    <dgm:txLinClrLst/>
-    <dgm:txFillClrLst meth="repeat">
-      <a:schemeClr val="tx1"/>
-    </dgm:txFillClrLst>
-    <dgm:txEffectClrLst/>
-  </dgm:styleLbl>
-  <dgm:styleLbl name="parChTrans1D4">
-    <dgm:fillClrLst meth="repeat">
-      <a:schemeClr val="accent1"/>
-    </dgm:fillClrLst>
-    <dgm:linClrLst meth="repeat">
-      <a:schemeClr val="accent1">
-        <a:shade val="80000"/>
-      </a:schemeClr>
-    </dgm:linClrLst>
-    <dgm:effectClrLst/>
-    <dgm:txLinClrLst/>
-    <dgm:txFillClrLst meth="repeat">
-      <a:schemeClr val="tx1"/>
-    </dgm:txFillClrLst>
-    <dgm:txEffectClrLst/>
-  </dgm:styleLbl>
-  <dgm:styleLbl name="fgAcc1">
-    <dgm:fillClrLst meth="repeat">
-      <a:schemeClr val="lt1">
-        <a:alpha val="90000"/>
-      </a:schemeClr>
-    </dgm:fillClrLst>
-    <dgm:linClrLst meth="repeat">
-      <a:schemeClr val="accent1"/>
-    </dgm:linClrLst>
-    <dgm:effectClrLst/>
-    <dgm:txLinClrLst/>
-    <dgm:txFillClrLst meth="repeat">
-      <a:schemeClr val="dk1"/>
-    </dgm:txFillClrLst>
-    <dgm:txEffectClrLst/>
-  </dgm:styleLbl>
-  <dgm:styleLbl name="conFgAcc1">
-    <dgm:fillClrLst meth="repeat">
-      <a:schemeClr val="lt1">
-        <a:alpha val="90000"/>
-      </a:schemeClr>
-    </dgm:fillClrLst>
-    <dgm:linClrLst meth="repeat">
-      <a:schemeClr val="accent1"/>
-    </dgm:linClrLst>
-    <dgm:effectClrLst/>
-    <dgm:txLinClrLst/>
-    <dgm:txFillClrLst meth="repeat">
-      <a:schemeClr val="dk1"/>
-    </dgm:txFillClrLst>
-    <dgm:txEffectClrLst/>
-  </dgm:styleLbl>
-  <dgm:styleLbl name="alignAcc1">
-    <dgm:fillClrLst meth="repeat">
-      <a:schemeClr val="lt1">
-        <a:alpha val="90000"/>
-      </a:schemeClr>
-    </dgm:fillClrLst>
-    <dgm:linClrLst meth="repeat">
-      <a:schemeClr val="accent1"/>
-    </dgm:linClrLst>
-    <dgm:effectClrLst/>
-    <dgm:txLinClrLst/>
-    <dgm:txFillClrLst meth="repeat">
-      <a:schemeClr val="dk1"/>
-    </dgm:txFillClrLst>
-    <dgm:txEffectClrLst/>
-  </dgm:styleLbl>
-  <dgm:styleLbl name="trAlignAcc1">
-    <dgm:fillClrLst meth="repeat">
-      <a:schemeClr val="lt1">
-        <a:alpha val="40000"/>
-      </a:schemeClr>
-    </dgm:fillClrLst>
-    <dgm:linClrLst meth="repeat">
-      <a:schemeClr val="accent1"/>
-    </dgm:linClrLst>
-    <dgm:effectClrLst/>
-    <dgm:txLinClrLst/>
-    <dgm:txFillClrLst meth="repeat">
-      <a:schemeClr val="dk1"/>
-    </dgm:txFillClrLst>
-    <dgm:txEffectClrLst/>
-  </dgm:styleLbl>
-  <dgm:styleLbl name="bgAcc1">
-    <dgm:fillClrLst meth="repeat">
-      <a:schemeClr val="lt1">
-        <a:alpha val="90000"/>
-      </a:schemeClr>
-    </dgm:fillClrLst>
-    <dgm:linClrLst meth="repeat">
-      <a:schemeClr val="accent1"/>
-    </dgm:linClrLst>
-    <dgm:effectClrLst/>
-    <dgm:txLinClrLst/>
-    <dgm:txFillClrLst meth="repeat">
-      <a:schemeClr val="dk1"/>
-    </dgm:txFillClrLst>
-    <dgm:txEffectClrLst/>
-  </dgm:styleLbl>
-  <dgm:styleLbl name="solidFgAcc1">
-    <dgm:fillClrLst meth="repeat">
-      <a:schemeClr val="lt1"/>
-    </dgm:fillClrLst>
-    <dgm:linClrLst meth="repeat">
-      <a:schemeClr val="accent1"/>
-    </dgm:linClrLst>
-    <dgm:effectClrLst/>
-    <dgm:txLinClrLst/>
-    <dgm:txFillClrLst meth="repeat">
-      <a:schemeClr val="dk1"/>
-    </dgm:txFillClrLst>
-    <dgm:txEffectClrLst/>
-  </dgm:styleLbl>
-  <dgm:styleLbl name="solidAlignAcc1">
-    <dgm:fillClrLst meth="repeat">
-      <a:schemeClr val="lt1"/>
-    </dgm:fillClrLst>
-    <dgm:linClrLst meth="repeat">
-      <a:schemeClr val="accent1"/>
-    </dgm:linClrLst>
-    <dgm:effectClrLst/>
-    <dgm:txLinClrLst/>
-    <dgm:txFillClrLst meth="repeat">
-      <a:schemeClr val="dk1"/>
-    </dgm:txFillClrLst>
-    <dgm:txEffectClrLst/>
-  </dgm:styleLbl>
-  <dgm:styleLbl name="solidBgAcc1">
-    <dgm:fillClrLst meth="repeat">
-      <a:schemeClr val="lt1"/>
-    </dgm:fillClrLst>
-    <dgm:linClrLst meth="repeat">
-      <a:schemeClr val="accent1"/>
-    </dgm:linClrLst>
-    <dgm:effectClrLst/>
-    <dgm:txLinClrLst/>
-    <dgm:txFillClrLst meth="repeat">
-      <a:schemeClr val="dk1"/>
-    </dgm:txFillClrLst>
-    <dgm:txEffectClrLst/>
-  </dgm:styleLbl>
-  <dgm:styleLbl name="fgAccFollowNode1">
-    <dgm:fillClrLst meth="repeat">
-      <a:schemeClr val="accent1">
-        <a:alpha val="90000"/>
-        <a:tint val="40000"/>
-      </a:schemeClr>
-    </dgm:fillClrLst>
-    <dgm:linClrLst meth="repeat">
-      <a:schemeClr val="accent1">
-        <a:alpha val="90000"/>
-        <a:tint val="40000"/>
-      </a:schemeClr>
-    </dgm:linClrLst>
-    <dgm:effectClrLst/>
-    <dgm:txLinClrLst/>
-    <dgm:txFillClrLst meth="repeat">
-      <a:schemeClr val="dk1"/>
-    </dgm:txFillClrLst>
-    <dgm:txEffectClrLst/>
-  </dgm:styleLbl>
-  <dgm:styleLbl name="alignAccFollowNode1">
-    <dgm:fillClrLst meth="repeat">
-      <a:schemeClr val="accent1">
-        <a:alpha val="90000"/>
-        <a:tint val="40000"/>
-      </a:schemeClr>
-    </dgm:fillClrLst>
-    <dgm:linClrLst meth="repeat">
-      <a:schemeClr val="accent1">
-        <a:alpha val="90000"/>
-        <a:tint val="40000"/>
-      </a:schemeClr>
-    </dgm:linClrLst>
-    <dgm:effectClrLst/>
-    <dgm:txLinClrLst/>
-    <dgm:txFillClrLst meth="repeat">
-      <a:schemeClr val="dk1"/>
-    </dgm:txFillClrLst>
-    <dgm:txEffectClrLst/>
-  </dgm:styleLbl>
-  <dgm:styleLbl name="bgAccFollowNode1">
-    <dgm:fillClrLst meth="repeat">
-      <a:schemeClr val="accent1">
-        <a:alpha val="90000"/>
-        <a:tint val="40000"/>
-      </a:schemeClr>
-    </dgm:fillClrLst>
-    <dgm:linClrLst meth="repeat">
-      <a:schemeClr val="accent1">
-        <a:alpha val="90000"/>
-        <a:tint val="40000"/>
-      </a:schemeClr>
-    </dgm:linClrLst>
-    <dgm:effectClrLst/>
-    <dgm:txLinClrLst/>
-    <dgm:txFillClrLst meth="repeat">
-      <a:schemeClr val="dk1"/>
-    </dgm:txFillClrLst>
-    <dgm:txEffectClrLst/>
-  </dgm:styleLbl>
-  <dgm:styleLbl name="fgAcc0">
-    <dgm:fillClrLst meth="repeat">
-      <a:schemeClr val="lt1">
-        <a:alpha val="90000"/>
-      </a:schemeClr>
-    </dgm:fillClrLst>
-    <dgm:linClrLst meth="repeat">
-      <a:schemeClr val="accent1"/>
-    </dgm:linClrLst>
-    <dgm:effectClrLst/>
-    <dgm:txLinClrLst/>
-    <dgm:txFillClrLst meth="repeat">
-      <a:schemeClr val="dk1"/>
-    </dgm:txFillClrLst>
-    <dgm:txEffectClrLst/>
-  </dgm:styleLbl>
-  <dgm:styleLbl name="fgAcc2">
-    <dgm:fillClrLst meth="repeat">
-      <a:schemeClr val="lt1">
-        <a:alpha val="90000"/>
-      </a:schemeClr>
-    </dgm:fillClrLst>
-    <dgm:linClrLst meth="repeat">
-      <a:schemeClr val="accent1"/>
-    </dgm:linClrLst>
-    <dgm:effectClrLst/>
-    <dgm:txLinClrLst/>
-    <dgm:txFillClrLst meth="repeat">
-      <a:schemeClr val="dk1"/>
-    </dgm:txFillClrLst>
-    <dgm:txEffectClrLst/>
-  </dgm:styleLbl>
-  <dgm:styleLbl name="fgAcc3">
-    <dgm:fillClrLst meth="repeat">
-      <a:schemeClr val="lt1">
-        <a:alpha val="90000"/>
-      </a:schemeClr>
-    </dgm:fillClrLst>
-    <dgm:linClrLst meth="repeat">
-      <a:schemeClr val="accent1"/>
-    </dgm:linClrLst>
-    <dgm:effectClrLst/>
-    <dgm:txLinClrLst/>
-    <dgm:txFillClrLst meth="repeat">
-      <a:schemeClr val="dk1"/>
-    </dgm:txFillClrLst>
-    <dgm:txEffectClrLst/>
-  </dgm:styleLbl>
-  <dgm:styleLbl name="fgAcc4">
-    <dgm:fillClrLst meth="repeat">
-      <a:schemeClr val="lt1">
-        <a:alpha val="90000"/>
-      </a:schemeClr>
-    </dgm:fillClrLst>
-    <dgm:linClrLst meth="repeat">
-      <a:schemeClr val="accent1"/>
-    </dgm:linClrLst>
-    <dgm:effectClrLst/>
-    <dgm:txLinClrLst/>
-    <dgm:txFillClrLst meth="repeat">
-      <a:schemeClr val="dk1"/>
-    </dgm:txFillClrLst>
-    <dgm:txEffectClrLst/>
-  </dgm:styleLbl>
-  <dgm:styleLbl name="bgShp">
-    <dgm:fillClrLst meth="repeat">
-      <a:schemeClr val="accent1">
-        <a:tint val="40000"/>
-      </a:schemeClr>
-    </dgm:fillClrLst>
-    <dgm:linClrLst meth="repeat">
-      <a:schemeClr val="accent1"/>
-    </dgm:linClrLst>
-    <dgm:effectClrLst/>
-    <dgm:txLinClrLst/>
-    <dgm:txFillClrLst meth="repeat">
-      <a:schemeClr val="dk1"/>
-    </dgm:txFillClrLst>
-    <dgm:txEffectClrLst/>
-  </dgm:styleLbl>
-  <dgm:styleLbl name="dkBgShp">
-    <dgm:fillClrLst meth="repeat">
-      <a:schemeClr val="accent1">
-        <a:shade val="80000"/>
-      </a:schemeClr>
-    </dgm:fillClrLst>
-    <dgm:linClrLst meth="repeat">
-      <a:schemeClr val="accent1"/>
-    </dgm:linClrLst>
-    <dgm:effectClrLst/>
-    <dgm:txLinClrLst/>
-    <dgm:txFillClrLst meth="repeat">
-      <a:schemeClr val="lt1"/>
-    </dgm:txFillClrLst>
-    <dgm:txEffectClrLst/>
-  </dgm:styleLbl>
-  <dgm:styleLbl name="trBgShp">
-    <dgm:fillClrLst meth="repeat">
-      <a:schemeClr val="accent1">
-        <a:tint val="50000"/>
-        <a:alpha val="40000"/>
-      </a:schemeClr>
-    </dgm:fillClrLst>
-    <dgm:linClrLst meth="repeat">
-      <a:schemeClr val="accent1"/>
-    </dgm:linClrLst>
-    <dgm:effectClrLst/>
-    <dgm:txLinClrLst/>
-    <dgm:txFillClrLst meth="repeat">
-      <a:schemeClr val="lt1"/>
-    </dgm:txFillClrLst>
-    <dgm:txEffectClrLst/>
-  </dgm:styleLbl>
-  <dgm:styleLbl name="fgShp">
-    <dgm:fillClrLst meth="repeat">
-      <a:schemeClr val="accent1">
-        <a:tint val="60000"/>
-      </a:schemeClr>
-    </dgm:fillClrLst>
-    <dgm:linClrLst meth="repeat">
-      <a:schemeClr val="lt1"/>
-    </dgm:linClrLst>
-    <dgm:effectClrLst/>
-    <dgm:txLinClrLst/>
-    <dgm:txFillClrLst meth="repeat">
-      <a:schemeClr val="dk1"/>
-    </dgm:txFillClrLst>
-    <dgm:txEffectClrLst/>
-  </dgm:styleLbl>
-  <dgm:styleLbl name="revTx">
-    <dgm:fillClrLst meth="repeat">
-      <a:schemeClr val="lt1">
-        <a:alpha val="0"/>
-      </a:schemeClr>
-    </dgm:fillClrLst>
-    <dgm:linClrLst meth="repeat">
-      <a:schemeClr val="dk1">
-        <a:alpha val="0"/>
-      </a:schemeClr>
-    </dgm:linClrLst>
-    <dgm:effectClrLst/>
-    <dgm:txLinClrLst/>
-    <dgm:txFillClrLst meth="repeat">
-      <a:schemeClr val="tx1"/>
-    </dgm:txFillClrLst>
-    <dgm:txEffectClrLst/>
-  </dgm:styleLbl>
-</dgm:colorsDef>
-</file>
-
-<file path=ppt/diagrams/colors2.xml><?xml version="1.0" encoding="utf-8"?>
-<dgm:colorsDef xmlns:dgm="http://schemas.openxmlformats.org/drawingml/2006/diagram" xmlns:a="http://schemas.openxmlformats.org/drawingml/2006/main" uniqueId="urn:microsoft.com/office/officeart/2005/8/colors/accent1_2">
-  <dgm:title val=""/>
-  <dgm:desc val=""/>
-  <dgm:catLst>
-    <dgm:cat type="accent1" pri="11200"/>
-  </dgm:catLst>
-  <dgm:styleLbl name="node0">
-    <dgm:fillClrLst meth="repeat">
-      <a:schemeClr val="accent1"/>
-    </dgm:fillClrLst>
-    <dgm:linClrLst meth="repeat">
-      <a:schemeClr val="lt1"/>
-    </dgm:linClrLst>
-    <dgm:effectClrLst/>
-    <dgm:txLinClrLst/>
-    <dgm:txFillClrLst/>
-    <dgm:txEffectClrLst/>
-  </dgm:styleLbl>
-  <dgm:styleLbl name="alignNode1">
-    <dgm:fillClrLst meth="repeat">
-      <a:schemeClr val="accent1"/>
-    </dgm:fillClrLst>
-    <dgm:linClrLst meth="repeat">
-      <a:schemeClr val="accent1"/>
-    </dgm:linClrLst>
-    <dgm:effectClrLst/>
-    <dgm:txLinClrLst/>
-    <dgm:txFillClrLst/>
-    <dgm:txEffectClrLst/>
-  </dgm:styleLbl>
-  <dgm:styleLbl name="node1">
-    <dgm:fillClrLst meth="repeat">
-      <a:schemeClr val="accent1"/>
-    </dgm:fillClrLst>
-    <dgm:linClrLst meth="repeat">
-      <a:schemeClr val="lt1"/>
-    </dgm:linClrLst>
-    <dgm:effectClrLst/>
-    <dgm:txLinClrLst/>
-    <dgm:txFillClrLst/>
-    <dgm:txEffectClrLst/>
-  </dgm:styleLbl>
-  <dgm:styleLbl name="lnNode1">
-    <dgm:fillClrLst meth="repeat">
-      <a:schemeClr val="accent1"/>
-    </dgm:fillClrLst>
-    <dgm:linClrLst meth="repeat">
-      <a:schemeClr val="lt1"/>
-    </dgm:linClrLst>
-    <dgm:effectClrLst/>
-    <dgm:txLinClrLst/>
-    <dgm:txFillClrLst/>
-    <dgm:txEffectClrLst/>
-  </dgm:styleLbl>
-  <dgm:styleLbl name="vennNode1">
-    <dgm:fillClrLst meth="repeat">
-      <a:schemeClr val="accent1">
-        <a:alpha val="50000"/>
-      </a:schemeClr>
-    </dgm:fillClrLst>
-    <dgm:linClrLst meth="repeat">
-      <a:schemeClr val="lt1"/>
-    </dgm:linClrLst>
-    <dgm:effectClrLst/>
-    <dgm:txLinClrLst/>
-    <dgm:txFillClrLst/>
-    <dgm:txEffectClrLst/>
-  </dgm:styleLbl>
-  <dgm:styleLbl name="node2">
-    <dgm:fillClrLst meth="repeat">
-      <a:schemeClr val="accent1"/>
-    </dgm:fillClrLst>
-    <dgm:linClrLst meth="repeat">
-      <a:schemeClr val="lt1"/>
-    </dgm:linClrLst>
-    <dgm:effectClrLst/>
-    <dgm:txLinClrLst/>
-    <dgm:txFillClrLst/>
-    <dgm:txEffectClrLst/>
-  </dgm:styleLbl>
-  <dgm:styleLbl name="node3">
-    <dgm:fillClrLst meth="repeat">
-      <a:schemeClr val="accent1"/>
-    </dgm:fillClrLst>
-    <dgm:linClrLst meth="repeat">
-      <a:schemeClr val="lt1"/>
-    </dgm:linClrLst>
-    <dgm:effectClrLst/>
-    <dgm:txLinClrLst/>
-    <dgm:txFillClrLst/>
-    <dgm:txEffectClrLst/>
-  </dgm:styleLbl>
-  <dgm:styleLbl name="node4">
-    <dgm:fillClrLst meth="repeat">
-      <a:schemeClr val="accent1"/>
-    </dgm:fillClrLst>
-    <dgm:linClrLst meth="repeat">
-      <a:schemeClr val="lt1"/>
-    </dgm:linClrLst>
-    <dgm:effectClrLst/>
-    <dgm:txLinClrLst/>
-    <dgm:txFillClrLst/>
-    <dgm:txEffectClrLst/>
-  </dgm:styleLbl>
-  <dgm:styleLbl name="fgImgPlace1">
-    <dgm:fillClrLst meth="repeat">
-      <a:schemeClr val="accent1">
-        <a:tint val="50000"/>
-      </a:schemeClr>
-    </dgm:fillClrLst>
-    <dgm:linClrLst meth="repeat">
-      <a:schemeClr val="lt1"/>
-    </dgm:linClrLst>
-    <dgm:effectClrLst/>
-    <dgm:txLinClrLst/>
-    <dgm:txFillClrLst meth="repeat">
-      <a:schemeClr val="lt1"/>
-    </dgm:txFillClrLst>
-    <dgm:txEffectClrLst/>
-  </dgm:styleLbl>
-  <dgm:styleLbl name="alignImgPlace1">
-    <dgm:fillClrLst meth="repeat">
-      <a:schemeClr val="accent1">
-        <a:tint val="50000"/>
-      </a:schemeClr>
-    </dgm:fillClrLst>
-    <dgm:linClrLst meth="repeat">
-      <a:schemeClr val="lt1"/>
-    </dgm:linClrLst>
-    <dgm:effectClrLst/>
-    <dgm:txLinClrLst/>
-    <dgm:txFillClrLst meth="repeat">
-      <a:schemeClr val="lt1"/>
-    </dgm:txFillClrLst>
-    <dgm:txEffectClrLst/>
-  </dgm:styleLbl>
-  <dgm:styleLbl name="bgImgPlace1">
-    <dgm:fillClrLst meth="repeat">
-      <a:schemeClr val="accent1">
-        <a:tint val="50000"/>
-      </a:schemeClr>
-    </dgm:fillClrLst>
-    <dgm:linClrLst meth="repeat">
-      <a:schemeClr val="lt1"/>
-    </dgm:linClrLst>
-    <dgm:effectClrLst/>
-    <dgm:txLinClrLst/>
-    <dgm:txFillClrLst meth="repeat">
-      <a:schemeClr val="lt1"/>
-    </dgm:txFillClrLst>
-    <dgm:txEffectClrLst/>
-  </dgm:styleLbl>
-  <dgm:styleLbl name="sibTrans2D1">
-    <dgm:fillClrLst meth="repeat">
-      <a:schemeClr val="accent1">
-        <a:tint val="60000"/>
-      </a:schemeClr>
-    </dgm:fillClrLst>
-    <dgm:linClrLst meth="repeat">
-      <a:schemeClr val="accent1">
-        <a:tint val="60000"/>
-      </a:schemeClr>
-    </dgm:linClrLst>
-    <dgm:effectClrLst/>
-    <dgm:txLinClrLst/>
-    <dgm:txFillClrLst/>
-    <dgm:txEffectClrLst/>
-  </dgm:styleLbl>
-  <dgm:styleLbl name="fgSibTrans2D1">
-    <dgm:fillClrLst meth="repeat">
-      <a:schemeClr val="accent1">
-        <a:tint val="60000"/>
-      </a:schemeClr>
-    </dgm:fillClrLst>
-    <dgm:linClrLst meth="repeat">
-      <a:schemeClr val="accent1">
-        <a:tint val="60000"/>
-      </a:schemeClr>
-    </dgm:linClrLst>
-    <dgm:effectClrLst/>
-    <dgm:txLinClrLst/>
-    <dgm:txFillClrLst/>
-    <dgm:txEffectClrLst/>
-  </dgm:styleLbl>
-  <dgm:styleLbl name="bgSibTrans2D1">
-    <dgm:fillClrLst meth="repeat">
-      <a:schemeClr val="accent1">
-        <a:tint val="60000"/>
-      </a:schemeClr>
-    </dgm:fillClrLst>
-    <dgm:linClrLst meth="repeat">
-      <a:schemeClr val="accent1">
-        <a:tint val="60000"/>
-      </a:schemeClr>
-    </dgm:linClrLst>
-    <dgm:effectClrLst/>
-    <dgm:txLinClrLst/>
-    <dgm:txFillClrLst/>
-    <dgm:txEffectClrLst/>
-  </dgm:styleLbl>
-  <dgm:styleLbl name="sibTrans1D1">
-    <dgm:fillClrLst meth="repeat">
-      <a:schemeClr val="accent1"/>
-    </dgm:fillClrLst>
-    <dgm:linClrLst meth="repeat">
-      <a:schemeClr val="accent1"/>
-    </dgm:linClrLst>
-    <dgm:effectClrLst/>
-    <dgm:txLinClrLst/>
-    <dgm:txFillClrLst meth="repeat">
-      <a:schemeClr val="tx1"/>
-    </dgm:txFillClrLst>
-    <dgm:txEffectClrLst/>
-  </dgm:styleLbl>
-  <dgm:styleLbl name="callout">
-    <dgm:fillClrLst meth="repeat">
-      <a:schemeClr val="accent1"/>
-    </dgm:fillClrLst>
-    <dgm:linClrLst meth="repeat">
-      <a:schemeClr val="accent1">
-        <a:tint val="50000"/>
-      </a:schemeClr>
-    </dgm:linClrLst>
-    <dgm:effectClrLst/>
-    <dgm:txLinClrLst/>
-    <dgm:txFillClrLst meth="repeat">
-      <a:schemeClr val="tx1"/>
-    </dgm:txFillClrLst>
-    <dgm:txEffectClrLst/>
-  </dgm:styleLbl>
-  <dgm:styleLbl name="asst0">
-    <dgm:fillClrLst meth="repeat">
-      <a:schemeClr val="accent1"/>
-    </dgm:fillClrLst>
-    <dgm:linClrLst meth="repeat">
-      <a:schemeClr val="lt1"/>
-    </dgm:linClrLst>
-    <dgm:effectClrLst/>
-    <dgm:txLinClrLst/>
-    <dgm:txFillClrLst/>
-    <dgm:txEffectClrLst/>
-  </dgm:styleLbl>
-  <dgm:styleLbl name="asst1">
-    <dgm:fillClrLst meth="repeat">
-      <a:schemeClr val="accent1"/>
-    </dgm:fillClrLst>
-    <dgm:linClrLst meth="repeat">
-      <a:schemeClr val="lt1"/>
-    </dgm:linClrLst>
-    <dgm:effectClrLst/>
-    <dgm:txLinClrLst/>
-    <dgm:txFillClrLst/>
-    <dgm:txEffectClrLst/>
-  </dgm:styleLbl>
-  <dgm:styleLbl name="asst2">
-    <dgm:fillClrLst meth="repeat">
-      <a:schemeClr val="accent1"/>
-    </dgm:fillClrLst>
-    <dgm:linClrLst meth="repeat">
-      <a:schemeClr val="lt1"/>
-    </dgm:linClrLst>
-    <dgm:effectClrLst/>
-    <dgm:txLinClrLst/>
-    <dgm:txFillClrLst/>
-    <dgm:txEffectClrLst/>
-  </dgm:styleLbl>
-  <dgm:styleLbl name="asst3">
-    <dgm:fillClrLst meth="repeat">
-      <a:schemeClr val="accent1"/>
-    </dgm:fillClrLst>
-    <dgm:linClrLst meth="repeat">
-      <a:schemeClr val="lt1"/>
-    </dgm:linClrLst>
-    <dgm:effectClrLst/>
-    <dgm:txLinClrLst/>
-    <dgm:txFillClrLst/>
-    <dgm:txEffectClrLst/>
-  </dgm:styleLbl>
-  <dgm:styleLbl name="asst4">
-    <dgm:fillClrLst meth="repeat">
-      <a:schemeClr val="accent1"/>
-    </dgm:fillClrLst>
-    <dgm:linClrLst meth="repeat">
-      <a:schemeClr val="lt1"/>
-    </dgm:linClrLst>
-    <dgm:effectClrLst/>
-    <dgm:txLinClrLst/>
-    <dgm:txFillClrLst/>
-    <dgm:txEffectClrLst/>
-  </dgm:styleLbl>
-  <dgm:styleLbl name="parChTrans2D1">
-    <dgm:fillClrLst meth="repeat">
-      <a:schemeClr val="accent1">
-        <a:tint val="60000"/>
-      </a:schemeClr>
-    </dgm:fillClrLst>
-    <dgm:linClrLst meth="repeat">
-      <a:schemeClr val="accent1">
-        <a:tint val="60000"/>
-      </a:schemeClr>
-    </dgm:linClrLst>
-    <dgm:effectClrLst/>
-    <dgm:txLinClrLst/>
-    <dgm:txFillClrLst meth="repeat">
-      <a:schemeClr val="lt1"/>
-    </dgm:txFillClrLst>
-    <dgm:txEffectClrLst/>
-  </dgm:styleLbl>
-  <dgm:styleLbl name="parChTrans2D2">
-    <dgm:fillClrLst meth="repeat">
-      <a:schemeClr val="accent1"/>
-    </dgm:fillClrLst>
-    <dgm:linClrLst meth="repeat">
-      <a:schemeClr val="accent1"/>
-    </dgm:linClrLst>
-    <dgm:effectClrLst/>
-    <dgm:txLinClrLst/>
-    <dgm:txFillClrLst meth="repeat">
-      <a:schemeClr val="lt1"/>
-    </dgm:txFillClrLst>
-    <dgm:txEffectClrLst/>
-  </dgm:styleLbl>
-  <dgm:styleLbl name="parChTrans2D3">
-    <dgm:fillClrLst meth="repeat">
-      <a:schemeClr val="accent1"/>
-    </dgm:fillClrLst>
-    <dgm:linClrLst meth="repeat">
-      <a:schemeClr val="accent1"/>
-    </dgm:linClrLst>
-    <dgm:effectClrLst/>
-    <dgm:txLinClrLst/>
-    <dgm:txFillClrLst meth="repeat">
-      <a:schemeClr val="lt1"/>
-    </dgm:txFillClrLst>
-    <dgm:txEffectClrLst/>
-  </dgm:styleLbl>
-  <dgm:styleLbl name="parChTrans2D4">
-    <dgm:fillClrLst meth="repeat">
-      <a:schemeClr val="accent1"/>
-    </dgm:fillClrLst>
-    <dgm:linClrLst meth="repeat">
-      <a:schemeClr val="accent1"/>
-    </dgm:linClrLst>
-    <dgm:effectClrLst/>
-    <dgm:txLinClrLst/>
-    <dgm:txFillClrLst meth="repeat">
-      <a:schemeClr val="lt1"/>
-    </dgm:txFillClrLst>
-    <dgm:txEffectClrLst/>
-  </dgm:styleLbl>
-  <dgm:styleLbl name="parChTrans1D1">
-    <dgm:fillClrLst meth="repeat">
-      <a:schemeClr val="accent1"/>
-    </dgm:fillClrLst>
-    <dgm:linClrLst meth="repeat">
-      <a:schemeClr val="accent1">
-        <a:shade val="60000"/>
-      </a:schemeClr>
-    </dgm:linClrLst>
-    <dgm:effectClrLst/>
-    <dgm:txLinClrLst/>
-    <dgm:txFillClrLst meth="repeat">
-      <a:schemeClr val="tx1"/>
-    </dgm:txFillClrLst>
-    <dgm:txEffectClrLst/>
-  </dgm:styleLbl>
-  <dgm:styleLbl name="parChTrans1D2">
-    <dgm:fillClrLst meth="repeat">
-      <a:schemeClr val="accent1"/>
-    </dgm:fillClrLst>
-    <dgm:linClrLst meth="repeat">
-      <a:schemeClr val="accent1">
-        <a:shade val="60000"/>
-      </a:schemeClr>
-    </dgm:linClrLst>
-    <dgm:effectClrLst/>
-    <dgm:txLinClrLst/>
-    <dgm:txFillClrLst meth="repeat">
-      <a:schemeClr val="tx1"/>
-    </dgm:txFillClrLst>
-    <dgm:txEffectClrLst/>
-  </dgm:styleLbl>
-  <dgm:styleLbl name="parChTrans1D3">
-    <dgm:fillClrLst meth="repeat">
-      <a:schemeClr val="accent1"/>
-    </dgm:fillClrLst>
-    <dgm:linClrLst meth="repeat">
-      <a:schemeClr val="accent1">
-        <a:shade val="80000"/>
-      </a:schemeClr>
-    </dgm:linClrLst>
-    <dgm:effectClrLst/>
-    <dgm:txLinClrLst/>
-    <dgm:txFillClrLst meth="repeat">
-      <a:schemeClr val="tx1"/>
-    </dgm:txFillClrLst>
-    <dgm:txEffectClrLst/>
-  </dgm:styleLbl>
-  <dgm:styleLbl name="parChTrans1D4">
-    <dgm:fillClrLst meth="repeat">
-      <a:schemeClr val="accent1"/>
-    </dgm:fillClrLst>
-    <dgm:linClrLst meth="repeat">
-      <a:schemeClr val="accent1">
-        <a:shade val="80000"/>
-      </a:schemeClr>
-    </dgm:linClrLst>
-    <dgm:effectClrLst/>
-    <dgm:txLinClrLst/>
-    <dgm:txFillClrLst meth="repeat">
-      <a:schemeClr val="tx1"/>
-    </dgm:txFillClrLst>
-    <dgm:txEffectClrLst/>
-  </dgm:styleLbl>
-  <dgm:styleLbl name="fgAcc1">
-    <dgm:fillClrLst meth="repeat">
-      <a:schemeClr val="lt1">
-        <a:alpha val="90000"/>
-      </a:schemeClr>
-    </dgm:fillClrLst>
-    <dgm:linClrLst meth="repeat">
-      <a:schemeClr val="accent1"/>
-    </dgm:linClrLst>
-    <dgm:effectClrLst/>
-    <dgm:txLinClrLst/>
-    <dgm:txFillClrLst meth="repeat">
-      <a:schemeClr val="dk1"/>
-    </dgm:txFillClrLst>
-    <dgm:txEffectClrLst/>
-  </dgm:styleLbl>
-  <dgm:styleLbl name="conFgAcc1">
-    <dgm:fillClrLst meth="repeat">
-      <a:schemeClr val="lt1">
-        <a:alpha val="90000"/>
-      </a:schemeClr>
-    </dgm:fillClrLst>
-    <dgm:linClrLst meth="repeat">
-      <a:schemeClr val="accent1"/>
-    </dgm:linClrLst>
-    <dgm:effectClrLst/>
-    <dgm:txLinClrLst/>
-    <dgm:txFillClrLst meth="repeat">
-      <a:schemeClr val="dk1"/>
-    </dgm:txFillClrLst>
-    <dgm:txEffectClrLst/>
-  </dgm:styleLbl>
-  <dgm:styleLbl name="alignAcc1">
-    <dgm:fillClrLst meth="repeat">
-      <a:schemeClr val="lt1">
-        <a:alpha val="90000"/>
-      </a:schemeClr>
-    </dgm:fillClrLst>
-    <dgm:linClrLst meth="repeat">
-      <a:schemeClr val="accent1"/>
-    </dgm:linClrLst>
-    <dgm:effectClrLst/>
-    <dgm:txLinClrLst/>
-    <dgm:txFillClrLst meth="repeat">
-      <a:schemeClr val="dk1"/>
-    </dgm:txFillClrLst>
-    <dgm:txEffectClrLst/>
-  </dgm:styleLbl>
-  <dgm:styleLbl name="trAlignAcc1">
-    <dgm:fillClrLst meth="repeat">
-      <a:schemeClr val="lt1">
-        <a:alpha val="40000"/>
-      </a:schemeClr>
-    </dgm:fillClrLst>
-    <dgm:linClrLst meth="repeat">
-      <a:schemeClr val="accent1"/>
-    </dgm:linClrLst>
-    <dgm:effectClrLst/>
-    <dgm:txLinClrLst/>
-    <dgm:txFillClrLst meth="repeat">
-      <a:schemeClr val="dk1"/>
-    </dgm:txFillClrLst>
-    <dgm:txEffectClrLst/>
-  </dgm:styleLbl>
-  <dgm:styleLbl name="bgAcc1">
-    <dgm:fillClrLst meth="repeat">
-      <a:schemeClr val="lt1">
-        <a:alpha val="90000"/>
-      </a:schemeClr>
-    </dgm:fillClrLst>
-    <dgm:linClrLst meth="repeat">
-      <a:schemeClr val="accent1"/>
-    </dgm:linClrLst>
-    <dgm:effectClrLst/>
-    <dgm:txLinClrLst/>
-    <dgm:txFillClrLst meth="repeat">
-      <a:schemeClr val="dk1"/>
-    </dgm:txFillClrLst>
-    <dgm:txEffectClrLst/>
-  </dgm:styleLbl>
-  <dgm:styleLbl name="solidFgAcc1">
-    <dgm:fillClrLst meth="repeat">
-      <a:schemeClr val="lt1"/>
-    </dgm:fillClrLst>
-    <dgm:linClrLst meth="repeat">
-      <a:schemeClr val="accent1"/>
-    </dgm:linClrLst>
-    <dgm:effectClrLst/>
-    <dgm:txLinClrLst/>
-    <dgm:txFillClrLst meth="repeat">
-      <a:schemeClr val="dk1"/>
-    </dgm:txFillClrLst>
-    <dgm:txEffectClrLst/>
-  </dgm:styleLbl>
-  <dgm:styleLbl name="solidAlignAcc1">
-    <dgm:fillClrLst meth="repeat">
-      <a:schemeClr val="lt1"/>
-    </dgm:fillClrLst>
-    <dgm:linClrLst meth="repeat">
-      <a:schemeClr val="accent1"/>
-    </dgm:linClrLst>
-    <dgm:effectClrLst/>
-    <dgm:txLinClrLst/>
-    <dgm:txFillClrLst meth="repeat">
-      <a:schemeClr val="dk1"/>
-    </dgm:txFillClrLst>
-    <dgm:txEffectClrLst/>
-  </dgm:styleLbl>
-  <dgm:styleLbl name="solidBgAcc1">
-    <dgm:fillClrLst meth="repeat">
-      <a:schemeClr val="lt1"/>
-    </dgm:fillClrLst>
-    <dgm:linClrLst meth="repeat">
-      <a:schemeClr val="accent1"/>
-    </dgm:linClrLst>
-    <dgm:effectClrLst/>
-    <dgm:txLinClrLst/>
-    <dgm:txFillClrLst meth="repeat">
-      <a:schemeClr val="dk1"/>
-    </dgm:txFillClrLst>
-    <dgm:txEffectClrLst/>
-  </dgm:styleLbl>
-  <dgm:styleLbl name="fgAccFollowNode1">
-    <dgm:fillClrLst meth="repeat">
-      <a:schemeClr val="accent1">
-        <a:alpha val="90000"/>
-        <a:tint val="40000"/>
-      </a:schemeClr>
-    </dgm:fillClrLst>
-    <dgm:linClrLst meth="repeat">
-      <a:schemeClr val="accent1">
-        <a:alpha val="90000"/>
-        <a:tint val="40000"/>
-      </a:schemeClr>
-    </dgm:linClrLst>
-    <dgm:effectClrLst/>
-    <dgm:txLinClrLst/>
-    <dgm:txFillClrLst meth="repeat">
-      <a:schemeClr val="dk1"/>
-    </dgm:txFillClrLst>
-    <dgm:txEffectClrLst/>
-  </dgm:styleLbl>
-  <dgm:styleLbl name="alignAccFollowNode1">
-    <dgm:fillClrLst meth="repeat">
-      <a:schemeClr val="accent1">
-        <a:alpha val="90000"/>
-        <a:tint val="40000"/>
-      </a:schemeClr>
-    </dgm:fillClrLst>
-    <dgm:linClrLst meth="repeat">
-      <a:schemeClr val="accent1">
-        <a:alpha val="90000"/>
-        <a:tint val="40000"/>
-      </a:schemeClr>
-    </dgm:linClrLst>
-    <dgm:effectClrLst/>
-    <dgm:txLinClrLst/>
-    <dgm:txFillClrLst meth="repeat">
-      <a:schemeClr val="dk1"/>
-    </dgm:txFillClrLst>
-    <dgm:txEffectClrLst/>
-  </dgm:styleLbl>
-  <dgm:styleLbl name="bgAccFollowNode1">
-    <dgm:fillClrLst meth="repeat">
-      <a:schemeClr val="accent1">
-        <a:alpha val="90000"/>
-        <a:tint val="40000"/>
-      </a:schemeClr>
-    </dgm:fillClrLst>
-    <dgm:linClrLst meth="repeat">
-      <a:schemeClr val="accent1">
-        <a:alpha val="90000"/>
-        <a:tint val="40000"/>
-      </a:schemeClr>
-    </dgm:linClrLst>
-    <dgm:effectClrLst/>
-    <dgm:txLinClrLst/>
-    <dgm:txFillClrLst meth="repeat">
-      <a:schemeClr val="dk1"/>
-    </dgm:txFillClrLst>
-    <dgm:txEffectClrLst/>
-  </dgm:styleLbl>
-  <dgm:styleLbl name="fgAcc0">
-    <dgm:fillClrLst meth="repeat">
-      <a:schemeClr val="lt1">
-        <a:alpha val="90000"/>
-      </a:schemeClr>
-    </dgm:fillClrLst>
-    <dgm:linClrLst meth="repeat">
-      <a:schemeClr val="accent1"/>
-    </dgm:linClrLst>
-    <dgm:effectClrLst/>
-    <dgm:txLinClrLst/>
-    <dgm:txFillClrLst meth="repeat">
-      <a:schemeClr val="dk1"/>
-    </dgm:txFillClrLst>
-    <dgm:txEffectClrLst/>
-  </dgm:styleLbl>
-  <dgm:styleLbl name="fgAcc2">
-    <dgm:fillClrLst meth="repeat">
-      <a:schemeClr val="lt1">
-        <a:alpha val="90000"/>
-      </a:schemeClr>
-    </dgm:fillClrLst>
-    <dgm:linClrLst meth="repeat">
-      <a:schemeClr val="accent1"/>
-    </dgm:linClrLst>
-    <dgm:effectClrLst/>
-    <dgm:txLinClrLst/>
-    <dgm:txFillClrLst meth="repeat">
-      <a:schemeClr val="dk1"/>
-    </dgm:txFillClrLst>
-    <dgm:txEffectClrLst/>
-  </dgm:styleLbl>
-  <dgm:styleLbl name="fgAcc3">
-    <dgm:fillClrLst meth="repeat">
-      <a:schemeClr val="lt1">
-        <a:alpha val="90000"/>
-      </a:schemeClr>
-    </dgm:fillClrLst>
-    <dgm:linClrLst meth="repeat">
-      <a:schemeClr val="accent1"/>
-    </dgm:linClrLst>
-    <dgm:effectClrLst/>
-    <dgm:txLinClrLst/>
-    <dgm:txFillClrLst meth="repeat">
-      <a:schemeClr val="dk1"/>
-    </dgm:txFillClrLst>
-    <dgm:txEffectClrLst/>
-  </dgm:styleLbl>
-  <dgm:styleLbl name="fgAcc4">
-    <dgm:fillClrLst meth="repeat">
-      <a:schemeClr val="lt1">
-        <a:alpha val="90000"/>
-      </a:schemeClr>
-    </dgm:fillClrLst>
-    <dgm:linClrLst meth="repeat">
-      <a:schemeClr val="accent1"/>
-    </dgm:linClrLst>
-    <dgm:effectClrLst/>
-    <dgm:txLinClrLst/>
-    <dgm:txFillClrLst meth="repeat">
-      <a:schemeClr val="dk1"/>
-    </dgm:txFillClrLst>
-    <dgm:txEffectClrLst/>
-  </dgm:styleLbl>
-  <dgm:styleLbl name="bgShp">
-    <dgm:fillClrLst meth="repeat">
-      <a:schemeClr val="accent1">
-        <a:tint val="40000"/>
-      </a:schemeClr>
-    </dgm:fillClrLst>
-    <dgm:linClrLst meth="repeat">
-      <a:schemeClr val="accent1"/>
-    </dgm:linClrLst>
-    <dgm:effectClrLst/>
-    <dgm:txLinClrLst/>
-    <dgm:txFillClrLst meth="repeat">
-      <a:schemeClr val="dk1"/>
-    </dgm:txFillClrLst>
-    <dgm:txEffectClrLst/>
-  </dgm:styleLbl>
-  <dgm:styleLbl name="dkBgShp">
-    <dgm:fillClrLst meth="repeat">
-      <a:schemeClr val="accent1">
-        <a:shade val="80000"/>
-      </a:schemeClr>
-    </dgm:fillClrLst>
-    <dgm:linClrLst meth="repeat">
-      <a:schemeClr val="accent1"/>
-    </dgm:linClrLst>
-    <dgm:effectClrLst/>
-    <dgm:txLinClrLst/>
-    <dgm:txFillClrLst meth="repeat">
-      <a:schemeClr val="lt1"/>
-    </dgm:txFillClrLst>
-    <dgm:txEffectClrLst/>
-  </dgm:styleLbl>
-  <dgm:styleLbl name="trBgShp">
-    <dgm:fillClrLst meth="repeat">
-      <a:schemeClr val="accent1">
-        <a:tint val="50000"/>
-        <a:alpha val="40000"/>
-      </a:schemeClr>
-    </dgm:fillClrLst>
-    <dgm:linClrLst meth="repeat">
-      <a:schemeClr val="accent1"/>
-    </dgm:linClrLst>
-    <dgm:effectClrLst/>
-    <dgm:txLinClrLst/>
-    <dgm:txFillClrLst meth="repeat">
-      <a:schemeClr val="lt1"/>
-    </dgm:txFillClrLst>
-    <dgm:txEffectClrLst/>
-  </dgm:styleLbl>
-  <dgm:styleLbl name="fgShp">
-    <dgm:fillClrLst meth="repeat">
-      <a:schemeClr val="accent1">
-        <a:tint val="60000"/>
-      </a:schemeClr>
-    </dgm:fillClrLst>
-    <dgm:linClrLst meth="repeat">
-      <a:schemeClr val="lt1"/>
-    </dgm:linClrLst>
-    <dgm:effectClrLst/>
-    <dgm:txLinClrLst/>
-    <dgm:txFillClrLst meth="repeat">
-      <a:schemeClr val="dk1"/>
-    </dgm:txFillClrLst>
-    <dgm:txEffectClrLst/>
-  </dgm:styleLbl>
-  <dgm:styleLbl name="revTx">
-    <dgm:fillClrLst meth="repeat">
-      <a:schemeClr val="lt1">
-        <a:alpha val="0"/>
-      </a:schemeClr>
-    </dgm:fillClrLst>
-    <dgm:linClrLst meth="repeat">
-      <a:schemeClr val="dk1">
-        <a:alpha val="0"/>
-      </a:schemeClr>
-    </dgm:linClrLst>
-    <dgm:effectClrLst/>
-    <dgm:txLinClrLst/>
-    <dgm:txFillClrLst meth="repeat">
-      <a:schemeClr val="tx1"/>
-    </dgm:txFillClrLst>
-    <dgm:txEffectClrLst/>
-  </dgm:styleLbl>
-</dgm:colorsDef>
-</file>
-
-<file path=ppt/diagrams/data1.xml><?xml version="1.0" encoding="utf-8"?>
-<dgm:dataModel xmlns:dgm="http://schemas.openxmlformats.org/drawingml/2006/diagram" xmlns:a="http://schemas.openxmlformats.org/drawingml/2006/main">
-  <dgm:ptLst>
-    <dgm:pt modelId="{9CD872B7-1BAB-4E4A-B8AC-77F573EAECF7}" type="doc">
-      <dgm:prSet loTypeId="urn:microsoft.com/office/officeart/2005/8/layout/matrix3" loCatId="matrix" qsTypeId="urn:microsoft.com/office/officeart/2005/8/quickstyle/simple1" qsCatId="simple" csTypeId="urn:microsoft.com/office/officeart/2005/8/colors/accent1_2" csCatId="accent1" phldr="1"/>
-      <dgm:spPr/>
-      <dgm:t>
-        <a:bodyPr/>
-        <a:lstStyle/>
-        <a:p>
-          <a:endParaRPr lang="it-IT"/>
-        </a:p>
-      </dgm:t>
-    </dgm:pt>
-    <mc:AlternateContent xmlns:mc="http://schemas.openxmlformats.org/markup-compatibility/2006" xmlns:a14="http://schemas.microsoft.com/office/drawing/2010/main">
-      <mc:Choice Requires="a14">
-        <dgm:pt modelId="{CE64F15D-B261-44A3-9252-F491C440CC2E}">
-          <dgm:prSet phldrT="[Testo]"/>
-          <dgm:spPr/>
-          <dgm:t>
-            <a:bodyPr/>
-            <a:lstStyle/>
-            <a:p>
-              <a:pPr/>
-              <a14:m>
-                <m:oMathPara xmlns:m="http://schemas.openxmlformats.org/officeDocument/2006/math">
-                  <m:oMathParaPr>
-                    <m:jc m:val="centerGroup"/>
-                  </m:oMathParaPr>
-                  <m:oMath xmlns:m="http://schemas.openxmlformats.org/officeDocument/2006/math">
-                    <m:sSub>
-                      <m:sSubPr>
-                        <m:ctrlPr>
-                          <a:rPr lang="it-IT" i="1" smtClean="0">
-                            <a:latin typeface="Cambria Math" panose="02040503050406030204" pitchFamily="18" charset="0"/>
-                          </a:rPr>
-                        </m:ctrlPr>
-                      </m:sSubPr>
-                      <m:e>
-                        <m:r>
-                          <a:rPr lang="it-IT" b="0" i="1" smtClean="0">
-                            <a:latin typeface="Cambria Math" panose="02040503050406030204" pitchFamily="18" charset="0"/>
-                          </a:rPr>
-                          <m:t>𝑅</m:t>
-                        </m:r>
-                      </m:e>
-                      <m:sub>
-                        <m:r>
-                          <a:rPr lang="it-IT" b="0" i="1" smtClean="0">
-                            <a:latin typeface="Cambria Math" panose="02040503050406030204" pitchFamily="18" charset="0"/>
-                          </a:rPr>
-                          <m:t>𝑧</m:t>
-                        </m:r>
-                      </m:sub>
-                    </m:sSub>
-                    <m:r>
-                      <a:rPr lang="it-IT" b="0" i="1" smtClean="0">
-                        <a:latin typeface="Cambria Math" panose="02040503050406030204" pitchFamily="18" charset="0"/>
-                      </a:rPr>
-                      <m:t>(</m:t>
-                    </m:r>
-                    <m:sSub>
-                      <m:sSubPr>
-                        <m:ctrlPr>
-                          <a:rPr lang="it-IT" b="0" i="1" smtClean="0">
-                            <a:latin typeface="Cambria Math" panose="02040503050406030204" pitchFamily="18" charset="0"/>
-                          </a:rPr>
-                        </m:ctrlPr>
-                      </m:sSubPr>
-                      <m:e>
-                        <m:r>
-                          <a:rPr lang="it-IT" b="0" i="1" smtClean="0">
-                            <a:latin typeface="Cambria Math" panose="02040503050406030204" pitchFamily="18" charset="0"/>
-                          </a:rPr>
-                          <m:t>𝑞</m:t>
-                        </m:r>
-                      </m:e>
-                      <m:sub>
-                        <m:r>
-                          <a:rPr lang="it-IT" b="0" i="1" smtClean="0">
-                            <a:latin typeface="Cambria Math" panose="02040503050406030204" pitchFamily="18" charset="0"/>
-                          </a:rPr>
-                          <m:t>1</m:t>
-                        </m:r>
-                      </m:sub>
-                    </m:sSub>
-                    <m:r>
-                      <a:rPr lang="it-IT" b="0" i="1" smtClean="0">
-                        <a:latin typeface="Cambria Math" panose="02040503050406030204" pitchFamily="18" charset="0"/>
-                      </a:rPr>
-                      <m:t>)</m:t>
-                    </m:r>
-                  </m:oMath>
-                </m:oMathPara>
-              </a14:m>
-              <a:endParaRPr lang="it-IT" dirty="0"/>
-            </a:p>
-          </dgm:t>
-        </dgm:pt>
-      </mc:Choice>
-      <mc:Fallback xmlns="">
-        <dgm:pt modelId="{CE64F15D-B261-44A3-9252-F491C440CC2E}">
-          <dgm:prSet phldrT="[Testo]"/>
-          <dgm:spPr/>
-          <dgm:t>
-            <a:bodyPr/>
-            <a:lstStyle/>
-            <a:p>
-              <a:r>
-                <a:rPr lang="it-IT" b="0" i="0">
-                  <a:latin typeface="Cambria Math" panose="02040503050406030204" pitchFamily="18" charset="0"/>
-                </a:rPr>
-                <a:t>𝑅_𝑧 (𝑞_1)</a:t>
-              </a:r>
-              <a:endParaRPr lang="it-IT" dirty="0"/>
-            </a:p>
-          </dgm:t>
-        </dgm:pt>
-      </mc:Fallback>
-    </mc:AlternateContent>
-    <dgm:pt modelId="{BFA59D88-77E1-4C0C-A626-29C8D5988C6C}" type="parTrans" cxnId="{57A9A5F7-E439-4817-A8ED-9CDD98297CA8}">
-      <dgm:prSet/>
-      <dgm:spPr/>
-      <dgm:t>
-        <a:bodyPr/>
-        <a:lstStyle/>
-        <a:p>
-          <a:endParaRPr lang="it-IT"/>
-        </a:p>
-      </dgm:t>
-    </dgm:pt>
-    <dgm:pt modelId="{C748B44A-582C-4C0E-AA4C-0DB33133F66F}" type="sibTrans" cxnId="{57A9A5F7-E439-4817-A8ED-9CDD98297CA8}">
-      <dgm:prSet/>
-      <dgm:spPr/>
-      <dgm:t>
-        <a:bodyPr/>
-        <a:lstStyle/>
-        <a:p>
-          <a:endParaRPr lang="it-IT"/>
-        </a:p>
-      </dgm:t>
-    </dgm:pt>
-    <mc:AlternateContent xmlns:mc="http://schemas.openxmlformats.org/markup-compatibility/2006" xmlns:a14="http://schemas.microsoft.com/office/drawing/2010/main">
-      <mc:Choice Requires="a14">
-        <dgm:pt modelId="{A67A8079-0A30-4A6E-8CA0-8EEBBB3805FF}">
-          <dgm:prSet phldrT="[Testo]"/>
-          <dgm:spPr/>
-          <dgm:t>
-            <a:bodyPr/>
-            <a:lstStyle/>
-            <a:p>
-              <a:pPr/>
-              <a14:m>
-                <m:oMathPara xmlns:m="http://schemas.openxmlformats.org/officeDocument/2006/math">
-                  <m:oMathParaPr>
-                    <m:jc m:val="centerGroup"/>
-                  </m:oMathParaPr>
-                  <m:oMath xmlns:m="http://schemas.openxmlformats.org/officeDocument/2006/math">
-                    <m:sSub>
-                      <m:sSubPr>
-                        <m:ctrlPr>
-                          <a:rPr lang="it-IT" i="1" smtClean="0">
-                            <a:latin typeface="Cambria Math" panose="02040503050406030204" pitchFamily="18" charset="0"/>
-                          </a:rPr>
-                        </m:ctrlPr>
-                      </m:sSubPr>
-                      <m:e>
-                        <m:r>
-                          <a:rPr lang="it-IT" b="0" i="1" smtClean="0">
-                            <a:latin typeface="Cambria Math" panose="02040503050406030204" pitchFamily="18" charset="0"/>
-                          </a:rPr>
-                          <m:t>𝑅</m:t>
-                        </m:r>
-                      </m:e>
-                      <m:sub>
-                        <m:r>
-                          <a:rPr lang="it-IT" b="0" i="1" smtClean="0">
-                            <a:latin typeface="Cambria Math" panose="02040503050406030204" pitchFamily="18" charset="0"/>
-                          </a:rPr>
-                          <m:t>𝑧</m:t>
-                        </m:r>
-                      </m:sub>
-                    </m:sSub>
-                    <m:d>
-                      <m:dPr>
-                        <m:ctrlPr>
-                          <a:rPr lang="it-IT" b="0" i="1" smtClean="0">
-                            <a:latin typeface="Cambria Math" panose="02040503050406030204" pitchFamily="18" charset="0"/>
-                          </a:rPr>
-                        </m:ctrlPr>
-                      </m:dPr>
-                      <m:e>
-                        <m:sSub>
-                          <m:sSubPr>
-                            <m:ctrlPr>
-                              <a:rPr lang="it-IT" i="1" dirty="0" smtClean="0">
-                                <a:latin typeface="Cambria Math" panose="02040503050406030204" pitchFamily="18" charset="0"/>
-                              </a:rPr>
-                            </m:ctrlPr>
-                          </m:sSubPr>
-                          <m:e>
-                            <m:r>
-                              <a:rPr lang="it-IT" b="0" i="1" dirty="0" smtClean="0">
-                                <a:latin typeface="Cambria Math" panose="02040503050406030204" pitchFamily="18" charset="0"/>
-                              </a:rPr>
-                              <m:t>𝑞</m:t>
-                            </m:r>
-                          </m:e>
-                          <m:sub>
-                            <m:r>
-                              <a:rPr lang="it-IT" b="0" i="1" dirty="0" smtClean="0">
-                                <a:latin typeface="Cambria Math" panose="02040503050406030204" pitchFamily="18" charset="0"/>
-                              </a:rPr>
-                              <m:t>1</m:t>
-                            </m:r>
-                          </m:sub>
-                        </m:sSub>
-                      </m:e>
-                    </m:d>
-                    <m:r>
-                      <a:rPr lang="it-IT" b="0" i="1" smtClean="0">
-                        <a:latin typeface="Cambria Math" panose="02040503050406030204" pitchFamily="18" charset="0"/>
-                      </a:rPr>
-                      <m:t>∗</m:t>
-                    </m:r>
-                    <m:d>
-                      <m:dPr>
-                        <m:ctrlPr>
-                          <a:rPr lang="it-IT" b="0" i="1" smtClean="0">
-                            <a:latin typeface="Cambria Math" panose="02040503050406030204" pitchFamily="18" charset="0"/>
-                          </a:rPr>
-                        </m:ctrlPr>
-                      </m:dPr>
-                      <m:e>
-                        <m:sSub>
-                          <m:sSubPr>
-                            <m:ctrlPr>
-                              <a:rPr lang="it-IT" b="0" i="1" smtClean="0">
-                                <a:latin typeface="Cambria Math" panose="02040503050406030204" pitchFamily="18" charset="0"/>
-                              </a:rPr>
-                            </m:ctrlPr>
-                          </m:sSubPr>
-                          <m:e>
-                            <m:r>
-                              <a:rPr lang="it-IT" b="0" i="1" smtClean="0">
-                                <a:latin typeface="Cambria Math" panose="02040503050406030204" pitchFamily="18" charset="0"/>
-                              </a:rPr>
-                              <m:t>𝐿</m:t>
-                            </m:r>
-                          </m:e>
-                          <m:sub>
-                            <m:r>
-                              <a:rPr lang="it-IT" b="0" i="1" smtClean="0">
-                                <a:latin typeface="Cambria Math" panose="02040503050406030204" pitchFamily="18" charset="0"/>
-                              </a:rPr>
-                              <m:t>𝐵𝐶</m:t>
-                            </m:r>
-                          </m:sub>
-                        </m:sSub>
-                        <m:r>
-                          <a:rPr lang="it-IT" b="0" i="1" smtClean="0">
-                            <a:latin typeface="Cambria Math" panose="02040503050406030204" pitchFamily="18" charset="0"/>
-                          </a:rPr>
-                          <m:t>+</m:t>
-                        </m:r>
-                        <m:sSub>
-                          <m:sSubPr>
-                            <m:ctrlPr>
-                              <a:rPr lang="it-IT" b="0" i="1" smtClean="0">
-                                <a:latin typeface="Cambria Math" panose="02040503050406030204" pitchFamily="18" charset="0"/>
-                              </a:rPr>
-                            </m:ctrlPr>
-                          </m:sSubPr>
-                          <m:e>
-                            <m:r>
-                              <a:rPr lang="it-IT" b="0" i="1" smtClean="0">
-                                <a:latin typeface="Cambria Math" panose="02040503050406030204" pitchFamily="18" charset="0"/>
-                              </a:rPr>
-                              <m:t>𝐿</m:t>
-                            </m:r>
-                          </m:e>
-                          <m:sub>
-                            <m:r>
-                              <a:rPr lang="it-IT" b="0" i="1" smtClean="0">
-                                <a:latin typeface="Cambria Math" panose="02040503050406030204" pitchFamily="18" charset="0"/>
-                              </a:rPr>
-                              <m:t>1</m:t>
-                            </m:r>
-                          </m:sub>
-                        </m:sSub>
-                      </m:e>
-                    </m:d>
-                    <m:r>
-                      <a:rPr lang="it-IT" b="0" i="1" smtClean="0">
-                        <a:latin typeface="Cambria Math" panose="02040503050406030204" pitchFamily="18" charset="0"/>
-                      </a:rPr>
-                      <m:t>∗</m:t>
-                    </m:r>
-                    <m:sSub>
-                      <m:sSubPr>
-                        <m:ctrlPr>
-                          <a:rPr lang="it-IT" b="0" i="1" smtClean="0">
-                            <a:latin typeface="Cambria Math" panose="02040503050406030204" pitchFamily="18" charset="0"/>
-                          </a:rPr>
-                        </m:ctrlPr>
-                      </m:sSubPr>
-                      <m:e>
-                        <m:r>
-                          <a:rPr lang="it-IT" b="0" i="1" smtClean="0">
-                            <a:latin typeface="Cambria Math" panose="02040503050406030204" pitchFamily="18" charset="0"/>
-                          </a:rPr>
-                          <m:t>𝑒</m:t>
-                        </m:r>
-                      </m:e>
-                      <m:sub>
-                        <m:r>
-                          <a:rPr lang="it-IT" b="0" i="1" smtClean="0">
-                            <a:latin typeface="Cambria Math" panose="02040503050406030204" pitchFamily="18" charset="0"/>
-                          </a:rPr>
-                          <m:t>𝑥</m:t>
-                        </m:r>
-                      </m:sub>
-                    </m:sSub>
-                  </m:oMath>
-                </m:oMathPara>
-              </a14:m>
-              <a:endParaRPr lang="it-IT" dirty="0"/>
-            </a:p>
-          </dgm:t>
-        </dgm:pt>
-      </mc:Choice>
-      <mc:Fallback xmlns="">
-        <dgm:pt modelId="{A67A8079-0A30-4A6E-8CA0-8EEBBB3805FF}">
-          <dgm:prSet phldrT="[Testo]"/>
-          <dgm:spPr/>
-          <dgm:t>
-            <a:bodyPr/>
-            <a:lstStyle/>
-            <a:p>
-              <a:r>
-                <a:rPr lang="it-IT" b="0" i="0">
-                  <a:latin typeface="Cambria Math" panose="02040503050406030204" pitchFamily="18" charset="0"/>
-                </a:rPr>
-                <a:t>𝑅_𝑧 (</a:t>
-              </a:r>
-              <a:r>
-                <a:rPr lang="it-IT" b="0" i="0" dirty="0">
-                  <a:latin typeface="Cambria Math" panose="02040503050406030204" pitchFamily="18" charset="0"/>
-                </a:rPr>
-                <a:t>𝑞_1</a:t>
-              </a:r>
-              <a:r>
-                <a:rPr lang="it-IT" b="0" i="0">
-                  <a:latin typeface="Cambria Math" panose="02040503050406030204" pitchFamily="18" charset="0"/>
-                </a:rPr>
-                <a:t> )∗(𝐿_𝐵𝐶+𝐿_1 )∗𝑒_𝑥</a:t>
-              </a:r>
-              <a:endParaRPr lang="it-IT" dirty="0"/>
-            </a:p>
-          </dgm:t>
-        </dgm:pt>
-      </mc:Fallback>
-    </mc:AlternateContent>
-    <dgm:pt modelId="{4DCE2C0B-A040-4164-BF48-95CB9047D32D}" type="parTrans" cxnId="{890B99DD-999B-4491-BAA0-1B09BA455601}">
-      <dgm:prSet/>
-      <dgm:spPr/>
-      <dgm:t>
-        <a:bodyPr/>
-        <a:lstStyle/>
-        <a:p>
-          <a:endParaRPr lang="it-IT"/>
-        </a:p>
-      </dgm:t>
-    </dgm:pt>
-    <dgm:pt modelId="{804DAE51-BA49-4715-AC0C-3915EF929804}" type="sibTrans" cxnId="{890B99DD-999B-4491-BAA0-1B09BA455601}">
-      <dgm:prSet/>
-      <dgm:spPr/>
-      <dgm:t>
-        <a:bodyPr/>
-        <a:lstStyle/>
-        <a:p>
-          <a:endParaRPr lang="it-IT"/>
-        </a:p>
-      </dgm:t>
-    </dgm:pt>
-    <dgm:pt modelId="{4C78AF8C-8871-4CF2-B0A4-224346140A34}">
-      <dgm:prSet phldrT="[Testo]"/>
-      <dgm:spPr/>
-      <dgm:t>
-        <a:bodyPr/>
-        <a:lstStyle/>
-        <a:p>
-          <a:r>
-            <a:rPr lang="it-IT" dirty="0"/>
-            <a:t>0</a:t>
-          </a:r>
-        </a:p>
-      </dgm:t>
-    </dgm:pt>
-    <dgm:pt modelId="{B00F1E23-FA6E-402F-BC6D-EB2FC28E13BD}" type="parTrans" cxnId="{09352CFC-9B38-4AC4-9E8E-8314CF4F753E}">
-      <dgm:prSet/>
-      <dgm:spPr/>
-      <dgm:t>
-        <a:bodyPr/>
-        <a:lstStyle/>
-        <a:p>
-          <a:endParaRPr lang="it-IT"/>
-        </a:p>
-      </dgm:t>
-    </dgm:pt>
-    <dgm:pt modelId="{3A56FD82-AE0B-4C09-82B1-9C06645C7803}" type="sibTrans" cxnId="{09352CFC-9B38-4AC4-9E8E-8314CF4F753E}">
-      <dgm:prSet/>
-      <dgm:spPr/>
-      <dgm:t>
-        <a:bodyPr/>
-        <a:lstStyle/>
-        <a:p>
-          <a:endParaRPr lang="it-IT"/>
-        </a:p>
-      </dgm:t>
-    </dgm:pt>
-    <dgm:pt modelId="{ABE9C5BB-8FF0-4BFD-8448-02FE4A642C5C}">
-      <dgm:prSet phldrT="[Testo]"/>
-      <dgm:spPr/>
-      <dgm:t>
-        <a:bodyPr/>
-        <a:lstStyle/>
-        <a:p>
-          <a:r>
-            <a:rPr lang="it-IT" dirty="0"/>
-            <a:t>1</a:t>
-          </a:r>
-        </a:p>
-      </dgm:t>
-    </dgm:pt>
-    <dgm:pt modelId="{17637030-0B08-48C3-A0D0-FC56C83EDE79}" type="parTrans" cxnId="{73EAAD2E-4085-4230-B3CB-6BAA03BE373E}">
-      <dgm:prSet/>
-      <dgm:spPr/>
-      <dgm:t>
-        <a:bodyPr/>
-        <a:lstStyle/>
-        <a:p>
-          <a:endParaRPr lang="it-IT"/>
-        </a:p>
-      </dgm:t>
-    </dgm:pt>
-    <dgm:pt modelId="{054EC349-2052-48AF-A299-BCC42DE9DED5}" type="sibTrans" cxnId="{73EAAD2E-4085-4230-B3CB-6BAA03BE373E}">
-      <dgm:prSet/>
-      <dgm:spPr/>
-      <dgm:t>
-        <a:bodyPr/>
-        <a:lstStyle/>
-        <a:p>
-          <a:endParaRPr lang="it-IT"/>
-        </a:p>
-      </dgm:t>
-    </dgm:pt>
-    <dgm:pt modelId="{137A840B-420F-4D62-BC1E-5451BCD2856F}" type="pres">
-      <dgm:prSet presAssocID="{9CD872B7-1BAB-4E4A-B8AC-77F573EAECF7}" presName="matrix" presStyleCnt="0">
-        <dgm:presLayoutVars>
-          <dgm:chMax val="1"/>
-          <dgm:dir/>
-          <dgm:resizeHandles val="exact"/>
-        </dgm:presLayoutVars>
-      </dgm:prSet>
-      <dgm:spPr/>
-    </dgm:pt>
-    <dgm:pt modelId="{2C07BFB6-3F4F-483C-84D1-6A0A9685E77A}" type="pres">
-      <dgm:prSet presAssocID="{9CD872B7-1BAB-4E4A-B8AC-77F573EAECF7}" presName="diamond" presStyleLbl="bgShp" presStyleIdx="0" presStyleCnt="1" custFlipVert="1" custFlipHor="1" custScaleX="891" custScaleY="844"/>
-      <dgm:spPr/>
-    </dgm:pt>
-    <dgm:pt modelId="{7369E355-1B73-4F0B-9B4C-571B0C732CF1}" type="pres">
-      <dgm:prSet presAssocID="{9CD872B7-1BAB-4E4A-B8AC-77F573EAECF7}" presName="quad1" presStyleLbl="node1" presStyleIdx="0" presStyleCnt="4" custScaleX="161561" custScaleY="30084" custLinFactNeighborX="-25231" custLinFactNeighborY="-49092">
-        <dgm:presLayoutVars>
-          <dgm:chMax val="0"/>
-          <dgm:chPref val="0"/>
-          <dgm:bulletEnabled val="1"/>
-        </dgm:presLayoutVars>
-      </dgm:prSet>
-      <dgm:spPr/>
-    </dgm:pt>
-    <dgm:pt modelId="{293C235F-2ED1-4795-8F69-60B899DA1CF8}" type="pres">
-      <dgm:prSet presAssocID="{9CD872B7-1BAB-4E4A-B8AC-77F573EAECF7}" presName="quad2" presStyleLbl="node1" presStyleIdx="1" presStyleCnt="4" custScaleX="152873" custScaleY="31028" custLinFactNeighborX="24794" custLinFactNeighborY="-50035">
-        <dgm:presLayoutVars>
-          <dgm:chMax val="0"/>
-          <dgm:chPref val="0"/>
-          <dgm:bulletEnabled val="1"/>
-        </dgm:presLayoutVars>
-      </dgm:prSet>
-      <dgm:spPr/>
-    </dgm:pt>
-    <dgm:pt modelId="{A06A8A5E-FC71-4692-82C7-8318934DDDC4}" type="pres">
-      <dgm:prSet presAssocID="{9CD872B7-1BAB-4E4A-B8AC-77F573EAECF7}" presName="quad3" presStyleLbl="node1" presStyleIdx="2" presStyleCnt="4" custScaleX="163162" custScaleY="28359" custLinFactY="-28387" custLinFactNeighborX="-25309" custLinFactNeighborY="-100000">
-        <dgm:presLayoutVars>
-          <dgm:chMax val="0"/>
-          <dgm:chPref val="0"/>
-          <dgm:bulletEnabled val="1"/>
-        </dgm:presLayoutVars>
-      </dgm:prSet>
-      <dgm:spPr/>
-    </dgm:pt>
-    <dgm:pt modelId="{CD579011-BA32-4DC1-B164-07AEB35D3077}" type="pres">
-      <dgm:prSet presAssocID="{9CD872B7-1BAB-4E4A-B8AC-77F573EAECF7}" presName="quad4" presStyleLbl="node1" presStyleIdx="3" presStyleCnt="4" custScaleX="154867" custScaleY="30609" custLinFactY="-27262" custLinFactNeighborX="26338" custLinFactNeighborY="-100000">
-        <dgm:presLayoutVars>
-          <dgm:chMax val="0"/>
-          <dgm:chPref val="0"/>
-          <dgm:bulletEnabled val="1"/>
-        </dgm:presLayoutVars>
-      </dgm:prSet>
-      <dgm:spPr/>
-    </dgm:pt>
-  </dgm:ptLst>
-  <dgm:cxnLst>
-    <dgm:cxn modelId="{77228816-530E-4008-B556-D65D3A7002D2}" type="presOf" srcId="{CE64F15D-B261-44A3-9252-F491C440CC2E}" destId="{7369E355-1B73-4F0B-9B4C-571B0C732CF1}" srcOrd="0" destOrd="0" presId="urn:microsoft.com/office/officeart/2005/8/layout/matrix3"/>
-    <dgm:cxn modelId="{73EAAD2E-4085-4230-B3CB-6BAA03BE373E}" srcId="{9CD872B7-1BAB-4E4A-B8AC-77F573EAECF7}" destId="{ABE9C5BB-8FF0-4BFD-8448-02FE4A642C5C}" srcOrd="3" destOrd="0" parTransId="{17637030-0B08-48C3-A0D0-FC56C83EDE79}" sibTransId="{054EC349-2052-48AF-A299-BCC42DE9DED5}"/>
-    <dgm:cxn modelId="{E221AB38-7336-4C1C-9EBB-D090513E78C1}" type="presOf" srcId="{A67A8079-0A30-4A6E-8CA0-8EEBBB3805FF}" destId="{293C235F-2ED1-4795-8F69-60B899DA1CF8}" srcOrd="0" destOrd="0" presId="urn:microsoft.com/office/officeart/2005/8/layout/matrix3"/>
-    <dgm:cxn modelId="{1E7E008E-8559-449C-AB8A-D551A5FEA1AA}" type="presOf" srcId="{9CD872B7-1BAB-4E4A-B8AC-77F573EAECF7}" destId="{137A840B-420F-4D62-BC1E-5451BCD2856F}" srcOrd="0" destOrd="0" presId="urn:microsoft.com/office/officeart/2005/8/layout/matrix3"/>
-    <dgm:cxn modelId="{69F0FFCD-7B81-4597-A11C-2E4EF5181D00}" type="presOf" srcId="{4C78AF8C-8871-4CF2-B0A4-224346140A34}" destId="{A06A8A5E-FC71-4692-82C7-8318934DDDC4}" srcOrd="0" destOrd="0" presId="urn:microsoft.com/office/officeart/2005/8/layout/matrix3"/>
-    <dgm:cxn modelId="{777619D0-0E69-492F-B541-C7669B328EC7}" type="presOf" srcId="{ABE9C5BB-8FF0-4BFD-8448-02FE4A642C5C}" destId="{CD579011-BA32-4DC1-B164-07AEB35D3077}" srcOrd="0" destOrd="0" presId="urn:microsoft.com/office/officeart/2005/8/layout/matrix3"/>
-    <dgm:cxn modelId="{890B99DD-999B-4491-BAA0-1B09BA455601}" srcId="{9CD872B7-1BAB-4E4A-B8AC-77F573EAECF7}" destId="{A67A8079-0A30-4A6E-8CA0-8EEBBB3805FF}" srcOrd="1" destOrd="0" parTransId="{4DCE2C0B-A040-4164-BF48-95CB9047D32D}" sibTransId="{804DAE51-BA49-4715-AC0C-3915EF929804}"/>
-    <dgm:cxn modelId="{57A9A5F7-E439-4817-A8ED-9CDD98297CA8}" srcId="{9CD872B7-1BAB-4E4A-B8AC-77F573EAECF7}" destId="{CE64F15D-B261-44A3-9252-F491C440CC2E}" srcOrd="0" destOrd="0" parTransId="{BFA59D88-77E1-4C0C-A626-29C8D5988C6C}" sibTransId="{C748B44A-582C-4C0E-AA4C-0DB33133F66F}"/>
-    <dgm:cxn modelId="{09352CFC-9B38-4AC4-9E8E-8314CF4F753E}" srcId="{9CD872B7-1BAB-4E4A-B8AC-77F573EAECF7}" destId="{4C78AF8C-8871-4CF2-B0A4-224346140A34}" srcOrd="2" destOrd="0" parTransId="{B00F1E23-FA6E-402F-BC6D-EB2FC28E13BD}" sibTransId="{3A56FD82-AE0B-4C09-82B1-9C06645C7803}"/>
-    <dgm:cxn modelId="{228A3926-CBB5-4E3C-96C6-FE2179CDC308}" type="presParOf" srcId="{137A840B-420F-4D62-BC1E-5451BCD2856F}" destId="{2C07BFB6-3F4F-483C-84D1-6A0A9685E77A}" srcOrd="0" destOrd="0" presId="urn:microsoft.com/office/officeart/2005/8/layout/matrix3"/>
-    <dgm:cxn modelId="{6A901EA1-9A29-4BD4-AB0B-6FAAFC4D0BFA}" type="presParOf" srcId="{137A840B-420F-4D62-BC1E-5451BCD2856F}" destId="{7369E355-1B73-4F0B-9B4C-571B0C732CF1}" srcOrd="1" destOrd="0" presId="urn:microsoft.com/office/officeart/2005/8/layout/matrix3"/>
-    <dgm:cxn modelId="{E651BCC2-E5E9-485B-B02D-A345C3F995A7}" type="presParOf" srcId="{137A840B-420F-4D62-BC1E-5451BCD2856F}" destId="{293C235F-2ED1-4795-8F69-60B899DA1CF8}" srcOrd="2" destOrd="0" presId="urn:microsoft.com/office/officeart/2005/8/layout/matrix3"/>
-    <dgm:cxn modelId="{A6412300-0CB3-45DA-924C-6A1C4FFB2152}" type="presParOf" srcId="{137A840B-420F-4D62-BC1E-5451BCD2856F}" destId="{A06A8A5E-FC71-4692-82C7-8318934DDDC4}" srcOrd="3" destOrd="0" presId="urn:microsoft.com/office/officeart/2005/8/layout/matrix3"/>
-    <dgm:cxn modelId="{B16AAE9D-C520-4FCB-A9DA-C0A9CB7ACFD4}" type="presParOf" srcId="{137A840B-420F-4D62-BC1E-5451BCD2856F}" destId="{CD579011-BA32-4DC1-B164-07AEB35D3077}" srcOrd="4" destOrd="0" presId="urn:microsoft.com/office/officeart/2005/8/layout/matrix3"/>
-  </dgm:cxnLst>
-  <dgm:bg/>
-  <dgm:whole/>
-  <dgm:extLst>
-    <a:ext uri="http://schemas.microsoft.com/office/drawing/2008/diagram">
-      <dsp:dataModelExt xmlns:dsp="http://schemas.microsoft.com/office/drawing/2008/diagram" relId="rId6" minVer="http://schemas.openxmlformats.org/drawingml/2006/diagram"/>
-    </a:ext>
-  </dgm:extLst>
-</dgm:dataModel>
-</file>
-
-<file path=ppt/diagrams/data2.xml><?xml version="1.0" encoding="utf-8"?>
-<dgm:dataModel xmlns:dgm="http://schemas.openxmlformats.org/drawingml/2006/diagram" xmlns:a="http://schemas.openxmlformats.org/drawingml/2006/main">
-  <dgm:ptLst>
-    <dgm:pt modelId="{9CD872B7-1BAB-4E4A-B8AC-77F573EAECF7}" type="doc">
-      <dgm:prSet loTypeId="urn:microsoft.com/office/officeart/2005/8/layout/matrix3" loCatId="matrix" qsTypeId="urn:microsoft.com/office/officeart/2005/8/quickstyle/simple1" qsCatId="simple" csTypeId="urn:microsoft.com/office/officeart/2005/8/colors/accent1_2" csCatId="accent1" phldr="1"/>
-      <dgm:spPr/>
-      <dgm:t>
-        <a:bodyPr/>
-        <a:lstStyle/>
-        <a:p>
-          <a:endParaRPr lang="it-IT"/>
-        </a:p>
-      </dgm:t>
-    </dgm:pt>
-    <dgm:pt modelId="{CE64F15D-B261-44A3-9252-F491C440CC2E}">
-      <dgm:prSet phldrT="[Testo]"/>
-      <dgm:spPr>
-        <a:blipFill>
-          <a:blip xmlns:r="http://schemas.openxmlformats.org/officeDocument/2006/relationships" r:embed="rId1"/>
-          <a:stretch>
-            <a:fillRect/>
-          </a:stretch>
-        </a:blipFill>
-      </dgm:spPr>
-      <dgm:t>
-        <a:bodyPr/>
-        <a:lstStyle/>
-        <a:p>
-          <a:r>
-            <a:rPr lang="it-IT">
-              <a:noFill/>
-            </a:rPr>
-            <a:t> </a:t>
-          </a:r>
-        </a:p>
-      </dgm:t>
-    </dgm:pt>
-    <dgm:pt modelId="{BFA59D88-77E1-4C0C-A626-29C8D5988C6C}" type="parTrans" cxnId="{57A9A5F7-E439-4817-A8ED-9CDD98297CA8}">
-      <dgm:prSet/>
-      <dgm:spPr/>
-      <dgm:t>
-        <a:bodyPr/>
-        <a:lstStyle/>
-        <a:p>
-          <a:endParaRPr lang="it-IT"/>
-        </a:p>
-      </dgm:t>
-    </dgm:pt>
-    <dgm:pt modelId="{C748B44A-582C-4C0E-AA4C-0DB33133F66F}" type="sibTrans" cxnId="{57A9A5F7-E439-4817-A8ED-9CDD98297CA8}">
-      <dgm:prSet/>
-      <dgm:spPr/>
-      <dgm:t>
-        <a:bodyPr/>
-        <a:lstStyle/>
-        <a:p>
-          <a:endParaRPr lang="it-IT"/>
-        </a:p>
-      </dgm:t>
-    </dgm:pt>
-    <dgm:pt modelId="{A67A8079-0A30-4A6E-8CA0-8EEBBB3805FF}">
-      <dgm:prSet phldrT="[Testo]"/>
-      <dgm:spPr>
-        <a:blipFill>
-          <a:blip xmlns:r="http://schemas.openxmlformats.org/officeDocument/2006/relationships" r:embed="rId2"/>
-          <a:stretch>
-            <a:fillRect/>
-          </a:stretch>
-        </a:blipFill>
-      </dgm:spPr>
-      <dgm:t>
-        <a:bodyPr/>
-        <a:lstStyle/>
-        <a:p>
-          <a:r>
-            <a:rPr lang="it-IT">
-              <a:noFill/>
-            </a:rPr>
-            <a:t> </a:t>
-          </a:r>
-        </a:p>
-      </dgm:t>
-    </dgm:pt>
-    <dgm:pt modelId="{4DCE2C0B-A040-4164-BF48-95CB9047D32D}" type="parTrans" cxnId="{890B99DD-999B-4491-BAA0-1B09BA455601}">
-      <dgm:prSet/>
-      <dgm:spPr/>
-      <dgm:t>
-        <a:bodyPr/>
-        <a:lstStyle/>
-        <a:p>
-          <a:endParaRPr lang="it-IT"/>
-        </a:p>
-      </dgm:t>
-    </dgm:pt>
-    <dgm:pt modelId="{804DAE51-BA49-4715-AC0C-3915EF929804}" type="sibTrans" cxnId="{890B99DD-999B-4491-BAA0-1B09BA455601}">
-      <dgm:prSet/>
-      <dgm:spPr/>
-      <dgm:t>
-        <a:bodyPr/>
-        <a:lstStyle/>
-        <a:p>
-          <a:endParaRPr lang="it-IT"/>
-        </a:p>
-      </dgm:t>
-    </dgm:pt>
-    <dgm:pt modelId="{4C78AF8C-8871-4CF2-B0A4-224346140A34}">
-      <dgm:prSet phldrT="[Testo]"/>
-      <dgm:spPr/>
-      <dgm:t>
-        <a:bodyPr/>
-        <a:lstStyle/>
-        <a:p>
-          <a:r>
-            <a:rPr lang="it-IT" dirty="0"/>
-            <a:t>0</a:t>
-          </a:r>
-        </a:p>
-      </dgm:t>
-    </dgm:pt>
-    <dgm:pt modelId="{B00F1E23-FA6E-402F-BC6D-EB2FC28E13BD}" type="parTrans" cxnId="{09352CFC-9B38-4AC4-9E8E-8314CF4F753E}">
-      <dgm:prSet/>
-      <dgm:spPr/>
-      <dgm:t>
-        <a:bodyPr/>
-        <a:lstStyle/>
-        <a:p>
-          <a:endParaRPr lang="it-IT"/>
-        </a:p>
-      </dgm:t>
-    </dgm:pt>
-    <dgm:pt modelId="{3A56FD82-AE0B-4C09-82B1-9C06645C7803}" type="sibTrans" cxnId="{09352CFC-9B38-4AC4-9E8E-8314CF4F753E}">
-      <dgm:prSet/>
-      <dgm:spPr/>
-      <dgm:t>
-        <a:bodyPr/>
-        <a:lstStyle/>
-        <a:p>
-          <a:endParaRPr lang="it-IT"/>
-        </a:p>
-      </dgm:t>
-    </dgm:pt>
-    <dgm:pt modelId="{ABE9C5BB-8FF0-4BFD-8448-02FE4A642C5C}">
-      <dgm:prSet phldrT="[Testo]"/>
-      <dgm:spPr/>
-      <dgm:t>
-        <a:bodyPr/>
-        <a:lstStyle/>
-        <a:p>
-          <a:r>
-            <a:rPr lang="it-IT" dirty="0"/>
-            <a:t>1</a:t>
-          </a:r>
-        </a:p>
-      </dgm:t>
-    </dgm:pt>
-    <dgm:pt modelId="{17637030-0B08-48C3-A0D0-FC56C83EDE79}" type="parTrans" cxnId="{73EAAD2E-4085-4230-B3CB-6BAA03BE373E}">
-      <dgm:prSet/>
-      <dgm:spPr/>
-      <dgm:t>
-        <a:bodyPr/>
-        <a:lstStyle/>
-        <a:p>
-          <a:endParaRPr lang="it-IT"/>
-        </a:p>
-      </dgm:t>
-    </dgm:pt>
-    <dgm:pt modelId="{054EC349-2052-48AF-A299-BCC42DE9DED5}" type="sibTrans" cxnId="{73EAAD2E-4085-4230-B3CB-6BAA03BE373E}">
-      <dgm:prSet/>
-      <dgm:spPr/>
-      <dgm:t>
-        <a:bodyPr/>
-        <a:lstStyle/>
-        <a:p>
-          <a:endParaRPr lang="it-IT"/>
-        </a:p>
-      </dgm:t>
-    </dgm:pt>
-    <dgm:pt modelId="{137A840B-420F-4D62-BC1E-5451BCD2856F}" type="pres">
-      <dgm:prSet presAssocID="{9CD872B7-1BAB-4E4A-B8AC-77F573EAECF7}" presName="matrix" presStyleCnt="0">
-        <dgm:presLayoutVars>
-          <dgm:chMax val="1"/>
-          <dgm:dir/>
-          <dgm:resizeHandles val="exact"/>
-        </dgm:presLayoutVars>
-      </dgm:prSet>
-      <dgm:spPr/>
-    </dgm:pt>
-    <dgm:pt modelId="{2C07BFB6-3F4F-483C-84D1-6A0A9685E77A}" type="pres">
-      <dgm:prSet presAssocID="{9CD872B7-1BAB-4E4A-B8AC-77F573EAECF7}" presName="diamond" presStyleLbl="bgShp" presStyleIdx="0" presStyleCnt="1" custFlipVert="1" custFlipHor="1" custScaleX="891" custScaleY="844"/>
-      <dgm:spPr/>
-    </dgm:pt>
-    <dgm:pt modelId="{7369E355-1B73-4F0B-9B4C-571B0C732CF1}" type="pres">
-      <dgm:prSet presAssocID="{9CD872B7-1BAB-4E4A-B8AC-77F573EAECF7}" presName="quad1" presStyleLbl="node1" presStyleIdx="0" presStyleCnt="4" custScaleX="161561" custScaleY="30084" custLinFactNeighborX="-25231" custLinFactNeighborY="-49092">
-        <dgm:presLayoutVars>
-          <dgm:chMax val="0"/>
-          <dgm:chPref val="0"/>
-          <dgm:bulletEnabled val="1"/>
-        </dgm:presLayoutVars>
-      </dgm:prSet>
-      <dgm:spPr/>
-    </dgm:pt>
-    <dgm:pt modelId="{293C235F-2ED1-4795-8F69-60B899DA1CF8}" type="pres">
-      <dgm:prSet presAssocID="{9CD872B7-1BAB-4E4A-B8AC-77F573EAECF7}" presName="quad2" presStyleLbl="node1" presStyleIdx="1" presStyleCnt="4" custScaleX="152873" custScaleY="31028" custLinFactNeighborX="24794" custLinFactNeighborY="-50035">
-        <dgm:presLayoutVars>
-          <dgm:chMax val="0"/>
-          <dgm:chPref val="0"/>
-          <dgm:bulletEnabled val="1"/>
-        </dgm:presLayoutVars>
-      </dgm:prSet>
-      <dgm:spPr/>
-    </dgm:pt>
-    <dgm:pt modelId="{A06A8A5E-FC71-4692-82C7-8318934DDDC4}" type="pres">
-      <dgm:prSet presAssocID="{9CD872B7-1BAB-4E4A-B8AC-77F573EAECF7}" presName="quad3" presStyleLbl="node1" presStyleIdx="2" presStyleCnt="4" custScaleX="163162" custScaleY="28359" custLinFactY="-28387" custLinFactNeighborX="-25309" custLinFactNeighborY="-100000">
-        <dgm:presLayoutVars>
-          <dgm:chMax val="0"/>
-          <dgm:chPref val="0"/>
-          <dgm:bulletEnabled val="1"/>
-        </dgm:presLayoutVars>
-      </dgm:prSet>
-      <dgm:spPr/>
-    </dgm:pt>
-    <dgm:pt modelId="{CD579011-BA32-4DC1-B164-07AEB35D3077}" type="pres">
-      <dgm:prSet presAssocID="{9CD872B7-1BAB-4E4A-B8AC-77F573EAECF7}" presName="quad4" presStyleLbl="node1" presStyleIdx="3" presStyleCnt="4" custScaleX="154867" custScaleY="30609" custLinFactY="-27262" custLinFactNeighborX="26338" custLinFactNeighborY="-100000">
-        <dgm:presLayoutVars>
-          <dgm:chMax val="0"/>
-          <dgm:chPref val="0"/>
-          <dgm:bulletEnabled val="1"/>
-        </dgm:presLayoutVars>
-      </dgm:prSet>
-      <dgm:spPr/>
-    </dgm:pt>
-  </dgm:ptLst>
-  <dgm:cxnLst>
-    <dgm:cxn modelId="{77228816-530E-4008-B556-D65D3A7002D2}" type="presOf" srcId="{CE64F15D-B261-44A3-9252-F491C440CC2E}" destId="{7369E355-1B73-4F0B-9B4C-571B0C732CF1}" srcOrd="0" destOrd="0" presId="urn:microsoft.com/office/officeart/2005/8/layout/matrix3"/>
-    <dgm:cxn modelId="{73EAAD2E-4085-4230-B3CB-6BAA03BE373E}" srcId="{9CD872B7-1BAB-4E4A-B8AC-77F573EAECF7}" destId="{ABE9C5BB-8FF0-4BFD-8448-02FE4A642C5C}" srcOrd="3" destOrd="0" parTransId="{17637030-0B08-48C3-A0D0-FC56C83EDE79}" sibTransId="{054EC349-2052-48AF-A299-BCC42DE9DED5}"/>
-    <dgm:cxn modelId="{E221AB38-7336-4C1C-9EBB-D090513E78C1}" type="presOf" srcId="{A67A8079-0A30-4A6E-8CA0-8EEBBB3805FF}" destId="{293C235F-2ED1-4795-8F69-60B899DA1CF8}" srcOrd="0" destOrd="0" presId="urn:microsoft.com/office/officeart/2005/8/layout/matrix3"/>
-    <dgm:cxn modelId="{1E7E008E-8559-449C-AB8A-D551A5FEA1AA}" type="presOf" srcId="{9CD872B7-1BAB-4E4A-B8AC-77F573EAECF7}" destId="{137A840B-420F-4D62-BC1E-5451BCD2856F}" srcOrd="0" destOrd="0" presId="urn:microsoft.com/office/officeart/2005/8/layout/matrix3"/>
-    <dgm:cxn modelId="{69F0FFCD-7B81-4597-A11C-2E4EF5181D00}" type="presOf" srcId="{4C78AF8C-8871-4CF2-B0A4-224346140A34}" destId="{A06A8A5E-FC71-4692-82C7-8318934DDDC4}" srcOrd="0" destOrd="0" presId="urn:microsoft.com/office/officeart/2005/8/layout/matrix3"/>
-    <dgm:cxn modelId="{777619D0-0E69-492F-B541-C7669B328EC7}" type="presOf" srcId="{ABE9C5BB-8FF0-4BFD-8448-02FE4A642C5C}" destId="{CD579011-BA32-4DC1-B164-07AEB35D3077}" srcOrd="0" destOrd="0" presId="urn:microsoft.com/office/officeart/2005/8/layout/matrix3"/>
-    <dgm:cxn modelId="{890B99DD-999B-4491-BAA0-1B09BA455601}" srcId="{9CD872B7-1BAB-4E4A-B8AC-77F573EAECF7}" destId="{A67A8079-0A30-4A6E-8CA0-8EEBBB3805FF}" srcOrd="1" destOrd="0" parTransId="{4DCE2C0B-A040-4164-BF48-95CB9047D32D}" sibTransId="{804DAE51-BA49-4715-AC0C-3915EF929804}"/>
-    <dgm:cxn modelId="{57A9A5F7-E439-4817-A8ED-9CDD98297CA8}" srcId="{9CD872B7-1BAB-4E4A-B8AC-77F573EAECF7}" destId="{CE64F15D-B261-44A3-9252-F491C440CC2E}" srcOrd="0" destOrd="0" parTransId="{BFA59D88-77E1-4C0C-A626-29C8D5988C6C}" sibTransId="{C748B44A-582C-4C0E-AA4C-0DB33133F66F}"/>
-    <dgm:cxn modelId="{09352CFC-9B38-4AC4-9E8E-8314CF4F753E}" srcId="{9CD872B7-1BAB-4E4A-B8AC-77F573EAECF7}" destId="{4C78AF8C-8871-4CF2-B0A4-224346140A34}" srcOrd="2" destOrd="0" parTransId="{B00F1E23-FA6E-402F-BC6D-EB2FC28E13BD}" sibTransId="{3A56FD82-AE0B-4C09-82B1-9C06645C7803}"/>
-    <dgm:cxn modelId="{228A3926-CBB5-4E3C-96C6-FE2179CDC308}" type="presParOf" srcId="{137A840B-420F-4D62-BC1E-5451BCD2856F}" destId="{2C07BFB6-3F4F-483C-84D1-6A0A9685E77A}" srcOrd="0" destOrd="0" presId="urn:microsoft.com/office/officeart/2005/8/layout/matrix3"/>
-    <dgm:cxn modelId="{6A901EA1-9A29-4BD4-AB0B-6FAAFC4D0BFA}" type="presParOf" srcId="{137A840B-420F-4D62-BC1E-5451BCD2856F}" destId="{7369E355-1B73-4F0B-9B4C-571B0C732CF1}" srcOrd="1" destOrd="0" presId="urn:microsoft.com/office/officeart/2005/8/layout/matrix3"/>
-    <dgm:cxn modelId="{E651BCC2-E5E9-485B-B02D-A345C3F995A7}" type="presParOf" srcId="{137A840B-420F-4D62-BC1E-5451BCD2856F}" destId="{293C235F-2ED1-4795-8F69-60B899DA1CF8}" srcOrd="2" destOrd="0" presId="urn:microsoft.com/office/officeart/2005/8/layout/matrix3"/>
-    <dgm:cxn modelId="{A6412300-0CB3-45DA-924C-6A1C4FFB2152}" type="presParOf" srcId="{137A840B-420F-4D62-BC1E-5451BCD2856F}" destId="{A06A8A5E-FC71-4692-82C7-8318934DDDC4}" srcOrd="3" destOrd="0" presId="urn:microsoft.com/office/officeart/2005/8/layout/matrix3"/>
-    <dgm:cxn modelId="{B16AAE9D-C520-4FCB-A9DA-C0A9CB7ACFD4}" type="presParOf" srcId="{137A840B-420F-4D62-BC1E-5451BCD2856F}" destId="{CD579011-BA32-4DC1-B164-07AEB35D3077}" srcOrd="4" destOrd="0" presId="urn:microsoft.com/office/officeart/2005/8/layout/matrix3"/>
-  </dgm:cxnLst>
-  <dgm:bg/>
-  <dgm:whole/>
-  <dgm:extLst>
-    <a:ext uri="http://schemas.microsoft.com/office/drawing/2008/diagram">
-      <dsp:dataModelExt xmlns:dsp="http://schemas.microsoft.com/office/drawing/2008/diagram" relId="rId6" minVer="http://schemas.openxmlformats.org/drawingml/2006/diagram"/>
-    </a:ext>
-  </dgm:extLst>
-</dgm:dataModel>
-</file>
-
-<file path=ppt/diagrams/data3.xml><?xml version="1.0" encoding="utf-8"?>
-<dgm:dataModel xmlns:dgm="http://schemas.openxmlformats.org/drawingml/2006/diagram" xmlns:a="http://schemas.openxmlformats.org/drawingml/2006/main">
-  <dgm:ptLst>
-    <dgm:pt modelId="{9CD872B7-1BAB-4E4A-B8AC-77F573EAECF7}" type="doc">
-      <dgm:prSet loTypeId="urn:microsoft.com/office/officeart/2005/8/layout/matrix3" loCatId="matrix" qsTypeId="urn:microsoft.com/office/officeart/2005/8/quickstyle/simple1" qsCatId="simple" csTypeId="urn:microsoft.com/office/officeart/2005/8/colors/accent1_2" csCatId="accent1" phldr="1"/>
-      <dgm:spPr/>
-      <dgm:t>
-        <a:bodyPr/>
-        <a:lstStyle/>
-        <a:p>
-          <a:endParaRPr lang="it-IT"/>
-        </a:p>
-      </dgm:t>
-    </dgm:pt>
-    <mc:AlternateContent xmlns:mc="http://schemas.openxmlformats.org/markup-compatibility/2006" xmlns:a14="http://schemas.microsoft.com/office/drawing/2010/main">
-      <mc:Choice Requires="a14">
-        <dgm:pt modelId="{CE64F15D-B261-44A3-9252-F491C440CC2E}">
-          <dgm:prSet phldrT="[Testo]"/>
-          <dgm:spPr/>
-          <dgm:t>
-            <a:bodyPr/>
-            <a:lstStyle/>
-            <a:p>
-              <a:pPr/>
-              <a14:m>
-                <m:oMathPara xmlns:m="http://schemas.openxmlformats.org/officeDocument/2006/math">
-                  <m:oMathParaPr>
-                    <m:jc m:val="centerGroup"/>
-                  </m:oMathParaPr>
-                  <m:oMath xmlns:m="http://schemas.openxmlformats.org/officeDocument/2006/math">
-                    <m:sSub>
-                      <m:sSubPr>
-                        <m:ctrlPr>
-                          <a:rPr lang="it-IT" i="1" smtClean="0">
-                            <a:latin typeface="Cambria Math" panose="02040503050406030204" pitchFamily="18" charset="0"/>
-                          </a:rPr>
-                        </m:ctrlPr>
-                      </m:sSubPr>
-                      <m:e>
-                        <m:r>
-                          <a:rPr lang="it-IT" b="0" i="1" smtClean="0">
-                            <a:latin typeface="Cambria Math" panose="02040503050406030204" pitchFamily="18" charset="0"/>
-                          </a:rPr>
-                          <m:t>𝑅</m:t>
-                        </m:r>
-                      </m:e>
-                      <m:sub>
-                        <m:r>
-                          <a:rPr lang="it-IT" b="0" i="1" smtClean="0">
-                            <a:latin typeface="Cambria Math" panose="02040503050406030204" pitchFamily="18" charset="0"/>
-                          </a:rPr>
-                          <m:t>𝑧</m:t>
-                        </m:r>
-                      </m:sub>
-                    </m:sSub>
-                    <m:r>
-                      <a:rPr lang="it-IT" b="0" i="1" smtClean="0">
-                        <a:latin typeface="Cambria Math" panose="02040503050406030204" pitchFamily="18" charset="0"/>
-                      </a:rPr>
-                      <m:t>(</m:t>
-                    </m:r>
-                    <m:sSub>
-                      <m:sSubPr>
-                        <m:ctrlPr>
-                          <a:rPr lang="it-IT" b="0" i="1" smtClean="0">
-                            <a:latin typeface="Cambria Math" panose="02040503050406030204" pitchFamily="18" charset="0"/>
-                          </a:rPr>
-                        </m:ctrlPr>
-                      </m:sSubPr>
-                      <m:e>
-                        <m:r>
-                          <a:rPr lang="it-IT" b="0" i="1" smtClean="0">
-                            <a:latin typeface="Cambria Math" panose="02040503050406030204" pitchFamily="18" charset="0"/>
-                          </a:rPr>
-                          <m:t>𝑞</m:t>
-                        </m:r>
-                      </m:e>
-                      <m:sub>
-                        <m:r>
-                          <a:rPr lang="it-IT" b="0" i="1" smtClean="0">
-                            <a:latin typeface="Cambria Math" panose="02040503050406030204" pitchFamily="18" charset="0"/>
-                          </a:rPr>
-                          <m:t>1</m:t>
-                        </m:r>
-                      </m:sub>
-                    </m:sSub>
-                    <m:r>
-                      <a:rPr lang="it-IT" b="0" i="1" smtClean="0">
-                        <a:latin typeface="Cambria Math" panose="02040503050406030204" pitchFamily="18" charset="0"/>
-                      </a:rPr>
-                      <m:t>+</m:t>
-                    </m:r>
-                    <m:sSub>
-                      <m:sSubPr>
-                        <m:ctrlPr>
-                          <a:rPr lang="it-IT" b="0" i="1" smtClean="0">
-                            <a:latin typeface="Cambria Math" panose="02040503050406030204" pitchFamily="18" charset="0"/>
-                          </a:rPr>
-                        </m:ctrlPr>
-                      </m:sSubPr>
-                      <m:e>
-                        <m:r>
-                          <a:rPr lang="it-IT" b="0" i="1" smtClean="0">
-                            <a:latin typeface="Cambria Math" panose="02040503050406030204" pitchFamily="18" charset="0"/>
-                          </a:rPr>
-                          <m:t>𝑞</m:t>
-                        </m:r>
-                      </m:e>
-                      <m:sub>
-                        <m:r>
-                          <a:rPr lang="it-IT" b="0" i="1" smtClean="0">
-                            <a:latin typeface="Cambria Math" panose="02040503050406030204" pitchFamily="18" charset="0"/>
-                          </a:rPr>
-                          <m:t>2</m:t>
-                        </m:r>
-                      </m:sub>
-                    </m:sSub>
-                    <m:r>
-                      <a:rPr lang="it-IT" b="0" i="1" smtClean="0">
-                        <a:latin typeface="Cambria Math" panose="02040503050406030204" pitchFamily="18" charset="0"/>
-                      </a:rPr>
-                      <m:t>)</m:t>
-                    </m:r>
-                  </m:oMath>
-                </m:oMathPara>
-              </a14:m>
-              <a:endParaRPr lang="it-IT" dirty="0"/>
-            </a:p>
-          </dgm:t>
-        </dgm:pt>
-      </mc:Choice>
-      <mc:Fallback xmlns="">
-        <dgm:pt modelId="{CE64F15D-B261-44A3-9252-F491C440CC2E}">
-          <dgm:prSet phldrT="[Testo]"/>
-          <dgm:spPr/>
-          <dgm:t>
-            <a:bodyPr/>
-            <a:lstStyle/>
-            <a:p>
-              <a:r>
-                <a:rPr lang="it-IT" b="0" i="0">
-                  <a:latin typeface="Cambria Math" panose="02040503050406030204" pitchFamily="18" charset="0"/>
-                </a:rPr>
-                <a:t>𝑅_𝑧 (𝑞_1+𝑞_2)</a:t>
-              </a:r>
-              <a:endParaRPr lang="it-IT" dirty="0"/>
-            </a:p>
-          </dgm:t>
-        </dgm:pt>
-      </mc:Fallback>
-    </mc:AlternateContent>
-    <dgm:pt modelId="{BFA59D88-77E1-4C0C-A626-29C8D5988C6C}" type="parTrans" cxnId="{57A9A5F7-E439-4817-A8ED-9CDD98297CA8}">
-      <dgm:prSet/>
-      <dgm:spPr/>
-      <dgm:t>
-        <a:bodyPr/>
-        <a:lstStyle/>
-        <a:p>
-          <a:endParaRPr lang="it-IT"/>
-        </a:p>
-      </dgm:t>
-    </dgm:pt>
-    <dgm:pt modelId="{C748B44A-582C-4C0E-AA4C-0DB33133F66F}" type="sibTrans" cxnId="{57A9A5F7-E439-4817-A8ED-9CDD98297CA8}">
-      <dgm:prSet/>
-      <dgm:spPr/>
-      <dgm:t>
-        <a:bodyPr/>
-        <a:lstStyle/>
-        <a:p>
-          <a:endParaRPr lang="it-IT"/>
-        </a:p>
-      </dgm:t>
-    </dgm:pt>
-    <mc:AlternateContent xmlns:mc="http://schemas.openxmlformats.org/markup-compatibility/2006" xmlns:a14="http://schemas.microsoft.com/office/drawing/2010/main">
-      <mc:Choice Requires="a14">
-        <dgm:pt modelId="{A67A8079-0A30-4A6E-8CA0-8EEBBB3805FF}">
-          <dgm:prSet phldrT="[Testo]"/>
-          <dgm:spPr/>
-          <dgm:t>
-            <a:bodyPr/>
-            <a:lstStyle/>
-            <a:p>
-              <a:pPr/>
-              <a14:m>
-                <m:oMathPara xmlns:m="http://schemas.openxmlformats.org/officeDocument/2006/math">
-                  <m:oMathParaPr>
-                    <m:jc m:val="centerGroup"/>
-                  </m:oMathParaPr>
-                  <m:oMath xmlns:m="http://schemas.openxmlformats.org/officeDocument/2006/math">
-                    <m:sSub>
-                      <m:sSubPr>
-                        <m:ctrlPr>
-                          <a:rPr lang="it-IT" i="1" smtClean="0">
-                            <a:latin typeface="Cambria Math" panose="02040503050406030204" pitchFamily="18" charset="0"/>
-                          </a:rPr>
-                        </m:ctrlPr>
-                      </m:sSubPr>
-                      <m:e>
-                        <m:r>
-                          <a:rPr lang="it-IT" b="0" i="1" smtClean="0">
-                            <a:latin typeface="Cambria Math" panose="02040503050406030204" pitchFamily="18" charset="0"/>
-                          </a:rPr>
-                          <m:t>𝑅</m:t>
-                        </m:r>
-                      </m:e>
-                      <m:sub>
-                        <m:r>
-                          <a:rPr lang="it-IT" b="0" i="1" smtClean="0">
-                            <a:latin typeface="Cambria Math" panose="02040503050406030204" pitchFamily="18" charset="0"/>
-                          </a:rPr>
-                          <m:t>𝑧</m:t>
-                        </m:r>
-                      </m:sub>
-                    </m:sSub>
-                    <m:d>
-                      <m:dPr>
-                        <m:ctrlPr>
-                          <a:rPr lang="it-IT" b="0" i="1" smtClean="0">
-                            <a:latin typeface="Cambria Math" panose="02040503050406030204" pitchFamily="18" charset="0"/>
-                          </a:rPr>
-                        </m:ctrlPr>
-                      </m:dPr>
-                      <m:e>
-                        <m:sSub>
-                          <m:sSubPr>
-                            <m:ctrlPr>
-                              <a:rPr lang="it-IT" i="1" dirty="0" smtClean="0">
-                                <a:latin typeface="Cambria Math" panose="02040503050406030204" pitchFamily="18" charset="0"/>
-                              </a:rPr>
-                            </m:ctrlPr>
-                          </m:sSubPr>
-                          <m:e>
-                            <m:r>
-                              <a:rPr lang="it-IT" b="0" i="1" dirty="0" smtClean="0">
-                                <a:latin typeface="Cambria Math" panose="02040503050406030204" pitchFamily="18" charset="0"/>
-                              </a:rPr>
-                              <m:t>𝑞</m:t>
-                            </m:r>
-                          </m:e>
-                          <m:sub>
-                            <m:r>
-                              <a:rPr lang="it-IT" b="0" i="1" dirty="0" smtClean="0">
-                                <a:latin typeface="Cambria Math" panose="02040503050406030204" pitchFamily="18" charset="0"/>
-                              </a:rPr>
-                              <m:t>1</m:t>
-                            </m:r>
-                          </m:sub>
-                        </m:sSub>
-                      </m:e>
-                    </m:d>
-                    <m:r>
-                      <a:rPr lang="it-IT" b="0" i="1" smtClean="0">
-                        <a:latin typeface="Cambria Math" panose="02040503050406030204" pitchFamily="18" charset="0"/>
-                      </a:rPr>
-                      <m:t>∗</m:t>
-                    </m:r>
-                    <m:sSub>
-                      <m:sSubPr>
-                        <m:ctrlPr>
-                          <a:rPr lang="it-IT" b="0" i="1" smtClean="0">
-                            <a:latin typeface="Cambria Math" panose="02040503050406030204" pitchFamily="18" charset="0"/>
-                          </a:rPr>
-                        </m:ctrlPr>
-                      </m:sSubPr>
-                      <m:e>
-                        <m:r>
-                          <a:rPr lang="it-IT" b="0" i="1" smtClean="0">
-                            <a:latin typeface="Cambria Math" panose="02040503050406030204" pitchFamily="18" charset="0"/>
-                          </a:rPr>
-                          <m:t>𝐿</m:t>
-                        </m:r>
-                      </m:e>
-                      <m:sub>
-                        <m:r>
-                          <a:rPr lang="it-IT" b="0" i="1" smtClean="0">
-                            <a:latin typeface="Cambria Math" panose="02040503050406030204" pitchFamily="18" charset="0"/>
-                          </a:rPr>
-                          <m:t>1</m:t>
-                        </m:r>
-                      </m:sub>
-                    </m:sSub>
-                    <m:r>
-                      <a:rPr lang="it-IT" b="0" i="1" smtClean="0">
-                        <a:latin typeface="Cambria Math" panose="02040503050406030204" pitchFamily="18" charset="0"/>
-                      </a:rPr>
-                      <m:t>∗</m:t>
-                    </m:r>
-                    <m:sSub>
-                      <m:sSubPr>
-                        <m:ctrlPr>
-                          <a:rPr lang="it-IT" b="0" i="1" smtClean="0">
-                            <a:latin typeface="Cambria Math" panose="02040503050406030204" pitchFamily="18" charset="0"/>
-                          </a:rPr>
-                        </m:ctrlPr>
-                      </m:sSubPr>
-                      <m:e>
-                        <m:r>
-                          <a:rPr lang="it-IT" b="0" i="1" smtClean="0">
-                            <a:latin typeface="Cambria Math" panose="02040503050406030204" pitchFamily="18" charset="0"/>
-                          </a:rPr>
-                          <m:t>𝑒</m:t>
-                        </m:r>
-                      </m:e>
-                      <m:sub>
-                        <m:r>
-                          <a:rPr lang="it-IT" b="0" i="1" smtClean="0">
-                            <a:latin typeface="Cambria Math" panose="02040503050406030204" pitchFamily="18" charset="0"/>
-                          </a:rPr>
-                          <m:t>𝑥</m:t>
-                        </m:r>
-                      </m:sub>
-                    </m:sSub>
-                  </m:oMath>
-                </m:oMathPara>
-              </a14:m>
-              <a:endParaRPr lang="it-IT" dirty="0"/>
-            </a:p>
-          </dgm:t>
-        </dgm:pt>
-      </mc:Choice>
-      <mc:Fallback xmlns="">
-        <dgm:pt modelId="{A67A8079-0A30-4A6E-8CA0-8EEBBB3805FF}">
-          <dgm:prSet phldrT="[Testo]"/>
-          <dgm:spPr/>
-          <dgm:t>
-            <a:bodyPr/>
-            <a:lstStyle/>
-            <a:p>
-              <a:r>
-                <a:rPr lang="it-IT" b="0" i="0">
-                  <a:latin typeface="Cambria Math" panose="02040503050406030204" pitchFamily="18" charset="0"/>
-                </a:rPr>
-                <a:t>𝑅_𝑧 (</a:t>
-              </a:r>
-              <a:r>
-                <a:rPr lang="it-IT" b="0" i="0" dirty="0">
-                  <a:latin typeface="Cambria Math" panose="02040503050406030204" pitchFamily="18" charset="0"/>
-                </a:rPr>
-                <a:t>𝑞_1</a:t>
-              </a:r>
-              <a:r>
-                <a:rPr lang="it-IT" b="0" i="0">
-                  <a:latin typeface="Cambria Math" panose="02040503050406030204" pitchFamily="18" charset="0"/>
-                </a:rPr>
-                <a:t> )∗𝐿_1∗𝑒_𝑥</a:t>
-              </a:r>
-              <a:endParaRPr lang="it-IT" dirty="0"/>
-            </a:p>
-          </dgm:t>
-        </dgm:pt>
-      </mc:Fallback>
-    </mc:AlternateContent>
-    <dgm:pt modelId="{4DCE2C0B-A040-4164-BF48-95CB9047D32D}" type="parTrans" cxnId="{890B99DD-999B-4491-BAA0-1B09BA455601}">
-      <dgm:prSet/>
-      <dgm:spPr/>
-      <dgm:t>
-        <a:bodyPr/>
-        <a:lstStyle/>
-        <a:p>
-          <a:endParaRPr lang="it-IT"/>
-        </a:p>
-      </dgm:t>
-    </dgm:pt>
-    <dgm:pt modelId="{804DAE51-BA49-4715-AC0C-3915EF929804}" type="sibTrans" cxnId="{890B99DD-999B-4491-BAA0-1B09BA455601}">
-      <dgm:prSet/>
-      <dgm:spPr/>
-      <dgm:t>
-        <a:bodyPr/>
-        <a:lstStyle/>
-        <a:p>
-          <a:endParaRPr lang="it-IT"/>
-        </a:p>
-      </dgm:t>
-    </dgm:pt>
-    <dgm:pt modelId="{4C78AF8C-8871-4CF2-B0A4-224346140A34}">
-      <dgm:prSet phldrT="[Testo]"/>
-      <dgm:spPr/>
-      <dgm:t>
-        <a:bodyPr/>
-        <a:lstStyle/>
-        <a:p>
-          <a:r>
-            <a:rPr lang="it-IT" dirty="0"/>
-            <a:t>0</a:t>
-          </a:r>
-        </a:p>
-      </dgm:t>
-    </dgm:pt>
-    <dgm:pt modelId="{B00F1E23-FA6E-402F-BC6D-EB2FC28E13BD}" type="parTrans" cxnId="{09352CFC-9B38-4AC4-9E8E-8314CF4F753E}">
-      <dgm:prSet/>
-      <dgm:spPr/>
-      <dgm:t>
-        <a:bodyPr/>
-        <a:lstStyle/>
-        <a:p>
-          <a:endParaRPr lang="it-IT"/>
-        </a:p>
-      </dgm:t>
-    </dgm:pt>
-    <dgm:pt modelId="{3A56FD82-AE0B-4C09-82B1-9C06645C7803}" type="sibTrans" cxnId="{09352CFC-9B38-4AC4-9E8E-8314CF4F753E}">
-      <dgm:prSet/>
-      <dgm:spPr/>
-      <dgm:t>
-        <a:bodyPr/>
-        <a:lstStyle/>
-        <a:p>
-          <a:endParaRPr lang="it-IT"/>
-        </a:p>
-      </dgm:t>
-    </dgm:pt>
-    <dgm:pt modelId="{ABE9C5BB-8FF0-4BFD-8448-02FE4A642C5C}">
-      <dgm:prSet phldrT="[Testo]"/>
-      <dgm:spPr/>
-      <dgm:t>
-        <a:bodyPr/>
-        <a:lstStyle/>
-        <a:p>
-          <a:r>
-            <a:rPr lang="it-IT" dirty="0"/>
-            <a:t>1</a:t>
-          </a:r>
-        </a:p>
-      </dgm:t>
-    </dgm:pt>
-    <dgm:pt modelId="{17637030-0B08-48C3-A0D0-FC56C83EDE79}" type="parTrans" cxnId="{73EAAD2E-4085-4230-B3CB-6BAA03BE373E}">
-      <dgm:prSet/>
-      <dgm:spPr/>
-      <dgm:t>
-        <a:bodyPr/>
-        <a:lstStyle/>
-        <a:p>
-          <a:endParaRPr lang="it-IT"/>
-        </a:p>
-      </dgm:t>
-    </dgm:pt>
-    <dgm:pt modelId="{054EC349-2052-48AF-A299-BCC42DE9DED5}" type="sibTrans" cxnId="{73EAAD2E-4085-4230-B3CB-6BAA03BE373E}">
-      <dgm:prSet/>
-      <dgm:spPr/>
-      <dgm:t>
-        <a:bodyPr/>
-        <a:lstStyle/>
-        <a:p>
-          <a:endParaRPr lang="it-IT"/>
-        </a:p>
-      </dgm:t>
-    </dgm:pt>
-    <dgm:pt modelId="{137A840B-420F-4D62-BC1E-5451BCD2856F}" type="pres">
-      <dgm:prSet presAssocID="{9CD872B7-1BAB-4E4A-B8AC-77F573EAECF7}" presName="matrix" presStyleCnt="0">
-        <dgm:presLayoutVars>
-          <dgm:chMax val="1"/>
-          <dgm:dir/>
-          <dgm:resizeHandles val="exact"/>
-        </dgm:presLayoutVars>
-      </dgm:prSet>
-      <dgm:spPr/>
-    </dgm:pt>
-    <dgm:pt modelId="{2C07BFB6-3F4F-483C-84D1-6A0A9685E77A}" type="pres">
-      <dgm:prSet presAssocID="{9CD872B7-1BAB-4E4A-B8AC-77F573EAECF7}" presName="diamond" presStyleLbl="bgShp" presStyleIdx="0" presStyleCnt="1" custFlipVert="1" custFlipHor="1" custScaleX="891" custScaleY="844"/>
-      <dgm:spPr/>
-    </dgm:pt>
-    <dgm:pt modelId="{7369E355-1B73-4F0B-9B4C-571B0C732CF1}" type="pres">
-      <dgm:prSet presAssocID="{9CD872B7-1BAB-4E4A-B8AC-77F573EAECF7}" presName="quad1" presStyleLbl="node1" presStyleIdx="0" presStyleCnt="4" custScaleX="161561" custScaleY="30084" custLinFactNeighborX="-25231" custLinFactNeighborY="-49092">
-        <dgm:presLayoutVars>
-          <dgm:chMax val="0"/>
-          <dgm:chPref val="0"/>
-          <dgm:bulletEnabled val="1"/>
-        </dgm:presLayoutVars>
-      </dgm:prSet>
-      <dgm:spPr/>
-    </dgm:pt>
-    <dgm:pt modelId="{293C235F-2ED1-4795-8F69-60B899DA1CF8}" type="pres">
-      <dgm:prSet presAssocID="{9CD872B7-1BAB-4E4A-B8AC-77F573EAECF7}" presName="quad2" presStyleLbl="node1" presStyleIdx="1" presStyleCnt="4" custScaleX="152873" custScaleY="31028" custLinFactNeighborX="24794" custLinFactNeighborY="-50035">
-        <dgm:presLayoutVars>
-          <dgm:chMax val="0"/>
-          <dgm:chPref val="0"/>
-          <dgm:bulletEnabled val="1"/>
-        </dgm:presLayoutVars>
-      </dgm:prSet>
-      <dgm:spPr/>
-    </dgm:pt>
-    <dgm:pt modelId="{A06A8A5E-FC71-4692-82C7-8318934DDDC4}" type="pres">
-      <dgm:prSet presAssocID="{9CD872B7-1BAB-4E4A-B8AC-77F573EAECF7}" presName="quad3" presStyleLbl="node1" presStyleIdx="2" presStyleCnt="4" custScaleX="163162" custScaleY="28359" custLinFactY="-28387" custLinFactNeighborX="-25309" custLinFactNeighborY="-100000">
-        <dgm:presLayoutVars>
-          <dgm:chMax val="0"/>
-          <dgm:chPref val="0"/>
-          <dgm:bulletEnabled val="1"/>
-        </dgm:presLayoutVars>
-      </dgm:prSet>
-      <dgm:spPr/>
-    </dgm:pt>
-    <dgm:pt modelId="{CD579011-BA32-4DC1-B164-07AEB35D3077}" type="pres">
-      <dgm:prSet presAssocID="{9CD872B7-1BAB-4E4A-B8AC-77F573EAECF7}" presName="quad4" presStyleLbl="node1" presStyleIdx="3" presStyleCnt="4" custScaleX="154867" custScaleY="30609" custLinFactY="-27262" custLinFactNeighborX="26338" custLinFactNeighborY="-100000">
-        <dgm:presLayoutVars>
-          <dgm:chMax val="0"/>
-          <dgm:chPref val="0"/>
-          <dgm:bulletEnabled val="1"/>
-        </dgm:presLayoutVars>
-      </dgm:prSet>
-      <dgm:spPr/>
-    </dgm:pt>
-  </dgm:ptLst>
-  <dgm:cxnLst>
-    <dgm:cxn modelId="{77228816-530E-4008-B556-D65D3A7002D2}" type="presOf" srcId="{CE64F15D-B261-44A3-9252-F491C440CC2E}" destId="{7369E355-1B73-4F0B-9B4C-571B0C732CF1}" srcOrd="0" destOrd="0" presId="urn:microsoft.com/office/officeart/2005/8/layout/matrix3"/>
-    <dgm:cxn modelId="{73EAAD2E-4085-4230-B3CB-6BAA03BE373E}" srcId="{9CD872B7-1BAB-4E4A-B8AC-77F573EAECF7}" destId="{ABE9C5BB-8FF0-4BFD-8448-02FE4A642C5C}" srcOrd="3" destOrd="0" parTransId="{17637030-0B08-48C3-A0D0-FC56C83EDE79}" sibTransId="{054EC349-2052-48AF-A299-BCC42DE9DED5}"/>
-    <dgm:cxn modelId="{E221AB38-7336-4C1C-9EBB-D090513E78C1}" type="presOf" srcId="{A67A8079-0A30-4A6E-8CA0-8EEBBB3805FF}" destId="{293C235F-2ED1-4795-8F69-60B899DA1CF8}" srcOrd="0" destOrd="0" presId="urn:microsoft.com/office/officeart/2005/8/layout/matrix3"/>
-    <dgm:cxn modelId="{1E7E008E-8559-449C-AB8A-D551A5FEA1AA}" type="presOf" srcId="{9CD872B7-1BAB-4E4A-B8AC-77F573EAECF7}" destId="{137A840B-420F-4D62-BC1E-5451BCD2856F}" srcOrd="0" destOrd="0" presId="urn:microsoft.com/office/officeart/2005/8/layout/matrix3"/>
-    <dgm:cxn modelId="{69F0FFCD-7B81-4597-A11C-2E4EF5181D00}" type="presOf" srcId="{4C78AF8C-8871-4CF2-B0A4-224346140A34}" destId="{A06A8A5E-FC71-4692-82C7-8318934DDDC4}" srcOrd="0" destOrd="0" presId="urn:microsoft.com/office/officeart/2005/8/layout/matrix3"/>
-    <dgm:cxn modelId="{777619D0-0E69-492F-B541-C7669B328EC7}" type="presOf" srcId="{ABE9C5BB-8FF0-4BFD-8448-02FE4A642C5C}" destId="{CD579011-BA32-4DC1-B164-07AEB35D3077}" srcOrd="0" destOrd="0" presId="urn:microsoft.com/office/officeart/2005/8/layout/matrix3"/>
-    <dgm:cxn modelId="{890B99DD-999B-4491-BAA0-1B09BA455601}" srcId="{9CD872B7-1BAB-4E4A-B8AC-77F573EAECF7}" destId="{A67A8079-0A30-4A6E-8CA0-8EEBBB3805FF}" srcOrd="1" destOrd="0" parTransId="{4DCE2C0B-A040-4164-BF48-95CB9047D32D}" sibTransId="{804DAE51-BA49-4715-AC0C-3915EF929804}"/>
-    <dgm:cxn modelId="{57A9A5F7-E439-4817-A8ED-9CDD98297CA8}" srcId="{9CD872B7-1BAB-4E4A-B8AC-77F573EAECF7}" destId="{CE64F15D-B261-44A3-9252-F491C440CC2E}" srcOrd="0" destOrd="0" parTransId="{BFA59D88-77E1-4C0C-A626-29C8D5988C6C}" sibTransId="{C748B44A-582C-4C0E-AA4C-0DB33133F66F}"/>
-    <dgm:cxn modelId="{09352CFC-9B38-4AC4-9E8E-8314CF4F753E}" srcId="{9CD872B7-1BAB-4E4A-B8AC-77F573EAECF7}" destId="{4C78AF8C-8871-4CF2-B0A4-224346140A34}" srcOrd="2" destOrd="0" parTransId="{B00F1E23-FA6E-402F-BC6D-EB2FC28E13BD}" sibTransId="{3A56FD82-AE0B-4C09-82B1-9C06645C7803}"/>
-    <dgm:cxn modelId="{228A3926-CBB5-4E3C-96C6-FE2179CDC308}" type="presParOf" srcId="{137A840B-420F-4D62-BC1E-5451BCD2856F}" destId="{2C07BFB6-3F4F-483C-84D1-6A0A9685E77A}" srcOrd="0" destOrd="0" presId="urn:microsoft.com/office/officeart/2005/8/layout/matrix3"/>
-    <dgm:cxn modelId="{6A901EA1-9A29-4BD4-AB0B-6FAAFC4D0BFA}" type="presParOf" srcId="{137A840B-420F-4D62-BC1E-5451BCD2856F}" destId="{7369E355-1B73-4F0B-9B4C-571B0C732CF1}" srcOrd="1" destOrd="0" presId="urn:microsoft.com/office/officeart/2005/8/layout/matrix3"/>
-    <dgm:cxn modelId="{E651BCC2-E5E9-485B-B02D-A345C3F995A7}" type="presParOf" srcId="{137A840B-420F-4D62-BC1E-5451BCD2856F}" destId="{293C235F-2ED1-4795-8F69-60B899DA1CF8}" srcOrd="2" destOrd="0" presId="urn:microsoft.com/office/officeart/2005/8/layout/matrix3"/>
-    <dgm:cxn modelId="{A6412300-0CB3-45DA-924C-6A1C4FFB2152}" type="presParOf" srcId="{137A840B-420F-4D62-BC1E-5451BCD2856F}" destId="{A06A8A5E-FC71-4692-82C7-8318934DDDC4}" srcOrd="3" destOrd="0" presId="urn:microsoft.com/office/officeart/2005/8/layout/matrix3"/>
-    <dgm:cxn modelId="{B16AAE9D-C520-4FCB-A9DA-C0A9CB7ACFD4}" type="presParOf" srcId="{137A840B-420F-4D62-BC1E-5451BCD2856F}" destId="{CD579011-BA32-4DC1-B164-07AEB35D3077}" srcOrd="4" destOrd="0" presId="urn:microsoft.com/office/officeart/2005/8/layout/matrix3"/>
-  </dgm:cxnLst>
-  <dgm:bg/>
-  <dgm:whole/>
-  <dgm:extLst>
-    <a:ext uri="http://schemas.microsoft.com/office/drawing/2008/diagram">
-      <dsp:dataModelExt xmlns:dsp="http://schemas.microsoft.com/office/drawing/2008/diagram" relId="rId15" minVer="http://schemas.openxmlformats.org/drawingml/2006/diagram"/>
-    </a:ext>
-  </dgm:extLst>
-</dgm:dataModel>
-</file>
-
-<file path=ppt/diagrams/data4.xml><?xml version="1.0" encoding="utf-8"?>
-<dgm:dataModel xmlns:dgm="http://schemas.openxmlformats.org/drawingml/2006/diagram" xmlns:a="http://schemas.openxmlformats.org/drawingml/2006/main">
-  <dgm:ptLst>
-    <dgm:pt modelId="{9CD872B7-1BAB-4E4A-B8AC-77F573EAECF7}" type="doc">
-      <dgm:prSet loTypeId="urn:microsoft.com/office/officeart/2005/8/layout/matrix3" loCatId="matrix" qsTypeId="urn:microsoft.com/office/officeart/2005/8/quickstyle/simple1" qsCatId="simple" csTypeId="urn:microsoft.com/office/officeart/2005/8/colors/accent1_2" csCatId="accent1" phldr="1"/>
-      <dgm:spPr/>
-      <dgm:t>
-        <a:bodyPr/>
-        <a:lstStyle/>
-        <a:p>
-          <a:endParaRPr lang="it-IT"/>
-        </a:p>
-      </dgm:t>
-    </dgm:pt>
-    <dgm:pt modelId="{CE64F15D-B261-44A3-9252-F491C440CC2E}">
-      <dgm:prSet phldrT="[Testo]"/>
-      <dgm:spPr>
-        <a:blipFill>
-          <a:blip xmlns:r="http://schemas.openxmlformats.org/officeDocument/2006/relationships" r:embed="rId1"/>
-          <a:stretch>
-            <a:fillRect/>
-          </a:stretch>
-        </a:blipFill>
-      </dgm:spPr>
-      <dgm:t>
-        <a:bodyPr/>
-        <a:lstStyle/>
-        <a:p>
-          <a:r>
-            <a:rPr lang="it-IT">
-              <a:noFill/>
-            </a:rPr>
-            <a:t> </a:t>
-          </a:r>
-        </a:p>
-      </dgm:t>
-    </dgm:pt>
-    <dgm:pt modelId="{BFA59D88-77E1-4C0C-A626-29C8D5988C6C}" type="parTrans" cxnId="{57A9A5F7-E439-4817-A8ED-9CDD98297CA8}">
-      <dgm:prSet/>
-      <dgm:spPr/>
-      <dgm:t>
-        <a:bodyPr/>
-        <a:lstStyle/>
-        <a:p>
-          <a:endParaRPr lang="it-IT"/>
-        </a:p>
-      </dgm:t>
-    </dgm:pt>
-    <dgm:pt modelId="{C748B44A-582C-4C0E-AA4C-0DB33133F66F}" type="sibTrans" cxnId="{57A9A5F7-E439-4817-A8ED-9CDD98297CA8}">
-      <dgm:prSet/>
-      <dgm:spPr/>
-      <dgm:t>
-        <a:bodyPr/>
-        <a:lstStyle/>
-        <a:p>
-          <a:endParaRPr lang="it-IT"/>
-        </a:p>
-      </dgm:t>
-    </dgm:pt>
-    <dgm:pt modelId="{A67A8079-0A30-4A6E-8CA0-8EEBBB3805FF}">
-      <dgm:prSet phldrT="[Testo]"/>
-      <dgm:spPr>
-        <a:blipFill>
-          <a:blip xmlns:r="http://schemas.openxmlformats.org/officeDocument/2006/relationships" r:embed="rId2"/>
-          <a:stretch>
-            <a:fillRect/>
-          </a:stretch>
-        </a:blipFill>
-      </dgm:spPr>
-      <dgm:t>
-        <a:bodyPr/>
-        <a:lstStyle/>
-        <a:p>
-          <a:r>
-            <a:rPr lang="it-IT">
-              <a:noFill/>
-            </a:rPr>
-            <a:t> </a:t>
-          </a:r>
-        </a:p>
-      </dgm:t>
-    </dgm:pt>
-    <dgm:pt modelId="{4DCE2C0B-A040-4164-BF48-95CB9047D32D}" type="parTrans" cxnId="{890B99DD-999B-4491-BAA0-1B09BA455601}">
-      <dgm:prSet/>
-      <dgm:spPr/>
-      <dgm:t>
-        <a:bodyPr/>
-        <a:lstStyle/>
-        <a:p>
-          <a:endParaRPr lang="it-IT"/>
-        </a:p>
-      </dgm:t>
-    </dgm:pt>
-    <dgm:pt modelId="{804DAE51-BA49-4715-AC0C-3915EF929804}" type="sibTrans" cxnId="{890B99DD-999B-4491-BAA0-1B09BA455601}">
-      <dgm:prSet/>
-      <dgm:spPr/>
-      <dgm:t>
-        <a:bodyPr/>
-        <a:lstStyle/>
-        <a:p>
-          <a:endParaRPr lang="it-IT"/>
-        </a:p>
-      </dgm:t>
-    </dgm:pt>
-    <dgm:pt modelId="{4C78AF8C-8871-4CF2-B0A4-224346140A34}">
-      <dgm:prSet phldrT="[Testo]"/>
-      <dgm:spPr/>
-      <dgm:t>
-        <a:bodyPr/>
-        <a:lstStyle/>
-        <a:p>
-          <a:r>
-            <a:rPr lang="it-IT" dirty="0"/>
-            <a:t>0</a:t>
-          </a:r>
-        </a:p>
-      </dgm:t>
-    </dgm:pt>
-    <dgm:pt modelId="{B00F1E23-FA6E-402F-BC6D-EB2FC28E13BD}" type="parTrans" cxnId="{09352CFC-9B38-4AC4-9E8E-8314CF4F753E}">
-      <dgm:prSet/>
-      <dgm:spPr/>
-      <dgm:t>
-        <a:bodyPr/>
-        <a:lstStyle/>
-        <a:p>
-          <a:endParaRPr lang="it-IT"/>
-        </a:p>
-      </dgm:t>
-    </dgm:pt>
-    <dgm:pt modelId="{3A56FD82-AE0B-4C09-82B1-9C06645C7803}" type="sibTrans" cxnId="{09352CFC-9B38-4AC4-9E8E-8314CF4F753E}">
-      <dgm:prSet/>
-      <dgm:spPr/>
-      <dgm:t>
-        <a:bodyPr/>
-        <a:lstStyle/>
-        <a:p>
-          <a:endParaRPr lang="it-IT"/>
-        </a:p>
-      </dgm:t>
-    </dgm:pt>
-    <dgm:pt modelId="{ABE9C5BB-8FF0-4BFD-8448-02FE4A642C5C}">
-      <dgm:prSet phldrT="[Testo]"/>
-      <dgm:spPr/>
-      <dgm:t>
-        <a:bodyPr/>
-        <a:lstStyle/>
-        <a:p>
-          <a:r>
-            <a:rPr lang="it-IT" dirty="0"/>
-            <a:t>1</a:t>
-          </a:r>
-        </a:p>
-      </dgm:t>
-    </dgm:pt>
-    <dgm:pt modelId="{17637030-0B08-48C3-A0D0-FC56C83EDE79}" type="parTrans" cxnId="{73EAAD2E-4085-4230-B3CB-6BAA03BE373E}">
-      <dgm:prSet/>
-      <dgm:spPr/>
-      <dgm:t>
-        <a:bodyPr/>
-        <a:lstStyle/>
-        <a:p>
-          <a:endParaRPr lang="it-IT"/>
-        </a:p>
-      </dgm:t>
-    </dgm:pt>
-    <dgm:pt modelId="{054EC349-2052-48AF-A299-BCC42DE9DED5}" type="sibTrans" cxnId="{73EAAD2E-4085-4230-B3CB-6BAA03BE373E}">
-      <dgm:prSet/>
-      <dgm:spPr/>
-      <dgm:t>
-        <a:bodyPr/>
-        <a:lstStyle/>
-        <a:p>
-          <a:endParaRPr lang="it-IT"/>
-        </a:p>
-      </dgm:t>
-    </dgm:pt>
-    <dgm:pt modelId="{137A840B-420F-4D62-BC1E-5451BCD2856F}" type="pres">
-      <dgm:prSet presAssocID="{9CD872B7-1BAB-4E4A-B8AC-77F573EAECF7}" presName="matrix" presStyleCnt="0">
-        <dgm:presLayoutVars>
-          <dgm:chMax val="1"/>
-          <dgm:dir/>
-          <dgm:resizeHandles val="exact"/>
-        </dgm:presLayoutVars>
-      </dgm:prSet>
-      <dgm:spPr/>
-    </dgm:pt>
-    <dgm:pt modelId="{2C07BFB6-3F4F-483C-84D1-6A0A9685E77A}" type="pres">
-      <dgm:prSet presAssocID="{9CD872B7-1BAB-4E4A-B8AC-77F573EAECF7}" presName="diamond" presStyleLbl="bgShp" presStyleIdx="0" presStyleCnt="1" custFlipVert="1" custFlipHor="1" custScaleX="891" custScaleY="844"/>
-      <dgm:spPr/>
-    </dgm:pt>
-    <dgm:pt modelId="{7369E355-1B73-4F0B-9B4C-571B0C732CF1}" type="pres">
-      <dgm:prSet presAssocID="{9CD872B7-1BAB-4E4A-B8AC-77F573EAECF7}" presName="quad1" presStyleLbl="node1" presStyleIdx="0" presStyleCnt="4" custScaleX="161561" custScaleY="30084" custLinFactNeighborX="-25231" custLinFactNeighborY="-49092">
-        <dgm:presLayoutVars>
-          <dgm:chMax val="0"/>
-          <dgm:chPref val="0"/>
-          <dgm:bulletEnabled val="1"/>
-        </dgm:presLayoutVars>
-      </dgm:prSet>
-      <dgm:spPr/>
-    </dgm:pt>
-    <dgm:pt modelId="{293C235F-2ED1-4795-8F69-60B899DA1CF8}" type="pres">
-      <dgm:prSet presAssocID="{9CD872B7-1BAB-4E4A-B8AC-77F573EAECF7}" presName="quad2" presStyleLbl="node1" presStyleIdx="1" presStyleCnt="4" custScaleX="152873" custScaleY="31028" custLinFactNeighborX="24794" custLinFactNeighborY="-50035">
-        <dgm:presLayoutVars>
-          <dgm:chMax val="0"/>
-          <dgm:chPref val="0"/>
-          <dgm:bulletEnabled val="1"/>
-        </dgm:presLayoutVars>
-      </dgm:prSet>
-      <dgm:spPr/>
-    </dgm:pt>
-    <dgm:pt modelId="{A06A8A5E-FC71-4692-82C7-8318934DDDC4}" type="pres">
-      <dgm:prSet presAssocID="{9CD872B7-1BAB-4E4A-B8AC-77F573EAECF7}" presName="quad3" presStyleLbl="node1" presStyleIdx="2" presStyleCnt="4" custScaleX="163162" custScaleY="28359" custLinFactY="-28387" custLinFactNeighborX="-25309" custLinFactNeighborY="-100000">
-        <dgm:presLayoutVars>
-          <dgm:chMax val="0"/>
-          <dgm:chPref val="0"/>
-          <dgm:bulletEnabled val="1"/>
-        </dgm:presLayoutVars>
-      </dgm:prSet>
-      <dgm:spPr/>
-    </dgm:pt>
-    <dgm:pt modelId="{CD579011-BA32-4DC1-B164-07AEB35D3077}" type="pres">
-      <dgm:prSet presAssocID="{9CD872B7-1BAB-4E4A-B8AC-77F573EAECF7}" presName="quad4" presStyleLbl="node1" presStyleIdx="3" presStyleCnt="4" custScaleX="154867" custScaleY="30609" custLinFactY="-27262" custLinFactNeighborX="26338" custLinFactNeighborY="-100000">
-        <dgm:presLayoutVars>
-          <dgm:chMax val="0"/>
-          <dgm:chPref val="0"/>
-          <dgm:bulletEnabled val="1"/>
-        </dgm:presLayoutVars>
-      </dgm:prSet>
-      <dgm:spPr/>
-    </dgm:pt>
-  </dgm:ptLst>
-  <dgm:cxnLst>
-    <dgm:cxn modelId="{77228816-530E-4008-B556-D65D3A7002D2}" type="presOf" srcId="{CE64F15D-B261-44A3-9252-F491C440CC2E}" destId="{7369E355-1B73-4F0B-9B4C-571B0C732CF1}" srcOrd="0" destOrd="0" presId="urn:microsoft.com/office/officeart/2005/8/layout/matrix3"/>
-    <dgm:cxn modelId="{73EAAD2E-4085-4230-B3CB-6BAA03BE373E}" srcId="{9CD872B7-1BAB-4E4A-B8AC-77F573EAECF7}" destId="{ABE9C5BB-8FF0-4BFD-8448-02FE4A642C5C}" srcOrd="3" destOrd="0" parTransId="{17637030-0B08-48C3-A0D0-FC56C83EDE79}" sibTransId="{054EC349-2052-48AF-A299-BCC42DE9DED5}"/>
-    <dgm:cxn modelId="{E221AB38-7336-4C1C-9EBB-D090513E78C1}" type="presOf" srcId="{A67A8079-0A30-4A6E-8CA0-8EEBBB3805FF}" destId="{293C235F-2ED1-4795-8F69-60B899DA1CF8}" srcOrd="0" destOrd="0" presId="urn:microsoft.com/office/officeart/2005/8/layout/matrix3"/>
-    <dgm:cxn modelId="{1E7E008E-8559-449C-AB8A-D551A5FEA1AA}" type="presOf" srcId="{9CD872B7-1BAB-4E4A-B8AC-77F573EAECF7}" destId="{137A840B-420F-4D62-BC1E-5451BCD2856F}" srcOrd="0" destOrd="0" presId="urn:microsoft.com/office/officeart/2005/8/layout/matrix3"/>
-    <dgm:cxn modelId="{69F0FFCD-7B81-4597-A11C-2E4EF5181D00}" type="presOf" srcId="{4C78AF8C-8871-4CF2-B0A4-224346140A34}" destId="{A06A8A5E-FC71-4692-82C7-8318934DDDC4}" srcOrd="0" destOrd="0" presId="urn:microsoft.com/office/officeart/2005/8/layout/matrix3"/>
-    <dgm:cxn modelId="{777619D0-0E69-492F-B541-C7669B328EC7}" type="presOf" srcId="{ABE9C5BB-8FF0-4BFD-8448-02FE4A642C5C}" destId="{CD579011-BA32-4DC1-B164-07AEB35D3077}" srcOrd="0" destOrd="0" presId="urn:microsoft.com/office/officeart/2005/8/layout/matrix3"/>
-    <dgm:cxn modelId="{890B99DD-999B-4491-BAA0-1B09BA455601}" srcId="{9CD872B7-1BAB-4E4A-B8AC-77F573EAECF7}" destId="{A67A8079-0A30-4A6E-8CA0-8EEBBB3805FF}" srcOrd="1" destOrd="0" parTransId="{4DCE2C0B-A040-4164-BF48-95CB9047D32D}" sibTransId="{804DAE51-BA49-4715-AC0C-3915EF929804}"/>
-    <dgm:cxn modelId="{57A9A5F7-E439-4817-A8ED-9CDD98297CA8}" srcId="{9CD872B7-1BAB-4E4A-B8AC-77F573EAECF7}" destId="{CE64F15D-B261-44A3-9252-F491C440CC2E}" srcOrd="0" destOrd="0" parTransId="{BFA59D88-77E1-4C0C-A626-29C8D5988C6C}" sibTransId="{C748B44A-582C-4C0E-AA4C-0DB33133F66F}"/>
-    <dgm:cxn modelId="{09352CFC-9B38-4AC4-9E8E-8314CF4F753E}" srcId="{9CD872B7-1BAB-4E4A-B8AC-77F573EAECF7}" destId="{4C78AF8C-8871-4CF2-B0A4-224346140A34}" srcOrd="2" destOrd="0" parTransId="{B00F1E23-FA6E-402F-BC6D-EB2FC28E13BD}" sibTransId="{3A56FD82-AE0B-4C09-82B1-9C06645C7803}"/>
-    <dgm:cxn modelId="{228A3926-CBB5-4E3C-96C6-FE2179CDC308}" type="presParOf" srcId="{137A840B-420F-4D62-BC1E-5451BCD2856F}" destId="{2C07BFB6-3F4F-483C-84D1-6A0A9685E77A}" srcOrd="0" destOrd="0" presId="urn:microsoft.com/office/officeart/2005/8/layout/matrix3"/>
-    <dgm:cxn modelId="{6A901EA1-9A29-4BD4-AB0B-6FAAFC4D0BFA}" type="presParOf" srcId="{137A840B-420F-4D62-BC1E-5451BCD2856F}" destId="{7369E355-1B73-4F0B-9B4C-571B0C732CF1}" srcOrd="1" destOrd="0" presId="urn:microsoft.com/office/officeart/2005/8/layout/matrix3"/>
-    <dgm:cxn modelId="{E651BCC2-E5E9-485B-B02D-A345C3F995A7}" type="presParOf" srcId="{137A840B-420F-4D62-BC1E-5451BCD2856F}" destId="{293C235F-2ED1-4795-8F69-60B899DA1CF8}" srcOrd="2" destOrd="0" presId="urn:microsoft.com/office/officeart/2005/8/layout/matrix3"/>
-    <dgm:cxn modelId="{A6412300-0CB3-45DA-924C-6A1C4FFB2152}" type="presParOf" srcId="{137A840B-420F-4D62-BC1E-5451BCD2856F}" destId="{A06A8A5E-FC71-4692-82C7-8318934DDDC4}" srcOrd="3" destOrd="0" presId="urn:microsoft.com/office/officeart/2005/8/layout/matrix3"/>
-    <dgm:cxn modelId="{B16AAE9D-C520-4FCB-A9DA-C0A9CB7ACFD4}" type="presParOf" srcId="{137A840B-420F-4D62-BC1E-5451BCD2856F}" destId="{CD579011-BA32-4DC1-B164-07AEB35D3077}" srcOrd="4" destOrd="0" presId="urn:microsoft.com/office/officeart/2005/8/layout/matrix3"/>
-  </dgm:cxnLst>
-  <dgm:bg/>
-  <dgm:whole/>
-  <dgm:extLst>
-    <a:ext uri="http://schemas.microsoft.com/office/drawing/2008/diagram">
-      <dsp:dataModelExt xmlns:dsp="http://schemas.microsoft.com/office/drawing/2008/diagram" relId="rId12" minVer="http://schemas.openxmlformats.org/drawingml/2006/diagram"/>
-    </a:ext>
-  </dgm:extLst>
-</dgm:dataModel>
-</file>
-
-<file path=ppt/diagrams/drawing1.xml><?xml version="1.0" encoding="utf-8"?>
-<dsp:drawing xmlns:dgm="http://schemas.openxmlformats.org/drawingml/2006/diagram" xmlns:dsp="http://schemas.microsoft.com/office/drawing/2008/diagram" xmlns:a="http://schemas.openxmlformats.org/drawingml/2006/main">
-  <dsp:spTree>
-    <dsp:nvGrpSpPr>
-      <dsp:cNvPr id="0" name=""/>
-      <dsp:cNvGrpSpPr/>
-    </dsp:nvGrpSpPr>
-    <dsp:grpSpPr/>
-    <dsp:sp modelId="{2C07BFB6-3F4F-483C-84D1-6A0A9685E77A}">
-      <dsp:nvSpPr>
-        <dsp:cNvPr id="0" name=""/>
-        <dsp:cNvSpPr/>
-      </dsp:nvSpPr>
-      <dsp:spPr>
-        <a:xfrm flipH="1" flipV="1">
-          <a:off x="4082620" y="2687980"/>
-          <a:ext cx="48267" cy="45721"/>
-        </a:xfrm>
-        <a:prstGeom prst="diamond">
-          <a:avLst/>
-        </a:prstGeom>
-        <a:solidFill>
-          <a:schemeClr val="accent1">
-            <a:tint val="40000"/>
-            <a:hueOff val="0"/>
-            <a:satOff val="0"/>
-            <a:lumOff val="0"/>
-            <a:alphaOff val="0"/>
-          </a:schemeClr>
-        </a:solidFill>
-        <a:ln>
-          <a:noFill/>
-        </a:ln>
-        <a:effectLst/>
-      </dsp:spPr>
-      <dsp:style>
-        <a:lnRef idx="0">
-          <a:scrgbClr r="0" g="0" b="0"/>
-        </a:lnRef>
-        <a:fillRef idx="1">
-          <a:scrgbClr r="0" g="0" b="0"/>
-        </a:fillRef>
-        <a:effectRef idx="0">
-          <a:scrgbClr r="0" g="0" b="0"/>
-        </a:effectRef>
-        <a:fontRef idx="minor"/>
-      </dsp:style>
-    </dsp:sp>
-    <dsp:sp modelId="{7369E355-1B73-4F0B-9B4C-571B0C732CF1}">
-      <dsp:nvSpPr>
-        <dsp:cNvPr id="0" name=""/>
-        <dsp:cNvSpPr/>
-      </dsp:nvSpPr>
-      <dsp:spPr>
-        <a:xfrm>
-          <a:off x="729393" y="218239"/>
-          <a:ext cx="3413347" cy="635593"/>
-        </a:xfrm>
-        <a:prstGeom prst="roundRect">
-          <a:avLst/>
-        </a:prstGeom>
-        <a:solidFill>
-          <a:schemeClr val="accent1">
-            <a:hueOff val="0"/>
-            <a:satOff val="0"/>
-            <a:lumOff val="0"/>
-            <a:alphaOff val="0"/>
-          </a:schemeClr>
-        </a:solidFill>
-        <a:ln w="12700" cap="flat" cmpd="sng" algn="ctr">
-          <a:solidFill>
-            <a:schemeClr val="lt1">
-              <a:hueOff val="0"/>
-              <a:satOff val="0"/>
-              <a:lumOff val="0"/>
-              <a:alphaOff val="0"/>
-            </a:schemeClr>
-          </a:solidFill>
-          <a:prstDash val="solid"/>
-          <a:miter lim="800000"/>
-        </a:ln>
-        <a:effectLst/>
-      </dsp:spPr>
-      <dsp:style>
-        <a:lnRef idx="2">
-          <a:scrgbClr r="0" g="0" b="0"/>
-        </a:lnRef>
-        <a:fillRef idx="1">
-          <a:scrgbClr r="0" g="0" b="0"/>
-        </a:fillRef>
-        <a:effectRef idx="0">
-          <a:scrgbClr r="0" g="0" b="0"/>
-        </a:effectRef>
-        <a:fontRef idx="minor">
-          <a:schemeClr val="lt1"/>
-        </a:fontRef>
-      </dsp:style>
-      <dsp:txBody>
-        <a:bodyPr spcFirstLastPara="0" vert="horz" wrap="square" lIns="76200" tIns="76200" rIns="76200" bIns="76200" numCol="1" spcCol="1270" anchor="ctr" anchorCtr="0">
-          <a:noAutofit/>
-        </a:bodyPr>
-        <a:lstStyle/>
-        <a:p>
-          <a:pPr marL="0" lvl="0" indent="0" algn="ctr" defTabSz="889000">
-            <a:lnSpc>
-              <a:spcPct val="90000"/>
-            </a:lnSpc>
-            <a:spcBef>
-              <a:spcPct val="0"/>
-            </a:spcBef>
-            <a:spcAft>
-              <a:spcPct val="35000"/>
-            </a:spcAft>
-            <a:buNone/>
-          </a:pPr>
-          <a14:m xmlns:a14="http://schemas.microsoft.com/office/drawing/2010/main">
-            <m:oMathPara xmlns:m="http://schemas.openxmlformats.org/officeDocument/2006/math">
-              <m:oMathParaPr>
-                <m:jc m:val="centerGroup"/>
-              </m:oMathParaPr>
-              <m:oMath xmlns:m="http://schemas.openxmlformats.org/officeDocument/2006/math">
-                <m:sSub>
-                  <m:sSubPr>
-                    <m:ctrlPr>
-                      <a:rPr lang="it-IT" sz="2000" i="1" kern="1200" smtClean="0">
-                        <a:latin typeface="Cambria Math" panose="02040503050406030204" pitchFamily="18" charset="0"/>
-                      </a:rPr>
-                    </m:ctrlPr>
-                  </m:sSubPr>
-                  <m:e>
-                    <m:r>
-                      <a:rPr lang="it-IT" sz="2000" b="0" i="1" kern="1200" smtClean="0">
-                        <a:latin typeface="Cambria Math" panose="02040503050406030204" pitchFamily="18" charset="0"/>
-                      </a:rPr>
-                      <m:t>𝑅</m:t>
-                    </m:r>
-                  </m:e>
-                  <m:sub>
-                    <m:r>
-                      <a:rPr lang="it-IT" sz="2000" b="0" i="1" kern="1200" smtClean="0">
-                        <a:latin typeface="Cambria Math" panose="02040503050406030204" pitchFamily="18" charset="0"/>
-                      </a:rPr>
-                      <m:t>𝑧</m:t>
-                    </m:r>
-                  </m:sub>
-                </m:sSub>
-                <m:r>
-                  <a:rPr lang="it-IT" sz="2000" b="0" i="1" kern="1200" smtClean="0">
-                    <a:latin typeface="Cambria Math" panose="02040503050406030204" pitchFamily="18" charset="0"/>
-                  </a:rPr>
-                  <m:t>(</m:t>
-                </m:r>
-                <m:sSub>
-                  <m:sSubPr>
-                    <m:ctrlPr>
-                      <a:rPr lang="it-IT" sz="2000" b="0" i="1" kern="1200" smtClean="0">
-                        <a:latin typeface="Cambria Math" panose="02040503050406030204" pitchFamily="18" charset="0"/>
-                      </a:rPr>
-                    </m:ctrlPr>
-                  </m:sSubPr>
-                  <m:e>
-                    <m:r>
-                      <a:rPr lang="it-IT" sz="2000" b="0" i="1" kern="1200" smtClean="0">
-                        <a:latin typeface="Cambria Math" panose="02040503050406030204" pitchFamily="18" charset="0"/>
-                      </a:rPr>
-                      <m:t>𝑞</m:t>
-                    </m:r>
-                  </m:e>
-                  <m:sub>
-                    <m:r>
-                      <a:rPr lang="it-IT" sz="2000" b="0" i="1" kern="1200" smtClean="0">
-                        <a:latin typeface="Cambria Math" panose="02040503050406030204" pitchFamily="18" charset="0"/>
-                      </a:rPr>
-                      <m:t>1</m:t>
-                    </m:r>
-                  </m:sub>
-                </m:sSub>
-                <m:r>
-                  <a:rPr lang="it-IT" sz="2000" b="0" i="1" kern="1200" smtClean="0">
-                    <a:latin typeface="Cambria Math" panose="02040503050406030204" pitchFamily="18" charset="0"/>
-                  </a:rPr>
-                  <m:t>)</m:t>
-                </m:r>
-              </m:oMath>
-            </m:oMathPara>
-          </a14:m>
-          <a:endParaRPr lang="it-IT" sz="2000" kern="1200" dirty="0"/>
-        </a:p>
-      </dsp:txBody>
-      <dsp:txXfrm>
-        <a:off x="760420" y="249266"/>
-        <a:ext cx="3351293" cy="573539"/>
-      </dsp:txXfrm>
-    </dsp:sp>
-    <dsp:sp modelId="{293C235F-2ED1-4795-8F69-60B899DA1CF8}">
-      <dsp:nvSpPr>
-        <dsp:cNvPr id="0" name=""/>
-        <dsp:cNvSpPr/>
-      </dsp:nvSpPr>
-      <dsp:spPr>
-        <a:xfrm>
-          <a:off x="4153311" y="188344"/>
-          <a:ext cx="3229793" cy="655537"/>
-        </a:xfrm>
-        <a:prstGeom prst="roundRect">
-          <a:avLst/>
-        </a:prstGeom>
-        <a:solidFill>
-          <a:schemeClr val="accent1">
-            <a:hueOff val="0"/>
-            <a:satOff val="0"/>
-            <a:lumOff val="0"/>
-            <a:alphaOff val="0"/>
-          </a:schemeClr>
-        </a:solidFill>
-        <a:ln w="12700" cap="flat" cmpd="sng" algn="ctr">
-          <a:solidFill>
-            <a:schemeClr val="lt1">
-              <a:hueOff val="0"/>
-              <a:satOff val="0"/>
-              <a:lumOff val="0"/>
-              <a:alphaOff val="0"/>
-            </a:schemeClr>
-          </a:solidFill>
-          <a:prstDash val="solid"/>
-          <a:miter lim="800000"/>
-        </a:ln>
-        <a:effectLst/>
-      </dsp:spPr>
-      <dsp:style>
-        <a:lnRef idx="2">
-          <a:scrgbClr r="0" g="0" b="0"/>
-        </a:lnRef>
-        <a:fillRef idx="1">
-          <a:scrgbClr r="0" g="0" b="0"/>
-        </a:fillRef>
-        <a:effectRef idx="0">
-          <a:scrgbClr r="0" g="0" b="0"/>
-        </a:effectRef>
-        <a:fontRef idx="minor">
-          <a:schemeClr val="lt1"/>
-        </a:fontRef>
-      </dsp:style>
-      <dsp:txBody>
-        <a:bodyPr spcFirstLastPara="0" vert="horz" wrap="square" lIns="76200" tIns="76200" rIns="76200" bIns="76200" numCol="1" spcCol="1270" anchor="ctr" anchorCtr="0">
-          <a:noAutofit/>
-        </a:bodyPr>
-        <a:lstStyle/>
-        <a:p>
-          <a:pPr marL="0" lvl="0" indent="0" algn="ctr" defTabSz="889000">
-            <a:lnSpc>
-              <a:spcPct val="90000"/>
-            </a:lnSpc>
-            <a:spcBef>
-              <a:spcPct val="0"/>
-            </a:spcBef>
-            <a:spcAft>
-              <a:spcPct val="35000"/>
-            </a:spcAft>
-            <a:buNone/>
-          </a:pPr>
-          <a14:m xmlns:a14="http://schemas.microsoft.com/office/drawing/2010/main">
-            <m:oMathPara xmlns:m="http://schemas.openxmlformats.org/officeDocument/2006/math">
-              <m:oMathParaPr>
-                <m:jc m:val="centerGroup"/>
-              </m:oMathParaPr>
-              <m:oMath xmlns:m="http://schemas.openxmlformats.org/officeDocument/2006/math">
-                <m:sSub>
-                  <m:sSubPr>
-                    <m:ctrlPr>
-                      <a:rPr lang="it-IT" sz="2000" i="1" kern="1200" smtClean="0">
-                        <a:latin typeface="Cambria Math" panose="02040503050406030204" pitchFamily="18" charset="0"/>
-                      </a:rPr>
-                    </m:ctrlPr>
-                  </m:sSubPr>
-                  <m:e>
-                    <m:r>
-                      <a:rPr lang="it-IT" sz="2000" b="0" i="1" kern="1200" smtClean="0">
-                        <a:latin typeface="Cambria Math" panose="02040503050406030204" pitchFamily="18" charset="0"/>
-                      </a:rPr>
-                      <m:t>𝑅</m:t>
-                    </m:r>
-                  </m:e>
-                  <m:sub>
-                    <m:r>
-                      <a:rPr lang="it-IT" sz="2000" b="0" i="1" kern="1200" smtClean="0">
-                        <a:latin typeface="Cambria Math" panose="02040503050406030204" pitchFamily="18" charset="0"/>
-                      </a:rPr>
-                      <m:t>𝑧</m:t>
-                    </m:r>
-                  </m:sub>
-                </m:sSub>
-                <m:d>
-                  <m:dPr>
-                    <m:ctrlPr>
-                      <a:rPr lang="it-IT" sz="2000" b="0" i="1" kern="1200" smtClean="0">
-                        <a:latin typeface="Cambria Math" panose="02040503050406030204" pitchFamily="18" charset="0"/>
-                      </a:rPr>
-                    </m:ctrlPr>
-                  </m:dPr>
-                  <m:e>
-                    <m:sSub>
-                      <m:sSubPr>
-                        <m:ctrlPr>
-                          <a:rPr lang="it-IT" sz="2000" i="1" kern="1200" dirty="0" smtClean="0">
-                            <a:latin typeface="Cambria Math" panose="02040503050406030204" pitchFamily="18" charset="0"/>
-                          </a:rPr>
-                        </m:ctrlPr>
-                      </m:sSubPr>
-                      <m:e>
-                        <m:r>
-                          <a:rPr lang="it-IT" sz="2000" b="0" i="1" kern="1200" dirty="0" smtClean="0">
-                            <a:latin typeface="Cambria Math" panose="02040503050406030204" pitchFamily="18" charset="0"/>
-                          </a:rPr>
-                          <m:t>𝑞</m:t>
-                        </m:r>
-                      </m:e>
-                      <m:sub>
-                        <m:r>
-                          <a:rPr lang="it-IT" sz="2000" b="0" i="1" kern="1200" dirty="0" smtClean="0">
-                            <a:latin typeface="Cambria Math" panose="02040503050406030204" pitchFamily="18" charset="0"/>
-                          </a:rPr>
-                          <m:t>1</m:t>
-                        </m:r>
-                      </m:sub>
-                    </m:sSub>
-                  </m:e>
-                </m:d>
-                <m:r>
-                  <a:rPr lang="it-IT" sz="2000" b="0" i="1" kern="1200" smtClean="0">
-                    <a:latin typeface="Cambria Math" panose="02040503050406030204" pitchFamily="18" charset="0"/>
-                  </a:rPr>
-                  <m:t>∗</m:t>
-                </m:r>
-                <m:d>
-                  <m:dPr>
-                    <m:ctrlPr>
-                      <a:rPr lang="it-IT" sz="2000" b="0" i="1" kern="1200" smtClean="0">
-                        <a:latin typeface="Cambria Math" panose="02040503050406030204" pitchFamily="18" charset="0"/>
-                      </a:rPr>
-                    </m:ctrlPr>
-                  </m:dPr>
-                  <m:e>
-                    <m:sSub>
-                      <m:sSubPr>
-                        <m:ctrlPr>
-                          <a:rPr lang="it-IT" sz="2000" b="0" i="1" kern="1200" smtClean="0">
-                            <a:latin typeface="Cambria Math" panose="02040503050406030204" pitchFamily="18" charset="0"/>
-                          </a:rPr>
-                        </m:ctrlPr>
-                      </m:sSubPr>
-                      <m:e>
-                        <m:r>
-                          <a:rPr lang="it-IT" sz="2000" b="0" i="1" kern="1200" smtClean="0">
-                            <a:latin typeface="Cambria Math" panose="02040503050406030204" pitchFamily="18" charset="0"/>
-                          </a:rPr>
-                          <m:t>𝐿</m:t>
-                        </m:r>
-                      </m:e>
-                      <m:sub>
-                        <m:r>
-                          <a:rPr lang="it-IT" sz="2000" b="0" i="1" kern="1200" smtClean="0">
-                            <a:latin typeface="Cambria Math" panose="02040503050406030204" pitchFamily="18" charset="0"/>
-                          </a:rPr>
-                          <m:t>𝐵𝐶</m:t>
-                        </m:r>
-                      </m:sub>
-                    </m:sSub>
-                    <m:r>
-                      <a:rPr lang="it-IT" sz="2000" b="0" i="1" kern="1200" smtClean="0">
-                        <a:latin typeface="Cambria Math" panose="02040503050406030204" pitchFamily="18" charset="0"/>
-                      </a:rPr>
-                      <m:t>+</m:t>
-                    </m:r>
-                    <m:sSub>
-                      <m:sSubPr>
-                        <m:ctrlPr>
-                          <a:rPr lang="it-IT" sz="2000" b="0" i="1" kern="1200" smtClean="0">
-                            <a:latin typeface="Cambria Math" panose="02040503050406030204" pitchFamily="18" charset="0"/>
-                          </a:rPr>
-                        </m:ctrlPr>
-                      </m:sSubPr>
-                      <m:e>
-                        <m:r>
-                          <a:rPr lang="it-IT" sz="2000" b="0" i="1" kern="1200" smtClean="0">
-                            <a:latin typeface="Cambria Math" panose="02040503050406030204" pitchFamily="18" charset="0"/>
-                          </a:rPr>
-                          <m:t>𝐿</m:t>
-                        </m:r>
-                      </m:e>
-                      <m:sub>
-                        <m:r>
-                          <a:rPr lang="it-IT" sz="2000" b="0" i="1" kern="1200" smtClean="0">
-                            <a:latin typeface="Cambria Math" panose="02040503050406030204" pitchFamily="18" charset="0"/>
-                          </a:rPr>
-                          <m:t>1</m:t>
-                        </m:r>
-                      </m:sub>
-                    </m:sSub>
-                  </m:e>
-                </m:d>
-                <m:r>
-                  <a:rPr lang="it-IT" sz="2000" b="0" i="1" kern="1200" smtClean="0">
-                    <a:latin typeface="Cambria Math" panose="02040503050406030204" pitchFamily="18" charset="0"/>
-                  </a:rPr>
-                  <m:t>∗</m:t>
-                </m:r>
-                <m:sSub>
-                  <m:sSubPr>
-                    <m:ctrlPr>
-                      <a:rPr lang="it-IT" sz="2000" b="0" i="1" kern="1200" smtClean="0">
-                        <a:latin typeface="Cambria Math" panose="02040503050406030204" pitchFamily="18" charset="0"/>
-                      </a:rPr>
-                    </m:ctrlPr>
-                  </m:sSubPr>
-                  <m:e>
-                    <m:r>
-                      <a:rPr lang="it-IT" sz="2000" b="0" i="1" kern="1200" smtClean="0">
-                        <a:latin typeface="Cambria Math" panose="02040503050406030204" pitchFamily="18" charset="0"/>
-                      </a:rPr>
-                      <m:t>𝑒</m:t>
-                    </m:r>
-                  </m:e>
-                  <m:sub>
-                    <m:r>
-                      <a:rPr lang="it-IT" sz="2000" b="0" i="1" kern="1200" smtClean="0">
-                        <a:latin typeface="Cambria Math" panose="02040503050406030204" pitchFamily="18" charset="0"/>
-                      </a:rPr>
-                      <m:t>𝑥</m:t>
-                    </m:r>
-                  </m:sub>
-                </m:sSub>
-              </m:oMath>
-            </m:oMathPara>
-          </a14:m>
-          <a:endParaRPr lang="it-IT" sz="2000" kern="1200" dirty="0"/>
-        </a:p>
-      </dsp:txBody>
-      <dsp:txXfrm>
-        <a:off x="4185312" y="220345"/>
-        <a:ext cx="3165791" cy="591535"/>
-      </dsp:txXfrm>
-    </dsp:sp>
-    <dsp:sp modelId="{A06A8A5E-FC71-4692-82C7-8318934DDDC4}">
-      <dsp:nvSpPr>
-        <dsp:cNvPr id="0" name=""/>
-        <dsp:cNvSpPr/>
-      </dsp:nvSpPr>
-      <dsp:spPr>
-        <a:xfrm>
-          <a:off x="710833" y="836419"/>
-          <a:ext cx="3447172" cy="599149"/>
-        </a:xfrm>
-        <a:prstGeom prst="roundRect">
-          <a:avLst/>
-        </a:prstGeom>
-        <a:solidFill>
-          <a:schemeClr val="accent1">
-            <a:hueOff val="0"/>
-            <a:satOff val="0"/>
-            <a:lumOff val="0"/>
-            <a:alphaOff val="0"/>
-          </a:schemeClr>
-        </a:solidFill>
-        <a:ln w="12700" cap="flat" cmpd="sng" algn="ctr">
-          <a:solidFill>
-            <a:schemeClr val="lt1">
-              <a:hueOff val="0"/>
-              <a:satOff val="0"/>
-              <a:lumOff val="0"/>
-              <a:alphaOff val="0"/>
-            </a:schemeClr>
-          </a:solidFill>
-          <a:prstDash val="solid"/>
-          <a:miter lim="800000"/>
-        </a:ln>
-        <a:effectLst/>
-      </dsp:spPr>
-      <dsp:style>
-        <a:lnRef idx="2">
-          <a:scrgbClr r="0" g="0" b="0"/>
-        </a:lnRef>
-        <a:fillRef idx="1">
-          <a:scrgbClr r="0" g="0" b="0"/>
-        </a:fillRef>
-        <a:effectRef idx="0">
-          <a:scrgbClr r="0" g="0" b="0"/>
-        </a:effectRef>
-        <a:fontRef idx="minor">
-          <a:schemeClr val="lt1"/>
-        </a:fontRef>
-      </dsp:style>
-      <dsp:txBody>
-        <a:bodyPr spcFirstLastPara="0" vert="horz" wrap="square" lIns="76200" tIns="76200" rIns="76200" bIns="76200" numCol="1" spcCol="1270" anchor="ctr" anchorCtr="0">
-          <a:noAutofit/>
-        </a:bodyPr>
-        <a:lstStyle/>
-        <a:p>
-          <a:pPr marL="0" lvl="0" indent="0" algn="ctr" defTabSz="889000">
-            <a:lnSpc>
-              <a:spcPct val="90000"/>
-            </a:lnSpc>
-            <a:spcBef>
-              <a:spcPct val="0"/>
-            </a:spcBef>
-            <a:spcAft>
-              <a:spcPct val="35000"/>
-            </a:spcAft>
-            <a:buNone/>
-          </a:pPr>
-          <a:r>
-            <a:rPr lang="it-IT" sz="2000" kern="1200" dirty="0"/>
-            <a:t>0</a:t>
-          </a:r>
-        </a:p>
-      </dsp:txBody>
-      <dsp:txXfrm>
-        <a:off x="740081" y="865667"/>
-        <a:ext cx="3388676" cy="540653"/>
-      </dsp:txXfrm>
-    </dsp:sp>
-    <dsp:sp modelId="{CD579011-BA32-4DC1-B164-07AEB35D3077}">
-      <dsp:nvSpPr>
-        <dsp:cNvPr id="0" name=""/>
-        <dsp:cNvSpPr/>
-      </dsp:nvSpPr>
-      <dsp:spPr>
-        <a:xfrm>
-          <a:off x="4164868" y="836419"/>
-          <a:ext cx="3271921" cy="646685"/>
-        </a:xfrm>
-        <a:prstGeom prst="roundRect">
-          <a:avLst/>
-        </a:prstGeom>
-        <a:solidFill>
-          <a:schemeClr val="accent1">
-            <a:hueOff val="0"/>
-            <a:satOff val="0"/>
-            <a:lumOff val="0"/>
-            <a:alphaOff val="0"/>
-          </a:schemeClr>
-        </a:solidFill>
-        <a:ln w="12700" cap="flat" cmpd="sng" algn="ctr">
-          <a:solidFill>
-            <a:schemeClr val="lt1">
-              <a:hueOff val="0"/>
-              <a:satOff val="0"/>
-              <a:lumOff val="0"/>
-              <a:alphaOff val="0"/>
-            </a:schemeClr>
-          </a:solidFill>
-          <a:prstDash val="solid"/>
-          <a:miter lim="800000"/>
-        </a:ln>
-        <a:effectLst/>
-      </dsp:spPr>
-      <dsp:style>
-        <a:lnRef idx="2">
-          <a:scrgbClr r="0" g="0" b="0"/>
-        </a:lnRef>
-        <a:fillRef idx="1">
-          <a:scrgbClr r="0" g="0" b="0"/>
-        </a:fillRef>
-        <a:effectRef idx="0">
-          <a:scrgbClr r="0" g="0" b="0"/>
-        </a:effectRef>
-        <a:fontRef idx="minor">
-          <a:schemeClr val="lt1"/>
-        </a:fontRef>
-      </dsp:style>
-      <dsp:txBody>
-        <a:bodyPr spcFirstLastPara="0" vert="horz" wrap="square" lIns="76200" tIns="76200" rIns="76200" bIns="76200" numCol="1" spcCol="1270" anchor="ctr" anchorCtr="0">
-          <a:noAutofit/>
-        </a:bodyPr>
-        <a:lstStyle/>
-        <a:p>
-          <a:pPr marL="0" lvl="0" indent="0" algn="ctr" defTabSz="889000">
-            <a:lnSpc>
-              <a:spcPct val="90000"/>
-            </a:lnSpc>
-            <a:spcBef>
-              <a:spcPct val="0"/>
-            </a:spcBef>
-            <a:spcAft>
-              <a:spcPct val="35000"/>
-            </a:spcAft>
-            <a:buNone/>
-          </a:pPr>
-          <a:r>
-            <a:rPr lang="it-IT" sz="2000" kern="1200" dirty="0"/>
-            <a:t>1</a:t>
-          </a:r>
-        </a:p>
-      </dsp:txBody>
-      <dsp:txXfrm>
-        <a:off x="4196437" y="867988"/>
-        <a:ext cx="3208783" cy="583547"/>
-      </dsp:txXfrm>
-    </dsp:sp>
-  </dsp:spTree>
-</dsp:drawing>
-</file>
-
-<file path=ppt/diagrams/drawing2.xml><?xml version="1.0" encoding="utf-8"?>
-<dsp:drawing xmlns:dgm="http://schemas.openxmlformats.org/drawingml/2006/diagram" xmlns:dsp="http://schemas.microsoft.com/office/drawing/2008/diagram" xmlns:a="http://schemas.openxmlformats.org/drawingml/2006/main">
-  <dsp:spTree>
-    <dsp:nvGrpSpPr>
-      <dsp:cNvPr id="0" name=""/>
-      <dsp:cNvGrpSpPr/>
-    </dsp:nvGrpSpPr>
-    <dsp:grpSpPr/>
-    <dsp:sp modelId="{2C07BFB6-3F4F-483C-84D1-6A0A9685E77A}">
-      <dsp:nvSpPr>
-        <dsp:cNvPr id="0" name=""/>
-        <dsp:cNvSpPr/>
-      </dsp:nvSpPr>
-      <dsp:spPr>
-        <a:xfrm flipH="1" flipV="1">
-          <a:off x="4082620" y="2687980"/>
-          <a:ext cx="48267" cy="45721"/>
-        </a:xfrm>
-        <a:prstGeom prst="diamond">
-          <a:avLst/>
-        </a:prstGeom>
-        <a:solidFill>
-          <a:schemeClr val="accent1">
-            <a:tint val="40000"/>
-            <a:hueOff val="0"/>
-            <a:satOff val="0"/>
-            <a:lumOff val="0"/>
-            <a:alphaOff val="0"/>
-          </a:schemeClr>
-        </a:solidFill>
-        <a:ln>
-          <a:noFill/>
-        </a:ln>
-        <a:effectLst/>
-      </dsp:spPr>
-      <dsp:style>
-        <a:lnRef idx="0">
-          <a:scrgbClr r="0" g="0" b="0"/>
-        </a:lnRef>
-        <a:fillRef idx="1">
-          <a:scrgbClr r="0" g="0" b="0"/>
-        </a:fillRef>
-        <a:effectRef idx="0">
-          <a:scrgbClr r="0" g="0" b="0"/>
-        </a:effectRef>
-        <a:fontRef idx="minor"/>
-      </dsp:style>
-    </dsp:sp>
-    <dsp:sp modelId="{7369E355-1B73-4F0B-9B4C-571B0C732CF1}">
-      <dsp:nvSpPr>
-        <dsp:cNvPr id="0" name=""/>
-        <dsp:cNvSpPr/>
-      </dsp:nvSpPr>
-      <dsp:spPr>
-        <a:xfrm>
-          <a:off x="729393" y="218239"/>
-          <a:ext cx="3413347" cy="635593"/>
-        </a:xfrm>
-        <a:prstGeom prst="roundRect">
-          <a:avLst/>
-        </a:prstGeom>
-        <a:solidFill>
-          <a:schemeClr val="accent1">
-            <a:hueOff val="0"/>
-            <a:satOff val="0"/>
-            <a:lumOff val="0"/>
-            <a:alphaOff val="0"/>
-          </a:schemeClr>
-        </a:solidFill>
-        <a:ln w="12700" cap="flat" cmpd="sng" algn="ctr">
-          <a:solidFill>
-            <a:schemeClr val="lt1">
-              <a:hueOff val="0"/>
-              <a:satOff val="0"/>
-              <a:lumOff val="0"/>
-              <a:alphaOff val="0"/>
-            </a:schemeClr>
-          </a:solidFill>
-          <a:prstDash val="solid"/>
-          <a:miter lim="800000"/>
-        </a:ln>
-        <a:effectLst/>
-      </dsp:spPr>
-      <dsp:style>
-        <a:lnRef idx="2">
-          <a:scrgbClr r="0" g="0" b="0"/>
-        </a:lnRef>
-        <a:fillRef idx="1">
-          <a:scrgbClr r="0" g="0" b="0"/>
-        </a:fillRef>
-        <a:effectRef idx="0">
-          <a:scrgbClr r="0" g="0" b="0"/>
-        </a:effectRef>
-        <a:fontRef idx="minor">
-          <a:schemeClr val="lt1"/>
-        </a:fontRef>
-      </dsp:style>
-      <dsp:txBody>
-        <a:bodyPr spcFirstLastPara="0" vert="horz" wrap="square" lIns="76200" tIns="76200" rIns="76200" bIns="76200" numCol="1" spcCol="1270" anchor="ctr" anchorCtr="0">
-          <a:noAutofit/>
-        </a:bodyPr>
-        <a:lstStyle/>
-        <a:p>
-          <a:pPr marL="0" lvl="0" indent="0" algn="ctr" defTabSz="889000">
-            <a:lnSpc>
-              <a:spcPct val="90000"/>
-            </a:lnSpc>
-            <a:spcBef>
-              <a:spcPct val="0"/>
-            </a:spcBef>
-            <a:spcAft>
-              <a:spcPct val="35000"/>
-            </a:spcAft>
-            <a:buNone/>
-          </a:pPr>
-          <a14:m xmlns:a14="http://schemas.microsoft.com/office/drawing/2010/main">
-            <m:oMathPara xmlns:m="http://schemas.openxmlformats.org/officeDocument/2006/math">
-              <m:oMathParaPr>
-                <m:jc m:val="centerGroup"/>
-              </m:oMathParaPr>
-              <m:oMath xmlns:m="http://schemas.openxmlformats.org/officeDocument/2006/math">
-                <m:sSub>
-                  <m:sSubPr>
-                    <m:ctrlPr>
-                      <a:rPr lang="it-IT" sz="2000" i="1" kern="1200" smtClean="0">
-                        <a:latin typeface="Cambria Math" panose="02040503050406030204" pitchFamily="18" charset="0"/>
-                      </a:rPr>
-                    </m:ctrlPr>
-                  </m:sSubPr>
-                  <m:e>
-                    <m:r>
-                      <a:rPr lang="it-IT" sz="2000" b="0" i="1" kern="1200" smtClean="0">
-                        <a:latin typeface="Cambria Math" panose="02040503050406030204" pitchFamily="18" charset="0"/>
-                      </a:rPr>
-                      <m:t>𝑅</m:t>
-                    </m:r>
-                  </m:e>
-                  <m:sub>
-                    <m:r>
-                      <a:rPr lang="it-IT" sz="2000" b="0" i="1" kern="1200" smtClean="0">
-                        <a:latin typeface="Cambria Math" panose="02040503050406030204" pitchFamily="18" charset="0"/>
-                      </a:rPr>
-                      <m:t>𝑧</m:t>
-                    </m:r>
-                  </m:sub>
-                </m:sSub>
-                <m:r>
-                  <a:rPr lang="it-IT" sz="2000" b="0" i="1" kern="1200" smtClean="0">
-                    <a:latin typeface="Cambria Math" panose="02040503050406030204" pitchFamily="18" charset="0"/>
-                  </a:rPr>
-                  <m:t>(</m:t>
-                </m:r>
-                <m:sSub>
-                  <m:sSubPr>
-                    <m:ctrlPr>
-                      <a:rPr lang="it-IT" sz="2000" b="0" i="1" kern="1200" smtClean="0">
-                        <a:latin typeface="Cambria Math" panose="02040503050406030204" pitchFamily="18" charset="0"/>
-                      </a:rPr>
-                    </m:ctrlPr>
-                  </m:sSubPr>
-                  <m:e>
-                    <m:r>
-                      <a:rPr lang="it-IT" sz="2000" b="0" i="1" kern="1200" smtClean="0">
-                        <a:latin typeface="Cambria Math" panose="02040503050406030204" pitchFamily="18" charset="0"/>
-                      </a:rPr>
-                      <m:t>𝑞</m:t>
-                    </m:r>
-                  </m:e>
-                  <m:sub>
-                    <m:r>
-                      <a:rPr lang="it-IT" sz="2000" b="0" i="1" kern="1200" smtClean="0">
-                        <a:latin typeface="Cambria Math" panose="02040503050406030204" pitchFamily="18" charset="0"/>
-                      </a:rPr>
-                      <m:t>1</m:t>
-                    </m:r>
-                  </m:sub>
-                </m:sSub>
-                <m:r>
-                  <a:rPr lang="it-IT" sz="2000" b="0" i="1" kern="1200" smtClean="0">
-                    <a:latin typeface="Cambria Math" panose="02040503050406030204" pitchFamily="18" charset="0"/>
-                  </a:rPr>
-                  <m:t>+</m:t>
-                </m:r>
-                <m:sSub>
-                  <m:sSubPr>
-                    <m:ctrlPr>
-                      <a:rPr lang="it-IT" sz="2000" b="0" i="1" kern="1200" smtClean="0">
-                        <a:latin typeface="Cambria Math" panose="02040503050406030204" pitchFamily="18" charset="0"/>
-                      </a:rPr>
-                    </m:ctrlPr>
-                  </m:sSubPr>
-                  <m:e>
-                    <m:r>
-                      <a:rPr lang="it-IT" sz="2000" b="0" i="1" kern="1200" smtClean="0">
-                        <a:latin typeface="Cambria Math" panose="02040503050406030204" pitchFamily="18" charset="0"/>
-                      </a:rPr>
-                      <m:t>𝑞</m:t>
-                    </m:r>
-                  </m:e>
-                  <m:sub>
-                    <m:r>
-                      <a:rPr lang="it-IT" sz="2000" b="0" i="1" kern="1200" smtClean="0">
-                        <a:latin typeface="Cambria Math" panose="02040503050406030204" pitchFamily="18" charset="0"/>
-                      </a:rPr>
-                      <m:t>2</m:t>
-                    </m:r>
-                  </m:sub>
-                </m:sSub>
-                <m:r>
-                  <a:rPr lang="it-IT" sz="2000" b="0" i="1" kern="1200" smtClean="0">
-                    <a:latin typeface="Cambria Math" panose="02040503050406030204" pitchFamily="18" charset="0"/>
-                  </a:rPr>
-                  <m:t>)</m:t>
-                </m:r>
-              </m:oMath>
-            </m:oMathPara>
-          </a14:m>
-          <a:endParaRPr lang="it-IT" sz="2000" kern="1200" dirty="0"/>
-        </a:p>
-      </dsp:txBody>
-      <dsp:txXfrm>
-        <a:off x="760420" y="249266"/>
-        <a:ext cx="3351293" cy="573539"/>
-      </dsp:txXfrm>
-    </dsp:sp>
-    <dsp:sp modelId="{293C235F-2ED1-4795-8F69-60B899DA1CF8}">
-      <dsp:nvSpPr>
-        <dsp:cNvPr id="0" name=""/>
-        <dsp:cNvSpPr/>
-      </dsp:nvSpPr>
-      <dsp:spPr>
-        <a:xfrm>
-          <a:off x="4153311" y="188344"/>
-          <a:ext cx="3229793" cy="655537"/>
-        </a:xfrm>
-        <a:prstGeom prst="roundRect">
-          <a:avLst/>
-        </a:prstGeom>
-        <a:solidFill>
-          <a:schemeClr val="accent1">
-            <a:hueOff val="0"/>
-            <a:satOff val="0"/>
-            <a:lumOff val="0"/>
-            <a:alphaOff val="0"/>
-          </a:schemeClr>
-        </a:solidFill>
-        <a:ln w="12700" cap="flat" cmpd="sng" algn="ctr">
-          <a:solidFill>
-            <a:schemeClr val="lt1">
-              <a:hueOff val="0"/>
-              <a:satOff val="0"/>
-              <a:lumOff val="0"/>
-              <a:alphaOff val="0"/>
-            </a:schemeClr>
-          </a:solidFill>
-          <a:prstDash val="solid"/>
-          <a:miter lim="800000"/>
-        </a:ln>
-        <a:effectLst/>
-      </dsp:spPr>
-      <dsp:style>
-        <a:lnRef idx="2">
-          <a:scrgbClr r="0" g="0" b="0"/>
-        </a:lnRef>
-        <a:fillRef idx="1">
-          <a:scrgbClr r="0" g="0" b="0"/>
-        </a:fillRef>
-        <a:effectRef idx="0">
-          <a:scrgbClr r="0" g="0" b="0"/>
-        </a:effectRef>
-        <a:fontRef idx="minor">
-          <a:schemeClr val="lt1"/>
-        </a:fontRef>
-      </dsp:style>
-      <dsp:txBody>
-        <a:bodyPr spcFirstLastPara="0" vert="horz" wrap="square" lIns="76200" tIns="76200" rIns="76200" bIns="76200" numCol="1" spcCol="1270" anchor="ctr" anchorCtr="0">
-          <a:noAutofit/>
-        </a:bodyPr>
-        <a:lstStyle/>
-        <a:p>
-          <a:pPr marL="0" lvl="0" indent="0" algn="ctr" defTabSz="889000">
-            <a:lnSpc>
-              <a:spcPct val="90000"/>
-            </a:lnSpc>
-            <a:spcBef>
-              <a:spcPct val="0"/>
-            </a:spcBef>
-            <a:spcAft>
-              <a:spcPct val="35000"/>
-            </a:spcAft>
-            <a:buNone/>
-          </a:pPr>
-          <a14:m xmlns:a14="http://schemas.microsoft.com/office/drawing/2010/main">
-            <m:oMathPara xmlns:m="http://schemas.openxmlformats.org/officeDocument/2006/math">
-              <m:oMathParaPr>
-                <m:jc m:val="centerGroup"/>
-              </m:oMathParaPr>
-              <m:oMath xmlns:m="http://schemas.openxmlformats.org/officeDocument/2006/math">
-                <m:sSub>
-                  <m:sSubPr>
-                    <m:ctrlPr>
-                      <a:rPr lang="it-IT" sz="2000" i="1" kern="1200" smtClean="0">
-                        <a:latin typeface="Cambria Math" panose="02040503050406030204" pitchFamily="18" charset="0"/>
-                      </a:rPr>
-                    </m:ctrlPr>
-                  </m:sSubPr>
-                  <m:e>
-                    <m:r>
-                      <a:rPr lang="it-IT" sz="2000" b="0" i="1" kern="1200" smtClean="0">
-                        <a:latin typeface="Cambria Math" panose="02040503050406030204" pitchFamily="18" charset="0"/>
-                      </a:rPr>
-                      <m:t>𝑅</m:t>
-                    </m:r>
-                  </m:e>
-                  <m:sub>
-                    <m:r>
-                      <a:rPr lang="it-IT" sz="2000" b="0" i="1" kern="1200" smtClean="0">
-                        <a:latin typeface="Cambria Math" panose="02040503050406030204" pitchFamily="18" charset="0"/>
-                      </a:rPr>
-                      <m:t>𝑧</m:t>
-                    </m:r>
-                  </m:sub>
-                </m:sSub>
-                <m:d>
-                  <m:dPr>
-                    <m:ctrlPr>
-                      <a:rPr lang="it-IT" sz="2000" b="0" i="1" kern="1200" smtClean="0">
-                        <a:latin typeface="Cambria Math" panose="02040503050406030204" pitchFamily="18" charset="0"/>
-                      </a:rPr>
-                    </m:ctrlPr>
-                  </m:dPr>
-                  <m:e>
-                    <m:sSub>
-                      <m:sSubPr>
-                        <m:ctrlPr>
-                          <a:rPr lang="it-IT" sz="2000" i="1" kern="1200" dirty="0" smtClean="0">
-                            <a:latin typeface="Cambria Math" panose="02040503050406030204" pitchFamily="18" charset="0"/>
-                          </a:rPr>
-                        </m:ctrlPr>
-                      </m:sSubPr>
-                      <m:e>
-                        <m:r>
-                          <a:rPr lang="it-IT" sz="2000" b="0" i="1" kern="1200" dirty="0" smtClean="0">
-                            <a:latin typeface="Cambria Math" panose="02040503050406030204" pitchFamily="18" charset="0"/>
-                          </a:rPr>
-                          <m:t>𝑞</m:t>
-                        </m:r>
-                      </m:e>
-                      <m:sub>
-                        <m:r>
-                          <a:rPr lang="it-IT" sz="2000" b="0" i="1" kern="1200" dirty="0" smtClean="0">
-                            <a:latin typeface="Cambria Math" panose="02040503050406030204" pitchFamily="18" charset="0"/>
-                          </a:rPr>
-                          <m:t>1</m:t>
-                        </m:r>
-                      </m:sub>
-                    </m:sSub>
-                  </m:e>
-                </m:d>
-                <m:r>
-                  <a:rPr lang="it-IT" sz="2000" b="0" i="1" kern="1200" smtClean="0">
-                    <a:latin typeface="Cambria Math" panose="02040503050406030204" pitchFamily="18" charset="0"/>
-                  </a:rPr>
-                  <m:t>∗</m:t>
-                </m:r>
-                <m:sSub>
-                  <m:sSubPr>
-                    <m:ctrlPr>
-                      <a:rPr lang="it-IT" sz="2000" b="0" i="1" kern="1200" smtClean="0">
-                        <a:latin typeface="Cambria Math" panose="02040503050406030204" pitchFamily="18" charset="0"/>
-                      </a:rPr>
-                    </m:ctrlPr>
-                  </m:sSubPr>
-                  <m:e>
-                    <m:r>
-                      <a:rPr lang="it-IT" sz="2000" b="0" i="1" kern="1200" smtClean="0">
-                        <a:latin typeface="Cambria Math" panose="02040503050406030204" pitchFamily="18" charset="0"/>
-                      </a:rPr>
-                      <m:t>𝐿</m:t>
-                    </m:r>
-                  </m:e>
-                  <m:sub>
-                    <m:r>
-                      <a:rPr lang="it-IT" sz="2000" b="0" i="1" kern="1200" smtClean="0">
-                        <a:latin typeface="Cambria Math" panose="02040503050406030204" pitchFamily="18" charset="0"/>
-                      </a:rPr>
-                      <m:t>1</m:t>
-                    </m:r>
-                  </m:sub>
-                </m:sSub>
-                <m:r>
-                  <a:rPr lang="it-IT" sz="2000" b="0" i="1" kern="1200" smtClean="0">
-                    <a:latin typeface="Cambria Math" panose="02040503050406030204" pitchFamily="18" charset="0"/>
-                  </a:rPr>
-                  <m:t>∗</m:t>
-                </m:r>
-                <m:sSub>
-                  <m:sSubPr>
-                    <m:ctrlPr>
-                      <a:rPr lang="it-IT" sz="2000" b="0" i="1" kern="1200" smtClean="0">
-                        <a:latin typeface="Cambria Math" panose="02040503050406030204" pitchFamily="18" charset="0"/>
-                      </a:rPr>
-                    </m:ctrlPr>
-                  </m:sSubPr>
-                  <m:e>
-                    <m:r>
-                      <a:rPr lang="it-IT" sz="2000" b="0" i="1" kern="1200" smtClean="0">
-                        <a:latin typeface="Cambria Math" panose="02040503050406030204" pitchFamily="18" charset="0"/>
-                      </a:rPr>
-                      <m:t>𝑒</m:t>
-                    </m:r>
-                  </m:e>
-                  <m:sub>
-                    <m:r>
-                      <a:rPr lang="it-IT" sz="2000" b="0" i="1" kern="1200" smtClean="0">
-                        <a:latin typeface="Cambria Math" panose="02040503050406030204" pitchFamily="18" charset="0"/>
-                      </a:rPr>
-                      <m:t>𝑥</m:t>
-                    </m:r>
-                  </m:sub>
-                </m:sSub>
-              </m:oMath>
-            </m:oMathPara>
-          </a14:m>
-          <a:endParaRPr lang="it-IT" sz="2000" kern="1200" dirty="0"/>
-        </a:p>
-      </dsp:txBody>
-      <dsp:txXfrm>
-        <a:off x="4185312" y="220345"/>
-        <a:ext cx="3165791" cy="591535"/>
-      </dsp:txXfrm>
-    </dsp:sp>
-    <dsp:sp modelId="{A06A8A5E-FC71-4692-82C7-8318934DDDC4}">
-      <dsp:nvSpPr>
-        <dsp:cNvPr id="0" name=""/>
-        <dsp:cNvSpPr/>
-      </dsp:nvSpPr>
-      <dsp:spPr>
-        <a:xfrm>
-          <a:off x="710833" y="836419"/>
-          <a:ext cx="3447172" cy="599149"/>
-        </a:xfrm>
-        <a:prstGeom prst="roundRect">
-          <a:avLst/>
-        </a:prstGeom>
-        <a:solidFill>
-          <a:schemeClr val="accent1">
-            <a:hueOff val="0"/>
-            <a:satOff val="0"/>
-            <a:lumOff val="0"/>
-            <a:alphaOff val="0"/>
-          </a:schemeClr>
-        </a:solidFill>
-        <a:ln w="12700" cap="flat" cmpd="sng" algn="ctr">
-          <a:solidFill>
-            <a:schemeClr val="lt1">
-              <a:hueOff val="0"/>
-              <a:satOff val="0"/>
-              <a:lumOff val="0"/>
-              <a:alphaOff val="0"/>
-            </a:schemeClr>
-          </a:solidFill>
-          <a:prstDash val="solid"/>
-          <a:miter lim="800000"/>
-        </a:ln>
-        <a:effectLst/>
-      </dsp:spPr>
-      <dsp:style>
-        <a:lnRef idx="2">
-          <a:scrgbClr r="0" g="0" b="0"/>
-        </a:lnRef>
-        <a:fillRef idx="1">
-          <a:scrgbClr r="0" g="0" b="0"/>
-        </a:fillRef>
-        <a:effectRef idx="0">
-          <a:scrgbClr r="0" g="0" b="0"/>
-        </a:effectRef>
-        <a:fontRef idx="minor">
-          <a:schemeClr val="lt1"/>
-        </a:fontRef>
-      </dsp:style>
-      <dsp:txBody>
-        <a:bodyPr spcFirstLastPara="0" vert="horz" wrap="square" lIns="76200" tIns="76200" rIns="76200" bIns="76200" numCol="1" spcCol="1270" anchor="ctr" anchorCtr="0">
-          <a:noAutofit/>
-        </a:bodyPr>
-        <a:lstStyle/>
-        <a:p>
-          <a:pPr marL="0" lvl="0" indent="0" algn="ctr" defTabSz="889000">
-            <a:lnSpc>
-              <a:spcPct val="90000"/>
-            </a:lnSpc>
-            <a:spcBef>
-              <a:spcPct val="0"/>
-            </a:spcBef>
-            <a:spcAft>
-              <a:spcPct val="35000"/>
-            </a:spcAft>
-            <a:buNone/>
-          </a:pPr>
-          <a:r>
-            <a:rPr lang="it-IT" sz="2000" kern="1200" dirty="0"/>
-            <a:t>0</a:t>
-          </a:r>
-        </a:p>
-      </dsp:txBody>
-      <dsp:txXfrm>
-        <a:off x="740081" y="865667"/>
-        <a:ext cx="3388676" cy="540653"/>
-      </dsp:txXfrm>
-    </dsp:sp>
-    <dsp:sp modelId="{CD579011-BA32-4DC1-B164-07AEB35D3077}">
-      <dsp:nvSpPr>
-        <dsp:cNvPr id="0" name=""/>
-        <dsp:cNvSpPr/>
-      </dsp:nvSpPr>
-      <dsp:spPr>
-        <a:xfrm>
-          <a:off x="4164868" y="836419"/>
-          <a:ext cx="3271921" cy="646685"/>
-        </a:xfrm>
-        <a:prstGeom prst="roundRect">
-          <a:avLst/>
-        </a:prstGeom>
-        <a:solidFill>
-          <a:schemeClr val="accent1">
-            <a:hueOff val="0"/>
-            <a:satOff val="0"/>
-            <a:lumOff val="0"/>
-            <a:alphaOff val="0"/>
-          </a:schemeClr>
-        </a:solidFill>
-        <a:ln w="12700" cap="flat" cmpd="sng" algn="ctr">
-          <a:solidFill>
-            <a:schemeClr val="lt1">
-              <a:hueOff val="0"/>
-              <a:satOff val="0"/>
-              <a:lumOff val="0"/>
-              <a:alphaOff val="0"/>
-            </a:schemeClr>
-          </a:solidFill>
-          <a:prstDash val="solid"/>
-          <a:miter lim="800000"/>
-        </a:ln>
-        <a:effectLst/>
-      </dsp:spPr>
-      <dsp:style>
-        <a:lnRef idx="2">
-          <a:scrgbClr r="0" g="0" b="0"/>
-        </a:lnRef>
-        <a:fillRef idx="1">
-          <a:scrgbClr r="0" g="0" b="0"/>
-        </a:fillRef>
-        <a:effectRef idx="0">
-          <a:scrgbClr r="0" g="0" b="0"/>
-        </a:effectRef>
-        <a:fontRef idx="minor">
-          <a:schemeClr val="lt1"/>
-        </a:fontRef>
-      </dsp:style>
-      <dsp:txBody>
-        <a:bodyPr spcFirstLastPara="0" vert="horz" wrap="square" lIns="76200" tIns="76200" rIns="76200" bIns="76200" numCol="1" spcCol="1270" anchor="ctr" anchorCtr="0">
-          <a:noAutofit/>
-        </a:bodyPr>
-        <a:lstStyle/>
-        <a:p>
-          <a:pPr marL="0" lvl="0" indent="0" algn="ctr" defTabSz="889000">
-            <a:lnSpc>
-              <a:spcPct val="90000"/>
-            </a:lnSpc>
-            <a:spcBef>
-              <a:spcPct val="0"/>
-            </a:spcBef>
-            <a:spcAft>
-              <a:spcPct val="35000"/>
-            </a:spcAft>
-            <a:buNone/>
-          </a:pPr>
-          <a:r>
-            <a:rPr lang="it-IT" sz="2000" kern="1200" dirty="0"/>
-            <a:t>1</a:t>
-          </a:r>
-        </a:p>
-      </dsp:txBody>
-      <dsp:txXfrm>
-        <a:off x="4196437" y="867988"/>
-        <a:ext cx="3208783" cy="583547"/>
-      </dsp:txXfrm>
-    </dsp:sp>
-  </dsp:spTree>
-</dsp:drawing>
-</file>
-
-<file path=ppt/diagrams/layout1.xml><?xml version="1.0" encoding="utf-8"?>
-<dgm:layoutDef xmlns:dgm="http://schemas.openxmlformats.org/drawingml/2006/diagram" xmlns:a="http://schemas.openxmlformats.org/drawingml/2006/main" uniqueId="urn:microsoft.com/office/officeart/2005/8/layout/matrix3">
-  <dgm:title val=""/>
-  <dgm:desc val=""/>
-  <dgm:catLst>
-    <dgm:cat type="matrix" pri="1000"/>
-    <dgm:cat type="convert" pri="18000"/>
-  </dgm:catLst>
-  <dgm:sampData>
-    <dgm:dataModel>
-      <dgm:ptLst>
-        <dgm:pt modelId="0" type="doc"/>
-        <dgm:pt modelId="1">
-          <dgm:prSet phldr="1"/>
-        </dgm:pt>
-        <dgm:pt modelId="2">
-          <dgm:prSet phldr="1"/>
-        </dgm:pt>
-        <dgm:pt modelId="3">
-          <dgm:prSet phldr="1"/>
-        </dgm:pt>
-        <dgm:pt modelId="4">
-          <dgm:prSet phldr="1"/>
-        </dgm:pt>
-      </dgm:ptLst>
-      <dgm:cxnLst>
-        <dgm:cxn modelId="5" srcId="0" destId="1" srcOrd="0" destOrd="0"/>
-        <dgm:cxn modelId="6" srcId="0" destId="2" srcOrd="1" destOrd="0"/>
-        <dgm:cxn modelId="7" srcId="0" destId="3" srcOrd="0" destOrd="0"/>
-        <dgm:cxn modelId="8" srcId="0" destId="4" srcOrd="1" destOrd="0"/>
-      </dgm:cxnLst>
-      <dgm:bg/>
-      <dgm:whole/>
-    </dgm:dataModel>
-  </dgm:sampData>
-  <dgm:styleData useDef="1">
-    <dgm:dataModel>
-      <dgm:ptLst/>
-      <dgm:bg/>
-      <dgm:whole/>
-    </dgm:dataModel>
-  </dgm:styleData>
-  <dgm:clrData useDef="1">
-    <dgm:dataModel>
-      <dgm:ptLst/>
-      <dgm:bg/>
-      <dgm:whole/>
-    </dgm:dataModel>
-  </dgm:clrData>
-  <dgm:layoutNode name="matrix">
-    <dgm:varLst>
-      <dgm:chMax val="1"/>
-      <dgm:dir/>
-      <dgm:resizeHandles val="exact"/>
-    </dgm:varLst>
-    <dgm:alg type="composite">
-      <dgm:param type="ar" val="1"/>
-    </dgm:alg>
-    <dgm:shape xmlns:r="http://schemas.openxmlformats.org/officeDocument/2006/relationships" r:blip="">
-      <dgm:adjLst/>
-    </dgm:shape>
-    <dgm:presOf/>
-    <dgm:choose name="Name0">
-      <dgm:if name="Name1" func="var" arg="dir" op="equ" val="norm">
-        <dgm:constrLst>
-          <dgm:constr type="w" for="ch" forName="diamond" refType="w"/>
-          <dgm:constr type="h" for="ch" forName="diamond" refType="h"/>
-          <dgm:constr type="w" for="ch" forName="quad1" refType="w" fact="0.39"/>
-          <dgm:constr type="h" for="ch" forName="quad1" refType="h" fact="0.39"/>
-          <dgm:constr type="ctrX" for="ch" forName="quad1" refType="w" fact="0.29"/>
-          <dgm:constr type="ctrY" for="ch" forName="quad1" refType="h" fact="0.29"/>
-          <dgm:constr type="w" for="ch" forName="quad2" refType="w" fact="0.39"/>
-          <dgm:constr type="h" for="ch" forName="quad2" refType="h" fact="0.39"/>
-          <dgm:constr type="ctrX" for="ch" forName="quad2" refType="w" fact="0.71"/>
-          <dgm:constr type="ctrY" for="ch" forName="quad2" refType="h" fact="0.29"/>
-          <dgm:constr type="w" for="ch" forName="quad3" refType="w" fact="0.39"/>
-          <dgm:constr type="h" for="ch" forName="quad3" refType="h" fact="0.39"/>
-          <dgm:constr type="ctrX" for="ch" forName="quad3" refType="w" fact="0.29"/>
-          <dgm:constr type="ctrY" for="ch" forName="quad3" refType="h" fact="0.71"/>
-          <dgm:constr type="w" for="ch" forName="quad4" refType="w" fact="0.39"/>
-          <dgm:constr type="h" for="ch" forName="quad4" refType="h" fact="0.39"/>
-          <dgm:constr type="ctrX" for="ch" forName="quad4" refType="w" fact="0.71"/>
-          <dgm:constr type="ctrY" for="ch" forName="quad4" refType="h" fact="0.71"/>
-          <dgm:constr type="primFontSz" for="des" ptType="node" op="equ" val="65"/>
-        </dgm:constrLst>
-      </dgm:if>
-      <dgm:else name="Name2">
-        <dgm:constrLst>
-          <dgm:constr type="w" for="ch" forName="diamond" refType="w"/>
-          <dgm:constr type="h" for="ch" forName="diamond" refType="h"/>
-          <dgm:constr type="w" for="ch" forName="quad1" refType="w" fact="0.39"/>
-          <dgm:constr type="h" for="ch" forName="quad1" refType="h" fact="0.39"/>
-          <dgm:constr type="ctrX" for="ch" forName="quad1" refType="w" fact="0.71"/>
-          <dgm:constr type="ctrY" for="ch" forName="quad1" refType="h" fact="0.29"/>
-          <dgm:constr type="w" for="ch" forName="quad2" refType="w" fact="0.39"/>
-          <dgm:constr type="h" for="ch" forName="quad2" refType="h" fact="0.39"/>
-          <dgm:constr type="ctrX" for="ch" forName="quad2" refType="w" fact="0.29"/>
-          <dgm:constr type="ctrY" for="ch" forName="quad2" refType="h" fact="0.29"/>
-          <dgm:constr type="w" for="ch" forName="quad3" refType="w" fact="0.39"/>
-          <dgm:constr type="h" for="ch" forName="quad3" refType="h" fact="0.39"/>
-          <dgm:constr type="ctrX" for="ch" forName="quad3" refType="w" fact="0.71"/>
-          <dgm:constr type="ctrY" for="ch" forName="quad3" refType="h" fact="0.71"/>
-          <dgm:constr type="w" for="ch" forName="quad4" refType="w" fact="0.39"/>
-          <dgm:constr type="h" for="ch" forName="quad4" refType="h" fact="0.39"/>
-          <dgm:constr type="ctrX" for="ch" forName="quad4" refType="w" fact="0.29"/>
-          <dgm:constr type="ctrY" for="ch" forName="quad4" refType="h" fact="0.71"/>
-          <dgm:constr type="primFontSz" for="des" ptType="node" op="equ" val="65"/>
-        </dgm:constrLst>
-      </dgm:else>
-    </dgm:choose>
-    <dgm:ruleLst/>
-    <dgm:choose name="Name3">
-      <dgm:if name="Name4" axis="ch" ptType="node" func="cnt" op="gte" val="1">
-        <dgm:layoutNode name="diamond" styleLbl="bgShp">
-          <dgm:alg type="sp"/>
-          <dgm:shape xmlns:r="http://schemas.openxmlformats.org/officeDocument/2006/relationships" type="diamond" r:blip="">
-            <dgm:adjLst/>
-          </dgm:shape>
-          <dgm:presOf/>
-          <dgm:constrLst>
-            <dgm:constr type="w" refType="h" op="equ"/>
-          </dgm:constrLst>
-          <dgm:ruleLst/>
-        </dgm:layoutNode>
-        <dgm:layoutNode name="quad1">
-          <dgm:varLst>
-            <dgm:chMax val="0"/>
-            <dgm:chPref val="0"/>
-            <dgm:bulletEnabled val="1"/>
-          </dgm:varLst>
-          <dgm:alg type="tx"/>
-          <dgm:shape xmlns:r="http://schemas.openxmlformats.org/officeDocument/2006/relationships" type="roundRect" r:blip="">
-            <dgm:adjLst/>
-          </dgm:shape>
-          <dgm:presOf axis="ch desOrSelf" ptType="node node" st="1 1" cnt="1 0"/>
-          <dgm:constrLst>
-            <dgm:constr type="w" refType="h" op="equ"/>
-            <dgm:constr type="tMarg" refType="primFontSz" fact="0.3"/>
-            <dgm:constr type="bMarg" refType="primFontSz" fact="0.3"/>
-            <dgm:constr type="lMarg" refType="primFontSz" fact="0.3"/>
-            <dgm:constr type="rMarg" refType="primFontSz" fact="0.3"/>
-          </dgm:constrLst>
-          <dgm:ruleLst>
-            <dgm:rule type="primFontSz" val="5" fact="NaN" max="NaN"/>
-          </dgm:ruleLst>
-        </dgm:layoutNode>
-        <dgm:layoutNode name="quad2">
-          <dgm:varLst>
-            <dgm:chMax val="0"/>
-            <dgm:chPref val="0"/>
-            <dgm:bulletEnabled val="1"/>
-          </dgm:varLst>
-          <dgm:alg type="tx"/>
-          <dgm:shape xmlns:r="http://schemas.openxmlformats.org/officeDocument/2006/relationships" type="roundRect" r:blip="">
-            <dgm:adjLst/>
-          </dgm:shape>
-          <dgm:presOf axis="ch desOrSelf" ptType="node node" st="2 1" cnt="1 0"/>
-          <dgm:constrLst>
-            <dgm:constr type="w" refType="h" op="equ"/>
-            <dgm:constr type="tMarg" refType="primFontSz" fact="0.3"/>
-            <dgm:constr type="bMarg" refType="primFontSz" fact="0.3"/>
-            <dgm:constr type="lMarg" refType="primFontSz" fact="0.3"/>
-            <dgm:constr type="rMarg" refType="primFontSz" fact="0.3"/>
-          </dgm:constrLst>
-          <dgm:ruleLst>
-            <dgm:rule type="primFontSz" val="5" fact="NaN" max="NaN"/>
-          </dgm:ruleLst>
-        </dgm:layoutNode>
-        <dgm:layoutNode name="quad3">
-          <dgm:varLst>
-            <dgm:chMax val="0"/>
-            <dgm:chPref val="0"/>
-            <dgm:bulletEnabled val="1"/>
-          </dgm:varLst>
-          <dgm:alg type="tx"/>
-          <dgm:shape xmlns:r="http://schemas.openxmlformats.org/officeDocument/2006/relationships" type="roundRect" r:blip="">
-            <dgm:adjLst/>
-          </dgm:shape>
-          <dgm:presOf axis="ch desOrSelf" ptType="node node" st="3 1" cnt="1 0"/>
-          <dgm:constrLst>
-            <dgm:constr type="w" refType="h" op="equ"/>
-            <dgm:constr type="tMarg" refType="primFontSz" fact="0.3"/>
-            <dgm:constr type="bMarg" refType="primFontSz" fact="0.3"/>
-            <dgm:constr type="lMarg" refType="primFontSz" fact="0.3"/>
-            <dgm:constr type="rMarg" refType="primFontSz" fact="0.3"/>
-          </dgm:constrLst>
-          <dgm:ruleLst>
-            <dgm:rule type="primFontSz" val="5" fact="NaN" max="NaN"/>
-          </dgm:ruleLst>
-        </dgm:layoutNode>
-        <dgm:layoutNode name="quad4">
-          <dgm:varLst>
-            <dgm:chMax val="0"/>
-            <dgm:chPref val="0"/>
-            <dgm:bulletEnabled val="1"/>
-          </dgm:varLst>
-          <dgm:alg type="tx"/>
-          <dgm:shape xmlns:r="http://schemas.openxmlformats.org/officeDocument/2006/relationships" type="roundRect" r:blip="">
-            <dgm:adjLst/>
-          </dgm:shape>
-          <dgm:presOf axis="ch desOrSelf" ptType="node node" st="4 1" cnt="1 0"/>
-          <dgm:constrLst>
-            <dgm:constr type="w" refType="h" op="equ"/>
-            <dgm:constr type="tMarg" refType="primFontSz" fact="0.3"/>
-            <dgm:constr type="bMarg" refType="primFontSz" fact="0.3"/>
-            <dgm:constr type="lMarg" refType="primFontSz" fact="0.3"/>
-            <dgm:constr type="rMarg" refType="primFontSz" fact="0.3"/>
-          </dgm:constrLst>
-          <dgm:ruleLst>
-            <dgm:rule type="primFontSz" val="5" fact="NaN" max="NaN"/>
-          </dgm:ruleLst>
-        </dgm:layoutNode>
-      </dgm:if>
-      <dgm:else name="Name5"/>
-    </dgm:choose>
-  </dgm:layoutNode>
-</dgm:layoutDef>
-</file>
-
-<file path=ppt/diagrams/layout2.xml><?xml version="1.0" encoding="utf-8"?>
-<dgm:layoutDef xmlns:dgm="http://schemas.openxmlformats.org/drawingml/2006/diagram" xmlns:a="http://schemas.openxmlformats.org/drawingml/2006/main" uniqueId="urn:microsoft.com/office/officeart/2005/8/layout/matrix3">
-  <dgm:title val=""/>
-  <dgm:desc val=""/>
-  <dgm:catLst>
-    <dgm:cat type="matrix" pri="1000"/>
-    <dgm:cat type="convert" pri="18000"/>
-  </dgm:catLst>
-  <dgm:sampData>
-    <dgm:dataModel>
-      <dgm:ptLst>
-        <dgm:pt modelId="0" type="doc"/>
-        <dgm:pt modelId="1">
-          <dgm:prSet phldr="1"/>
-        </dgm:pt>
-        <dgm:pt modelId="2">
-          <dgm:prSet phldr="1"/>
-        </dgm:pt>
-        <dgm:pt modelId="3">
-          <dgm:prSet phldr="1"/>
-        </dgm:pt>
-        <dgm:pt modelId="4">
-          <dgm:prSet phldr="1"/>
-        </dgm:pt>
-      </dgm:ptLst>
-      <dgm:cxnLst>
-        <dgm:cxn modelId="5" srcId="0" destId="1" srcOrd="0" destOrd="0"/>
-        <dgm:cxn modelId="6" srcId="0" destId="2" srcOrd="1" destOrd="0"/>
-        <dgm:cxn modelId="7" srcId="0" destId="3" srcOrd="0" destOrd="0"/>
-        <dgm:cxn modelId="8" srcId="0" destId="4" srcOrd="1" destOrd="0"/>
-      </dgm:cxnLst>
-      <dgm:bg/>
-      <dgm:whole/>
-    </dgm:dataModel>
-  </dgm:sampData>
-  <dgm:styleData useDef="1">
-    <dgm:dataModel>
-      <dgm:ptLst/>
-      <dgm:bg/>
-      <dgm:whole/>
-    </dgm:dataModel>
-  </dgm:styleData>
-  <dgm:clrData useDef="1">
-    <dgm:dataModel>
-      <dgm:ptLst/>
-      <dgm:bg/>
-      <dgm:whole/>
-    </dgm:dataModel>
-  </dgm:clrData>
-  <dgm:layoutNode name="matrix">
-    <dgm:varLst>
-      <dgm:chMax val="1"/>
-      <dgm:dir/>
-      <dgm:resizeHandles val="exact"/>
-    </dgm:varLst>
-    <dgm:alg type="composite">
-      <dgm:param type="ar" val="1"/>
-    </dgm:alg>
-    <dgm:shape xmlns:r="http://schemas.openxmlformats.org/officeDocument/2006/relationships" r:blip="">
-      <dgm:adjLst/>
-    </dgm:shape>
-    <dgm:presOf/>
-    <dgm:choose name="Name0">
-      <dgm:if name="Name1" func="var" arg="dir" op="equ" val="norm">
-        <dgm:constrLst>
-          <dgm:constr type="w" for="ch" forName="diamond" refType="w"/>
-          <dgm:constr type="h" for="ch" forName="diamond" refType="h"/>
-          <dgm:constr type="w" for="ch" forName="quad1" refType="w" fact="0.39"/>
-          <dgm:constr type="h" for="ch" forName="quad1" refType="h" fact="0.39"/>
-          <dgm:constr type="ctrX" for="ch" forName="quad1" refType="w" fact="0.29"/>
-          <dgm:constr type="ctrY" for="ch" forName="quad1" refType="h" fact="0.29"/>
-          <dgm:constr type="w" for="ch" forName="quad2" refType="w" fact="0.39"/>
-          <dgm:constr type="h" for="ch" forName="quad2" refType="h" fact="0.39"/>
-          <dgm:constr type="ctrX" for="ch" forName="quad2" refType="w" fact="0.71"/>
-          <dgm:constr type="ctrY" for="ch" forName="quad2" refType="h" fact="0.29"/>
-          <dgm:constr type="w" for="ch" forName="quad3" refType="w" fact="0.39"/>
-          <dgm:constr type="h" for="ch" forName="quad3" refType="h" fact="0.39"/>
-          <dgm:constr type="ctrX" for="ch" forName="quad3" refType="w" fact="0.29"/>
-          <dgm:constr type="ctrY" for="ch" forName="quad3" refType="h" fact="0.71"/>
-          <dgm:constr type="w" for="ch" forName="quad4" refType="w" fact="0.39"/>
-          <dgm:constr type="h" for="ch" forName="quad4" refType="h" fact="0.39"/>
-          <dgm:constr type="ctrX" for="ch" forName="quad4" refType="w" fact="0.71"/>
-          <dgm:constr type="ctrY" for="ch" forName="quad4" refType="h" fact="0.71"/>
-          <dgm:constr type="primFontSz" for="des" ptType="node" op="equ" val="65"/>
-        </dgm:constrLst>
-      </dgm:if>
-      <dgm:else name="Name2">
-        <dgm:constrLst>
-          <dgm:constr type="w" for="ch" forName="diamond" refType="w"/>
-          <dgm:constr type="h" for="ch" forName="diamond" refType="h"/>
-          <dgm:constr type="w" for="ch" forName="quad1" refType="w" fact="0.39"/>
-          <dgm:constr type="h" for="ch" forName="quad1" refType="h" fact="0.39"/>
-          <dgm:constr type="ctrX" for="ch" forName="quad1" refType="w" fact="0.71"/>
-          <dgm:constr type="ctrY" for="ch" forName="quad1" refType="h" fact="0.29"/>
-          <dgm:constr type="w" for="ch" forName="quad2" refType="w" fact="0.39"/>
-          <dgm:constr type="h" for="ch" forName="quad2" refType="h" fact="0.39"/>
-          <dgm:constr type="ctrX" for="ch" forName="quad2" refType="w" fact="0.29"/>
-          <dgm:constr type="ctrY" for="ch" forName="quad2" refType="h" fact="0.29"/>
-          <dgm:constr type="w" for="ch" forName="quad3" refType="w" fact="0.39"/>
-          <dgm:constr type="h" for="ch" forName="quad3" refType="h" fact="0.39"/>
-          <dgm:constr type="ctrX" for="ch" forName="quad3" refType="w" fact="0.71"/>
-          <dgm:constr type="ctrY" for="ch" forName="quad3" refType="h" fact="0.71"/>
-          <dgm:constr type="w" for="ch" forName="quad4" refType="w" fact="0.39"/>
-          <dgm:constr type="h" for="ch" forName="quad4" refType="h" fact="0.39"/>
-          <dgm:constr type="ctrX" for="ch" forName="quad4" refType="w" fact="0.29"/>
-          <dgm:constr type="ctrY" for="ch" forName="quad4" refType="h" fact="0.71"/>
-          <dgm:constr type="primFontSz" for="des" ptType="node" op="equ" val="65"/>
-        </dgm:constrLst>
-      </dgm:else>
-    </dgm:choose>
-    <dgm:ruleLst/>
-    <dgm:choose name="Name3">
-      <dgm:if name="Name4" axis="ch" ptType="node" func="cnt" op="gte" val="1">
-        <dgm:layoutNode name="diamond" styleLbl="bgShp">
-          <dgm:alg type="sp"/>
-          <dgm:shape xmlns:r="http://schemas.openxmlformats.org/officeDocument/2006/relationships" type="diamond" r:blip="">
-            <dgm:adjLst/>
-          </dgm:shape>
-          <dgm:presOf/>
-          <dgm:constrLst>
-            <dgm:constr type="w" refType="h" op="equ"/>
-          </dgm:constrLst>
-          <dgm:ruleLst/>
-        </dgm:layoutNode>
-        <dgm:layoutNode name="quad1">
-          <dgm:varLst>
-            <dgm:chMax val="0"/>
-            <dgm:chPref val="0"/>
-            <dgm:bulletEnabled val="1"/>
-          </dgm:varLst>
-          <dgm:alg type="tx"/>
-          <dgm:shape xmlns:r="http://schemas.openxmlformats.org/officeDocument/2006/relationships" type="roundRect" r:blip="">
-            <dgm:adjLst/>
-          </dgm:shape>
-          <dgm:presOf axis="ch desOrSelf" ptType="node node" st="1 1" cnt="1 0"/>
-          <dgm:constrLst>
-            <dgm:constr type="w" refType="h" op="equ"/>
-            <dgm:constr type="tMarg" refType="primFontSz" fact="0.3"/>
-            <dgm:constr type="bMarg" refType="primFontSz" fact="0.3"/>
-            <dgm:constr type="lMarg" refType="primFontSz" fact="0.3"/>
-            <dgm:constr type="rMarg" refType="primFontSz" fact="0.3"/>
-          </dgm:constrLst>
-          <dgm:ruleLst>
-            <dgm:rule type="primFontSz" val="5" fact="NaN" max="NaN"/>
-          </dgm:ruleLst>
-        </dgm:layoutNode>
-        <dgm:layoutNode name="quad2">
-          <dgm:varLst>
-            <dgm:chMax val="0"/>
-            <dgm:chPref val="0"/>
-            <dgm:bulletEnabled val="1"/>
-          </dgm:varLst>
-          <dgm:alg type="tx"/>
-          <dgm:shape xmlns:r="http://schemas.openxmlformats.org/officeDocument/2006/relationships" type="roundRect" r:blip="">
-            <dgm:adjLst/>
-          </dgm:shape>
-          <dgm:presOf axis="ch desOrSelf" ptType="node node" st="2 1" cnt="1 0"/>
-          <dgm:constrLst>
-            <dgm:constr type="w" refType="h" op="equ"/>
-            <dgm:constr type="tMarg" refType="primFontSz" fact="0.3"/>
-            <dgm:constr type="bMarg" refType="primFontSz" fact="0.3"/>
-            <dgm:constr type="lMarg" refType="primFontSz" fact="0.3"/>
-            <dgm:constr type="rMarg" refType="primFontSz" fact="0.3"/>
-          </dgm:constrLst>
-          <dgm:ruleLst>
-            <dgm:rule type="primFontSz" val="5" fact="NaN" max="NaN"/>
-          </dgm:ruleLst>
-        </dgm:layoutNode>
-        <dgm:layoutNode name="quad3">
-          <dgm:varLst>
-            <dgm:chMax val="0"/>
-            <dgm:chPref val="0"/>
-            <dgm:bulletEnabled val="1"/>
-          </dgm:varLst>
-          <dgm:alg type="tx"/>
-          <dgm:shape xmlns:r="http://schemas.openxmlformats.org/officeDocument/2006/relationships" type="roundRect" r:blip="">
-            <dgm:adjLst/>
-          </dgm:shape>
-          <dgm:presOf axis="ch desOrSelf" ptType="node node" st="3 1" cnt="1 0"/>
-          <dgm:constrLst>
-            <dgm:constr type="w" refType="h" op="equ"/>
-            <dgm:constr type="tMarg" refType="primFontSz" fact="0.3"/>
-            <dgm:constr type="bMarg" refType="primFontSz" fact="0.3"/>
-            <dgm:constr type="lMarg" refType="primFontSz" fact="0.3"/>
-            <dgm:constr type="rMarg" refType="primFontSz" fact="0.3"/>
-          </dgm:constrLst>
-          <dgm:ruleLst>
-            <dgm:rule type="primFontSz" val="5" fact="NaN" max="NaN"/>
-          </dgm:ruleLst>
-        </dgm:layoutNode>
-        <dgm:layoutNode name="quad4">
-          <dgm:varLst>
-            <dgm:chMax val="0"/>
-            <dgm:chPref val="0"/>
-            <dgm:bulletEnabled val="1"/>
-          </dgm:varLst>
-          <dgm:alg type="tx"/>
-          <dgm:shape xmlns:r="http://schemas.openxmlformats.org/officeDocument/2006/relationships" type="roundRect" r:blip="">
-            <dgm:adjLst/>
-          </dgm:shape>
-          <dgm:presOf axis="ch desOrSelf" ptType="node node" st="4 1" cnt="1 0"/>
-          <dgm:constrLst>
-            <dgm:constr type="w" refType="h" op="equ"/>
-            <dgm:constr type="tMarg" refType="primFontSz" fact="0.3"/>
-            <dgm:constr type="bMarg" refType="primFontSz" fact="0.3"/>
-            <dgm:constr type="lMarg" refType="primFontSz" fact="0.3"/>
-            <dgm:constr type="rMarg" refType="primFontSz" fact="0.3"/>
-          </dgm:constrLst>
-          <dgm:ruleLst>
-            <dgm:rule type="primFontSz" val="5" fact="NaN" max="NaN"/>
-          </dgm:ruleLst>
-        </dgm:layoutNode>
-      </dgm:if>
-      <dgm:else name="Name5"/>
-    </dgm:choose>
-  </dgm:layoutNode>
-</dgm:layoutDef>
-</file>
-
-<file path=ppt/diagrams/quickStyle1.xml><?xml version="1.0" encoding="utf-8"?>
-<dgm:styleDef xmlns:dgm="http://schemas.openxmlformats.org/drawingml/2006/diagram" xmlns:a="http://schemas.openxmlformats.org/drawingml/2006/main" uniqueId="urn:microsoft.com/office/officeart/2005/8/quickstyle/simple1">
-  <dgm:title val=""/>
-  <dgm:desc val=""/>
-  <dgm:catLst>
-    <dgm:cat type="simple" pri="10100"/>
-  </dgm:catLst>
-  <dgm:scene3d>
-    <a:camera prst="orthographicFront"/>
-    <a:lightRig rig="threePt" dir="t"/>
-  </dgm:scene3d>
-  <dgm:styleLbl name="node0">
-    <dgm:scene3d>
-      <a:camera prst="orthographicFront"/>
-      <a:lightRig rig="threePt" dir="t"/>
-    </dgm:scene3d>
-    <dgm:sp3d/>
-    <dgm:txPr/>
-    <dgm:style>
-      <a:lnRef idx="2">
-        <a:scrgbClr r="0" g="0" b="0"/>
-      </a:lnRef>
-      <a:fillRef idx="1">
-        <a:scrgbClr r="0" g="0" b="0"/>
-      </a:fillRef>
-      <a:effectRef idx="0">
-        <a:scrgbClr r="0" g="0" b="0"/>
-      </a:effectRef>
-      <a:fontRef idx="minor">
-        <a:schemeClr val="lt1"/>
-      </a:fontRef>
-    </dgm:style>
-  </dgm:styleLbl>
-  <dgm:styleLbl name="lnNode1">
-    <dgm:scene3d>
-      <a:camera prst="orthographicFront"/>
-      <a:lightRig rig="threePt" dir="t"/>
-    </dgm:scene3d>
-    <dgm:sp3d/>
-    <dgm:txPr/>
-    <dgm:style>
-      <a:lnRef idx="2">
-        <a:scrgbClr r="0" g="0" b="0"/>
-      </a:lnRef>
-      <a:fillRef idx="1">
-        <a:scrgbClr r="0" g="0" b="0"/>
-      </a:fillRef>
-      <a:effectRef idx="0">
-        <a:scrgbClr r="0" g="0" b="0"/>
-      </a:effectRef>
-      <a:fontRef idx="minor">
-        <a:schemeClr val="lt1"/>
-      </a:fontRef>
-    </dgm:style>
-  </dgm:styleLbl>
-  <dgm:styleLbl name="vennNode1">
-    <dgm:scene3d>
-      <a:camera prst="orthographicFront"/>
-      <a:lightRig rig="threePt" dir="t"/>
-    </dgm:scene3d>
-    <dgm:sp3d/>
-    <dgm:txPr/>
-    <dgm:style>
-      <a:lnRef idx="2">
-        <a:scrgbClr r="0" g="0" b="0"/>
-      </a:lnRef>
-      <a:fillRef idx="1">
-        <a:scrgbClr r="0" g="0" b="0"/>
-      </a:fillRef>
-      <a:effectRef idx="0">
-        <a:scrgbClr r="0" g="0" b="0"/>
-      </a:effectRef>
-      <a:fontRef idx="minor">
-        <a:schemeClr val="tx1"/>
-      </a:fontRef>
-    </dgm:style>
-  </dgm:styleLbl>
-  <dgm:styleLbl name="alignNode1">
-    <dgm:scene3d>
-      <a:camera prst="orthographicFront"/>
-      <a:lightRig rig="threePt" dir="t"/>
-    </dgm:scene3d>
-    <dgm:sp3d/>
-    <dgm:txPr/>
-    <dgm:style>
-      <a:lnRef idx="2">
-        <a:scrgbClr r="0" g="0" b="0"/>
-      </a:lnRef>
-      <a:fillRef idx="1">
-        <a:scrgbClr r="0" g="0" b="0"/>
-      </a:fillRef>
-      <a:effectRef idx="0">
-        <a:scrgbClr r="0" g="0" b="0"/>
-      </a:effectRef>
-      <a:fontRef idx="minor">
-        <a:schemeClr val="lt1"/>
-      </a:fontRef>
-    </dgm:style>
-  </dgm:styleLbl>
-  <dgm:styleLbl name="node1">
-    <dgm:scene3d>
-      <a:camera prst="orthographicFront"/>
-      <a:lightRig rig="threePt" dir="t"/>
-    </dgm:scene3d>
-    <dgm:sp3d/>
-    <dgm:txPr/>
-    <dgm:style>
-      <a:lnRef idx="2">
-        <a:scrgbClr r="0" g="0" b="0"/>
-      </a:lnRef>
-      <a:fillRef idx="1">
-        <a:scrgbClr r="0" g="0" b="0"/>
-      </a:fillRef>
-      <a:effectRef idx="0">
-        <a:scrgbClr r="0" g="0" b="0"/>
-      </a:effectRef>
-      <a:fontRef idx="minor">
-        <a:schemeClr val="lt1"/>
-      </a:fontRef>
-    </dgm:style>
-  </dgm:styleLbl>
-  <dgm:styleLbl name="node2">
-    <dgm:scene3d>
-      <a:camera prst="orthographicFront"/>
-      <a:lightRig rig="threePt" dir="t"/>
-    </dgm:scene3d>
-    <dgm:sp3d/>
-    <dgm:txPr/>
-    <dgm:style>
-      <a:lnRef idx="2">
-        <a:scrgbClr r="0" g="0" b="0"/>
-      </a:lnRef>
-      <a:fillRef idx="1">
-        <a:scrgbClr r="0" g="0" b="0"/>
-      </a:fillRef>
-      <a:effectRef idx="0">
-        <a:scrgbClr r="0" g="0" b="0"/>
-      </a:effectRef>
-      <a:fontRef idx="minor">
-        <a:schemeClr val="lt1"/>
-      </a:fontRef>
-    </dgm:style>
-  </dgm:styleLbl>
-  <dgm:styleLbl name="node3">
-    <dgm:scene3d>
-      <a:camera prst="orthographicFront"/>
-      <a:lightRig rig="threePt" dir="t"/>
-    </dgm:scene3d>
-    <dgm:sp3d/>
-    <dgm:txPr/>
-    <dgm:style>
-      <a:lnRef idx="2">
-        <a:scrgbClr r="0" g="0" b="0"/>
-      </a:lnRef>
-      <a:fillRef idx="1">
-        <a:scrgbClr r="0" g="0" b="0"/>
-      </a:fillRef>
-      <a:effectRef idx="0">
-        <a:scrgbClr r="0" g="0" b="0"/>
-      </a:effectRef>
-      <a:fontRef idx="minor">
-        <a:schemeClr val="lt1"/>
-      </a:fontRef>
-    </dgm:style>
-  </dgm:styleLbl>
-  <dgm:styleLbl name="node4">
-    <dgm:scene3d>
-      <a:camera prst="orthographicFront"/>
-      <a:lightRig rig="threePt" dir="t"/>
-    </dgm:scene3d>
-    <dgm:sp3d/>
-    <dgm:txPr/>
-    <dgm:style>
-      <a:lnRef idx="2">
-        <a:scrgbClr r="0" g="0" b="0"/>
-      </a:lnRef>
-      <a:fillRef idx="1">
-        <a:scrgbClr r="0" g="0" b="0"/>
-      </a:fillRef>
-      <a:effectRef idx="0">
-        <a:scrgbClr r="0" g="0" b="0"/>
-      </a:effectRef>
-      <a:fontRef idx="minor">
-        <a:schemeClr val="lt1"/>
-      </a:fontRef>
-    </dgm:style>
-  </dgm:styleLbl>
-  <dgm:styleLbl name="fgImgPlace1">
-    <dgm:scene3d>
-      <a:camera prst="orthographicFront"/>
-      <a:lightRig rig="threePt" dir="t"/>
-    </dgm:scene3d>
-    <dgm:sp3d/>
-    <dgm:txPr/>
-    <dgm:style>
-      <a:lnRef idx="2">
-        <a:scrgbClr r="0" g="0" b="0"/>
-      </a:lnRef>
-      <a:fillRef idx="1">
-        <a:scrgbClr r="0" g="0" b="0"/>
-      </a:fillRef>
-      <a:effectRef idx="0">
-        <a:scrgbClr r="0" g="0" b="0"/>
-      </a:effectRef>
-      <a:fontRef idx="minor"/>
-    </dgm:style>
-  </dgm:styleLbl>
-  <dgm:styleLbl name="alignImgPlace1">
-    <dgm:scene3d>
-      <a:camera prst="orthographicFront"/>
-      <a:lightRig rig="threePt" dir="t"/>
-    </dgm:scene3d>
-    <dgm:sp3d/>
-    <dgm:txPr/>
-    <dgm:style>
-      <a:lnRef idx="2">
-        <a:scrgbClr r="0" g="0" b="0"/>
-      </a:lnRef>
-      <a:fillRef idx="1">
-        <a:scrgbClr r="0" g="0" b="0"/>
-      </a:fillRef>
-      <a:effectRef idx="0">
-        <a:scrgbClr r="0" g="0" b="0"/>
-      </a:effectRef>
-      <a:fontRef idx="minor"/>
-    </dgm:style>
-  </dgm:styleLbl>
-  <dgm:styleLbl name="bgImgPlace1">
-    <dgm:scene3d>
-      <a:camera prst="orthographicFront"/>
-      <a:lightRig rig="threePt" dir="t"/>
-    </dgm:scene3d>
-    <dgm:sp3d/>
-    <dgm:txPr/>
-    <dgm:style>
-      <a:lnRef idx="2">
-        <a:scrgbClr r="0" g="0" b="0"/>
-      </a:lnRef>
-      <a:fillRef idx="1">
-        <a:scrgbClr r="0" g="0" b="0"/>
-      </a:fillRef>
-      <a:effectRef idx="0">
-        <a:scrgbClr r="0" g="0" b="0"/>
-      </a:effectRef>
-      <a:fontRef idx="minor"/>
-    </dgm:style>
-  </dgm:styleLbl>
-  <dgm:styleLbl name="sibTrans2D1">
-    <dgm:scene3d>
-      <a:camera prst="orthographicFront"/>
-      <a:lightRig rig="threePt" dir="t"/>
-    </dgm:scene3d>
-    <dgm:sp3d/>
-    <dgm:txPr/>
-    <dgm:style>
-      <a:lnRef idx="0">
-        <a:scrgbClr r="0" g="0" b="0"/>
-      </a:lnRef>
-      <a:fillRef idx="1">
-        <a:scrgbClr r="0" g="0" b="0"/>
-      </a:fillRef>
-      <a:effectRef idx="0">
-        <a:scrgbClr r="0" g="0" b="0"/>
-      </a:effectRef>
-      <a:fontRef idx="minor">
-        <a:schemeClr val="lt1"/>
-      </a:fontRef>
-    </dgm:style>
-  </dgm:styleLbl>
-  <dgm:styleLbl name="fgSibTrans2D1">
-    <dgm:scene3d>
-      <a:camera prst="orthographicFront"/>
-      <a:lightRig rig="threePt" dir="t"/>
-    </dgm:scene3d>
-    <dgm:sp3d/>
-    <dgm:txPr/>
-    <dgm:style>
-      <a:lnRef idx="0">
-        <a:scrgbClr r="0" g="0" b="0"/>
-      </a:lnRef>
-      <a:fillRef idx="1">
-        <a:scrgbClr r="0" g="0" b="0"/>
-      </a:fillRef>
-      <a:effectRef idx="0">
-        <a:scrgbClr r="0" g="0" b="0"/>
-      </a:effectRef>
-      <a:fontRef idx="minor">
-        <a:schemeClr val="lt1"/>
-      </a:fontRef>
-    </dgm:style>
-  </dgm:styleLbl>
-  <dgm:styleLbl name="bgSibTrans2D1">
-    <dgm:scene3d>
-      <a:camera prst="orthographicFront"/>
-      <a:lightRig rig="threePt" dir="t"/>
-    </dgm:scene3d>
-    <dgm:sp3d/>
-    <dgm:txPr/>
-    <dgm:style>
-      <a:lnRef idx="0">
-        <a:scrgbClr r="0" g="0" b="0"/>
-      </a:lnRef>
-      <a:fillRef idx="1">
-        <a:scrgbClr r="0" g="0" b="0"/>
-      </a:fillRef>
-      <a:effectRef idx="0">
-        <a:scrgbClr r="0" g="0" b="0"/>
-      </a:effectRef>
-      <a:fontRef idx="minor">
-        <a:schemeClr val="lt1"/>
-      </a:fontRef>
-    </dgm:style>
-  </dgm:styleLbl>
-  <dgm:styleLbl name="sibTrans1D1">
-    <dgm:scene3d>
-      <a:camera prst="orthographicFront"/>
-      <a:lightRig rig="threePt" dir="t"/>
-    </dgm:scene3d>
-    <dgm:sp3d/>
-    <dgm:txPr/>
-    <dgm:style>
-      <a:lnRef idx="1">
-        <a:scrgbClr r="0" g="0" b="0"/>
-      </a:lnRef>
-      <a:fillRef idx="0">
-        <a:scrgbClr r="0" g="0" b="0"/>
-      </a:fillRef>
-      <a:effectRef idx="0">
-        <a:scrgbClr r="0" g="0" b="0"/>
-      </a:effectRef>
-      <a:fontRef idx="minor"/>
-    </dgm:style>
-  </dgm:styleLbl>
-  <dgm:styleLbl name="callout">
-    <dgm:scene3d>
-      <a:camera prst="orthographicFront"/>
-      <a:lightRig rig="threePt" dir="t"/>
-    </dgm:scene3d>
-    <dgm:sp3d/>
-    <dgm:txPr/>
-    <dgm:style>
-      <a:lnRef idx="2">
-        <a:scrgbClr r="0" g="0" b="0"/>
-      </a:lnRef>
-      <a:fillRef idx="1">
-        <a:scrgbClr r="0" g="0" b="0"/>
-      </a:fillRef>
-      <a:effectRef idx="0">
-        <a:scrgbClr r="0" g="0" b="0"/>
-      </a:effectRef>
-      <a:fontRef idx="minor"/>
-    </dgm:style>
-  </dgm:styleLbl>
-  <dgm:styleLbl name="asst0">
-    <dgm:scene3d>
-      <a:camera prst="orthographicFront"/>
-      <a:lightRig rig="threePt" dir="t"/>
-    </dgm:scene3d>
-    <dgm:sp3d/>
-    <dgm:txPr/>
-    <dgm:style>
-      <a:lnRef idx="2">
-        <a:scrgbClr r="0" g="0" b="0"/>
-      </a:lnRef>
-      <a:fillRef idx="1">
-        <a:scrgbClr r="0" g="0" b="0"/>
-      </a:fillRef>
-      <a:effectRef idx="0">
-        <a:scrgbClr r="0" g="0" b="0"/>
-      </a:effectRef>
-      <a:fontRef idx="minor">
-        <a:schemeClr val="lt1"/>
-      </a:fontRef>
-    </dgm:style>
-  </dgm:styleLbl>
-  <dgm:styleLbl name="asst1">
-    <dgm:scene3d>
-      <a:camera prst="orthographicFront"/>
-      <a:lightRig rig="threePt" dir="t"/>
-    </dgm:scene3d>
-    <dgm:sp3d/>
-    <dgm:txPr/>
-    <dgm:style>
-      <a:lnRef idx="2">
-        <a:scrgbClr r="0" g="0" b="0"/>
-      </a:lnRef>
-      <a:fillRef idx="1">
-        <a:scrgbClr r="0" g="0" b="0"/>
-      </a:fillRef>
-      <a:effectRef idx="0">
-        <a:scrgbClr r="0" g="0" b="0"/>
-      </a:effectRef>
-      <a:fontRef idx="minor">
-        <a:schemeClr val="lt1"/>
-      </a:fontRef>
-    </dgm:style>
-  </dgm:styleLbl>
-  <dgm:styleLbl name="asst2">
-    <dgm:scene3d>
-      <a:camera prst="orthographicFront"/>
-      <a:lightRig rig="threePt" dir="t"/>
-    </dgm:scene3d>
-    <dgm:sp3d/>
-    <dgm:txPr/>
-    <dgm:style>
-      <a:lnRef idx="2">
-        <a:scrgbClr r="0" g="0" b="0"/>
-      </a:lnRef>
-      <a:fillRef idx="1">
-        <a:scrgbClr r="0" g="0" b="0"/>
-      </a:fillRef>
-      <a:effectRef idx="0">
-        <a:scrgbClr r="0" g="0" b="0"/>
-      </a:effectRef>
-      <a:fontRef idx="minor">
-        <a:schemeClr val="lt1"/>
-      </a:fontRef>
-    </dgm:style>
-  </dgm:styleLbl>
-  <dgm:styleLbl name="asst3">
-    <dgm:scene3d>
-      <a:camera prst="orthographicFront"/>
-      <a:lightRig rig="threePt" dir="t"/>
-    </dgm:scene3d>
-    <dgm:sp3d/>
-    <dgm:txPr/>
-    <dgm:style>
-      <a:lnRef idx="2">
-        <a:scrgbClr r="0" g="0" b="0"/>
-      </a:lnRef>
-      <a:fillRef idx="1">
-        <a:scrgbClr r="0" g="0" b="0"/>
-      </a:fillRef>
-      <a:effectRef idx="0">
-        <a:scrgbClr r="0" g="0" b="0"/>
-      </a:effectRef>
-      <a:fontRef idx="minor">
-        <a:schemeClr val="lt1"/>
-      </a:fontRef>
-    </dgm:style>
-  </dgm:styleLbl>
-  <dgm:styleLbl name="asst4">
-    <dgm:scene3d>
-      <a:camera prst="orthographicFront"/>
-      <a:lightRig rig="threePt" dir="t"/>
-    </dgm:scene3d>
-    <dgm:sp3d/>
-    <dgm:txPr/>
-    <dgm:style>
-      <a:lnRef idx="2">
-        <a:scrgbClr r="0" g="0" b="0"/>
-      </a:lnRef>
-      <a:fillRef idx="1">
-        <a:scrgbClr r="0" g="0" b="0"/>
-      </a:fillRef>
-      <a:effectRef idx="0">
-        <a:scrgbClr r="0" g="0" b="0"/>
-      </a:effectRef>
-      <a:fontRef idx="minor">
-        <a:schemeClr val="lt1"/>
-      </a:fontRef>
-    </dgm:style>
-  </dgm:styleLbl>
-  <dgm:styleLbl name="parChTrans2D1">
-    <dgm:scene3d>
-      <a:camera prst="orthographicFront"/>
-      <a:lightRig rig="threePt" dir="t"/>
-    </dgm:scene3d>
-    <dgm:sp3d/>
-    <dgm:txPr/>
-    <dgm:style>
-      <a:lnRef idx="2">
-        <a:scrgbClr r="0" g="0" b="0"/>
-      </a:lnRef>
-      <a:fillRef idx="1">
-        <a:scrgbClr r="0" g="0" b="0"/>
-      </a:fillRef>
-      <a:effectRef idx="0">
-        <a:scrgbClr r="0" g="0" b="0"/>
-      </a:effectRef>
-      <a:fontRef idx="minor">
-        <a:schemeClr val="lt1"/>
-      </a:fontRef>
-    </dgm:style>
-  </dgm:styleLbl>
-  <dgm:styleLbl name="parChTrans2D2">
-    <dgm:scene3d>
-      <a:camera prst="orthographicFront"/>
-      <a:lightRig rig="threePt" dir="t"/>
-    </dgm:scene3d>
-    <dgm:sp3d/>
-    <dgm:txPr/>
-    <dgm:style>
-      <a:lnRef idx="2">
-        <a:scrgbClr r="0" g="0" b="0"/>
-      </a:lnRef>
-      <a:fillRef idx="1">
-        <a:scrgbClr r="0" g="0" b="0"/>
-      </a:fillRef>
-      <a:effectRef idx="0">
-        <a:scrgbClr r="0" g="0" b="0"/>
-      </a:effectRef>
-      <a:fontRef idx="minor">
-        <a:schemeClr val="lt1"/>
-      </a:fontRef>
-    </dgm:style>
-  </dgm:styleLbl>
-  <dgm:styleLbl name="parChTrans2D3">
-    <dgm:scene3d>
-      <a:camera prst="orthographicFront"/>
-      <a:lightRig rig="threePt" dir="t"/>
-    </dgm:scene3d>
-    <dgm:sp3d/>
-    <dgm:txPr/>
-    <dgm:style>
-      <a:lnRef idx="2">
-        <a:scrgbClr r="0" g="0" b="0"/>
-      </a:lnRef>
-      <a:fillRef idx="1">
-        <a:scrgbClr r="0" g="0" b="0"/>
-      </a:fillRef>
-      <a:effectRef idx="0">
-        <a:scrgbClr r="0" g="0" b="0"/>
-      </a:effectRef>
-      <a:fontRef idx="minor">
-        <a:schemeClr val="lt1"/>
-      </a:fontRef>
-    </dgm:style>
-  </dgm:styleLbl>
-  <dgm:styleLbl name="parChTrans2D4">
-    <dgm:scene3d>
-      <a:camera prst="orthographicFront"/>
-      <a:lightRig rig="threePt" dir="t"/>
-    </dgm:scene3d>
-    <dgm:sp3d/>
-    <dgm:txPr/>
-    <dgm:style>
-      <a:lnRef idx="2">
-        <a:scrgbClr r="0" g="0" b="0"/>
-      </a:lnRef>
-      <a:fillRef idx="1">
-        <a:scrgbClr r="0" g="0" b="0"/>
-      </a:fillRef>
-      <a:effectRef idx="0">
-        <a:scrgbClr r="0" g="0" b="0"/>
-      </a:effectRef>
-      <a:fontRef idx="minor">
-        <a:schemeClr val="lt1"/>
-      </a:fontRef>
-    </dgm:style>
-  </dgm:styleLbl>
-  <dgm:styleLbl name="parChTrans1D1">
-    <dgm:scene3d>
-      <a:camera prst="orthographicFront"/>
-      <a:lightRig rig="threePt" dir="t"/>
-    </dgm:scene3d>
-    <dgm:sp3d/>
-    <dgm:txPr/>
-    <dgm:style>
-      <a:lnRef idx="2">
-        <a:scrgbClr r="0" g="0" b="0"/>
-      </a:lnRef>
-      <a:fillRef idx="0">
-        <a:scrgbClr r="0" g="0" b="0"/>
-      </a:fillRef>
-      <a:effectRef idx="0">
-        <a:scrgbClr r="0" g="0" b="0"/>
-      </a:effectRef>
-      <a:fontRef idx="minor"/>
-    </dgm:style>
-  </dgm:styleLbl>
-  <dgm:styleLbl name="parChTrans1D2">
-    <dgm:scene3d>
-      <a:camera prst="orthographicFront"/>
-      <a:lightRig rig="threePt" dir="t"/>
-    </dgm:scene3d>
-    <dgm:sp3d/>
-    <dgm:txPr/>
-    <dgm:style>
-      <a:lnRef idx="2">
-        <a:scrgbClr r="0" g="0" b="0"/>
-      </a:lnRef>
-      <a:fillRef idx="0">
-        <a:scrgbClr r="0" g="0" b="0"/>
-      </a:fillRef>
-      <a:effectRef idx="0">
-        <a:scrgbClr r="0" g="0" b="0"/>
-      </a:effectRef>
-      <a:fontRef idx="minor"/>
-    </dgm:style>
-  </dgm:styleLbl>
-  <dgm:styleLbl name="parChTrans1D3">
-    <dgm:scene3d>
-      <a:camera prst="orthographicFront"/>
-      <a:lightRig rig="threePt" dir="t"/>
-    </dgm:scene3d>
-    <dgm:sp3d/>
-    <dgm:txPr/>
-    <dgm:style>
-      <a:lnRef idx="2">
-        <a:scrgbClr r="0" g="0" b="0"/>
-      </a:lnRef>
-      <a:fillRef idx="0">
-        <a:scrgbClr r="0" g="0" b="0"/>
-      </a:fillRef>
-      <a:effectRef idx="0">
-        <a:scrgbClr r="0" g="0" b="0"/>
-      </a:effectRef>
-      <a:fontRef idx="minor"/>
-    </dgm:style>
-  </dgm:styleLbl>
-  <dgm:styleLbl name="parChTrans1D4">
-    <dgm:scene3d>
-      <a:camera prst="orthographicFront"/>
-      <a:lightRig rig="threePt" dir="t"/>
-    </dgm:scene3d>
-    <dgm:sp3d/>
-    <dgm:txPr/>
-    <dgm:style>
-      <a:lnRef idx="2">
-        <a:scrgbClr r="0" g="0" b="0"/>
-      </a:lnRef>
-      <a:fillRef idx="0">
-        <a:scrgbClr r="0" g="0" b="0"/>
-      </a:fillRef>
-      <a:effectRef idx="0">
-        <a:scrgbClr r="0" g="0" b="0"/>
-      </a:effectRef>
-      <a:fontRef idx="minor"/>
-    </dgm:style>
-  </dgm:styleLbl>
-  <dgm:styleLbl name="fgAcc1">
-    <dgm:scene3d>
-      <a:camera prst="orthographicFront"/>
-      <a:lightRig rig="threePt" dir="t"/>
-    </dgm:scene3d>
-    <dgm:sp3d/>
-    <dgm:txPr/>
-    <dgm:style>
-      <a:lnRef idx="2">
-        <a:scrgbClr r="0" g="0" b="0"/>
-      </a:lnRef>
-      <a:fillRef idx="1">
-        <a:scrgbClr r="0" g="0" b="0"/>
-      </a:fillRef>
-      <a:effectRef idx="0">
-        <a:scrgbClr r="0" g="0" b="0"/>
-      </a:effectRef>
-      <a:fontRef idx="minor"/>
-    </dgm:style>
-  </dgm:styleLbl>
-  <dgm:styleLbl name="conFgAcc1">
-    <dgm:scene3d>
-      <a:camera prst="orthographicFront"/>
-      <a:lightRig rig="threePt" dir="t"/>
-    </dgm:scene3d>
-    <dgm:sp3d/>
-    <dgm:txPr/>
-    <dgm:style>
-      <a:lnRef idx="2">
-        <a:scrgbClr r="0" g="0" b="0"/>
-      </a:lnRef>
-      <a:fillRef idx="1">
-        <a:scrgbClr r="0" g="0" b="0"/>
-      </a:fillRef>
-      <a:effectRef idx="0">
-        <a:scrgbClr r="0" g="0" b="0"/>
-      </a:effectRef>
-      <a:fontRef idx="minor"/>
-    </dgm:style>
-  </dgm:styleLbl>
-  <dgm:styleLbl name="alignAcc1">
-    <dgm:scene3d>
-      <a:camera prst="orthographicFront"/>
-      <a:lightRig rig="threePt" dir="t"/>
-    </dgm:scene3d>
-    <dgm:sp3d/>
-    <dgm:txPr/>
-    <dgm:style>
-      <a:lnRef idx="2">
-        <a:scrgbClr r="0" g="0" b="0"/>
-      </a:lnRef>
-      <a:fillRef idx="1">
-        <a:scrgbClr r="0" g="0" b="0"/>
-      </a:fillRef>
-      <a:effectRef idx="0">
-        <a:scrgbClr r="0" g="0" b="0"/>
-      </a:effectRef>
-      <a:fontRef idx="minor"/>
-    </dgm:style>
-  </dgm:styleLbl>
-  <dgm:styleLbl name="trAlignAcc1">
-    <dgm:scene3d>
-      <a:camera prst="orthographicFront"/>
-      <a:lightRig rig="threePt" dir="t"/>
-    </dgm:scene3d>
-    <dgm:sp3d/>
-    <dgm:txPr/>
-    <dgm:style>
-      <a:lnRef idx="1">
-        <a:scrgbClr r="0" g="0" b="0"/>
-      </a:lnRef>
-      <a:fillRef idx="1">
-        <a:scrgbClr r="0" g="0" b="0"/>
-      </a:fillRef>
-      <a:effectRef idx="0">
-        <a:scrgbClr r="0" g="0" b="0"/>
-      </a:effectRef>
-      <a:fontRef idx="minor"/>
-    </dgm:style>
-  </dgm:styleLbl>
-  <dgm:styleLbl name="bgAcc1">
-    <dgm:scene3d>
-      <a:camera prst="orthographicFront"/>
-      <a:lightRig rig="threePt" dir="t"/>
-    </dgm:scene3d>
-    <dgm:sp3d/>
-    <dgm:txPr/>
-    <dgm:style>
-      <a:lnRef idx="2">
-        <a:scrgbClr r="0" g="0" b="0"/>
-      </a:lnRef>
-      <a:fillRef idx="1">
-        <a:scrgbClr r="0" g="0" b="0"/>
-      </a:fillRef>
-      <a:effectRef idx="0">
-        <a:scrgbClr r="0" g="0" b="0"/>
-      </a:effectRef>
-      <a:fontRef idx="minor"/>
-    </dgm:style>
-  </dgm:styleLbl>
-  <dgm:styleLbl name="solidFgAcc1">
-    <dgm:scene3d>
-      <a:camera prst="orthographicFront"/>
-      <a:lightRig rig="threePt" dir="t"/>
-    </dgm:scene3d>
-    <dgm:sp3d/>
-    <dgm:txPr/>
-    <dgm:style>
-      <a:lnRef idx="2">
-        <a:scrgbClr r="0" g="0" b="0"/>
-      </a:lnRef>
-      <a:fillRef idx="1">
-        <a:scrgbClr r="0" g="0" b="0"/>
-      </a:fillRef>
-      <a:effectRef idx="0">
-        <a:scrgbClr r="0" g="0" b="0"/>
-      </a:effectRef>
-      <a:fontRef idx="minor"/>
-    </dgm:style>
-  </dgm:styleLbl>
-  <dgm:styleLbl name="solidAlignAcc1">
-    <dgm:scene3d>
-      <a:camera prst="orthographicFront"/>
-      <a:lightRig rig="threePt" dir="t"/>
-    </dgm:scene3d>
-    <dgm:sp3d/>
-    <dgm:txPr/>
-    <dgm:style>
-      <a:lnRef idx="2">
-        <a:scrgbClr r="0" g="0" b="0"/>
-      </a:lnRef>
-      <a:fillRef idx="1">
-        <a:scrgbClr r="0" g="0" b="0"/>
-      </a:fillRef>
-      <a:effectRef idx="0">
-        <a:scrgbClr r="0" g="0" b="0"/>
-      </a:effectRef>
-      <a:fontRef idx="minor"/>
-    </dgm:style>
-  </dgm:styleLbl>
-  <dgm:styleLbl name="solidBgAcc1">
-    <dgm:scene3d>
-      <a:camera prst="orthographicFront"/>
-      <a:lightRig rig="threePt" dir="t"/>
-    </dgm:scene3d>
-    <dgm:sp3d/>
-    <dgm:txPr/>
-    <dgm:style>
-      <a:lnRef idx="2">
-        <a:scrgbClr r="0" g="0" b="0"/>
-      </a:lnRef>
-      <a:fillRef idx="1">
-        <a:scrgbClr r="0" g="0" b="0"/>
-      </a:fillRef>
-      <a:effectRef idx="0">
-        <a:scrgbClr r="0" g="0" b="0"/>
-      </a:effectRef>
-      <a:fontRef idx="minor"/>
-    </dgm:style>
-  </dgm:styleLbl>
-  <dgm:styleLbl name="fgAccFollowNode1">
-    <dgm:scene3d>
-      <a:camera prst="orthographicFront"/>
-      <a:lightRig rig="threePt" dir="t"/>
-    </dgm:scene3d>
-    <dgm:sp3d/>
-    <dgm:txPr/>
-    <dgm:style>
-      <a:lnRef idx="2">
-        <a:scrgbClr r="0" g="0" b="0"/>
-      </a:lnRef>
-      <a:fillRef idx="1">
-        <a:scrgbClr r="0" g="0" b="0"/>
-      </a:fillRef>
-      <a:effectRef idx="0">
-        <a:scrgbClr r="0" g="0" b="0"/>
-      </a:effectRef>
-      <a:fontRef idx="minor"/>
-    </dgm:style>
-  </dgm:styleLbl>
-  <dgm:styleLbl name="alignAccFollowNode1">
-    <dgm:scene3d>
-      <a:camera prst="orthographicFront"/>
-      <a:lightRig rig="threePt" dir="t"/>
-    </dgm:scene3d>
-    <dgm:sp3d/>
-    <dgm:txPr/>
-    <dgm:style>
-      <a:lnRef idx="2">
-        <a:scrgbClr r="0" g="0" b="0"/>
-      </a:lnRef>
-      <a:fillRef idx="1">
-        <a:scrgbClr r="0" g="0" b="0"/>
-      </a:fillRef>
-      <a:effectRef idx="0">
-        <a:scrgbClr r="0" g="0" b="0"/>
-      </a:effectRef>
-      <a:fontRef idx="minor"/>
-    </dgm:style>
-  </dgm:styleLbl>
-  <dgm:styleLbl name="bgAccFollowNode1">
-    <dgm:scene3d>
-      <a:camera prst="orthographicFront"/>
-      <a:lightRig rig="threePt" dir="t"/>
-    </dgm:scene3d>
-    <dgm:sp3d/>
-    <dgm:txPr/>
-    <dgm:style>
-      <a:lnRef idx="2">
-        <a:scrgbClr r="0" g="0" b="0"/>
-      </a:lnRef>
-      <a:fillRef idx="1">
-        <a:scrgbClr r="0" g="0" b="0"/>
-      </a:fillRef>
-      <a:effectRef idx="0">
-        <a:scrgbClr r="0" g="0" b="0"/>
-      </a:effectRef>
-      <a:fontRef idx="minor"/>
-    </dgm:style>
-  </dgm:styleLbl>
-  <dgm:styleLbl name="fgAcc0">
-    <dgm:scene3d>
-      <a:camera prst="orthographicFront"/>
-      <a:lightRig rig="threePt" dir="t"/>
-    </dgm:scene3d>
-    <dgm:sp3d/>
-    <dgm:txPr/>
-    <dgm:style>
-      <a:lnRef idx="2">
-        <a:scrgbClr r="0" g="0" b="0"/>
-      </a:lnRef>
-      <a:fillRef idx="1">
-        <a:scrgbClr r="0" g="0" b="0"/>
-      </a:fillRef>
-      <a:effectRef idx="0">
-        <a:scrgbClr r="0" g="0" b="0"/>
-      </a:effectRef>
-      <a:fontRef idx="minor"/>
-    </dgm:style>
-  </dgm:styleLbl>
-  <dgm:styleLbl name="fgAcc2">
-    <dgm:scene3d>
-      <a:camera prst="orthographicFront"/>
-      <a:lightRig rig="threePt" dir="t"/>
-    </dgm:scene3d>
-    <dgm:sp3d/>
-    <dgm:txPr/>
-    <dgm:style>
-      <a:lnRef idx="2">
-        <a:scrgbClr r="0" g="0" b="0"/>
-      </a:lnRef>
-      <a:fillRef idx="1">
-        <a:scrgbClr r="0" g="0" b="0"/>
-      </a:fillRef>
-      <a:effectRef idx="0">
-        <a:scrgbClr r="0" g="0" b="0"/>
-      </a:effectRef>
-      <a:fontRef idx="minor"/>
-    </dgm:style>
-  </dgm:styleLbl>
-  <dgm:styleLbl name="fgAcc3">
-    <dgm:scene3d>
-      <a:camera prst="orthographicFront"/>
-      <a:lightRig rig="threePt" dir="t"/>
-    </dgm:scene3d>
-    <dgm:sp3d/>
-    <dgm:txPr/>
-    <dgm:style>
-      <a:lnRef idx="2">
-        <a:scrgbClr r="0" g="0" b="0"/>
-      </a:lnRef>
-      <a:fillRef idx="1">
-        <a:scrgbClr r="0" g="0" b="0"/>
-      </a:fillRef>
-      <a:effectRef idx="0">
-        <a:scrgbClr r="0" g="0" b="0"/>
-      </a:effectRef>
-      <a:fontRef idx="minor"/>
-    </dgm:style>
-  </dgm:styleLbl>
-  <dgm:styleLbl name="fgAcc4">
-    <dgm:scene3d>
-      <a:camera prst="orthographicFront"/>
-      <a:lightRig rig="threePt" dir="t"/>
-    </dgm:scene3d>
-    <dgm:sp3d/>
-    <dgm:txPr/>
-    <dgm:style>
-      <a:lnRef idx="2">
-        <a:scrgbClr r="0" g="0" b="0"/>
-      </a:lnRef>
-      <a:fillRef idx="1">
-        <a:scrgbClr r="0" g="0" b="0"/>
-      </a:fillRef>
-      <a:effectRef idx="0">
-        <a:scrgbClr r="0" g="0" b="0"/>
-      </a:effectRef>
-      <a:fontRef idx="minor"/>
-    </dgm:style>
-  </dgm:styleLbl>
-  <dgm:styleLbl name="bgShp">
-    <dgm:scene3d>
-      <a:camera prst="orthographicFront"/>
-      <a:lightRig rig="threePt" dir="t"/>
-    </dgm:scene3d>
-    <dgm:sp3d/>
-    <dgm:txPr/>
-    <dgm:style>
-      <a:lnRef idx="0">
-        <a:scrgbClr r="0" g="0" b="0"/>
-      </a:lnRef>
-      <a:fillRef idx="1">
-        <a:scrgbClr r="0" g="0" b="0"/>
-      </a:fillRef>
-      <a:effectRef idx="0">
-        <a:scrgbClr r="0" g="0" b="0"/>
-      </a:effectRef>
-      <a:fontRef idx="minor"/>
-    </dgm:style>
-  </dgm:styleLbl>
-  <dgm:styleLbl name="dkBgShp">
-    <dgm:scene3d>
-      <a:camera prst="orthographicFront"/>
-      <a:lightRig rig="threePt" dir="t"/>
-    </dgm:scene3d>
-    <dgm:sp3d/>
-    <dgm:txPr/>
-    <dgm:style>
-      <a:lnRef idx="0">
-        <a:scrgbClr r="0" g="0" b="0"/>
-      </a:lnRef>
-      <a:fillRef idx="1">
-        <a:scrgbClr r="0" g="0" b="0"/>
-      </a:fillRef>
-      <a:effectRef idx="0">
-        <a:scrgbClr r="0" g="0" b="0"/>
-      </a:effectRef>
-      <a:fontRef idx="minor"/>
-    </dgm:style>
-  </dgm:styleLbl>
-  <dgm:styleLbl name="trBgShp">
-    <dgm:scene3d>
-      <a:camera prst="orthographicFront"/>
-      <a:lightRig rig="threePt" dir="t"/>
-    </dgm:scene3d>
-    <dgm:sp3d/>
-    <dgm:txPr/>
-    <dgm:style>
-      <a:lnRef idx="0">
-        <a:scrgbClr r="0" g="0" b="0"/>
-      </a:lnRef>
-      <a:fillRef idx="1">
-        <a:scrgbClr r="0" g="0" b="0"/>
-      </a:fillRef>
-      <a:effectRef idx="0">
-        <a:scrgbClr r="0" g="0" b="0"/>
-      </a:effectRef>
-      <a:fontRef idx="minor"/>
-    </dgm:style>
-  </dgm:styleLbl>
-  <dgm:styleLbl name="fgShp">
-    <dgm:scene3d>
-      <a:camera prst="orthographicFront"/>
-      <a:lightRig rig="threePt" dir="t"/>
-    </dgm:scene3d>
-    <dgm:sp3d/>
-    <dgm:txPr/>
-    <dgm:style>
-      <a:lnRef idx="2">
-        <a:scrgbClr r="0" g="0" b="0"/>
-      </a:lnRef>
-      <a:fillRef idx="1">
-        <a:scrgbClr r="0" g="0" b="0"/>
-      </a:fillRef>
-      <a:effectRef idx="0">
-        <a:scrgbClr r="0" g="0" b="0"/>
-      </a:effectRef>
-      <a:fontRef idx="minor"/>
-    </dgm:style>
-  </dgm:styleLbl>
-  <dgm:styleLbl name="revTx">
-    <dgm:scene3d>
-      <a:camera prst="orthographicFront"/>
-      <a:lightRig rig="threePt" dir="t"/>
-    </dgm:scene3d>
-    <dgm:sp3d/>
-    <dgm:txPr/>
-    <dgm:style>
-      <a:lnRef idx="0">
-        <a:scrgbClr r="0" g="0" b="0"/>
-      </a:lnRef>
-      <a:fillRef idx="0">
-        <a:scrgbClr r="0" g="0" b="0"/>
-      </a:fillRef>
-      <a:effectRef idx="0">
-        <a:scrgbClr r="0" g="0" b="0"/>
-      </a:effectRef>
-      <a:fontRef idx="minor"/>
-    </dgm:style>
-  </dgm:styleLbl>
-</dgm:styleDef>
-</file>
-
-<file path=ppt/diagrams/quickStyle2.xml><?xml version="1.0" encoding="utf-8"?>
-<dgm:styleDef xmlns:dgm="http://schemas.openxmlformats.org/drawingml/2006/diagram" xmlns:a="http://schemas.openxmlformats.org/drawingml/2006/main" uniqueId="urn:microsoft.com/office/officeart/2005/8/quickstyle/simple1">
-  <dgm:title val=""/>
-  <dgm:desc val=""/>
-  <dgm:catLst>
-    <dgm:cat type="simple" pri="10100"/>
-  </dgm:catLst>
-  <dgm:scene3d>
-    <a:camera prst="orthographicFront"/>
-    <a:lightRig rig="threePt" dir="t"/>
-  </dgm:scene3d>
-  <dgm:styleLbl name="node0">
-    <dgm:scene3d>
-      <a:camera prst="orthographicFront"/>
-      <a:lightRig rig="threePt" dir="t"/>
-    </dgm:scene3d>
-    <dgm:sp3d/>
-    <dgm:txPr/>
-    <dgm:style>
-      <a:lnRef idx="2">
-        <a:scrgbClr r="0" g="0" b="0"/>
-      </a:lnRef>
-      <a:fillRef idx="1">
-        <a:scrgbClr r="0" g="0" b="0"/>
-      </a:fillRef>
-      <a:effectRef idx="0">
-        <a:scrgbClr r="0" g="0" b="0"/>
-      </a:effectRef>
-      <a:fontRef idx="minor">
-        <a:schemeClr val="lt1"/>
-      </a:fontRef>
-    </dgm:style>
-  </dgm:styleLbl>
-  <dgm:styleLbl name="lnNode1">
-    <dgm:scene3d>
-      <a:camera prst="orthographicFront"/>
-      <a:lightRig rig="threePt" dir="t"/>
-    </dgm:scene3d>
-    <dgm:sp3d/>
-    <dgm:txPr/>
-    <dgm:style>
-      <a:lnRef idx="2">
-        <a:scrgbClr r="0" g="0" b="0"/>
-      </a:lnRef>
-      <a:fillRef idx="1">
-        <a:scrgbClr r="0" g="0" b="0"/>
-      </a:fillRef>
-      <a:effectRef idx="0">
-        <a:scrgbClr r="0" g="0" b="0"/>
-      </a:effectRef>
-      <a:fontRef idx="minor">
-        <a:schemeClr val="lt1"/>
-      </a:fontRef>
-    </dgm:style>
-  </dgm:styleLbl>
-  <dgm:styleLbl name="vennNode1">
-    <dgm:scene3d>
-      <a:camera prst="orthographicFront"/>
-      <a:lightRig rig="threePt" dir="t"/>
-    </dgm:scene3d>
-    <dgm:sp3d/>
-    <dgm:txPr/>
-    <dgm:style>
-      <a:lnRef idx="2">
-        <a:scrgbClr r="0" g="0" b="0"/>
-      </a:lnRef>
-      <a:fillRef idx="1">
-        <a:scrgbClr r="0" g="0" b="0"/>
-      </a:fillRef>
-      <a:effectRef idx="0">
-        <a:scrgbClr r="0" g="0" b="0"/>
-      </a:effectRef>
-      <a:fontRef idx="minor">
-        <a:schemeClr val="tx1"/>
-      </a:fontRef>
-    </dgm:style>
-  </dgm:styleLbl>
-  <dgm:styleLbl name="alignNode1">
-    <dgm:scene3d>
-      <a:camera prst="orthographicFront"/>
-      <a:lightRig rig="threePt" dir="t"/>
-    </dgm:scene3d>
-    <dgm:sp3d/>
-    <dgm:txPr/>
-    <dgm:style>
-      <a:lnRef idx="2">
-        <a:scrgbClr r="0" g="0" b="0"/>
-      </a:lnRef>
-      <a:fillRef idx="1">
-        <a:scrgbClr r="0" g="0" b="0"/>
-      </a:fillRef>
-      <a:effectRef idx="0">
-        <a:scrgbClr r="0" g="0" b="0"/>
-      </a:effectRef>
-      <a:fontRef idx="minor">
-        <a:schemeClr val="lt1"/>
-      </a:fontRef>
-    </dgm:style>
-  </dgm:styleLbl>
-  <dgm:styleLbl name="node1">
-    <dgm:scene3d>
-      <a:camera prst="orthographicFront"/>
-      <a:lightRig rig="threePt" dir="t"/>
-    </dgm:scene3d>
-    <dgm:sp3d/>
-    <dgm:txPr/>
-    <dgm:style>
-      <a:lnRef idx="2">
-        <a:scrgbClr r="0" g="0" b="0"/>
-      </a:lnRef>
-      <a:fillRef idx="1">
-        <a:scrgbClr r="0" g="0" b="0"/>
-      </a:fillRef>
-      <a:effectRef idx="0">
-        <a:scrgbClr r="0" g="0" b="0"/>
-      </a:effectRef>
-      <a:fontRef idx="minor">
-        <a:schemeClr val="lt1"/>
-      </a:fontRef>
-    </dgm:style>
-  </dgm:styleLbl>
-  <dgm:styleLbl name="node2">
-    <dgm:scene3d>
-      <a:camera prst="orthographicFront"/>
-      <a:lightRig rig="threePt" dir="t"/>
-    </dgm:scene3d>
-    <dgm:sp3d/>
-    <dgm:txPr/>
-    <dgm:style>
-      <a:lnRef idx="2">
-        <a:scrgbClr r="0" g="0" b="0"/>
-      </a:lnRef>
-      <a:fillRef idx="1">
-        <a:scrgbClr r="0" g="0" b="0"/>
-      </a:fillRef>
-      <a:effectRef idx="0">
-        <a:scrgbClr r="0" g="0" b="0"/>
-      </a:effectRef>
-      <a:fontRef idx="minor">
-        <a:schemeClr val="lt1"/>
-      </a:fontRef>
-    </dgm:style>
-  </dgm:styleLbl>
-  <dgm:styleLbl name="node3">
-    <dgm:scene3d>
-      <a:camera prst="orthographicFront"/>
-      <a:lightRig rig="threePt" dir="t"/>
-    </dgm:scene3d>
-    <dgm:sp3d/>
-    <dgm:txPr/>
-    <dgm:style>
-      <a:lnRef idx="2">
-        <a:scrgbClr r="0" g="0" b="0"/>
-      </a:lnRef>
-      <a:fillRef idx="1">
-        <a:scrgbClr r="0" g="0" b="0"/>
-      </a:fillRef>
-      <a:effectRef idx="0">
-        <a:scrgbClr r="0" g="0" b="0"/>
-      </a:effectRef>
-      <a:fontRef idx="minor">
-        <a:schemeClr val="lt1"/>
-      </a:fontRef>
-    </dgm:style>
-  </dgm:styleLbl>
-  <dgm:styleLbl name="node4">
-    <dgm:scene3d>
-      <a:camera prst="orthographicFront"/>
-      <a:lightRig rig="threePt" dir="t"/>
-    </dgm:scene3d>
-    <dgm:sp3d/>
-    <dgm:txPr/>
-    <dgm:style>
-      <a:lnRef idx="2">
-        <a:scrgbClr r="0" g="0" b="0"/>
-      </a:lnRef>
-      <a:fillRef idx="1">
-        <a:scrgbClr r="0" g="0" b="0"/>
-      </a:fillRef>
-      <a:effectRef idx="0">
-        <a:scrgbClr r="0" g="0" b="0"/>
-      </a:effectRef>
-      <a:fontRef idx="minor">
-        <a:schemeClr val="lt1"/>
-      </a:fontRef>
-    </dgm:style>
-  </dgm:styleLbl>
-  <dgm:styleLbl name="fgImgPlace1">
-    <dgm:scene3d>
-      <a:camera prst="orthographicFront"/>
-      <a:lightRig rig="threePt" dir="t"/>
-    </dgm:scene3d>
-    <dgm:sp3d/>
-    <dgm:txPr/>
-    <dgm:style>
-      <a:lnRef idx="2">
-        <a:scrgbClr r="0" g="0" b="0"/>
-      </a:lnRef>
-      <a:fillRef idx="1">
-        <a:scrgbClr r="0" g="0" b="0"/>
-      </a:fillRef>
-      <a:effectRef idx="0">
-        <a:scrgbClr r="0" g="0" b="0"/>
-      </a:effectRef>
-      <a:fontRef idx="minor"/>
-    </dgm:style>
-  </dgm:styleLbl>
-  <dgm:styleLbl name="alignImgPlace1">
-    <dgm:scene3d>
-      <a:camera prst="orthographicFront"/>
-      <a:lightRig rig="threePt" dir="t"/>
-    </dgm:scene3d>
-    <dgm:sp3d/>
-    <dgm:txPr/>
-    <dgm:style>
-      <a:lnRef idx="2">
-        <a:scrgbClr r="0" g="0" b="0"/>
-      </a:lnRef>
-      <a:fillRef idx="1">
-        <a:scrgbClr r="0" g="0" b="0"/>
-      </a:fillRef>
-      <a:effectRef idx="0">
-        <a:scrgbClr r="0" g="0" b="0"/>
-      </a:effectRef>
-      <a:fontRef idx="minor"/>
-    </dgm:style>
-  </dgm:styleLbl>
-  <dgm:styleLbl name="bgImgPlace1">
-    <dgm:scene3d>
-      <a:camera prst="orthographicFront"/>
-      <a:lightRig rig="threePt" dir="t"/>
-    </dgm:scene3d>
-    <dgm:sp3d/>
-    <dgm:txPr/>
-    <dgm:style>
-      <a:lnRef idx="2">
-        <a:scrgbClr r="0" g="0" b="0"/>
-      </a:lnRef>
-      <a:fillRef idx="1">
-        <a:scrgbClr r="0" g="0" b="0"/>
-      </a:fillRef>
-      <a:effectRef idx="0">
-        <a:scrgbClr r="0" g="0" b="0"/>
-      </a:effectRef>
-      <a:fontRef idx="minor"/>
-    </dgm:style>
-  </dgm:styleLbl>
-  <dgm:styleLbl name="sibTrans2D1">
-    <dgm:scene3d>
-      <a:camera prst="orthographicFront"/>
-      <a:lightRig rig="threePt" dir="t"/>
-    </dgm:scene3d>
-    <dgm:sp3d/>
-    <dgm:txPr/>
-    <dgm:style>
-      <a:lnRef idx="0">
-        <a:scrgbClr r="0" g="0" b="0"/>
-      </a:lnRef>
-      <a:fillRef idx="1">
-        <a:scrgbClr r="0" g="0" b="0"/>
-      </a:fillRef>
-      <a:effectRef idx="0">
-        <a:scrgbClr r="0" g="0" b="0"/>
-      </a:effectRef>
-      <a:fontRef idx="minor">
-        <a:schemeClr val="lt1"/>
-      </a:fontRef>
-    </dgm:style>
-  </dgm:styleLbl>
-  <dgm:styleLbl name="fgSibTrans2D1">
-    <dgm:scene3d>
-      <a:camera prst="orthographicFront"/>
-      <a:lightRig rig="threePt" dir="t"/>
-    </dgm:scene3d>
-    <dgm:sp3d/>
-    <dgm:txPr/>
-    <dgm:style>
-      <a:lnRef idx="0">
-        <a:scrgbClr r="0" g="0" b="0"/>
-      </a:lnRef>
-      <a:fillRef idx="1">
-        <a:scrgbClr r="0" g="0" b="0"/>
-      </a:fillRef>
-      <a:effectRef idx="0">
-        <a:scrgbClr r="0" g="0" b="0"/>
-      </a:effectRef>
-      <a:fontRef idx="minor">
-        <a:schemeClr val="lt1"/>
-      </a:fontRef>
-    </dgm:style>
-  </dgm:styleLbl>
-  <dgm:styleLbl name="bgSibTrans2D1">
-    <dgm:scene3d>
-      <a:camera prst="orthographicFront"/>
-      <a:lightRig rig="threePt" dir="t"/>
-    </dgm:scene3d>
-    <dgm:sp3d/>
-    <dgm:txPr/>
-    <dgm:style>
-      <a:lnRef idx="0">
-        <a:scrgbClr r="0" g="0" b="0"/>
-      </a:lnRef>
-      <a:fillRef idx="1">
-        <a:scrgbClr r="0" g="0" b="0"/>
-      </a:fillRef>
-      <a:effectRef idx="0">
-        <a:scrgbClr r="0" g="0" b="0"/>
-      </a:effectRef>
-      <a:fontRef idx="minor">
-        <a:schemeClr val="lt1"/>
-      </a:fontRef>
-    </dgm:style>
-  </dgm:styleLbl>
-  <dgm:styleLbl name="sibTrans1D1">
-    <dgm:scene3d>
-      <a:camera prst="orthographicFront"/>
-      <a:lightRig rig="threePt" dir="t"/>
-    </dgm:scene3d>
-    <dgm:sp3d/>
-    <dgm:txPr/>
-    <dgm:style>
-      <a:lnRef idx="1">
-        <a:scrgbClr r="0" g="0" b="0"/>
-      </a:lnRef>
-      <a:fillRef idx="0">
-        <a:scrgbClr r="0" g="0" b="0"/>
-      </a:fillRef>
-      <a:effectRef idx="0">
-        <a:scrgbClr r="0" g="0" b="0"/>
-      </a:effectRef>
-      <a:fontRef idx="minor"/>
-    </dgm:style>
-  </dgm:styleLbl>
-  <dgm:styleLbl name="callout">
-    <dgm:scene3d>
-      <a:camera prst="orthographicFront"/>
-      <a:lightRig rig="threePt" dir="t"/>
-    </dgm:scene3d>
-    <dgm:sp3d/>
-    <dgm:txPr/>
-    <dgm:style>
-      <a:lnRef idx="2">
-        <a:scrgbClr r="0" g="0" b="0"/>
-      </a:lnRef>
-      <a:fillRef idx="1">
-        <a:scrgbClr r="0" g="0" b="0"/>
-      </a:fillRef>
-      <a:effectRef idx="0">
-        <a:scrgbClr r="0" g="0" b="0"/>
-      </a:effectRef>
-      <a:fontRef idx="minor"/>
-    </dgm:style>
-  </dgm:styleLbl>
-  <dgm:styleLbl name="asst0">
-    <dgm:scene3d>
-      <a:camera prst="orthographicFront"/>
-      <a:lightRig rig="threePt" dir="t"/>
-    </dgm:scene3d>
-    <dgm:sp3d/>
-    <dgm:txPr/>
-    <dgm:style>
-      <a:lnRef idx="2">
-        <a:scrgbClr r="0" g="0" b="0"/>
-      </a:lnRef>
-      <a:fillRef idx="1">
-        <a:scrgbClr r="0" g="0" b="0"/>
-      </a:fillRef>
-      <a:effectRef idx="0">
-        <a:scrgbClr r="0" g="0" b="0"/>
-      </a:effectRef>
-      <a:fontRef idx="minor">
-        <a:schemeClr val="lt1"/>
-      </a:fontRef>
-    </dgm:style>
-  </dgm:styleLbl>
-  <dgm:styleLbl name="asst1">
-    <dgm:scene3d>
-      <a:camera prst="orthographicFront"/>
-      <a:lightRig rig="threePt" dir="t"/>
-    </dgm:scene3d>
-    <dgm:sp3d/>
-    <dgm:txPr/>
-    <dgm:style>
-      <a:lnRef idx="2">
-        <a:scrgbClr r="0" g="0" b="0"/>
-      </a:lnRef>
-      <a:fillRef idx="1">
-        <a:scrgbClr r="0" g="0" b="0"/>
-      </a:fillRef>
-      <a:effectRef idx="0">
-        <a:scrgbClr r="0" g="0" b="0"/>
-      </a:effectRef>
-      <a:fontRef idx="minor">
-        <a:schemeClr val="lt1"/>
-      </a:fontRef>
-    </dgm:style>
-  </dgm:styleLbl>
-  <dgm:styleLbl name="asst2">
-    <dgm:scene3d>
-      <a:camera prst="orthographicFront"/>
-      <a:lightRig rig="threePt" dir="t"/>
-    </dgm:scene3d>
-    <dgm:sp3d/>
-    <dgm:txPr/>
-    <dgm:style>
-      <a:lnRef idx="2">
-        <a:scrgbClr r="0" g="0" b="0"/>
-      </a:lnRef>
-      <a:fillRef idx="1">
-        <a:scrgbClr r="0" g="0" b="0"/>
-      </a:fillRef>
-      <a:effectRef idx="0">
-        <a:scrgbClr r="0" g="0" b="0"/>
-      </a:effectRef>
-      <a:fontRef idx="minor">
-        <a:schemeClr val="lt1"/>
-      </a:fontRef>
-    </dgm:style>
-  </dgm:styleLbl>
-  <dgm:styleLbl name="asst3">
-    <dgm:scene3d>
-      <a:camera prst="orthographicFront"/>
-      <a:lightRig rig="threePt" dir="t"/>
-    </dgm:scene3d>
-    <dgm:sp3d/>
-    <dgm:txPr/>
-    <dgm:style>
-      <a:lnRef idx="2">
-        <a:scrgbClr r="0" g="0" b="0"/>
-      </a:lnRef>
-      <a:fillRef idx="1">
-        <a:scrgbClr r="0" g="0" b="0"/>
-      </a:fillRef>
-      <a:effectRef idx="0">
-        <a:scrgbClr r="0" g="0" b="0"/>
-      </a:effectRef>
-      <a:fontRef idx="minor">
-        <a:schemeClr val="lt1"/>
-      </a:fontRef>
-    </dgm:style>
-  </dgm:styleLbl>
-  <dgm:styleLbl name="asst4">
-    <dgm:scene3d>
-      <a:camera prst="orthographicFront"/>
-      <a:lightRig rig="threePt" dir="t"/>
-    </dgm:scene3d>
-    <dgm:sp3d/>
-    <dgm:txPr/>
-    <dgm:style>
-      <a:lnRef idx="2">
-        <a:scrgbClr r="0" g="0" b="0"/>
-      </a:lnRef>
-      <a:fillRef idx="1">
-        <a:scrgbClr r="0" g="0" b="0"/>
-      </a:fillRef>
-      <a:effectRef idx="0">
-        <a:scrgbClr r="0" g="0" b="0"/>
-      </a:effectRef>
-      <a:fontRef idx="minor">
-        <a:schemeClr val="lt1"/>
-      </a:fontRef>
-    </dgm:style>
-  </dgm:styleLbl>
-  <dgm:styleLbl name="parChTrans2D1">
-    <dgm:scene3d>
-      <a:camera prst="orthographicFront"/>
-      <a:lightRig rig="threePt" dir="t"/>
-    </dgm:scene3d>
-    <dgm:sp3d/>
-    <dgm:txPr/>
-    <dgm:style>
-      <a:lnRef idx="2">
-        <a:scrgbClr r="0" g="0" b="0"/>
-      </a:lnRef>
-      <a:fillRef idx="1">
-        <a:scrgbClr r="0" g="0" b="0"/>
-      </a:fillRef>
-      <a:effectRef idx="0">
-        <a:scrgbClr r="0" g="0" b="0"/>
-      </a:effectRef>
-      <a:fontRef idx="minor">
-        <a:schemeClr val="lt1"/>
-      </a:fontRef>
-    </dgm:style>
-  </dgm:styleLbl>
-  <dgm:styleLbl name="parChTrans2D2">
-    <dgm:scene3d>
-      <a:camera prst="orthographicFront"/>
-      <a:lightRig rig="threePt" dir="t"/>
-    </dgm:scene3d>
-    <dgm:sp3d/>
-    <dgm:txPr/>
-    <dgm:style>
-      <a:lnRef idx="2">
-        <a:scrgbClr r="0" g="0" b="0"/>
-      </a:lnRef>
-      <a:fillRef idx="1">
-        <a:scrgbClr r="0" g="0" b="0"/>
-      </a:fillRef>
-      <a:effectRef idx="0">
-        <a:scrgbClr r="0" g="0" b="0"/>
-      </a:effectRef>
-      <a:fontRef idx="minor">
-        <a:schemeClr val="lt1"/>
-      </a:fontRef>
-    </dgm:style>
-  </dgm:styleLbl>
-  <dgm:styleLbl name="parChTrans2D3">
-    <dgm:scene3d>
-      <a:camera prst="orthographicFront"/>
-      <a:lightRig rig="threePt" dir="t"/>
-    </dgm:scene3d>
-    <dgm:sp3d/>
-    <dgm:txPr/>
-    <dgm:style>
-      <a:lnRef idx="2">
-        <a:scrgbClr r="0" g="0" b="0"/>
-      </a:lnRef>
-      <a:fillRef idx="1">
-        <a:scrgbClr r="0" g="0" b="0"/>
-      </a:fillRef>
-      <a:effectRef idx="0">
-        <a:scrgbClr r="0" g="0" b="0"/>
-      </a:effectRef>
-      <a:fontRef idx="minor">
-        <a:schemeClr val="lt1"/>
-      </a:fontRef>
-    </dgm:style>
-  </dgm:styleLbl>
-  <dgm:styleLbl name="parChTrans2D4">
-    <dgm:scene3d>
-      <a:camera prst="orthographicFront"/>
-      <a:lightRig rig="threePt" dir="t"/>
-    </dgm:scene3d>
-    <dgm:sp3d/>
-    <dgm:txPr/>
-    <dgm:style>
-      <a:lnRef idx="2">
-        <a:scrgbClr r="0" g="0" b="0"/>
-      </a:lnRef>
-      <a:fillRef idx="1">
-        <a:scrgbClr r="0" g="0" b="0"/>
-      </a:fillRef>
-      <a:effectRef idx="0">
-        <a:scrgbClr r="0" g="0" b="0"/>
-      </a:effectRef>
-      <a:fontRef idx="minor">
-        <a:schemeClr val="lt1"/>
-      </a:fontRef>
-    </dgm:style>
-  </dgm:styleLbl>
-  <dgm:styleLbl name="parChTrans1D1">
-    <dgm:scene3d>
-      <a:camera prst="orthographicFront"/>
-      <a:lightRig rig="threePt" dir="t"/>
-    </dgm:scene3d>
-    <dgm:sp3d/>
-    <dgm:txPr/>
-    <dgm:style>
-      <a:lnRef idx="2">
-        <a:scrgbClr r="0" g="0" b="0"/>
-      </a:lnRef>
-      <a:fillRef idx="0">
-        <a:scrgbClr r="0" g="0" b="0"/>
-      </a:fillRef>
-      <a:effectRef idx="0">
-        <a:scrgbClr r="0" g="0" b="0"/>
-      </a:effectRef>
-      <a:fontRef idx="minor"/>
-    </dgm:style>
-  </dgm:styleLbl>
-  <dgm:styleLbl name="parChTrans1D2">
-    <dgm:scene3d>
-      <a:camera prst="orthographicFront"/>
-      <a:lightRig rig="threePt" dir="t"/>
-    </dgm:scene3d>
-    <dgm:sp3d/>
-    <dgm:txPr/>
-    <dgm:style>
-      <a:lnRef idx="2">
-        <a:scrgbClr r="0" g="0" b="0"/>
-      </a:lnRef>
-      <a:fillRef idx="0">
-        <a:scrgbClr r="0" g="0" b="0"/>
-      </a:fillRef>
-      <a:effectRef idx="0">
-        <a:scrgbClr r="0" g="0" b="0"/>
-      </a:effectRef>
-      <a:fontRef idx="minor"/>
-    </dgm:style>
-  </dgm:styleLbl>
-  <dgm:styleLbl name="parChTrans1D3">
-    <dgm:scene3d>
-      <a:camera prst="orthographicFront"/>
-      <a:lightRig rig="threePt" dir="t"/>
-    </dgm:scene3d>
-    <dgm:sp3d/>
-    <dgm:txPr/>
-    <dgm:style>
-      <a:lnRef idx="2">
-        <a:scrgbClr r="0" g="0" b="0"/>
-      </a:lnRef>
-      <a:fillRef idx="0">
-        <a:scrgbClr r="0" g="0" b="0"/>
-      </a:fillRef>
-      <a:effectRef idx="0">
-        <a:scrgbClr r="0" g="0" b="0"/>
-      </a:effectRef>
-      <a:fontRef idx="minor"/>
-    </dgm:style>
-  </dgm:styleLbl>
-  <dgm:styleLbl name="parChTrans1D4">
-    <dgm:scene3d>
-      <a:camera prst="orthographicFront"/>
-      <a:lightRig rig="threePt" dir="t"/>
-    </dgm:scene3d>
-    <dgm:sp3d/>
-    <dgm:txPr/>
-    <dgm:style>
-      <a:lnRef idx="2">
-        <a:scrgbClr r="0" g="0" b="0"/>
-      </a:lnRef>
-      <a:fillRef idx="0">
-        <a:scrgbClr r="0" g="0" b="0"/>
-      </a:fillRef>
-      <a:effectRef idx="0">
-        <a:scrgbClr r="0" g="0" b="0"/>
-      </a:effectRef>
-      <a:fontRef idx="minor"/>
-    </dgm:style>
-  </dgm:styleLbl>
-  <dgm:styleLbl name="fgAcc1">
-    <dgm:scene3d>
-      <a:camera prst="orthographicFront"/>
-      <a:lightRig rig="threePt" dir="t"/>
-    </dgm:scene3d>
-    <dgm:sp3d/>
-    <dgm:txPr/>
-    <dgm:style>
-      <a:lnRef idx="2">
-        <a:scrgbClr r="0" g="0" b="0"/>
-      </a:lnRef>
-      <a:fillRef idx="1">
-        <a:scrgbClr r="0" g="0" b="0"/>
-      </a:fillRef>
-      <a:effectRef idx="0">
-        <a:scrgbClr r="0" g="0" b="0"/>
-      </a:effectRef>
-      <a:fontRef idx="minor"/>
-    </dgm:style>
-  </dgm:styleLbl>
-  <dgm:styleLbl name="conFgAcc1">
-    <dgm:scene3d>
-      <a:camera prst="orthographicFront"/>
-      <a:lightRig rig="threePt" dir="t"/>
-    </dgm:scene3d>
-    <dgm:sp3d/>
-    <dgm:txPr/>
-    <dgm:style>
-      <a:lnRef idx="2">
-        <a:scrgbClr r="0" g="0" b="0"/>
-      </a:lnRef>
-      <a:fillRef idx="1">
-        <a:scrgbClr r="0" g="0" b="0"/>
-      </a:fillRef>
-      <a:effectRef idx="0">
-        <a:scrgbClr r="0" g="0" b="0"/>
-      </a:effectRef>
-      <a:fontRef idx="minor"/>
-    </dgm:style>
-  </dgm:styleLbl>
-  <dgm:styleLbl name="alignAcc1">
-    <dgm:scene3d>
-      <a:camera prst="orthographicFront"/>
-      <a:lightRig rig="threePt" dir="t"/>
-    </dgm:scene3d>
-    <dgm:sp3d/>
-    <dgm:txPr/>
-    <dgm:style>
-      <a:lnRef idx="2">
-        <a:scrgbClr r="0" g="0" b="0"/>
-      </a:lnRef>
-      <a:fillRef idx="1">
-        <a:scrgbClr r="0" g="0" b="0"/>
-      </a:fillRef>
-      <a:effectRef idx="0">
-        <a:scrgbClr r="0" g="0" b="0"/>
-      </a:effectRef>
-      <a:fontRef idx="minor"/>
-    </dgm:style>
-  </dgm:styleLbl>
-  <dgm:styleLbl name="trAlignAcc1">
-    <dgm:scene3d>
-      <a:camera prst="orthographicFront"/>
-      <a:lightRig rig="threePt" dir="t"/>
-    </dgm:scene3d>
-    <dgm:sp3d/>
-    <dgm:txPr/>
-    <dgm:style>
-      <a:lnRef idx="1">
-        <a:scrgbClr r="0" g="0" b="0"/>
-      </a:lnRef>
-      <a:fillRef idx="1">
-        <a:scrgbClr r="0" g="0" b="0"/>
-      </a:fillRef>
-      <a:effectRef idx="0">
-        <a:scrgbClr r="0" g="0" b="0"/>
-      </a:effectRef>
-      <a:fontRef idx="minor"/>
-    </dgm:style>
-  </dgm:styleLbl>
-  <dgm:styleLbl name="bgAcc1">
-    <dgm:scene3d>
-      <a:camera prst="orthographicFront"/>
-      <a:lightRig rig="threePt" dir="t"/>
-    </dgm:scene3d>
-    <dgm:sp3d/>
-    <dgm:txPr/>
-    <dgm:style>
-      <a:lnRef idx="2">
-        <a:scrgbClr r="0" g="0" b="0"/>
-      </a:lnRef>
-      <a:fillRef idx="1">
-        <a:scrgbClr r="0" g="0" b="0"/>
-      </a:fillRef>
-      <a:effectRef idx="0">
-        <a:scrgbClr r="0" g="0" b="0"/>
-      </a:effectRef>
-      <a:fontRef idx="minor"/>
-    </dgm:style>
-  </dgm:styleLbl>
-  <dgm:styleLbl name="solidFgAcc1">
-    <dgm:scene3d>
-      <a:camera prst="orthographicFront"/>
-      <a:lightRig rig="threePt" dir="t"/>
-    </dgm:scene3d>
-    <dgm:sp3d/>
-    <dgm:txPr/>
-    <dgm:style>
-      <a:lnRef idx="2">
-        <a:scrgbClr r="0" g="0" b="0"/>
-      </a:lnRef>
-      <a:fillRef idx="1">
-        <a:scrgbClr r="0" g="0" b="0"/>
-      </a:fillRef>
-      <a:effectRef idx="0">
-        <a:scrgbClr r="0" g="0" b="0"/>
-      </a:effectRef>
-      <a:fontRef idx="minor"/>
-    </dgm:style>
-  </dgm:styleLbl>
-  <dgm:styleLbl name="solidAlignAcc1">
-    <dgm:scene3d>
-      <a:camera prst="orthographicFront"/>
-      <a:lightRig rig="threePt" dir="t"/>
-    </dgm:scene3d>
-    <dgm:sp3d/>
-    <dgm:txPr/>
-    <dgm:style>
-      <a:lnRef idx="2">
-        <a:scrgbClr r="0" g="0" b="0"/>
-      </a:lnRef>
-      <a:fillRef idx="1">
-        <a:scrgbClr r="0" g="0" b="0"/>
-      </a:fillRef>
-      <a:effectRef idx="0">
-        <a:scrgbClr r="0" g="0" b="0"/>
-      </a:effectRef>
-      <a:fontRef idx="minor"/>
-    </dgm:style>
-  </dgm:styleLbl>
-  <dgm:styleLbl name="solidBgAcc1">
-    <dgm:scene3d>
-      <a:camera prst="orthographicFront"/>
-      <a:lightRig rig="threePt" dir="t"/>
-    </dgm:scene3d>
-    <dgm:sp3d/>
-    <dgm:txPr/>
-    <dgm:style>
-      <a:lnRef idx="2">
-        <a:scrgbClr r="0" g="0" b="0"/>
-      </a:lnRef>
-      <a:fillRef idx="1">
-        <a:scrgbClr r="0" g="0" b="0"/>
-      </a:fillRef>
-      <a:effectRef idx="0">
-        <a:scrgbClr r="0" g="0" b="0"/>
-      </a:effectRef>
-      <a:fontRef idx="minor"/>
-    </dgm:style>
-  </dgm:styleLbl>
-  <dgm:styleLbl name="fgAccFollowNode1">
-    <dgm:scene3d>
-      <a:camera prst="orthographicFront"/>
-      <a:lightRig rig="threePt" dir="t"/>
-    </dgm:scene3d>
-    <dgm:sp3d/>
-    <dgm:txPr/>
-    <dgm:style>
-      <a:lnRef idx="2">
-        <a:scrgbClr r="0" g="0" b="0"/>
-      </a:lnRef>
-      <a:fillRef idx="1">
-        <a:scrgbClr r="0" g="0" b="0"/>
-      </a:fillRef>
-      <a:effectRef idx="0">
-        <a:scrgbClr r="0" g="0" b="0"/>
-      </a:effectRef>
-      <a:fontRef idx="minor"/>
-    </dgm:style>
-  </dgm:styleLbl>
-  <dgm:styleLbl name="alignAccFollowNode1">
-    <dgm:scene3d>
-      <a:camera prst="orthographicFront"/>
-      <a:lightRig rig="threePt" dir="t"/>
-    </dgm:scene3d>
-    <dgm:sp3d/>
-    <dgm:txPr/>
-    <dgm:style>
-      <a:lnRef idx="2">
-        <a:scrgbClr r="0" g="0" b="0"/>
-      </a:lnRef>
-      <a:fillRef idx="1">
-        <a:scrgbClr r="0" g="0" b="0"/>
-      </a:fillRef>
-      <a:effectRef idx="0">
-        <a:scrgbClr r="0" g="0" b="0"/>
-      </a:effectRef>
-      <a:fontRef idx="minor"/>
-    </dgm:style>
-  </dgm:styleLbl>
-  <dgm:styleLbl name="bgAccFollowNode1">
-    <dgm:scene3d>
-      <a:camera prst="orthographicFront"/>
-      <a:lightRig rig="threePt" dir="t"/>
-    </dgm:scene3d>
-    <dgm:sp3d/>
-    <dgm:txPr/>
-    <dgm:style>
-      <a:lnRef idx="2">
-        <a:scrgbClr r="0" g="0" b="0"/>
-      </a:lnRef>
-      <a:fillRef idx="1">
-        <a:scrgbClr r="0" g="0" b="0"/>
-      </a:fillRef>
-      <a:effectRef idx="0">
-        <a:scrgbClr r="0" g="0" b="0"/>
-      </a:effectRef>
-      <a:fontRef idx="minor"/>
-    </dgm:style>
-  </dgm:styleLbl>
-  <dgm:styleLbl name="fgAcc0">
-    <dgm:scene3d>
-      <a:camera prst="orthographicFront"/>
-      <a:lightRig rig="threePt" dir="t"/>
-    </dgm:scene3d>
-    <dgm:sp3d/>
-    <dgm:txPr/>
-    <dgm:style>
-      <a:lnRef idx="2">
-        <a:scrgbClr r="0" g="0" b="0"/>
-      </a:lnRef>
-      <a:fillRef idx="1">
-        <a:scrgbClr r="0" g="0" b="0"/>
-      </a:fillRef>
-      <a:effectRef idx="0">
-        <a:scrgbClr r="0" g="0" b="0"/>
-      </a:effectRef>
-      <a:fontRef idx="minor"/>
-    </dgm:style>
-  </dgm:styleLbl>
-  <dgm:styleLbl name="fgAcc2">
-    <dgm:scene3d>
-      <a:camera prst="orthographicFront"/>
-      <a:lightRig rig="threePt" dir="t"/>
-    </dgm:scene3d>
-    <dgm:sp3d/>
-    <dgm:txPr/>
-    <dgm:style>
-      <a:lnRef idx="2">
-        <a:scrgbClr r="0" g="0" b="0"/>
-      </a:lnRef>
-      <a:fillRef idx="1">
-        <a:scrgbClr r="0" g="0" b="0"/>
-      </a:fillRef>
-      <a:effectRef idx="0">
-        <a:scrgbClr r="0" g="0" b="0"/>
-      </a:effectRef>
-      <a:fontRef idx="minor"/>
-    </dgm:style>
-  </dgm:styleLbl>
-  <dgm:styleLbl name="fgAcc3">
-    <dgm:scene3d>
-      <a:camera prst="orthographicFront"/>
-      <a:lightRig rig="threePt" dir="t"/>
-    </dgm:scene3d>
-    <dgm:sp3d/>
-    <dgm:txPr/>
-    <dgm:style>
-      <a:lnRef idx="2">
-        <a:scrgbClr r="0" g="0" b="0"/>
-      </a:lnRef>
-      <a:fillRef idx="1">
-        <a:scrgbClr r="0" g="0" b="0"/>
-      </a:fillRef>
-      <a:effectRef idx="0">
-        <a:scrgbClr r="0" g="0" b="0"/>
-      </a:effectRef>
-      <a:fontRef idx="minor"/>
-    </dgm:style>
-  </dgm:styleLbl>
-  <dgm:styleLbl name="fgAcc4">
-    <dgm:scene3d>
-      <a:camera prst="orthographicFront"/>
-      <a:lightRig rig="threePt" dir="t"/>
-    </dgm:scene3d>
-    <dgm:sp3d/>
-    <dgm:txPr/>
-    <dgm:style>
-      <a:lnRef idx="2">
-        <a:scrgbClr r="0" g="0" b="0"/>
-      </a:lnRef>
-      <a:fillRef idx="1">
-        <a:scrgbClr r="0" g="0" b="0"/>
-      </a:fillRef>
-      <a:effectRef idx="0">
-        <a:scrgbClr r="0" g="0" b="0"/>
-      </a:effectRef>
-      <a:fontRef idx="minor"/>
-    </dgm:style>
-  </dgm:styleLbl>
-  <dgm:styleLbl name="bgShp">
-    <dgm:scene3d>
-      <a:camera prst="orthographicFront"/>
-      <a:lightRig rig="threePt" dir="t"/>
-    </dgm:scene3d>
-    <dgm:sp3d/>
-    <dgm:txPr/>
-    <dgm:style>
-      <a:lnRef idx="0">
-        <a:scrgbClr r="0" g="0" b="0"/>
-      </a:lnRef>
-      <a:fillRef idx="1">
-        <a:scrgbClr r="0" g="0" b="0"/>
-      </a:fillRef>
-      <a:effectRef idx="0">
-        <a:scrgbClr r="0" g="0" b="0"/>
-      </a:effectRef>
-      <a:fontRef idx="minor"/>
-    </dgm:style>
-  </dgm:styleLbl>
-  <dgm:styleLbl name="dkBgShp">
-    <dgm:scene3d>
-      <a:camera prst="orthographicFront"/>
-      <a:lightRig rig="threePt" dir="t"/>
-    </dgm:scene3d>
-    <dgm:sp3d/>
-    <dgm:txPr/>
-    <dgm:style>
-      <a:lnRef idx="0">
-        <a:scrgbClr r="0" g="0" b="0"/>
-      </a:lnRef>
-      <a:fillRef idx="1">
-        <a:scrgbClr r="0" g="0" b="0"/>
-      </a:fillRef>
-      <a:effectRef idx="0">
-        <a:scrgbClr r="0" g="0" b="0"/>
-      </a:effectRef>
-      <a:fontRef idx="minor"/>
-    </dgm:style>
-  </dgm:styleLbl>
-  <dgm:styleLbl name="trBgShp">
-    <dgm:scene3d>
-      <a:camera prst="orthographicFront"/>
-      <a:lightRig rig="threePt" dir="t"/>
-    </dgm:scene3d>
-    <dgm:sp3d/>
-    <dgm:txPr/>
-    <dgm:style>
-      <a:lnRef idx="0">
-        <a:scrgbClr r="0" g="0" b="0"/>
-      </a:lnRef>
-      <a:fillRef idx="1">
-        <a:scrgbClr r="0" g="0" b="0"/>
-      </a:fillRef>
-      <a:effectRef idx="0">
-        <a:scrgbClr r="0" g="0" b="0"/>
-      </a:effectRef>
-      <a:fontRef idx="minor"/>
-    </dgm:style>
-  </dgm:styleLbl>
-  <dgm:styleLbl name="fgShp">
-    <dgm:scene3d>
-      <a:camera prst="orthographicFront"/>
-      <a:lightRig rig="threePt" dir="t"/>
-    </dgm:scene3d>
-    <dgm:sp3d/>
-    <dgm:txPr/>
-    <dgm:style>
-      <a:lnRef idx="2">
-        <a:scrgbClr r="0" g="0" b="0"/>
-      </a:lnRef>
-      <a:fillRef idx="1">
-        <a:scrgbClr r="0" g="0" b="0"/>
-      </a:fillRef>
-      <a:effectRef idx="0">
-        <a:scrgbClr r="0" g="0" b="0"/>
-      </a:effectRef>
-      <a:fontRef idx="minor"/>
-    </dgm:style>
-  </dgm:styleLbl>
-  <dgm:styleLbl name="revTx">
-    <dgm:scene3d>
-      <a:camera prst="orthographicFront"/>
-      <a:lightRig rig="threePt" dir="t"/>
-    </dgm:scene3d>
-    <dgm:sp3d/>
-    <dgm:txPr/>
-    <dgm:style>
-      <a:lnRef idx="0">
-        <a:scrgbClr r="0" g="0" b="0"/>
-      </a:lnRef>
-      <a:fillRef idx="0">
-        <a:scrgbClr r="0" g="0" b="0"/>
-      </a:fillRef>
-      <a:effectRef idx="0">
-        <a:scrgbClr r="0" g="0" b="0"/>
-      </a:effectRef>
-      <a:fontRef idx="minor"/>
-    </dgm:style>
-  </dgm:styleLbl>
-</dgm:styleDef>
-</file>
-
 <file path=ppt/handoutMasters/handoutMaster1.xml><?xml version="1.0" encoding="utf-8"?>
 <p:handoutMaster xmlns:a="http://schemas.openxmlformats.org/drawingml/2006/main" xmlns:r="http://schemas.openxmlformats.org/officeDocument/2006/relationships" xmlns:p="http://schemas.openxmlformats.org/presentationml/2006/main">
   <p:cSld>
@@ -7031,7 +257,7 @@
             <a:pPr rtl="0"/>
             <a:fld id="{23AEF8A9-CFB5-40C0-BAE2-5B4633EC9F63}" type="datetime1">
               <a:rPr lang="it-IT" smtClean="0"/>
-              <a:t>06/02/2020</a:t>
+              <a:t>09/02/2020</a:t>
             </a:fld>
             <a:endParaRPr lang="it-IT" dirty="0"/>
           </a:p>
@@ -7208,7 +434,7 @@
             <a:fld id="{09F431D3-F76B-41A6-8072-4F6D884C46F8}" type="datetime1">
               <a:rPr lang="it-IT" smtClean="0"/>
               <a:pPr/>
-              <a:t>06/02/2020</a:t>
+              <a:t>09/02/2020</a:t>
             </a:fld>
             <a:endParaRPr lang="it-IT" dirty="0"/>
           </a:p>
@@ -8578,7 +1804,7 @@
             <a:fld id="{982DBDC9-B003-41F0-B8B2-2F0AA2C1B651}" type="datetime1">
               <a:rPr lang="it-IT" smtClean="0"/>
               <a:pPr/>
-              <a:t>06/02/2020</a:t>
+              <a:t>09/02/2020</a:t>
             </a:fld>
             <a:endParaRPr lang="it-IT" dirty="0"/>
           </a:p>
@@ -8809,7 +2035,7 @@
             <a:fld id="{07E64E86-02CD-4AD8-8F6E-73FB87F29031}" type="datetime1">
               <a:rPr lang="it-IT" smtClean="0"/>
               <a:pPr/>
-              <a:t>06/02/2020</a:t>
+              <a:t>09/02/2020</a:t>
             </a:fld>
             <a:endParaRPr lang="it-IT" dirty="0"/>
           </a:p>
@@ -9635,7 +2861,7 @@
             <a:fld id="{56884175-B988-418C-8366-CD8114C73802}" type="datetime1">
               <a:rPr lang="it-IT" smtClean="0"/>
               <a:pPr/>
-              <a:t>06/02/2020</a:t>
+              <a:t>09/02/2020</a:t>
             </a:fld>
             <a:endParaRPr lang="it-IT" dirty="0"/>
           </a:p>
@@ -9844,7 +3070,7 @@
             <a:fld id="{07EF584B-7CE1-48A1-AB7A-1EEAB5F615CD}" type="datetime1">
               <a:rPr lang="it-IT" smtClean="0"/>
               <a:pPr/>
-              <a:t>06/02/2020</a:t>
+              <a:t>09/02/2020</a:t>
             </a:fld>
             <a:endParaRPr lang="it-IT" dirty="0"/>
           </a:p>
@@ -11113,7 +4339,7 @@
             <a:fld id="{2F956552-D53A-4557-8C38-42CBEA2EE1F9}" type="datetime1">
               <a:rPr lang="it-IT" smtClean="0"/>
               <a:pPr/>
-              <a:t>06/02/2020</a:t>
+              <a:t>09/02/2020</a:t>
             </a:fld>
             <a:endParaRPr lang="it-IT" dirty="0"/>
           </a:p>
@@ -11446,7 +4672,7 @@
             <a:fld id="{F68A04E6-3A63-4A5D-901F-B7E0EE19AFD7}" type="datetime1">
               <a:rPr lang="it-IT" smtClean="0"/>
               <a:pPr/>
-              <a:t>06/02/2020</a:t>
+              <a:t>09/02/2020</a:t>
             </a:fld>
             <a:endParaRPr lang="it-IT" dirty="0"/>
           </a:p>
@@ -11905,7 +5131,7 @@
             <a:fld id="{E89D5404-FB42-4B9E-BE7A-7821366B0BBC}" type="datetime1">
               <a:rPr lang="it-IT" smtClean="0"/>
               <a:pPr/>
-              <a:t>06/02/2020</a:t>
+              <a:t>09/02/2020</a:t>
             </a:fld>
             <a:endParaRPr lang="it-IT" dirty="0"/>
           </a:p>
@@ -12046,7 +5272,7 @@
             <a:fld id="{DA63B92F-6927-4909-8675-8FB028AE3CD8}" type="datetime1">
               <a:rPr lang="it-IT" smtClean="0"/>
               <a:pPr/>
-              <a:t>06/02/2020</a:t>
+              <a:t>09/02/2020</a:t>
             </a:fld>
             <a:endParaRPr lang="it-IT" dirty="0"/>
           </a:p>
@@ -12391,7 +5617,7 @@
             <a:fld id="{ACB5D043-5A31-4D67-9FB4-6681AB6A05C6}" type="datetime1">
               <a:rPr lang="it-IT" smtClean="0"/>
               <a:pPr/>
-              <a:t>06/02/2020</a:t>
+              <a:t>09/02/2020</a:t>
             </a:fld>
             <a:endParaRPr lang="it-IT" dirty="0"/>
           </a:p>
@@ -12894,7 +6120,7 @@
             <a:fld id="{7B44B99B-722F-4DC5-AC4D-948C49352303}" type="datetime1">
               <a:rPr lang="it-IT" smtClean="0"/>
               <a:pPr/>
-              <a:t>06/02/2020</a:t>
+              <a:t>09/02/2020</a:t>
             </a:fld>
             <a:endParaRPr lang="it-IT" dirty="0"/>
           </a:p>
@@ -13350,7 +6576,7 @@
             <a:fld id="{239C2E7C-B484-43C6-BE81-E8A28A90F8D9}" type="datetime1">
               <a:rPr lang="it-IT" smtClean="0"/>
               <a:pPr/>
-              <a:t>06/02/2020</a:t>
+              <a:t>09/02/2020</a:t>
             </a:fld>
             <a:endParaRPr lang="it-IT" dirty="0"/>
           </a:p>
@@ -14253,7 +7479,7 @@
             <a:fld id="{62DE71F0-C68A-46D7-94E0-C7A236B6AC63}" type="datetime1">
               <a:rPr lang="it-IT" smtClean="0"/>
               <a:pPr/>
-              <a:t>06/02/2020</a:t>
+              <a:t>09/02/2020</a:t>
             </a:fld>
             <a:endParaRPr lang="it-IT" dirty="0"/>
           </a:p>
@@ -17416,8 +10642,8 @@
           </a:p>
         </p:txBody>
       </p:sp>
-      <mc:AlternateContent xmlns:mc="http://schemas.openxmlformats.org/markup-compatibility/2006" xmlns:a14="http://schemas.microsoft.com/office/drawing/2010/main">
-        <mc:Choice Requires="a14">
+      <mc:AlternateContent xmlns:mc="http://schemas.openxmlformats.org/markup-compatibility/2006">
+        <mc:Choice xmlns:a14="http://schemas.microsoft.com/office/drawing/2010/main" Requires="a14">
           <p:sp>
             <p:nvSpPr>
               <p:cNvPr id="3" name="Segnaposto contenuto 2">
@@ -17437,18 +10663,23 @@
             <p:spPr>
               <a:xfrm>
                 <a:off x="1197868" y="1483568"/>
-                <a:ext cx="10729192" cy="5374432"/>
+                <a:ext cx="10513168" cy="5196632"/>
               </a:xfrm>
             </p:spPr>
             <p:txBody>
-              <a:bodyPr/>
+              <a:bodyPr>
+                <a:normAutofit fontScale="62500" lnSpcReduction="20000"/>
+              </a:bodyPr>
               <a:lstStyle/>
               <a:p>
                 <a:pPr marL="0" indent="0">
+                  <a:lnSpc>
+                    <a:spcPct val="120000"/>
+                  </a:lnSpc>
                   <a:buNone/>
                 </a:pPr>
                 <a:r>
-                  <a:rPr lang="it-IT" dirty="0"/>
+                  <a:rPr lang="it-IT" sz="4000" dirty="0"/>
                   <a:t>Per ricavare le equazioni del moto del pendolo inverso devo calcolare le derivate che sono presenti nell’equazione di Eulero-Lagrange e, dopo aver fatto ciò, sono in grado di ricavare le equazioni del moto (o equazioni di Eulero-Lagrange) del pendolo inverso. Dopo aver fatto i calcoli ho che le equazioni del moto del pendolo inverso sono:</a:t>
                 </a:r>
               </a:p>
@@ -17456,707 +10687,18 @@
                 <a:pPr marL="0" indent="0">
                   <a:buNone/>
                 </a:pPr>
+                <a:endParaRPr lang="it-IT" dirty="0"/>
+              </a:p>
+              <a:p>
+                <a:pPr marL="0" indent="0" algn="just">
+                  <a:buNone/>
+                </a:pPr>
                 <a:endParaRPr lang="it-IT" sz="2000" i="1" dirty="0">
                   <a:latin typeface="Cambria Math" panose="02040503050406030204" pitchFamily="18" charset="0"/>
                 </a:endParaRPr>
               </a:p>
               <a:p>
-                <a:pPr marL="0" indent="0">
-                  <a:buNone/>
-                </a:pPr>
-                <a14:m>
-                  <m:oMathPara xmlns:m="http://schemas.openxmlformats.org/officeDocument/2006/math">
-                    <m:oMathParaPr>
-                      <m:jc m:val="centerGroup"/>
-                    </m:oMathParaPr>
-                    <m:oMath xmlns:m="http://schemas.openxmlformats.org/officeDocument/2006/math">
-                      <m:sSub>
-                        <m:sSubPr>
-                          <m:ctrlPr>
-                            <a:rPr lang="it-IT" sz="2000" i="1" smtClean="0">
-                              <a:latin typeface="Cambria Math" panose="02040503050406030204" pitchFamily="18" charset="0"/>
-                            </a:rPr>
-                          </m:ctrlPr>
-                        </m:sSubPr>
-                        <m:e>
-                          <m:acc>
-                            <m:accPr>
-                              <m:chr m:val="̈"/>
-                              <m:ctrlPr>
-                                <a:rPr lang="it-IT" sz="2000" i="1" smtClean="0">
-                                  <a:latin typeface="Cambria Math" panose="02040503050406030204" pitchFamily="18" charset="0"/>
-                                </a:rPr>
-                              </m:ctrlPr>
-                            </m:accPr>
-                            <m:e>
-                              <m:r>
-                                <a:rPr lang="it-IT" sz="2000" b="0" i="1" smtClean="0">
-                                  <a:latin typeface="Cambria Math" panose="02040503050406030204" pitchFamily="18" charset="0"/>
-                                </a:rPr>
-                                <m:t>𝑞</m:t>
-                              </m:r>
-                            </m:e>
-                          </m:acc>
-                        </m:e>
-                        <m:sub>
-                          <m:r>
-                            <a:rPr lang="it-IT" sz="2000" b="0" i="1" smtClean="0">
-                              <a:latin typeface="Cambria Math" panose="02040503050406030204" pitchFamily="18" charset="0"/>
-                            </a:rPr>
-                            <m:t>1</m:t>
-                          </m:r>
-                        </m:sub>
-                      </m:sSub>
-                      <m:r>
-                        <a:rPr lang="it-IT" sz="2000" b="0" i="1" smtClean="0">
-                          <a:latin typeface="Cambria Math" panose="02040503050406030204" pitchFamily="18" charset="0"/>
-                        </a:rPr>
-                        <m:t>(</m:t>
-                      </m:r>
-                      <m:sSub>
-                        <m:sSubPr>
-                          <m:ctrlPr>
-                            <a:rPr lang="it-IT" sz="2000" b="0" i="1" smtClean="0">
-                              <a:latin typeface="Cambria Math" panose="02040503050406030204" pitchFamily="18" charset="0"/>
-                            </a:rPr>
-                          </m:ctrlPr>
-                        </m:sSubPr>
-                        <m:e>
-                          <m:r>
-                            <a:rPr lang="it-IT" sz="2000" b="0" i="1" smtClean="0">
-                              <a:latin typeface="Cambria Math" panose="02040503050406030204" pitchFamily="18" charset="0"/>
-                            </a:rPr>
-                            <m:t>𝐼</m:t>
-                          </m:r>
-                        </m:e>
-                        <m:sub>
-                          <m:r>
-                            <a:rPr lang="it-IT" sz="2000" b="0" i="1" smtClean="0">
-                              <a:latin typeface="Cambria Math" panose="02040503050406030204" pitchFamily="18" charset="0"/>
-                            </a:rPr>
-                            <m:t>𝑧𝑧𝐵</m:t>
-                          </m:r>
-                        </m:sub>
-                      </m:sSub>
-                      <m:r>
-                        <a:rPr lang="it-IT" sz="2000" b="0" i="1" smtClean="0">
-                          <a:latin typeface="Cambria Math" panose="02040503050406030204" pitchFamily="18" charset="0"/>
-                        </a:rPr>
-                        <m:t>+</m:t>
-                      </m:r>
-                      <m:sSub>
-                        <m:sSubPr>
-                          <m:ctrlPr>
-                            <a:rPr lang="it-IT" sz="2000" b="0" i="1" smtClean="0">
-                              <a:latin typeface="Cambria Math" panose="02040503050406030204" pitchFamily="18" charset="0"/>
-                            </a:rPr>
-                          </m:ctrlPr>
-                        </m:sSubPr>
-                        <m:e>
-                          <m:r>
-                            <a:rPr lang="it-IT" sz="2000" b="0" i="1" smtClean="0">
-                              <a:latin typeface="Cambria Math" panose="02040503050406030204" pitchFamily="18" charset="0"/>
-                            </a:rPr>
-                            <m:t>𝐼</m:t>
-                          </m:r>
-                        </m:e>
-                        <m:sub>
-                          <m:r>
-                            <a:rPr lang="it-IT" sz="2000" b="0" i="1" smtClean="0">
-                              <a:latin typeface="Cambria Math" panose="02040503050406030204" pitchFamily="18" charset="0"/>
-                            </a:rPr>
-                            <m:t>𝑧𝑧𝐷</m:t>
-                          </m:r>
-                        </m:sub>
-                      </m:sSub>
-                      <m:r>
-                        <a:rPr lang="it-IT" sz="2000" b="0" i="1" smtClean="0">
-                          <a:latin typeface="Cambria Math" panose="02040503050406030204" pitchFamily="18" charset="0"/>
-                        </a:rPr>
-                        <m:t>+</m:t>
-                      </m:r>
-                      <m:sSub>
-                        <m:sSubPr>
-                          <m:ctrlPr>
-                            <a:rPr lang="it-IT" sz="2000" b="0" i="1" smtClean="0">
-                              <a:latin typeface="Cambria Math" panose="02040503050406030204" pitchFamily="18" charset="0"/>
-                            </a:rPr>
-                          </m:ctrlPr>
-                        </m:sSubPr>
-                        <m:e>
-                          <m:r>
-                            <a:rPr lang="it-IT" sz="2000" b="0" i="1" smtClean="0">
-                              <a:latin typeface="Cambria Math" panose="02040503050406030204" pitchFamily="18" charset="0"/>
-                            </a:rPr>
-                            <m:t>𝑀</m:t>
-                          </m:r>
-                        </m:e>
-                        <m:sub>
-                          <m:r>
-                            <a:rPr lang="it-IT" sz="2000" b="0" i="1" smtClean="0">
-                              <a:latin typeface="Cambria Math" panose="02040503050406030204" pitchFamily="18" charset="0"/>
-                            </a:rPr>
-                            <m:t>1</m:t>
-                          </m:r>
-                        </m:sub>
-                      </m:sSub>
-                      <m:d>
-                        <m:dPr>
-                          <m:ctrlPr>
-                            <a:rPr lang="it-IT" sz="2000" b="0" i="1" smtClean="0">
-                              <a:latin typeface="Cambria Math" panose="02040503050406030204" pitchFamily="18" charset="0"/>
-                            </a:rPr>
-                          </m:ctrlPr>
-                        </m:dPr>
-                        <m:e>
-                          <m:sSub>
-                            <m:sSubPr>
-                              <m:ctrlPr>
-                                <a:rPr lang="it-IT" sz="2000" b="0" i="1" smtClean="0">
-                                  <a:latin typeface="Cambria Math" panose="02040503050406030204" pitchFamily="18" charset="0"/>
-                                </a:rPr>
-                              </m:ctrlPr>
-                            </m:sSubPr>
-                            <m:e>
-                              <m:r>
-                                <a:rPr lang="it-IT" sz="2000" b="0" i="1" smtClean="0">
-                                  <a:latin typeface="Cambria Math" panose="02040503050406030204" pitchFamily="18" charset="0"/>
-                                </a:rPr>
-                                <m:t>𝐿</m:t>
-                              </m:r>
-                            </m:e>
-                            <m:sub>
-                              <m:r>
-                                <a:rPr lang="it-IT" sz="2000" b="0" i="1" smtClean="0">
-                                  <a:latin typeface="Cambria Math" panose="02040503050406030204" pitchFamily="18" charset="0"/>
-                                </a:rPr>
-                                <m:t>𝐵𝐶</m:t>
-                              </m:r>
-                            </m:sub>
-                          </m:sSub>
-                          <m:r>
-                            <a:rPr lang="it-IT" sz="2000" b="0" i="1" smtClean="0">
-                              <a:latin typeface="Cambria Math" panose="02040503050406030204" pitchFamily="18" charset="0"/>
-                            </a:rPr>
-                            <m:t>+</m:t>
-                          </m:r>
-                          <m:sSub>
-                            <m:sSubPr>
-                              <m:ctrlPr>
-                                <a:rPr lang="it-IT" sz="2000" b="0" i="1" smtClean="0">
-                                  <a:latin typeface="Cambria Math" panose="02040503050406030204" pitchFamily="18" charset="0"/>
-                                </a:rPr>
-                              </m:ctrlPr>
-                            </m:sSubPr>
-                            <m:e>
-                              <m:r>
-                                <a:rPr lang="it-IT" sz="2000" b="0" i="1" smtClean="0">
-                                  <a:latin typeface="Cambria Math" panose="02040503050406030204" pitchFamily="18" charset="0"/>
-                                </a:rPr>
-                                <m:t>𝐿</m:t>
-                              </m:r>
-                            </m:e>
-                            <m:sub>
-                              <m:r>
-                                <a:rPr lang="it-IT" sz="2000" b="0" i="1" smtClean="0">
-                                  <a:latin typeface="Cambria Math" panose="02040503050406030204" pitchFamily="18" charset="0"/>
-                                </a:rPr>
-                                <m:t>1</m:t>
-                              </m:r>
-                            </m:sub>
-                          </m:sSub>
-                          <m:sSup>
-                            <m:sSupPr>
-                              <m:ctrlPr>
-                                <a:rPr lang="it-IT" sz="2000" b="0" i="1" smtClean="0">
-                                  <a:latin typeface="Cambria Math" panose="02040503050406030204" pitchFamily="18" charset="0"/>
-                                </a:rPr>
-                              </m:ctrlPr>
-                            </m:sSupPr>
-                            <m:e>
-                              <m:r>
-                                <a:rPr lang="it-IT" sz="2000" b="0" i="1" smtClean="0">
-                                  <a:latin typeface="Cambria Math" panose="02040503050406030204" pitchFamily="18" charset="0"/>
-                                </a:rPr>
-                                <m:t>)</m:t>
-                              </m:r>
-                            </m:e>
-                            <m:sup>
-                              <m:r>
-                                <a:rPr lang="it-IT" sz="2000" b="0" i="1" smtClean="0">
-                                  <a:latin typeface="Cambria Math" panose="02040503050406030204" pitchFamily="18" charset="0"/>
-                                </a:rPr>
-                                <m:t>2</m:t>
-                              </m:r>
-                            </m:sup>
-                          </m:sSup>
-                          <m:r>
-                            <a:rPr lang="it-IT" sz="2000" b="0" i="1" smtClean="0">
-                              <a:latin typeface="Cambria Math" panose="02040503050406030204" pitchFamily="18" charset="0"/>
-                            </a:rPr>
-                            <m:t>+</m:t>
-                          </m:r>
-                          <m:sSub>
-                            <m:sSubPr>
-                              <m:ctrlPr>
-                                <a:rPr lang="it-IT" sz="2000" b="0" i="1" smtClean="0">
-                                  <a:latin typeface="Cambria Math" panose="02040503050406030204" pitchFamily="18" charset="0"/>
-                                </a:rPr>
-                              </m:ctrlPr>
-                            </m:sSubPr>
-                            <m:e>
-                              <m:r>
-                                <a:rPr lang="it-IT" sz="2000" b="0" i="1" smtClean="0">
-                                  <a:latin typeface="Cambria Math" panose="02040503050406030204" pitchFamily="18" charset="0"/>
-                                </a:rPr>
-                                <m:t>𝑀</m:t>
-                              </m:r>
-                            </m:e>
-                            <m:sub>
-                              <m:r>
-                                <a:rPr lang="it-IT" sz="2000" b="0" i="1" smtClean="0">
-                                  <a:latin typeface="Cambria Math" panose="02040503050406030204" pitchFamily="18" charset="0"/>
-                                </a:rPr>
-                                <m:t>2</m:t>
-                              </m:r>
-                            </m:sub>
-                          </m:sSub>
-                          <m:sSubSup>
-                            <m:sSubSupPr>
-                              <m:ctrlPr>
-                                <a:rPr lang="it-IT" sz="2000" b="0" i="1" smtClean="0">
-                                  <a:latin typeface="Cambria Math" panose="02040503050406030204" pitchFamily="18" charset="0"/>
-                                </a:rPr>
-                              </m:ctrlPr>
-                            </m:sSubSupPr>
-                            <m:e>
-                              <m:r>
-                                <a:rPr lang="it-IT" sz="2000" b="0" i="1" smtClean="0">
-                                  <a:latin typeface="Cambria Math" panose="02040503050406030204" pitchFamily="18" charset="0"/>
-                                </a:rPr>
-                                <m:t>𝐿</m:t>
-                              </m:r>
-                            </m:e>
-                            <m:sub>
-                              <m:r>
-                                <a:rPr lang="it-IT" sz="2000" b="0" i="1" smtClean="0">
-                                  <a:latin typeface="Cambria Math" panose="02040503050406030204" pitchFamily="18" charset="0"/>
-                                </a:rPr>
-                                <m:t>1</m:t>
-                              </m:r>
-                            </m:sub>
-                            <m:sup>
-                              <m:r>
-                                <a:rPr lang="it-IT" sz="2000" b="0" i="1" smtClean="0">
-                                  <a:latin typeface="Cambria Math" panose="02040503050406030204" pitchFamily="18" charset="0"/>
-                                </a:rPr>
-                                <m:t>2</m:t>
-                              </m:r>
-                            </m:sup>
-                          </m:sSubSup>
-                        </m:e>
-                      </m:d>
-                      <m:r>
-                        <a:rPr lang="it-IT" sz="2000" b="0" i="1" smtClean="0">
-                          <a:latin typeface="Cambria Math" panose="02040503050406030204" pitchFamily="18" charset="0"/>
-                        </a:rPr>
-                        <m:t>+</m:t>
-                      </m:r>
-                      <m:sSub>
-                        <m:sSubPr>
-                          <m:ctrlPr>
-                            <a:rPr lang="it-IT" sz="2000" b="0" i="1" smtClean="0">
-                              <a:latin typeface="Cambria Math" panose="02040503050406030204" pitchFamily="18" charset="0"/>
-                            </a:rPr>
-                          </m:ctrlPr>
-                        </m:sSubPr>
-                        <m:e>
-                          <m:acc>
-                            <m:accPr>
-                              <m:chr m:val="̈"/>
-                              <m:ctrlPr>
-                                <a:rPr lang="it-IT" sz="2000" b="0" i="1" smtClean="0">
-                                  <a:latin typeface="Cambria Math" panose="02040503050406030204" pitchFamily="18" charset="0"/>
-                                </a:rPr>
-                              </m:ctrlPr>
-                            </m:accPr>
-                            <m:e>
-                              <m:r>
-                                <a:rPr lang="it-IT" sz="2000" b="0" i="1" smtClean="0">
-                                  <a:latin typeface="Cambria Math" panose="02040503050406030204" pitchFamily="18" charset="0"/>
-                                </a:rPr>
-                                <m:t>𝑞</m:t>
-                              </m:r>
-                            </m:e>
-                          </m:acc>
-                        </m:e>
-                        <m:sub>
-                          <m:r>
-                            <a:rPr lang="it-IT" sz="2000" b="0" i="1" smtClean="0">
-                              <a:latin typeface="Cambria Math" panose="02040503050406030204" pitchFamily="18" charset="0"/>
-                            </a:rPr>
-                            <m:t>2</m:t>
-                          </m:r>
-                        </m:sub>
-                      </m:sSub>
-                      <m:sSub>
-                        <m:sSubPr>
-                          <m:ctrlPr>
-                            <a:rPr lang="it-IT" sz="2000" b="0" i="1" smtClean="0">
-                              <a:latin typeface="Cambria Math" panose="02040503050406030204" pitchFamily="18" charset="0"/>
-                            </a:rPr>
-                          </m:ctrlPr>
-                        </m:sSubPr>
-                        <m:e>
-                          <m:r>
-                            <a:rPr lang="it-IT" sz="2000" b="0" i="1" smtClean="0">
-                              <a:latin typeface="Cambria Math" panose="02040503050406030204" pitchFamily="18" charset="0"/>
-                            </a:rPr>
-                            <m:t>𝐼</m:t>
-                          </m:r>
-                        </m:e>
-                        <m:sub>
-                          <m:r>
-                            <a:rPr lang="it-IT" sz="2000" b="0" i="1" smtClean="0">
-                              <a:latin typeface="Cambria Math" panose="02040503050406030204" pitchFamily="18" charset="0"/>
-                            </a:rPr>
-                            <m:t>𝑧𝑧𝐷</m:t>
-                          </m:r>
-                        </m:sub>
-                      </m:sSub>
-                      <m:r>
-                        <a:rPr lang="it-IT" sz="2000" b="0" i="1" smtClean="0">
-                          <a:latin typeface="Cambria Math" panose="02040503050406030204" pitchFamily="18" charset="0"/>
-                        </a:rPr>
-                        <m:t>−</m:t>
-                      </m:r>
-                      <m:r>
-                        <a:rPr lang="it-IT" sz="2000" b="0" i="1" smtClean="0">
-                          <a:latin typeface="Cambria Math" panose="02040503050406030204" pitchFamily="18" charset="0"/>
-                        </a:rPr>
-                        <m:t>𝑔</m:t>
-                      </m:r>
-                      <m:d>
-                        <m:dPr>
-                          <m:ctrlPr>
-                            <a:rPr lang="it-IT" sz="2000" b="0" i="1" smtClean="0">
-                              <a:latin typeface="Cambria Math" panose="02040503050406030204" pitchFamily="18" charset="0"/>
-                            </a:rPr>
-                          </m:ctrlPr>
-                        </m:dPr>
-                        <m:e>
-                          <m:sSub>
-                            <m:sSubPr>
-                              <m:ctrlPr>
-                                <a:rPr lang="it-IT" sz="2000" b="0" i="1" smtClean="0">
-                                  <a:latin typeface="Cambria Math" panose="02040503050406030204" pitchFamily="18" charset="0"/>
-                                </a:rPr>
-                              </m:ctrlPr>
-                            </m:sSubPr>
-                            <m:e>
-                              <m:r>
-                                <a:rPr lang="it-IT" sz="2000" b="0" i="1" smtClean="0">
-                                  <a:latin typeface="Cambria Math" panose="02040503050406030204" pitchFamily="18" charset="0"/>
-                                </a:rPr>
-                                <m:t>𝑀</m:t>
-                              </m:r>
-                            </m:e>
-                            <m:sub>
-                              <m:r>
-                                <a:rPr lang="it-IT" sz="2000" b="0" i="1" smtClean="0">
-                                  <a:latin typeface="Cambria Math" panose="02040503050406030204" pitchFamily="18" charset="0"/>
-                                </a:rPr>
-                                <m:t>1</m:t>
-                              </m:r>
-                            </m:sub>
-                          </m:sSub>
-                          <m:d>
-                            <m:dPr>
-                              <m:ctrlPr>
-                                <a:rPr lang="it-IT" sz="2000" b="0" i="1" smtClean="0">
-                                  <a:latin typeface="Cambria Math" panose="02040503050406030204" pitchFamily="18" charset="0"/>
-                                </a:rPr>
-                              </m:ctrlPr>
-                            </m:dPr>
-                            <m:e>
-                              <m:sSub>
-                                <m:sSubPr>
-                                  <m:ctrlPr>
-                                    <a:rPr lang="it-IT" sz="2000" b="0" i="1" smtClean="0">
-                                      <a:latin typeface="Cambria Math" panose="02040503050406030204" pitchFamily="18" charset="0"/>
-                                    </a:rPr>
-                                  </m:ctrlPr>
-                                </m:sSubPr>
-                                <m:e>
-                                  <m:r>
-                                    <a:rPr lang="it-IT" sz="2000" b="0" i="1" smtClean="0">
-                                      <a:latin typeface="Cambria Math" panose="02040503050406030204" pitchFamily="18" charset="0"/>
-                                    </a:rPr>
-                                    <m:t>𝐿</m:t>
-                                  </m:r>
-                                </m:e>
-                                <m:sub>
-                                  <m:r>
-                                    <a:rPr lang="it-IT" sz="2000" b="0" i="1" smtClean="0">
-                                      <a:latin typeface="Cambria Math" panose="02040503050406030204" pitchFamily="18" charset="0"/>
-                                    </a:rPr>
-                                    <m:t>𝐵𝐶</m:t>
-                                  </m:r>
-                                </m:sub>
-                              </m:sSub>
-                              <m:r>
-                                <a:rPr lang="it-IT" sz="2000" b="0" i="1" smtClean="0">
-                                  <a:latin typeface="Cambria Math" panose="02040503050406030204" pitchFamily="18" charset="0"/>
-                                </a:rPr>
-                                <m:t>+</m:t>
-                              </m:r>
-                              <m:sSub>
-                                <m:sSubPr>
-                                  <m:ctrlPr>
-                                    <a:rPr lang="it-IT" sz="2000" b="0" i="1" smtClean="0">
-                                      <a:latin typeface="Cambria Math" panose="02040503050406030204" pitchFamily="18" charset="0"/>
-                                    </a:rPr>
-                                  </m:ctrlPr>
-                                </m:sSubPr>
-                                <m:e>
-                                  <m:r>
-                                    <a:rPr lang="it-IT" sz="2000" b="0" i="1" smtClean="0">
-                                      <a:latin typeface="Cambria Math" panose="02040503050406030204" pitchFamily="18" charset="0"/>
-                                    </a:rPr>
-                                    <m:t>𝐿</m:t>
-                                  </m:r>
-                                </m:e>
-                                <m:sub>
-                                  <m:r>
-                                    <a:rPr lang="it-IT" sz="2000" b="0" i="1" smtClean="0">
-                                      <a:latin typeface="Cambria Math" panose="02040503050406030204" pitchFamily="18" charset="0"/>
-                                    </a:rPr>
-                                    <m:t>1</m:t>
-                                  </m:r>
-                                </m:sub>
-                              </m:sSub>
-                            </m:e>
-                          </m:d>
-                          <m:r>
-                            <a:rPr lang="it-IT" sz="2000" b="0" i="0" smtClean="0">
-                              <a:latin typeface="Cambria Math" panose="02040503050406030204" pitchFamily="18" charset="0"/>
-                            </a:rPr>
-                            <m:t>+</m:t>
-                          </m:r>
-                          <m:sSub>
-                            <m:sSubPr>
-                              <m:ctrlPr>
-                                <a:rPr lang="it-IT" sz="2000" b="0" i="1" smtClean="0">
-                                  <a:latin typeface="Cambria Math" panose="02040503050406030204" pitchFamily="18" charset="0"/>
-                                </a:rPr>
-                              </m:ctrlPr>
-                            </m:sSubPr>
-                            <m:e>
-                              <m:r>
-                                <a:rPr lang="it-IT" sz="2000" b="0" i="1" smtClean="0">
-                                  <a:latin typeface="Cambria Math" panose="02040503050406030204" pitchFamily="18" charset="0"/>
-                                </a:rPr>
-                                <m:t>𝑀</m:t>
-                              </m:r>
-                            </m:e>
-                            <m:sub>
-                              <m:r>
-                                <a:rPr lang="it-IT" sz="2000" b="0" i="1" smtClean="0">
-                                  <a:latin typeface="Cambria Math" panose="02040503050406030204" pitchFamily="18" charset="0"/>
-                                </a:rPr>
-                                <m:t>2</m:t>
-                              </m:r>
-                            </m:sub>
-                          </m:sSub>
-                          <m:sSub>
-                            <m:sSubPr>
-                              <m:ctrlPr>
-                                <a:rPr lang="it-IT" sz="2000" b="0" i="1" smtClean="0">
-                                  <a:latin typeface="Cambria Math" panose="02040503050406030204" pitchFamily="18" charset="0"/>
-                                </a:rPr>
-                              </m:ctrlPr>
-                            </m:sSubPr>
-                            <m:e>
-                              <m:r>
-                                <a:rPr lang="it-IT" sz="2000" b="0" i="1" smtClean="0">
-                                  <a:latin typeface="Cambria Math" panose="02040503050406030204" pitchFamily="18" charset="0"/>
-                                </a:rPr>
-                                <m:t>𝐿</m:t>
-                              </m:r>
-                            </m:e>
-                            <m:sub>
-                              <m:r>
-                                <a:rPr lang="it-IT" sz="2000" b="0" i="1" smtClean="0">
-                                  <a:latin typeface="Cambria Math" panose="02040503050406030204" pitchFamily="18" charset="0"/>
-                                </a:rPr>
-                                <m:t>1</m:t>
-                              </m:r>
-                            </m:sub>
-                          </m:sSub>
-                        </m:e>
-                      </m:d>
-                      <m:r>
-                        <m:rPr>
-                          <m:sty m:val="p"/>
-                        </m:rPr>
-                        <a:rPr lang="it-IT" sz="2000" b="0" i="0" smtClean="0">
-                          <a:latin typeface="Cambria Math" panose="02040503050406030204" pitchFamily="18" charset="0"/>
-                        </a:rPr>
-                        <m:t>sin</m:t>
-                      </m:r>
-                      <m:d>
-                        <m:dPr>
-                          <m:ctrlPr>
-                            <a:rPr lang="it-IT" sz="2000" b="0" i="1" smtClean="0">
-                              <a:latin typeface="Cambria Math" panose="02040503050406030204" pitchFamily="18" charset="0"/>
-                            </a:rPr>
-                          </m:ctrlPr>
-                        </m:dPr>
-                        <m:e>
-                          <m:sSub>
-                            <m:sSubPr>
-                              <m:ctrlPr>
-                                <a:rPr lang="it-IT" sz="2000" b="0" i="1" smtClean="0">
-                                  <a:latin typeface="Cambria Math" panose="02040503050406030204" pitchFamily="18" charset="0"/>
-                                </a:rPr>
-                              </m:ctrlPr>
-                            </m:sSubPr>
-                            <m:e>
-                              <m:r>
-                                <a:rPr lang="it-IT" sz="2000" b="0" i="1" smtClean="0">
-                                  <a:latin typeface="Cambria Math" panose="02040503050406030204" pitchFamily="18" charset="0"/>
-                                  <a:ea typeface="Cambria Math" panose="02040503050406030204" pitchFamily="18" charset="0"/>
-                                </a:rPr>
-                                <m:t>𝜃</m:t>
-                              </m:r>
-                            </m:e>
-                            <m:sub>
-                              <m:r>
-                                <a:rPr lang="it-IT" sz="2000" b="0" i="1" smtClean="0">
-                                  <a:latin typeface="Cambria Math" panose="02040503050406030204" pitchFamily="18" charset="0"/>
-                                </a:rPr>
-                                <m:t>1</m:t>
-                              </m:r>
-                            </m:sub>
-                          </m:sSub>
-                        </m:e>
-                      </m:d>
-                      <m:r>
-                        <a:rPr lang="it-IT" sz="2000" b="0" i="0" smtClean="0">
-                          <a:latin typeface="Cambria Math" panose="02040503050406030204" pitchFamily="18" charset="0"/>
-                        </a:rPr>
-                        <m:t>+</m:t>
-                      </m:r>
-                      <m:sSub>
-                        <m:sSubPr>
-                          <m:ctrlPr>
-                            <a:rPr lang="it-IT" sz="2000" b="0" i="1" smtClean="0">
-                              <a:latin typeface="Cambria Math" panose="02040503050406030204" pitchFamily="18" charset="0"/>
-                            </a:rPr>
-                          </m:ctrlPr>
-                        </m:sSubPr>
-                        <m:e>
-                          <m:r>
-                            <a:rPr lang="it-IT" sz="2000" b="0" i="1" smtClean="0">
-                              <a:latin typeface="Cambria Math" panose="02040503050406030204" pitchFamily="18" charset="0"/>
-                            </a:rPr>
-                            <m:t>𝐷</m:t>
-                          </m:r>
-                        </m:e>
-                        <m:sub>
-                          <m:r>
-                            <a:rPr lang="it-IT" sz="2000" b="0" i="1" smtClean="0">
-                              <a:latin typeface="Cambria Math" panose="02040503050406030204" pitchFamily="18" charset="0"/>
-                            </a:rPr>
-                            <m:t>1</m:t>
-                          </m:r>
-                        </m:sub>
-                      </m:sSub>
-                      <m:sSub>
-                        <m:sSubPr>
-                          <m:ctrlPr>
-                            <a:rPr lang="it-IT" sz="2000" b="0" i="1" smtClean="0">
-                              <a:latin typeface="Cambria Math" panose="02040503050406030204" pitchFamily="18" charset="0"/>
-                            </a:rPr>
-                          </m:ctrlPr>
-                        </m:sSubPr>
-                        <m:e>
-                          <m:acc>
-                            <m:accPr>
-                              <m:chr m:val="̇"/>
-                              <m:ctrlPr>
-                                <a:rPr lang="it-IT" sz="2000" b="0" i="1" smtClean="0">
-                                  <a:latin typeface="Cambria Math" panose="02040503050406030204" pitchFamily="18" charset="0"/>
-                                </a:rPr>
-                              </m:ctrlPr>
-                            </m:accPr>
-                            <m:e>
-                              <m:r>
-                                <a:rPr lang="it-IT" sz="2000" b="0" i="1" smtClean="0">
-                                  <a:latin typeface="Cambria Math" panose="02040503050406030204" pitchFamily="18" charset="0"/>
-                                </a:rPr>
-                                <m:t>𝑞</m:t>
-                              </m:r>
-                            </m:e>
-                          </m:acc>
-                        </m:e>
-                        <m:sub>
-                          <m:r>
-                            <a:rPr lang="it-IT" sz="2000" b="0" i="1" smtClean="0">
-                              <a:latin typeface="Cambria Math" panose="02040503050406030204" pitchFamily="18" charset="0"/>
-                            </a:rPr>
-                            <m:t>1</m:t>
-                          </m:r>
-                        </m:sub>
-                      </m:sSub>
-                      <m:r>
-                        <a:rPr lang="it-IT" sz="2000" b="0" i="1" smtClean="0">
-                          <a:latin typeface="Cambria Math" panose="02040503050406030204" pitchFamily="18" charset="0"/>
-                        </a:rPr>
-                        <m:t>=</m:t>
-                      </m:r>
-                      <m:sSub>
-                        <m:sSubPr>
-                          <m:ctrlPr>
-                            <a:rPr lang="it-IT" sz="2000" b="0" i="1" smtClean="0">
-                              <a:latin typeface="Cambria Math" panose="02040503050406030204" pitchFamily="18" charset="0"/>
-                            </a:rPr>
-                          </m:ctrlPr>
-                        </m:sSubPr>
-                        <m:e>
-                          <m:r>
-                            <a:rPr lang="it-IT" sz="2000" b="0" i="1" smtClean="0">
-                              <a:latin typeface="Cambria Math" panose="02040503050406030204" pitchFamily="18" charset="0"/>
-                            </a:rPr>
-                            <m:t>𝑢</m:t>
-                          </m:r>
-                        </m:e>
-                        <m:sub>
-                          <m:r>
-                            <a:rPr lang="it-IT" sz="2000" b="0" i="1" smtClean="0">
-                              <a:latin typeface="Cambria Math" panose="02040503050406030204" pitchFamily="18" charset="0"/>
-                            </a:rPr>
-                            <m:t>1</m:t>
-                          </m:r>
-                        </m:sub>
-                      </m:sSub>
-                    </m:oMath>
-                  </m:oMathPara>
-                </a14:m>
-                <a:endParaRPr lang="it-IT" sz="2000" b="0" i="1" dirty="0">
-                  <a:latin typeface="Cambria Math" panose="02040503050406030204" pitchFamily="18" charset="0"/>
-                </a:endParaRPr>
-              </a:p>
-              <a:p>
-                <a:pPr marL="0" indent="0">
-                  <a:buNone/>
-                </a:pPr>
-                <a:endParaRPr lang="it-IT" sz="2000" b="0" i="1" dirty="0">
-                  <a:latin typeface="Cambria Math" panose="02040503050406030204" pitchFamily="18" charset="0"/>
-                </a:endParaRPr>
-              </a:p>
-              <a:p>
-                <a:pPr marL="0" indent="0">
+                <a:pPr marL="0" indent="0" algn="just">
                   <a:buNone/>
                 </a:pPr>
                 <a14:m>
@@ -18165,243 +10707,941 @@
                       <m:jc m:val="left"/>
                     </m:oMathParaPr>
                     <m:oMath xmlns:m="http://schemas.openxmlformats.org/officeDocument/2006/math">
-                      <m:r>
-                        <a:rPr lang="it-IT" sz="2000" b="0" i="1" smtClean="0">
-                          <a:latin typeface="Cambria Math" panose="02040503050406030204" pitchFamily="18" charset="0"/>
-                        </a:rPr>
-                        <m:t>(</m:t>
-                      </m:r>
-                      <m:sSub>
-                        <m:sSubPr>
+                      <m:d>
+                        <m:dPr>
+                          <m:begChr m:val="{"/>
+                          <m:endChr m:val=""/>
                           <m:ctrlPr>
-                            <a:rPr lang="it-IT" sz="2000" b="0" i="1" smtClean="0">
+                            <a:rPr lang="it-IT" sz="3000" i="1" smtClean="0">
                               <a:latin typeface="Cambria Math" panose="02040503050406030204" pitchFamily="18" charset="0"/>
                             </a:rPr>
                           </m:ctrlPr>
-                        </m:sSubPr>
+                        </m:dPr>
                         <m:e>
-                          <m:acc>
-                            <m:accPr>
-                              <m:chr m:val="̈"/>
+                          <m:m>
+                            <m:mPr>
+                              <m:mcs>
+                                <m:mc>
+                                  <m:mcPr>
+                                    <m:count m:val="1"/>
+                                    <m:mcJc m:val="center"/>
+                                  </m:mcPr>
+                                </m:mc>
+                              </m:mcs>
                               <m:ctrlPr>
-                                <a:rPr lang="it-IT" sz="2000" b="0" i="1" smtClean="0">
+                                <a:rPr lang="it-IT" sz="3000" i="1" smtClean="0">
                                   <a:latin typeface="Cambria Math" panose="02040503050406030204" pitchFamily="18" charset="0"/>
                                 </a:rPr>
                               </m:ctrlPr>
-                            </m:accPr>
-                            <m:e>
-                              <m:r>
-                                <a:rPr lang="it-IT" sz="2000" b="0" i="1" smtClean="0">
-                                  <a:latin typeface="Cambria Math" panose="02040503050406030204" pitchFamily="18" charset="0"/>
-                                </a:rPr>
-                                <m:t>𝑞</m:t>
-                              </m:r>
-                            </m:e>
-                          </m:acc>
+                            </m:mPr>
+                            <m:mr>
+                              <m:e>
+                                <m:sSub>
+                                  <m:sSubPr>
+                                    <m:ctrlPr>
+                                      <a:rPr lang="it-IT" sz="3000" i="1">
+                                        <a:latin typeface="Cambria Math" panose="02040503050406030204" pitchFamily="18" charset="0"/>
+                                      </a:rPr>
+                                    </m:ctrlPr>
+                                  </m:sSubPr>
+                                  <m:e>
+                                    <m:acc>
+                                      <m:accPr>
+                                        <m:chr m:val="̈"/>
+                                        <m:ctrlPr>
+                                          <a:rPr lang="it-IT" sz="3000" i="1">
+                                            <a:latin typeface="Cambria Math" panose="02040503050406030204" pitchFamily="18" charset="0"/>
+                                          </a:rPr>
+                                        </m:ctrlPr>
+                                      </m:accPr>
+                                      <m:e>
+                                        <m:r>
+                                          <a:rPr lang="it-IT" sz="3000" i="1">
+                                            <a:latin typeface="Cambria Math" panose="02040503050406030204" pitchFamily="18" charset="0"/>
+                                          </a:rPr>
+                                          <m:t>𝑞</m:t>
+                                        </m:r>
+                                      </m:e>
+                                    </m:acc>
+                                  </m:e>
+                                  <m:sub>
+                                    <m:r>
+                                      <a:rPr lang="it-IT" sz="3000" i="1">
+                                        <a:latin typeface="Cambria Math" panose="02040503050406030204" pitchFamily="18" charset="0"/>
+                                      </a:rPr>
+                                      <m:t>1</m:t>
+                                    </m:r>
+                                  </m:sub>
+                                </m:sSub>
+                                <m:r>
+                                  <a:rPr lang="it-IT" sz="3000" i="1">
+                                    <a:latin typeface="Cambria Math" panose="02040503050406030204" pitchFamily="18" charset="0"/>
+                                  </a:rPr>
+                                  <m:t>(</m:t>
+                                </m:r>
+                                <m:sSub>
+                                  <m:sSubPr>
+                                    <m:ctrlPr>
+                                      <a:rPr lang="it-IT" sz="3000" i="1">
+                                        <a:latin typeface="Cambria Math" panose="02040503050406030204" pitchFamily="18" charset="0"/>
+                                      </a:rPr>
+                                    </m:ctrlPr>
+                                  </m:sSubPr>
+                                  <m:e>
+                                    <m:r>
+                                      <a:rPr lang="it-IT" sz="3000" i="1">
+                                        <a:latin typeface="Cambria Math" panose="02040503050406030204" pitchFamily="18" charset="0"/>
+                                      </a:rPr>
+                                      <m:t>𝐼</m:t>
+                                    </m:r>
+                                  </m:e>
+                                  <m:sub>
+                                    <m:r>
+                                      <a:rPr lang="it-IT" sz="3000" i="1">
+                                        <a:latin typeface="Cambria Math" panose="02040503050406030204" pitchFamily="18" charset="0"/>
+                                      </a:rPr>
+                                      <m:t>𝑧𝑧𝐵</m:t>
+                                    </m:r>
+                                  </m:sub>
+                                </m:sSub>
+                                <m:r>
+                                  <a:rPr lang="it-IT" sz="3000" i="1">
+                                    <a:latin typeface="Cambria Math" panose="02040503050406030204" pitchFamily="18" charset="0"/>
+                                  </a:rPr>
+                                  <m:t>+</m:t>
+                                </m:r>
+                                <m:sSub>
+                                  <m:sSubPr>
+                                    <m:ctrlPr>
+                                      <a:rPr lang="it-IT" sz="3000" i="1">
+                                        <a:latin typeface="Cambria Math" panose="02040503050406030204" pitchFamily="18" charset="0"/>
+                                      </a:rPr>
+                                    </m:ctrlPr>
+                                  </m:sSubPr>
+                                  <m:e>
+                                    <m:r>
+                                      <a:rPr lang="it-IT" sz="3000" i="1">
+                                        <a:latin typeface="Cambria Math" panose="02040503050406030204" pitchFamily="18" charset="0"/>
+                                      </a:rPr>
+                                      <m:t>𝐼</m:t>
+                                    </m:r>
+                                  </m:e>
+                                  <m:sub>
+                                    <m:r>
+                                      <a:rPr lang="it-IT" sz="3000" i="1">
+                                        <a:latin typeface="Cambria Math" panose="02040503050406030204" pitchFamily="18" charset="0"/>
+                                      </a:rPr>
+                                      <m:t>𝑧𝑧𝐷</m:t>
+                                    </m:r>
+                                  </m:sub>
+                                </m:sSub>
+                                <m:r>
+                                  <a:rPr lang="it-IT" sz="3000" i="1">
+                                    <a:latin typeface="Cambria Math" panose="02040503050406030204" pitchFamily="18" charset="0"/>
+                                  </a:rPr>
+                                  <m:t>+</m:t>
+                                </m:r>
+                                <m:sSub>
+                                  <m:sSubPr>
+                                    <m:ctrlPr>
+                                      <a:rPr lang="it-IT" sz="3000" i="1">
+                                        <a:latin typeface="Cambria Math" panose="02040503050406030204" pitchFamily="18" charset="0"/>
+                                      </a:rPr>
+                                    </m:ctrlPr>
+                                  </m:sSubPr>
+                                  <m:e>
+                                    <m:r>
+                                      <a:rPr lang="it-IT" sz="3000" i="1">
+                                        <a:latin typeface="Cambria Math" panose="02040503050406030204" pitchFamily="18" charset="0"/>
+                                      </a:rPr>
+                                      <m:t>𝑀</m:t>
+                                    </m:r>
+                                  </m:e>
+                                  <m:sub>
+                                    <m:r>
+                                      <a:rPr lang="it-IT" sz="3000" i="1">
+                                        <a:latin typeface="Cambria Math" panose="02040503050406030204" pitchFamily="18" charset="0"/>
+                                      </a:rPr>
+                                      <m:t>1</m:t>
+                                    </m:r>
+                                  </m:sub>
+                                </m:sSub>
+                                <m:d>
+                                  <m:dPr>
+                                    <m:ctrlPr>
+                                      <a:rPr lang="it-IT" sz="3000" i="1">
+                                        <a:latin typeface="Cambria Math" panose="02040503050406030204" pitchFamily="18" charset="0"/>
+                                      </a:rPr>
+                                    </m:ctrlPr>
+                                  </m:dPr>
+                                  <m:e>
+                                    <m:sSub>
+                                      <m:sSubPr>
+                                        <m:ctrlPr>
+                                          <a:rPr lang="it-IT" sz="3000" i="1">
+                                            <a:latin typeface="Cambria Math" panose="02040503050406030204" pitchFamily="18" charset="0"/>
+                                          </a:rPr>
+                                        </m:ctrlPr>
+                                      </m:sSubPr>
+                                      <m:e>
+                                        <m:r>
+                                          <a:rPr lang="it-IT" sz="3000" i="1">
+                                            <a:latin typeface="Cambria Math" panose="02040503050406030204" pitchFamily="18" charset="0"/>
+                                          </a:rPr>
+                                          <m:t>𝐿</m:t>
+                                        </m:r>
+                                      </m:e>
+                                      <m:sub>
+                                        <m:r>
+                                          <a:rPr lang="it-IT" sz="3000" i="1">
+                                            <a:latin typeface="Cambria Math" panose="02040503050406030204" pitchFamily="18" charset="0"/>
+                                          </a:rPr>
+                                          <m:t>𝐵𝐶</m:t>
+                                        </m:r>
+                                      </m:sub>
+                                    </m:sSub>
+                                    <m:r>
+                                      <a:rPr lang="it-IT" sz="3000" i="1">
+                                        <a:latin typeface="Cambria Math" panose="02040503050406030204" pitchFamily="18" charset="0"/>
+                                      </a:rPr>
+                                      <m:t>+</m:t>
+                                    </m:r>
+                                    <m:sSub>
+                                      <m:sSubPr>
+                                        <m:ctrlPr>
+                                          <a:rPr lang="it-IT" sz="3000" i="1">
+                                            <a:latin typeface="Cambria Math" panose="02040503050406030204" pitchFamily="18" charset="0"/>
+                                          </a:rPr>
+                                        </m:ctrlPr>
+                                      </m:sSubPr>
+                                      <m:e>
+                                        <m:r>
+                                          <a:rPr lang="it-IT" sz="3000" i="1">
+                                            <a:latin typeface="Cambria Math" panose="02040503050406030204" pitchFamily="18" charset="0"/>
+                                          </a:rPr>
+                                          <m:t>𝐿</m:t>
+                                        </m:r>
+                                      </m:e>
+                                      <m:sub>
+                                        <m:r>
+                                          <a:rPr lang="it-IT" sz="3000" i="1">
+                                            <a:latin typeface="Cambria Math" panose="02040503050406030204" pitchFamily="18" charset="0"/>
+                                          </a:rPr>
+                                          <m:t>1</m:t>
+                                        </m:r>
+                                      </m:sub>
+                                    </m:sSub>
+                                    <m:sSup>
+                                      <m:sSupPr>
+                                        <m:ctrlPr>
+                                          <a:rPr lang="it-IT" sz="3000" i="1">
+                                            <a:latin typeface="Cambria Math" panose="02040503050406030204" pitchFamily="18" charset="0"/>
+                                          </a:rPr>
+                                        </m:ctrlPr>
+                                      </m:sSupPr>
+                                      <m:e>
+                                        <m:r>
+                                          <a:rPr lang="it-IT" sz="3000" i="1">
+                                            <a:latin typeface="Cambria Math" panose="02040503050406030204" pitchFamily="18" charset="0"/>
+                                          </a:rPr>
+                                          <m:t>)</m:t>
+                                        </m:r>
+                                      </m:e>
+                                      <m:sup>
+                                        <m:r>
+                                          <a:rPr lang="it-IT" sz="3000" i="1">
+                                            <a:latin typeface="Cambria Math" panose="02040503050406030204" pitchFamily="18" charset="0"/>
+                                          </a:rPr>
+                                          <m:t>2</m:t>
+                                        </m:r>
+                                      </m:sup>
+                                    </m:sSup>
+                                    <m:r>
+                                      <a:rPr lang="it-IT" sz="3000" i="1">
+                                        <a:latin typeface="Cambria Math" panose="02040503050406030204" pitchFamily="18" charset="0"/>
+                                      </a:rPr>
+                                      <m:t>+</m:t>
+                                    </m:r>
+                                    <m:sSub>
+                                      <m:sSubPr>
+                                        <m:ctrlPr>
+                                          <a:rPr lang="it-IT" sz="3000" i="1">
+                                            <a:latin typeface="Cambria Math" panose="02040503050406030204" pitchFamily="18" charset="0"/>
+                                          </a:rPr>
+                                        </m:ctrlPr>
+                                      </m:sSubPr>
+                                      <m:e>
+                                        <m:r>
+                                          <a:rPr lang="it-IT" sz="3000" i="1">
+                                            <a:latin typeface="Cambria Math" panose="02040503050406030204" pitchFamily="18" charset="0"/>
+                                          </a:rPr>
+                                          <m:t>𝑀</m:t>
+                                        </m:r>
+                                      </m:e>
+                                      <m:sub>
+                                        <m:r>
+                                          <a:rPr lang="it-IT" sz="3000" i="1">
+                                            <a:latin typeface="Cambria Math" panose="02040503050406030204" pitchFamily="18" charset="0"/>
+                                          </a:rPr>
+                                          <m:t>2</m:t>
+                                        </m:r>
+                                      </m:sub>
+                                    </m:sSub>
+                                    <m:sSubSup>
+                                      <m:sSubSupPr>
+                                        <m:ctrlPr>
+                                          <a:rPr lang="it-IT" sz="3000" i="1">
+                                            <a:latin typeface="Cambria Math" panose="02040503050406030204" pitchFamily="18" charset="0"/>
+                                          </a:rPr>
+                                        </m:ctrlPr>
+                                      </m:sSubSupPr>
+                                      <m:e>
+                                        <m:r>
+                                          <a:rPr lang="it-IT" sz="3000" i="1">
+                                            <a:latin typeface="Cambria Math" panose="02040503050406030204" pitchFamily="18" charset="0"/>
+                                          </a:rPr>
+                                          <m:t>𝐿</m:t>
+                                        </m:r>
+                                      </m:e>
+                                      <m:sub>
+                                        <m:r>
+                                          <a:rPr lang="it-IT" sz="3000" i="1">
+                                            <a:latin typeface="Cambria Math" panose="02040503050406030204" pitchFamily="18" charset="0"/>
+                                          </a:rPr>
+                                          <m:t>1</m:t>
+                                        </m:r>
+                                      </m:sub>
+                                      <m:sup>
+                                        <m:r>
+                                          <a:rPr lang="it-IT" sz="3000" i="1">
+                                            <a:latin typeface="Cambria Math" panose="02040503050406030204" pitchFamily="18" charset="0"/>
+                                          </a:rPr>
+                                          <m:t>2</m:t>
+                                        </m:r>
+                                      </m:sup>
+                                    </m:sSubSup>
+                                  </m:e>
+                                </m:d>
+                                <m:r>
+                                  <a:rPr lang="it-IT" sz="3000" i="1">
+                                    <a:latin typeface="Cambria Math" panose="02040503050406030204" pitchFamily="18" charset="0"/>
+                                  </a:rPr>
+                                  <m:t>+</m:t>
+                                </m:r>
+                                <m:sSub>
+                                  <m:sSubPr>
+                                    <m:ctrlPr>
+                                      <a:rPr lang="it-IT" sz="3000" i="1">
+                                        <a:latin typeface="Cambria Math" panose="02040503050406030204" pitchFamily="18" charset="0"/>
+                                      </a:rPr>
+                                    </m:ctrlPr>
+                                  </m:sSubPr>
+                                  <m:e>
+                                    <m:acc>
+                                      <m:accPr>
+                                        <m:chr m:val="̈"/>
+                                        <m:ctrlPr>
+                                          <a:rPr lang="it-IT" sz="3000" i="1">
+                                            <a:latin typeface="Cambria Math" panose="02040503050406030204" pitchFamily="18" charset="0"/>
+                                          </a:rPr>
+                                        </m:ctrlPr>
+                                      </m:accPr>
+                                      <m:e>
+                                        <m:r>
+                                          <a:rPr lang="it-IT" sz="3000" i="1">
+                                            <a:latin typeface="Cambria Math" panose="02040503050406030204" pitchFamily="18" charset="0"/>
+                                          </a:rPr>
+                                          <m:t>𝑞</m:t>
+                                        </m:r>
+                                      </m:e>
+                                    </m:acc>
+                                  </m:e>
+                                  <m:sub>
+                                    <m:r>
+                                      <a:rPr lang="it-IT" sz="3000" i="1">
+                                        <a:latin typeface="Cambria Math" panose="02040503050406030204" pitchFamily="18" charset="0"/>
+                                      </a:rPr>
+                                      <m:t>2</m:t>
+                                    </m:r>
+                                  </m:sub>
+                                </m:sSub>
+                                <m:sSub>
+                                  <m:sSubPr>
+                                    <m:ctrlPr>
+                                      <a:rPr lang="it-IT" sz="3000" i="1">
+                                        <a:latin typeface="Cambria Math" panose="02040503050406030204" pitchFamily="18" charset="0"/>
+                                      </a:rPr>
+                                    </m:ctrlPr>
+                                  </m:sSubPr>
+                                  <m:e>
+                                    <m:r>
+                                      <a:rPr lang="it-IT" sz="3000" i="1">
+                                        <a:latin typeface="Cambria Math" panose="02040503050406030204" pitchFamily="18" charset="0"/>
+                                      </a:rPr>
+                                      <m:t>𝐼</m:t>
+                                    </m:r>
+                                  </m:e>
+                                  <m:sub>
+                                    <m:r>
+                                      <a:rPr lang="it-IT" sz="3000" i="1">
+                                        <a:latin typeface="Cambria Math" panose="02040503050406030204" pitchFamily="18" charset="0"/>
+                                      </a:rPr>
+                                      <m:t>𝑧𝑧𝐷</m:t>
+                                    </m:r>
+                                  </m:sub>
+                                </m:sSub>
+                                <m:r>
+                                  <a:rPr lang="it-IT" sz="3000" i="1">
+                                    <a:latin typeface="Cambria Math" panose="02040503050406030204" pitchFamily="18" charset="0"/>
+                                  </a:rPr>
+                                  <m:t>−</m:t>
+                                </m:r>
+                                <m:r>
+                                  <a:rPr lang="it-IT" sz="3000" i="1">
+                                    <a:latin typeface="Cambria Math" panose="02040503050406030204" pitchFamily="18" charset="0"/>
+                                  </a:rPr>
+                                  <m:t>𝑔</m:t>
+                                </m:r>
+                                <m:d>
+                                  <m:dPr>
+                                    <m:ctrlPr>
+                                      <a:rPr lang="it-IT" sz="3000" i="1">
+                                        <a:latin typeface="Cambria Math" panose="02040503050406030204" pitchFamily="18" charset="0"/>
+                                      </a:rPr>
+                                    </m:ctrlPr>
+                                  </m:dPr>
+                                  <m:e>
+                                    <m:sSub>
+                                      <m:sSubPr>
+                                        <m:ctrlPr>
+                                          <a:rPr lang="it-IT" sz="3000" i="1">
+                                            <a:latin typeface="Cambria Math" panose="02040503050406030204" pitchFamily="18" charset="0"/>
+                                          </a:rPr>
+                                        </m:ctrlPr>
+                                      </m:sSubPr>
+                                      <m:e>
+                                        <m:r>
+                                          <a:rPr lang="it-IT" sz="3000" i="1">
+                                            <a:latin typeface="Cambria Math" panose="02040503050406030204" pitchFamily="18" charset="0"/>
+                                          </a:rPr>
+                                          <m:t>𝑀</m:t>
+                                        </m:r>
+                                      </m:e>
+                                      <m:sub>
+                                        <m:r>
+                                          <a:rPr lang="it-IT" sz="3000" i="1">
+                                            <a:latin typeface="Cambria Math" panose="02040503050406030204" pitchFamily="18" charset="0"/>
+                                          </a:rPr>
+                                          <m:t>1</m:t>
+                                        </m:r>
+                                      </m:sub>
+                                    </m:sSub>
+                                    <m:d>
+                                      <m:dPr>
+                                        <m:ctrlPr>
+                                          <a:rPr lang="it-IT" sz="3000" i="1">
+                                            <a:latin typeface="Cambria Math" panose="02040503050406030204" pitchFamily="18" charset="0"/>
+                                          </a:rPr>
+                                        </m:ctrlPr>
+                                      </m:dPr>
+                                      <m:e>
+                                        <m:sSub>
+                                          <m:sSubPr>
+                                            <m:ctrlPr>
+                                              <a:rPr lang="it-IT" sz="3000" i="1">
+                                                <a:latin typeface="Cambria Math" panose="02040503050406030204" pitchFamily="18" charset="0"/>
+                                              </a:rPr>
+                                            </m:ctrlPr>
+                                          </m:sSubPr>
+                                          <m:e>
+                                            <m:r>
+                                              <a:rPr lang="it-IT" sz="3000" i="1">
+                                                <a:latin typeface="Cambria Math" panose="02040503050406030204" pitchFamily="18" charset="0"/>
+                                              </a:rPr>
+                                              <m:t>𝐿</m:t>
+                                            </m:r>
+                                          </m:e>
+                                          <m:sub>
+                                            <m:r>
+                                              <a:rPr lang="it-IT" sz="3000" i="1">
+                                                <a:latin typeface="Cambria Math" panose="02040503050406030204" pitchFamily="18" charset="0"/>
+                                              </a:rPr>
+                                              <m:t>𝐵𝐶</m:t>
+                                            </m:r>
+                                          </m:sub>
+                                        </m:sSub>
+                                        <m:r>
+                                          <a:rPr lang="it-IT" sz="3000" i="1">
+                                            <a:latin typeface="Cambria Math" panose="02040503050406030204" pitchFamily="18" charset="0"/>
+                                          </a:rPr>
+                                          <m:t>+</m:t>
+                                        </m:r>
+                                        <m:sSub>
+                                          <m:sSubPr>
+                                            <m:ctrlPr>
+                                              <a:rPr lang="it-IT" sz="3000" i="1">
+                                                <a:latin typeface="Cambria Math" panose="02040503050406030204" pitchFamily="18" charset="0"/>
+                                              </a:rPr>
+                                            </m:ctrlPr>
+                                          </m:sSubPr>
+                                          <m:e>
+                                            <m:r>
+                                              <a:rPr lang="it-IT" sz="3000" i="1">
+                                                <a:latin typeface="Cambria Math" panose="02040503050406030204" pitchFamily="18" charset="0"/>
+                                              </a:rPr>
+                                              <m:t>𝐿</m:t>
+                                            </m:r>
+                                          </m:e>
+                                          <m:sub>
+                                            <m:r>
+                                              <a:rPr lang="it-IT" sz="3000" i="1">
+                                                <a:latin typeface="Cambria Math" panose="02040503050406030204" pitchFamily="18" charset="0"/>
+                                              </a:rPr>
+                                              <m:t>1</m:t>
+                                            </m:r>
+                                          </m:sub>
+                                        </m:sSub>
+                                      </m:e>
+                                    </m:d>
+                                    <m:r>
+                                      <a:rPr lang="it-IT" sz="3000">
+                                        <a:latin typeface="Cambria Math" panose="02040503050406030204" pitchFamily="18" charset="0"/>
+                                      </a:rPr>
+                                      <m:t>+</m:t>
+                                    </m:r>
+                                    <m:sSub>
+                                      <m:sSubPr>
+                                        <m:ctrlPr>
+                                          <a:rPr lang="it-IT" sz="3000" i="1">
+                                            <a:latin typeface="Cambria Math" panose="02040503050406030204" pitchFamily="18" charset="0"/>
+                                          </a:rPr>
+                                        </m:ctrlPr>
+                                      </m:sSubPr>
+                                      <m:e>
+                                        <m:r>
+                                          <a:rPr lang="it-IT" sz="3000" i="1">
+                                            <a:latin typeface="Cambria Math" panose="02040503050406030204" pitchFamily="18" charset="0"/>
+                                          </a:rPr>
+                                          <m:t>𝑀</m:t>
+                                        </m:r>
+                                      </m:e>
+                                      <m:sub>
+                                        <m:r>
+                                          <a:rPr lang="it-IT" sz="3000" i="1">
+                                            <a:latin typeface="Cambria Math" panose="02040503050406030204" pitchFamily="18" charset="0"/>
+                                          </a:rPr>
+                                          <m:t>2</m:t>
+                                        </m:r>
+                                      </m:sub>
+                                    </m:sSub>
+                                    <m:sSub>
+                                      <m:sSubPr>
+                                        <m:ctrlPr>
+                                          <a:rPr lang="it-IT" sz="3000" i="1">
+                                            <a:latin typeface="Cambria Math" panose="02040503050406030204" pitchFamily="18" charset="0"/>
+                                          </a:rPr>
+                                        </m:ctrlPr>
+                                      </m:sSubPr>
+                                      <m:e>
+                                        <m:r>
+                                          <a:rPr lang="it-IT" sz="3000" i="1">
+                                            <a:latin typeface="Cambria Math" panose="02040503050406030204" pitchFamily="18" charset="0"/>
+                                          </a:rPr>
+                                          <m:t>𝐿</m:t>
+                                        </m:r>
+                                      </m:e>
+                                      <m:sub>
+                                        <m:r>
+                                          <a:rPr lang="it-IT" sz="3000" i="1">
+                                            <a:latin typeface="Cambria Math" panose="02040503050406030204" pitchFamily="18" charset="0"/>
+                                          </a:rPr>
+                                          <m:t>1</m:t>
+                                        </m:r>
+                                      </m:sub>
+                                    </m:sSub>
+                                  </m:e>
+                                </m:d>
+                                <m:r>
+                                  <m:rPr>
+                                    <m:sty m:val="p"/>
+                                  </m:rPr>
+                                  <a:rPr lang="it-IT" sz="3000">
+                                    <a:latin typeface="Cambria Math" panose="02040503050406030204" pitchFamily="18" charset="0"/>
+                                  </a:rPr>
+                                  <m:t>sin</m:t>
+                                </m:r>
+                                <m:d>
+                                  <m:dPr>
+                                    <m:ctrlPr>
+                                      <a:rPr lang="it-IT" sz="3000" i="1">
+                                        <a:latin typeface="Cambria Math" panose="02040503050406030204" pitchFamily="18" charset="0"/>
+                                      </a:rPr>
+                                    </m:ctrlPr>
+                                  </m:dPr>
+                                  <m:e>
+                                    <m:sSub>
+                                      <m:sSubPr>
+                                        <m:ctrlPr>
+                                          <a:rPr lang="it-IT" sz="3000" i="1">
+                                            <a:latin typeface="Cambria Math" panose="02040503050406030204" pitchFamily="18" charset="0"/>
+                                          </a:rPr>
+                                        </m:ctrlPr>
+                                      </m:sSubPr>
+                                      <m:e>
+                                        <m:r>
+                                          <a:rPr lang="it-IT" sz="3000" i="1">
+                                            <a:latin typeface="Cambria Math" panose="02040503050406030204" pitchFamily="18" charset="0"/>
+                                            <a:ea typeface="Cambria Math" panose="02040503050406030204" pitchFamily="18" charset="0"/>
+                                          </a:rPr>
+                                          <m:t>𝜃</m:t>
+                                        </m:r>
+                                      </m:e>
+                                      <m:sub>
+                                        <m:r>
+                                          <a:rPr lang="it-IT" sz="3000" i="1">
+                                            <a:latin typeface="Cambria Math" panose="02040503050406030204" pitchFamily="18" charset="0"/>
+                                          </a:rPr>
+                                          <m:t>1</m:t>
+                                        </m:r>
+                                      </m:sub>
+                                    </m:sSub>
+                                  </m:e>
+                                </m:d>
+                                <m:r>
+                                  <a:rPr lang="it-IT" sz="3000">
+                                    <a:latin typeface="Cambria Math" panose="02040503050406030204" pitchFamily="18" charset="0"/>
+                                  </a:rPr>
+                                  <m:t>+</m:t>
+                                </m:r>
+                                <m:sSub>
+                                  <m:sSubPr>
+                                    <m:ctrlPr>
+                                      <a:rPr lang="it-IT" sz="3000" i="1">
+                                        <a:latin typeface="Cambria Math" panose="02040503050406030204" pitchFamily="18" charset="0"/>
+                                      </a:rPr>
+                                    </m:ctrlPr>
+                                  </m:sSubPr>
+                                  <m:e>
+                                    <m:r>
+                                      <a:rPr lang="it-IT" sz="3000" i="1">
+                                        <a:latin typeface="Cambria Math" panose="02040503050406030204" pitchFamily="18" charset="0"/>
+                                      </a:rPr>
+                                      <m:t>𝐷</m:t>
+                                    </m:r>
+                                  </m:e>
+                                  <m:sub>
+                                    <m:r>
+                                      <a:rPr lang="it-IT" sz="3000" i="1">
+                                        <a:latin typeface="Cambria Math" panose="02040503050406030204" pitchFamily="18" charset="0"/>
+                                      </a:rPr>
+                                      <m:t>1</m:t>
+                                    </m:r>
+                                  </m:sub>
+                                </m:sSub>
+                                <m:sSub>
+                                  <m:sSubPr>
+                                    <m:ctrlPr>
+                                      <a:rPr lang="it-IT" sz="3000" i="1">
+                                        <a:latin typeface="Cambria Math" panose="02040503050406030204" pitchFamily="18" charset="0"/>
+                                      </a:rPr>
+                                    </m:ctrlPr>
+                                  </m:sSubPr>
+                                  <m:e>
+                                    <m:acc>
+                                      <m:accPr>
+                                        <m:chr m:val="̇"/>
+                                        <m:ctrlPr>
+                                          <a:rPr lang="it-IT" sz="3000" i="1">
+                                            <a:latin typeface="Cambria Math" panose="02040503050406030204" pitchFamily="18" charset="0"/>
+                                          </a:rPr>
+                                        </m:ctrlPr>
+                                      </m:accPr>
+                                      <m:e>
+                                        <m:r>
+                                          <a:rPr lang="it-IT" sz="3000" i="1">
+                                            <a:latin typeface="Cambria Math" panose="02040503050406030204" pitchFamily="18" charset="0"/>
+                                          </a:rPr>
+                                          <m:t>𝑞</m:t>
+                                        </m:r>
+                                      </m:e>
+                                    </m:acc>
+                                  </m:e>
+                                  <m:sub>
+                                    <m:r>
+                                      <a:rPr lang="it-IT" sz="3000" i="1">
+                                        <a:latin typeface="Cambria Math" panose="02040503050406030204" pitchFamily="18" charset="0"/>
+                                      </a:rPr>
+                                      <m:t>1</m:t>
+                                    </m:r>
+                                  </m:sub>
+                                </m:sSub>
+                                <m:r>
+                                  <a:rPr lang="it-IT" sz="3000" i="1">
+                                    <a:latin typeface="Cambria Math" panose="02040503050406030204" pitchFamily="18" charset="0"/>
+                                  </a:rPr>
+                                  <m:t>=</m:t>
+                                </m:r>
+                                <m:sSub>
+                                  <m:sSubPr>
+                                    <m:ctrlPr>
+                                      <a:rPr lang="it-IT" sz="3000" i="1">
+                                        <a:latin typeface="Cambria Math" panose="02040503050406030204" pitchFamily="18" charset="0"/>
+                                      </a:rPr>
+                                    </m:ctrlPr>
+                                  </m:sSubPr>
+                                  <m:e>
+                                    <m:r>
+                                      <a:rPr lang="it-IT" sz="3000" i="1">
+                                        <a:latin typeface="Cambria Math" panose="02040503050406030204" pitchFamily="18" charset="0"/>
+                                      </a:rPr>
+                                      <m:t>𝑢</m:t>
+                                    </m:r>
+                                  </m:e>
+                                  <m:sub>
+                                    <m:r>
+                                      <a:rPr lang="it-IT" sz="3000" i="1">
+                                        <a:latin typeface="Cambria Math" panose="02040503050406030204" pitchFamily="18" charset="0"/>
+                                      </a:rPr>
+                                      <m:t>1</m:t>
+                                    </m:r>
+                                  </m:sub>
+                                </m:sSub>
+                              </m:e>
+                            </m:mr>
+                            <m:mr>
+                              <m:e>
+                                <m:r>
+                                  <a:rPr lang="it-IT" sz="3000" i="1">
+                                    <a:latin typeface="Cambria Math" panose="02040503050406030204" pitchFamily="18" charset="0"/>
+                                  </a:rPr>
+                                  <m:t>(</m:t>
+                                </m:r>
+                                <m:sSub>
+                                  <m:sSubPr>
+                                    <m:ctrlPr>
+                                      <a:rPr lang="it-IT" sz="3000" i="1">
+                                        <a:latin typeface="Cambria Math" panose="02040503050406030204" pitchFamily="18" charset="0"/>
+                                      </a:rPr>
+                                    </m:ctrlPr>
+                                  </m:sSubPr>
+                                  <m:e>
+                                    <m:acc>
+                                      <m:accPr>
+                                        <m:chr m:val="̈"/>
+                                        <m:ctrlPr>
+                                          <a:rPr lang="it-IT" sz="3000" i="1">
+                                            <a:latin typeface="Cambria Math" panose="02040503050406030204" pitchFamily="18" charset="0"/>
+                                          </a:rPr>
+                                        </m:ctrlPr>
+                                      </m:accPr>
+                                      <m:e>
+                                        <m:r>
+                                          <a:rPr lang="it-IT" sz="3000" i="1">
+                                            <a:latin typeface="Cambria Math" panose="02040503050406030204" pitchFamily="18" charset="0"/>
+                                          </a:rPr>
+                                          <m:t>𝑞</m:t>
+                                        </m:r>
+                                      </m:e>
+                                    </m:acc>
+                                  </m:e>
+                                  <m:sub>
+                                    <m:r>
+                                      <a:rPr lang="it-IT" sz="3000" i="1">
+                                        <a:latin typeface="Cambria Math" panose="02040503050406030204" pitchFamily="18" charset="0"/>
+                                      </a:rPr>
+                                      <m:t>1</m:t>
+                                    </m:r>
+                                  </m:sub>
+                                </m:sSub>
+                                <m:r>
+                                  <a:rPr lang="it-IT" sz="3000" i="1">
+                                    <a:latin typeface="Cambria Math" panose="02040503050406030204" pitchFamily="18" charset="0"/>
+                                  </a:rPr>
+                                  <m:t>+</m:t>
+                                </m:r>
+                                <m:sSub>
+                                  <m:sSubPr>
+                                    <m:ctrlPr>
+                                      <a:rPr lang="it-IT" sz="3000" i="1">
+                                        <a:latin typeface="Cambria Math" panose="02040503050406030204" pitchFamily="18" charset="0"/>
+                                      </a:rPr>
+                                    </m:ctrlPr>
+                                  </m:sSubPr>
+                                  <m:e>
+                                    <m:acc>
+                                      <m:accPr>
+                                        <m:chr m:val="̈"/>
+                                        <m:ctrlPr>
+                                          <a:rPr lang="it-IT" sz="3000" i="1">
+                                            <a:latin typeface="Cambria Math" panose="02040503050406030204" pitchFamily="18" charset="0"/>
+                                          </a:rPr>
+                                        </m:ctrlPr>
+                                      </m:accPr>
+                                      <m:e>
+                                        <m:r>
+                                          <a:rPr lang="it-IT" sz="3000" i="1">
+                                            <a:latin typeface="Cambria Math" panose="02040503050406030204" pitchFamily="18" charset="0"/>
+                                          </a:rPr>
+                                          <m:t>𝑞</m:t>
+                                        </m:r>
+                                      </m:e>
+                                    </m:acc>
+                                  </m:e>
+                                  <m:sub>
+                                    <m:r>
+                                      <a:rPr lang="it-IT" sz="3000" i="1">
+                                        <a:latin typeface="Cambria Math" panose="02040503050406030204" pitchFamily="18" charset="0"/>
+                                      </a:rPr>
+                                      <m:t>2</m:t>
+                                    </m:r>
+                                  </m:sub>
+                                </m:sSub>
+                                <m:r>
+                                  <a:rPr lang="it-IT" sz="3000" i="1">
+                                    <a:latin typeface="Cambria Math" panose="02040503050406030204" pitchFamily="18" charset="0"/>
+                                  </a:rPr>
+                                  <m:t>)</m:t>
+                                </m:r>
+                                <m:sSub>
+                                  <m:sSubPr>
+                                    <m:ctrlPr>
+                                      <a:rPr lang="it-IT" sz="3000" i="1">
+                                        <a:latin typeface="Cambria Math" panose="02040503050406030204" pitchFamily="18" charset="0"/>
+                                      </a:rPr>
+                                    </m:ctrlPr>
+                                  </m:sSubPr>
+                                  <m:e>
+                                    <m:r>
+                                      <a:rPr lang="it-IT" sz="3000" i="1">
+                                        <a:latin typeface="Cambria Math" panose="02040503050406030204" pitchFamily="18" charset="0"/>
+                                      </a:rPr>
+                                      <m:t>𝐼</m:t>
+                                    </m:r>
+                                  </m:e>
+                                  <m:sub>
+                                    <m:r>
+                                      <a:rPr lang="it-IT" sz="3000" i="1">
+                                        <a:latin typeface="Cambria Math" panose="02040503050406030204" pitchFamily="18" charset="0"/>
+                                      </a:rPr>
+                                      <m:t>𝑧𝑧𝐷</m:t>
+                                    </m:r>
+                                  </m:sub>
+                                </m:sSub>
+                                <m:r>
+                                  <a:rPr lang="it-IT" sz="3000" i="1">
+                                    <a:latin typeface="Cambria Math" panose="02040503050406030204" pitchFamily="18" charset="0"/>
+                                  </a:rPr>
+                                  <m:t>+</m:t>
+                                </m:r>
+                                <m:sSub>
+                                  <m:sSubPr>
+                                    <m:ctrlPr>
+                                      <a:rPr lang="it-IT" sz="3000" i="1">
+                                        <a:latin typeface="Cambria Math" panose="02040503050406030204" pitchFamily="18" charset="0"/>
+                                      </a:rPr>
+                                    </m:ctrlPr>
+                                  </m:sSubPr>
+                                  <m:e>
+                                    <m:r>
+                                      <a:rPr lang="it-IT" sz="3000" i="1">
+                                        <a:latin typeface="Cambria Math" panose="02040503050406030204" pitchFamily="18" charset="0"/>
+                                      </a:rPr>
+                                      <m:t>𝐷</m:t>
+                                    </m:r>
+                                  </m:e>
+                                  <m:sub>
+                                    <m:r>
+                                      <a:rPr lang="it-IT" sz="3000" i="1">
+                                        <a:latin typeface="Cambria Math" panose="02040503050406030204" pitchFamily="18" charset="0"/>
+                                      </a:rPr>
+                                      <m:t>2</m:t>
+                                    </m:r>
+                                  </m:sub>
+                                </m:sSub>
+                                <m:sSub>
+                                  <m:sSubPr>
+                                    <m:ctrlPr>
+                                      <a:rPr lang="it-IT" sz="3000" i="1">
+                                        <a:latin typeface="Cambria Math" panose="02040503050406030204" pitchFamily="18" charset="0"/>
+                                      </a:rPr>
+                                    </m:ctrlPr>
+                                  </m:sSubPr>
+                                  <m:e>
+                                    <m:acc>
+                                      <m:accPr>
+                                        <m:chr m:val="̇"/>
+                                        <m:ctrlPr>
+                                          <a:rPr lang="it-IT" sz="3000" i="1">
+                                            <a:latin typeface="Cambria Math" panose="02040503050406030204" pitchFamily="18" charset="0"/>
+                                          </a:rPr>
+                                        </m:ctrlPr>
+                                      </m:accPr>
+                                      <m:e>
+                                        <m:r>
+                                          <a:rPr lang="it-IT" sz="3000" i="1">
+                                            <a:latin typeface="Cambria Math" panose="02040503050406030204" pitchFamily="18" charset="0"/>
+                                          </a:rPr>
+                                          <m:t>𝑞</m:t>
+                                        </m:r>
+                                      </m:e>
+                                    </m:acc>
+                                  </m:e>
+                                  <m:sub>
+                                    <m:r>
+                                      <a:rPr lang="it-IT" sz="3000" i="1">
+                                        <a:latin typeface="Cambria Math" panose="02040503050406030204" pitchFamily="18" charset="0"/>
+                                      </a:rPr>
+                                      <m:t>2</m:t>
+                                    </m:r>
+                                  </m:sub>
+                                </m:sSub>
+                                <m:r>
+                                  <a:rPr lang="it-IT" sz="3000" i="1">
+                                    <a:latin typeface="Cambria Math" panose="02040503050406030204" pitchFamily="18" charset="0"/>
+                                  </a:rPr>
+                                  <m:t>=</m:t>
+                                </m:r>
+                                <m:sSub>
+                                  <m:sSubPr>
+                                    <m:ctrlPr>
+                                      <a:rPr lang="it-IT" sz="3000" i="1">
+                                        <a:latin typeface="Cambria Math" panose="02040503050406030204" pitchFamily="18" charset="0"/>
+                                      </a:rPr>
+                                    </m:ctrlPr>
+                                  </m:sSubPr>
+                                  <m:e>
+                                    <m:r>
+                                      <a:rPr lang="it-IT" sz="3000" i="1">
+                                        <a:latin typeface="Cambria Math" panose="02040503050406030204" pitchFamily="18" charset="0"/>
+                                      </a:rPr>
+                                      <m:t>𝑢</m:t>
+                                    </m:r>
+                                  </m:e>
+                                  <m:sub>
+                                    <m:r>
+                                      <a:rPr lang="it-IT" sz="3000" i="1">
+                                        <a:latin typeface="Cambria Math" panose="02040503050406030204" pitchFamily="18" charset="0"/>
+                                      </a:rPr>
+                                      <m:t>2</m:t>
+                                    </m:r>
+                                  </m:sub>
+                                </m:sSub>
+                              </m:e>
+                            </m:mr>
+                          </m:m>
                         </m:e>
-                        <m:sub>
-                          <m:r>
-                            <a:rPr lang="it-IT" sz="2000" b="0" i="1" smtClean="0">
-                              <a:latin typeface="Cambria Math" panose="02040503050406030204" pitchFamily="18" charset="0"/>
-                            </a:rPr>
-                            <m:t>1</m:t>
-                          </m:r>
-                        </m:sub>
-                      </m:sSub>
-                      <m:r>
-                        <a:rPr lang="it-IT" sz="2000" b="0" i="1" smtClean="0">
-                          <a:latin typeface="Cambria Math" panose="02040503050406030204" pitchFamily="18" charset="0"/>
-                        </a:rPr>
-                        <m:t>+</m:t>
-                      </m:r>
-                      <m:sSub>
-                        <m:sSubPr>
-                          <m:ctrlPr>
-                            <a:rPr lang="it-IT" sz="2000" b="0" i="1" smtClean="0">
-                              <a:latin typeface="Cambria Math" panose="02040503050406030204" pitchFamily="18" charset="0"/>
-                            </a:rPr>
-                          </m:ctrlPr>
-                        </m:sSubPr>
-                        <m:e>
-                          <m:acc>
-                            <m:accPr>
-                              <m:chr m:val="̈"/>
-                              <m:ctrlPr>
-                                <a:rPr lang="it-IT" sz="2000" b="0" i="1" smtClean="0">
-                                  <a:latin typeface="Cambria Math" panose="02040503050406030204" pitchFamily="18" charset="0"/>
-                                </a:rPr>
-                              </m:ctrlPr>
-                            </m:accPr>
-                            <m:e>
-                              <m:r>
-                                <a:rPr lang="it-IT" sz="2000" b="0" i="1" smtClean="0">
-                                  <a:latin typeface="Cambria Math" panose="02040503050406030204" pitchFamily="18" charset="0"/>
-                                </a:rPr>
-                                <m:t>𝑞</m:t>
-                              </m:r>
-                            </m:e>
-                          </m:acc>
-                        </m:e>
-                        <m:sub>
-                          <m:r>
-                            <a:rPr lang="it-IT" sz="2000" b="0" i="1" smtClean="0">
-                              <a:latin typeface="Cambria Math" panose="02040503050406030204" pitchFamily="18" charset="0"/>
-                            </a:rPr>
-                            <m:t>2</m:t>
-                          </m:r>
-                        </m:sub>
-                      </m:sSub>
-                      <m:r>
-                        <a:rPr lang="it-IT" sz="2000" b="0" i="1" smtClean="0">
-                          <a:latin typeface="Cambria Math" panose="02040503050406030204" pitchFamily="18" charset="0"/>
-                        </a:rPr>
-                        <m:t>)</m:t>
-                      </m:r>
-                      <m:sSub>
-                        <m:sSubPr>
-                          <m:ctrlPr>
-                            <a:rPr lang="it-IT" sz="2000" b="0" i="1" smtClean="0">
-                              <a:latin typeface="Cambria Math" panose="02040503050406030204" pitchFamily="18" charset="0"/>
-                            </a:rPr>
-                          </m:ctrlPr>
-                        </m:sSubPr>
-                        <m:e>
-                          <m:r>
-                            <a:rPr lang="it-IT" sz="2000" b="0" i="1" smtClean="0">
-                              <a:latin typeface="Cambria Math" panose="02040503050406030204" pitchFamily="18" charset="0"/>
-                            </a:rPr>
-                            <m:t>𝐼</m:t>
-                          </m:r>
-                        </m:e>
-                        <m:sub>
-                          <m:r>
-                            <a:rPr lang="it-IT" sz="2000" b="0" i="1" smtClean="0">
-                              <a:latin typeface="Cambria Math" panose="02040503050406030204" pitchFamily="18" charset="0"/>
-                            </a:rPr>
-                            <m:t>𝑧𝑧𝐷</m:t>
-                          </m:r>
-                        </m:sub>
-                      </m:sSub>
-                      <m:r>
-                        <a:rPr lang="it-IT" sz="2000" b="0" i="1" smtClean="0">
-                          <a:latin typeface="Cambria Math" panose="02040503050406030204" pitchFamily="18" charset="0"/>
-                        </a:rPr>
-                        <m:t>+</m:t>
-                      </m:r>
-                      <m:sSub>
-                        <m:sSubPr>
-                          <m:ctrlPr>
-                            <a:rPr lang="it-IT" sz="2000" b="0" i="1" smtClean="0">
-                              <a:latin typeface="Cambria Math" panose="02040503050406030204" pitchFamily="18" charset="0"/>
-                            </a:rPr>
-                          </m:ctrlPr>
-                        </m:sSubPr>
-                        <m:e>
-                          <m:r>
-                            <a:rPr lang="it-IT" sz="2000" b="0" i="1" smtClean="0">
-                              <a:latin typeface="Cambria Math" panose="02040503050406030204" pitchFamily="18" charset="0"/>
-                            </a:rPr>
-                            <m:t>𝐷</m:t>
-                          </m:r>
-                        </m:e>
-                        <m:sub>
-                          <m:r>
-                            <a:rPr lang="it-IT" sz="2000" b="0" i="1" smtClean="0">
-                              <a:latin typeface="Cambria Math" panose="02040503050406030204" pitchFamily="18" charset="0"/>
-                            </a:rPr>
-                            <m:t>2</m:t>
-                          </m:r>
-                        </m:sub>
-                      </m:sSub>
-                      <m:sSub>
-                        <m:sSubPr>
-                          <m:ctrlPr>
-                            <a:rPr lang="it-IT" sz="2000" b="0" i="1" smtClean="0">
-                              <a:latin typeface="Cambria Math" panose="02040503050406030204" pitchFamily="18" charset="0"/>
-                            </a:rPr>
-                          </m:ctrlPr>
-                        </m:sSubPr>
-                        <m:e>
-                          <m:acc>
-                            <m:accPr>
-                              <m:chr m:val="̇"/>
-                              <m:ctrlPr>
-                                <a:rPr lang="it-IT" sz="2000" b="0" i="1" smtClean="0">
-                                  <a:latin typeface="Cambria Math" panose="02040503050406030204" pitchFamily="18" charset="0"/>
-                                </a:rPr>
-                              </m:ctrlPr>
-                            </m:accPr>
-                            <m:e>
-                              <m:r>
-                                <a:rPr lang="it-IT" sz="2000" b="0" i="1" smtClean="0">
-                                  <a:latin typeface="Cambria Math" panose="02040503050406030204" pitchFamily="18" charset="0"/>
-                                </a:rPr>
-                                <m:t>𝑞</m:t>
-                              </m:r>
-                            </m:e>
-                          </m:acc>
-                        </m:e>
-                        <m:sub>
-                          <m:r>
-                            <a:rPr lang="it-IT" sz="2000" b="0" i="1" smtClean="0">
-                              <a:latin typeface="Cambria Math" panose="02040503050406030204" pitchFamily="18" charset="0"/>
-                            </a:rPr>
-                            <m:t>2</m:t>
-                          </m:r>
-                        </m:sub>
-                      </m:sSub>
-                      <m:r>
-                        <a:rPr lang="it-IT" sz="2000" b="0" i="1" smtClean="0">
-                          <a:latin typeface="Cambria Math" panose="02040503050406030204" pitchFamily="18" charset="0"/>
-                        </a:rPr>
-                        <m:t>=</m:t>
-                      </m:r>
-                      <m:sSub>
-                        <m:sSubPr>
-                          <m:ctrlPr>
-                            <a:rPr lang="it-IT" sz="2000" b="0" i="1" smtClean="0">
-                              <a:latin typeface="Cambria Math" panose="02040503050406030204" pitchFamily="18" charset="0"/>
-                            </a:rPr>
-                          </m:ctrlPr>
-                        </m:sSubPr>
-                        <m:e>
-                          <m:r>
-                            <a:rPr lang="it-IT" sz="2000" b="0" i="1" smtClean="0">
-                              <a:latin typeface="Cambria Math" panose="02040503050406030204" pitchFamily="18" charset="0"/>
-                            </a:rPr>
-                            <m:t>𝑢</m:t>
-                          </m:r>
-                        </m:e>
-                        <m:sub>
-                          <m:r>
-                            <a:rPr lang="it-IT" sz="2000" b="0" i="1" smtClean="0">
-                              <a:latin typeface="Cambria Math" panose="02040503050406030204" pitchFamily="18" charset="0"/>
-                            </a:rPr>
-                            <m:t>2</m:t>
-                          </m:r>
-                        </m:sub>
-                      </m:sSub>
+                      </m:d>
                     </m:oMath>
                   </m:oMathPara>
                 </a14:m>
-                <a:endParaRPr lang="it-IT" sz="2000" dirty="0"/>
-              </a:p>
-              <a:p>
-                <a:pPr marL="0" indent="0">
-                  <a:buNone/>
-                </a:pPr>
-                <a:endParaRPr lang="it-IT" sz="2000" dirty="0"/>
-              </a:p>
-              <a:p>
-                <a:pPr marL="0" indent="0">
-                  <a:buNone/>
-                </a:pPr>
-                <a:endParaRPr lang="it-IT" sz="2000" dirty="0"/>
+                <a:endParaRPr lang="it-IT" sz="3000" b="0" i="1" dirty="0">
+                  <a:latin typeface="Cambria Math" panose="02040503050406030204" pitchFamily="18" charset="0"/>
+                </a:endParaRPr>
               </a:p>
             </p:txBody>
           </p:sp>
         </mc:Choice>
-        <mc:Fallback xmlns="">
+        <mc:Fallback>
           <p:sp>
             <p:nvSpPr>
               <p:cNvPr id="3" name="Segnaposto contenuto 2">
@@ -18421,12 +11661,12 @@
             <p:spPr>
               <a:xfrm>
                 <a:off x="1197868" y="1483568"/>
-                <a:ext cx="10729192" cy="5374432"/>
+                <a:ext cx="10513168" cy="5196632"/>
               </a:xfrm>
               <a:blipFill>
                 <a:blip r:embed="rId2"/>
                 <a:stretch>
-                  <a:fillRect l="-1193" t="-1927" r="-2102"/>
+                  <a:fillRect l="-986" t="-821" r="-2262"/>
                 </a:stretch>
               </a:blipFill>
             </p:spPr>
@@ -20183,260 +13423,762 @@
           <a:chExt cx="0" cy="0"/>
         </a:xfrm>
       </p:grpSpPr>
-      <p:sp>
-        <p:nvSpPr>
-          <p:cNvPr id="3" name="Segnaposto contenuto 2">
-            <a:extLst>
-              <a:ext uri="{FF2B5EF4-FFF2-40B4-BE49-F238E27FC236}">
-                <a16:creationId xmlns:a16="http://schemas.microsoft.com/office/drawing/2014/main" id="{609AEB39-8BB5-47BF-AC3A-B4CB3C79C39B}"/>
-              </a:ext>
-            </a:extLst>
-          </p:cNvPr>
-          <p:cNvSpPr>
-            <a:spLocks noGrp="1"/>
-          </p:cNvSpPr>
-          <p:nvPr>
-            <p:ph idx="1"/>
-          </p:nvPr>
-        </p:nvSpPr>
-        <p:spPr>
-          <a:xfrm>
-            <a:off x="1485900" y="188640"/>
-            <a:ext cx="9782801" cy="6480720"/>
-          </a:xfrm>
-        </p:spPr>
-        <p:txBody>
-          <a:bodyPr>
-            <a:normAutofit fontScale="92500"/>
-          </a:bodyPr>
-          <a:lstStyle/>
-          <a:p>
-            <a:pPr marL="0" indent="0">
-              <a:buNone/>
-            </a:pPr>
-            <a:r>
-              <a:rPr lang="it-IT" dirty="0"/>
-              <a:t>In seguito ai calcoli si ricava la cinematica diretta della barra:</a:t>
-            </a:r>
-          </a:p>
-          <a:p>
-            <a:pPr marL="0" indent="0">
-              <a:buNone/>
-            </a:pPr>
-            <a:endParaRPr lang="it-IT" dirty="0"/>
-          </a:p>
-          <a:p>
-            <a:pPr marL="0" indent="0">
-              <a:buNone/>
-            </a:pPr>
-            <a:r>
-              <a:rPr lang="it-IT" dirty="0"/>
-              <a:t>Q</a:t>
-            </a:r>
-            <a:r>
-              <a:rPr lang="it-IT" baseline="-25000" dirty="0"/>
-              <a:t>01 </a:t>
-            </a:r>
-            <a:r>
-              <a:rPr lang="it-IT" dirty="0"/>
-              <a:t>=</a:t>
-            </a:r>
-          </a:p>
-          <a:p>
-            <a:pPr marL="0" indent="0">
-              <a:buNone/>
-            </a:pPr>
-            <a:endParaRPr lang="it-IT" baseline="-25000" dirty="0"/>
-          </a:p>
-          <a:p>
-            <a:pPr marL="0" indent="0">
-              <a:buNone/>
-            </a:pPr>
-            <a:endParaRPr lang="it-IT" baseline="-25000" dirty="0"/>
-          </a:p>
-          <a:p>
-            <a:pPr marL="0" indent="0">
-              <a:buNone/>
-            </a:pPr>
-            <a:r>
-              <a:rPr lang="it-IT" dirty="0"/>
-              <a:t>e del disco:</a:t>
-            </a:r>
-          </a:p>
-          <a:p>
-            <a:pPr marL="0" indent="0">
-              <a:buNone/>
-            </a:pPr>
-            <a:endParaRPr lang="it-IT" dirty="0"/>
-          </a:p>
-          <a:p>
-            <a:pPr marL="0" indent="0">
-              <a:buNone/>
-            </a:pPr>
-            <a:r>
-              <a:rPr lang="it-IT" dirty="0"/>
-              <a:t>Q</a:t>
-            </a:r>
-            <a:r>
-              <a:rPr lang="it-IT" baseline="-25000" dirty="0"/>
-              <a:t>02 </a:t>
-            </a:r>
-            <a:r>
-              <a:rPr lang="it-IT" dirty="0"/>
-              <a:t>=</a:t>
-            </a:r>
-          </a:p>
-          <a:p>
-            <a:pPr marL="0" indent="0">
-              <a:buNone/>
-            </a:pPr>
-            <a:endParaRPr lang="it-IT" dirty="0"/>
-          </a:p>
-          <a:p>
-            <a:pPr marL="0" indent="0">
-              <a:buNone/>
-            </a:pPr>
-            <a:endParaRPr lang="it-IT" dirty="0"/>
-          </a:p>
-          <a:p>
-            <a:pPr marL="0" indent="0">
-              <a:buNone/>
-            </a:pPr>
-            <a:r>
-              <a:rPr lang="it-IT" dirty="0"/>
-              <a:t>N.B. la cinematica diretta è stata calcolata fissando l’origine del sistema di riferimento 1 e 2 nel baricentro dei rispettivi corpi (il perché è spiegato nel paragrafo dell’energia cinetica).</a:t>
-            </a:r>
-          </a:p>
-          <a:p>
-            <a:pPr marL="0" indent="0">
-              <a:buNone/>
-            </a:pPr>
-            <a:endParaRPr lang="it-IT" dirty="0"/>
-          </a:p>
-        </p:txBody>
-      </p:sp>
-      <mc:AlternateContent xmlns:mc="http://schemas.openxmlformats.org/markup-compatibility/2006" xmlns:a14="http://schemas.microsoft.com/office/drawing/2010/main">
-        <mc:Choice Requires="a14">
-          <p:graphicFrame>
-            <p:nvGraphicFramePr>
-              <p:cNvPr id="2" name="Diagramma 1">
+      <mc:AlternateContent xmlns:mc="http://schemas.openxmlformats.org/markup-compatibility/2006">
+        <mc:Choice xmlns:a14="http://schemas.microsoft.com/office/drawing/2010/main" Requires="a14">
+          <p:sp>
+            <p:nvSpPr>
+              <p:cNvPr id="3" name="Segnaposto contenuto 2">
                 <a:extLst>
                   <a:ext uri="{FF2B5EF4-FFF2-40B4-BE49-F238E27FC236}">
-                    <a16:creationId xmlns:a16="http://schemas.microsoft.com/office/drawing/2014/main" id="{85A3C102-5A12-4818-AC91-8FA87D7698D4}"/>
+                    <a16:creationId xmlns:a16="http://schemas.microsoft.com/office/drawing/2014/main" id="{609AEB39-8BB5-47BF-AC3A-B4CB3C79C39B}"/>
                   </a:ext>
                 </a:extLst>
               </p:cNvPr>
-              <p:cNvGraphicFramePr/>
+              <p:cNvSpPr>
+                <a:spLocks noGrp="1"/>
+              </p:cNvSpPr>
               <p:nvPr>
-                <p:extLst>
-                  <p:ext uri="{D42A27DB-BD31-4B8C-83A1-F6EECF244321}">
-                    <p14:modId xmlns:p14="http://schemas.microsoft.com/office/powerpoint/2010/main" val="2128506284"/>
-                  </p:ext>
-                </p:extLst>
+                <p:ph idx="1"/>
               </p:nvPr>
-            </p:nvGraphicFramePr>
-            <p:xfrm>
-              <a:off x="1701924" y="980728"/>
-              <a:ext cx="8125883" cy="5417256"/>
-            </p:xfrm>
-            <a:graphic>
-              <a:graphicData uri="http://schemas.openxmlformats.org/drawingml/2006/diagram">
-                <dgm:relIds xmlns:dgm="http://schemas.openxmlformats.org/drawingml/2006/diagram" xmlns:r="http://schemas.openxmlformats.org/officeDocument/2006/relationships" r:dm="rId2" r:lo="rId3" r:qs="rId4" r:cs="rId5"/>
-              </a:graphicData>
-            </a:graphic>
-          </p:graphicFrame>
+            </p:nvSpPr>
+            <p:spPr>
+              <a:xfrm>
+                <a:off x="1485900" y="188640"/>
+                <a:ext cx="9782801" cy="6480720"/>
+              </a:xfrm>
+            </p:spPr>
+            <p:txBody>
+              <a:bodyPr>
+                <a:normAutofit lnSpcReduction="10000"/>
+              </a:bodyPr>
+              <a:lstStyle/>
+              <a:p>
+                <a:pPr marL="0" indent="0">
+                  <a:buNone/>
+                </a:pPr>
+                <a:r>
+                  <a:rPr lang="it-IT" dirty="0"/>
+                  <a:t>In seguito ai calcoli si ricava la cinematica diretta della barra:</a:t>
+                </a:r>
+              </a:p>
+              <a:p>
+                <a:pPr marL="0" indent="0">
+                  <a:buNone/>
+                </a:pPr>
+                <a:endParaRPr lang="it-IT" dirty="0"/>
+              </a:p>
+              <a:p>
+                <a:pPr marL="0" indent="0">
+                  <a:buNone/>
+                </a:pPr>
+                <a:r>
+                  <a:rPr lang="it-IT" dirty="0"/>
+                  <a:t>Q</a:t>
+                </a:r>
+                <a:r>
+                  <a:rPr lang="it-IT" baseline="-25000" dirty="0"/>
+                  <a:t>01 </a:t>
+                </a:r>
+                <a:r>
+                  <a:rPr lang="it-IT" dirty="0"/>
+                  <a:t>=</a:t>
+                </a:r>
+                <a14:m>
+                  <m:oMath xmlns:m="http://schemas.openxmlformats.org/officeDocument/2006/math">
+                    <m:d>
+                      <m:dPr>
+                        <m:begChr m:val="["/>
+                        <m:endChr m:val="]"/>
+                        <m:ctrlPr>
+                          <a:rPr lang="it-IT" i="1" smtClean="0">
+                            <a:latin typeface="Cambria Math" panose="02040503050406030204" pitchFamily="18" charset="0"/>
+                          </a:rPr>
+                        </m:ctrlPr>
+                      </m:dPr>
+                      <m:e>
+                        <m:m>
+                          <m:mPr>
+                            <m:mcs>
+                              <m:mc>
+                                <m:mcPr>
+                                  <m:count m:val="2"/>
+                                  <m:mcJc m:val="center"/>
+                                </m:mcPr>
+                              </m:mc>
+                            </m:mcs>
+                            <m:ctrlPr>
+                              <a:rPr lang="it-IT" i="1" smtClean="0">
+                                <a:latin typeface="Cambria Math" panose="02040503050406030204" pitchFamily="18" charset="0"/>
+                              </a:rPr>
+                            </m:ctrlPr>
+                          </m:mPr>
+                          <m:mr>
+                            <m:e>
+                              <m:sSub>
+                                <m:sSubPr>
+                                  <m:ctrlPr>
+                                    <a:rPr lang="it-IT" i="1">
+                                      <a:latin typeface="Cambria Math" panose="02040503050406030204" pitchFamily="18" charset="0"/>
+                                    </a:rPr>
+                                  </m:ctrlPr>
+                                </m:sSubPr>
+                                <m:e>
+                                  <m:r>
+                                    <a:rPr lang="it-IT" i="1">
+                                      <a:latin typeface="Cambria Math" panose="02040503050406030204" pitchFamily="18" charset="0"/>
+                                    </a:rPr>
+                                    <m:t>𝑅</m:t>
+                                  </m:r>
+                                </m:e>
+                                <m:sub>
+                                  <m:r>
+                                    <a:rPr lang="it-IT" i="1">
+                                      <a:latin typeface="Cambria Math" panose="02040503050406030204" pitchFamily="18" charset="0"/>
+                                    </a:rPr>
+                                    <m:t>𝑧</m:t>
+                                  </m:r>
+                                </m:sub>
+                              </m:sSub>
+                              <m:r>
+                                <a:rPr lang="it-IT" i="1">
+                                  <a:latin typeface="Cambria Math" panose="02040503050406030204" pitchFamily="18" charset="0"/>
+                                </a:rPr>
+                                <m:t>(</m:t>
+                              </m:r>
+                              <m:sSub>
+                                <m:sSubPr>
+                                  <m:ctrlPr>
+                                    <a:rPr lang="it-IT" i="1">
+                                      <a:latin typeface="Cambria Math" panose="02040503050406030204" pitchFamily="18" charset="0"/>
+                                    </a:rPr>
+                                  </m:ctrlPr>
+                                </m:sSubPr>
+                                <m:e>
+                                  <m:r>
+                                    <a:rPr lang="it-IT" i="1">
+                                      <a:latin typeface="Cambria Math" panose="02040503050406030204" pitchFamily="18" charset="0"/>
+                                    </a:rPr>
+                                    <m:t>𝑞</m:t>
+                                  </m:r>
+                                </m:e>
+                                <m:sub>
+                                  <m:r>
+                                    <a:rPr lang="it-IT" i="1">
+                                      <a:latin typeface="Cambria Math" panose="02040503050406030204" pitchFamily="18" charset="0"/>
+                                    </a:rPr>
+                                    <m:t>1</m:t>
+                                  </m:r>
+                                </m:sub>
+                              </m:sSub>
+                              <m:r>
+                                <a:rPr lang="it-IT" i="1">
+                                  <a:latin typeface="Cambria Math" panose="02040503050406030204" pitchFamily="18" charset="0"/>
+                                </a:rPr>
+                                <m:t>)</m:t>
+                              </m:r>
+                              <m:r>
+                                <m:rPr>
+                                  <m:nor/>
+                                </m:rPr>
+                                <a:rPr lang="it-IT" dirty="0"/>
+                                <m:t> </m:t>
+                              </m:r>
+                            </m:e>
+                            <m:e>
+                              <m:sSub>
+                                <m:sSubPr>
+                                  <m:ctrlPr>
+                                    <a:rPr lang="it-IT" i="1">
+                                      <a:latin typeface="Cambria Math" panose="02040503050406030204" pitchFamily="18" charset="0"/>
+                                    </a:rPr>
+                                  </m:ctrlPr>
+                                </m:sSubPr>
+                                <m:e>
+                                  <m:r>
+                                    <a:rPr lang="it-IT" i="1">
+                                      <a:latin typeface="Cambria Math" panose="02040503050406030204" pitchFamily="18" charset="0"/>
+                                    </a:rPr>
+                                    <m:t>𝑅</m:t>
+                                  </m:r>
+                                </m:e>
+                                <m:sub>
+                                  <m:r>
+                                    <a:rPr lang="it-IT" i="1">
+                                      <a:latin typeface="Cambria Math" panose="02040503050406030204" pitchFamily="18" charset="0"/>
+                                    </a:rPr>
+                                    <m:t>𝑧</m:t>
+                                  </m:r>
+                                </m:sub>
+                              </m:sSub>
+                              <m:d>
+                                <m:dPr>
+                                  <m:ctrlPr>
+                                    <a:rPr lang="it-IT" i="1">
+                                      <a:latin typeface="Cambria Math" panose="02040503050406030204" pitchFamily="18" charset="0"/>
+                                    </a:rPr>
+                                  </m:ctrlPr>
+                                </m:dPr>
+                                <m:e>
+                                  <m:sSub>
+                                    <m:sSubPr>
+                                      <m:ctrlPr>
+                                        <a:rPr lang="it-IT" i="1" dirty="0">
+                                          <a:latin typeface="Cambria Math" panose="02040503050406030204" pitchFamily="18" charset="0"/>
+                                        </a:rPr>
+                                      </m:ctrlPr>
+                                    </m:sSubPr>
+                                    <m:e>
+                                      <m:r>
+                                        <a:rPr lang="it-IT" i="1" dirty="0">
+                                          <a:latin typeface="Cambria Math" panose="02040503050406030204" pitchFamily="18" charset="0"/>
+                                        </a:rPr>
+                                        <m:t>𝑞</m:t>
+                                      </m:r>
+                                    </m:e>
+                                    <m:sub>
+                                      <m:r>
+                                        <a:rPr lang="it-IT" i="1" dirty="0">
+                                          <a:latin typeface="Cambria Math" panose="02040503050406030204" pitchFamily="18" charset="0"/>
+                                        </a:rPr>
+                                        <m:t>1</m:t>
+                                      </m:r>
+                                    </m:sub>
+                                  </m:sSub>
+                                </m:e>
+                              </m:d>
+                              <m:r>
+                                <a:rPr lang="it-IT" i="1">
+                                  <a:latin typeface="Cambria Math" panose="02040503050406030204" pitchFamily="18" charset="0"/>
+                                </a:rPr>
+                                <m:t>∗</m:t>
+                              </m:r>
+                              <m:d>
+                                <m:dPr>
+                                  <m:ctrlPr>
+                                    <a:rPr lang="it-IT" i="1">
+                                      <a:latin typeface="Cambria Math" panose="02040503050406030204" pitchFamily="18" charset="0"/>
+                                    </a:rPr>
+                                  </m:ctrlPr>
+                                </m:dPr>
+                                <m:e>
+                                  <m:sSub>
+                                    <m:sSubPr>
+                                      <m:ctrlPr>
+                                        <a:rPr lang="it-IT" i="1">
+                                          <a:latin typeface="Cambria Math" panose="02040503050406030204" pitchFamily="18" charset="0"/>
+                                        </a:rPr>
+                                      </m:ctrlPr>
+                                    </m:sSubPr>
+                                    <m:e>
+                                      <m:r>
+                                        <a:rPr lang="it-IT" i="1">
+                                          <a:latin typeface="Cambria Math" panose="02040503050406030204" pitchFamily="18" charset="0"/>
+                                        </a:rPr>
+                                        <m:t>𝐿</m:t>
+                                      </m:r>
+                                    </m:e>
+                                    <m:sub>
+                                      <m:r>
+                                        <a:rPr lang="it-IT" i="1">
+                                          <a:latin typeface="Cambria Math" panose="02040503050406030204" pitchFamily="18" charset="0"/>
+                                        </a:rPr>
+                                        <m:t>𝐵𝐶</m:t>
+                                      </m:r>
+                                    </m:sub>
+                                  </m:sSub>
+                                  <m:r>
+                                    <a:rPr lang="it-IT" i="1">
+                                      <a:latin typeface="Cambria Math" panose="02040503050406030204" pitchFamily="18" charset="0"/>
+                                    </a:rPr>
+                                    <m:t>+</m:t>
+                                  </m:r>
+                                  <m:sSub>
+                                    <m:sSubPr>
+                                      <m:ctrlPr>
+                                        <a:rPr lang="it-IT" i="1">
+                                          <a:latin typeface="Cambria Math" panose="02040503050406030204" pitchFamily="18" charset="0"/>
+                                        </a:rPr>
+                                      </m:ctrlPr>
+                                    </m:sSubPr>
+                                    <m:e>
+                                      <m:r>
+                                        <a:rPr lang="it-IT" i="1">
+                                          <a:latin typeface="Cambria Math" panose="02040503050406030204" pitchFamily="18" charset="0"/>
+                                        </a:rPr>
+                                        <m:t>𝐿</m:t>
+                                      </m:r>
+                                    </m:e>
+                                    <m:sub>
+                                      <m:r>
+                                        <a:rPr lang="it-IT" i="1">
+                                          <a:latin typeface="Cambria Math" panose="02040503050406030204" pitchFamily="18" charset="0"/>
+                                        </a:rPr>
+                                        <m:t>1</m:t>
+                                      </m:r>
+                                    </m:sub>
+                                  </m:sSub>
+                                </m:e>
+                              </m:d>
+                              <m:r>
+                                <a:rPr lang="it-IT" i="1">
+                                  <a:latin typeface="Cambria Math" panose="02040503050406030204" pitchFamily="18" charset="0"/>
+                                </a:rPr>
+                                <m:t>∗</m:t>
+                              </m:r>
+                              <m:sSub>
+                                <m:sSubPr>
+                                  <m:ctrlPr>
+                                    <a:rPr lang="it-IT" i="1">
+                                      <a:latin typeface="Cambria Math" panose="02040503050406030204" pitchFamily="18" charset="0"/>
+                                    </a:rPr>
+                                  </m:ctrlPr>
+                                </m:sSubPr>
+                                <m:e>
+                                  <m:r>
+                                    <a:rPr lang="it-IT" i="1">
+                                      <a:latin typeface="Cambria Math" panose="02040503050406030204" pitchFamily="18" charset="0"/>
+                                    </a:rPr>
+                                    <m:t>𝑒</m:t>
+                                  </m:r>
+                                </m:e>
+                                <m:sub>
+                                  <m:r>
+                                    <a:rPr lang="it-IT" i="1">
+                                      <a:latin typeface="Cambria Math" panose="02040503050406030204" pitchFamily="18" charset="0"/>
+                                    </a:rPr>
+                                    <m:t>𝑥</m:t>
+                                  </m:r>
+                                </m:sub>
+                              </m:sSub>
+                              <m:r>
+                                <m:rPr>
+                                  <m:nor/>
+                                </m:rPr>
+                                <a:rPr lang="it-IT" dirty="0"/>
+                                <m:t> </m:t>
+                              </m:r>
+                            </m:e>
+                          </m:mr>
+                          <m:mr>
+                            <m:e>
+                              <m:r>
+                                <m:rPr>
+                                  <m:nor/>
+                                </m:rPr>
+                                <a:rPr lang="it-IT" dirty="0"/>
+                                <m:t>0 </m:t>
+                              </m:r>
+                            </m:e>
+                            <m:e>
+                              <m:r>
+                                <m:rPr>
+                                  <m:nor/>
+                                </m:rPr>
+                                <a:rPr lang="it-IT" dirty="0"/>
+                                <m:t>1 </m:t>
+                              </m:r>
+                            </m:e>
+                          </m:mr>
+                        </m:m>
+                      </m:e>
+                    </m:d>
+                  </m:oMath>
+                </a14:m>
+                <a:endParaRPr lang="it-IT" dirty="0"/>
+              </a:p>
+              <a:p>
+                <a:pPr marL="0" indent="0">
+                  <a:buNone/>
+                </a:pPr>
+                <a:endParaRPr lang="it-IT" baseline="-25000" dirty="0"/>
+              </a:p>
+              <a:p>
+                <a:pPr marL="0" indent="0">
+                  <a:buNone/>
+                </a:pPr>
+                <a:r>
+                  <a:rPr lang="it-IT" dirty="0"/>
+                  <a:t>e del disco:</a:t>
+                </a:r>
+              </a:p>
+              <a:p>
+                <a:pPr marL="0" indent="0">
+                  <a:buNone/>
+                </a:pPr>
+                <a:endParaRPr lang="it-IT" dirty="0"/>
+              </a:p>
+              <a:p>
+                <a:pPr marL="0" indent="0">
+                  <a:buNone/>
+                </a:pPr>
+                <a:r>
+                  <a:rPr lang="it-IT" dirty="0"/>
+                  <a:t>Q</a:t>
+                </a:r>
+                <a:r>
+                  <a:rPr lang="it-IT" baseline="-25000" dirty="0"/>
+                  <a:t>02 </a:t>
+                </a:r>
+                <a:r>
+                  <a:rPr lang="it-IT" dirty="0"/>
+                  <a:t>=</a:t>
+                </a:r>
+                <a14:m>
+                  <m:oMath xmlns:m="http://schemas.openxmlformats.org/officeDocument/2006/math">
+                    <m:d>
+                      <m:dPr>
+                        <m:begChr m:val="["/>
+                        <m:endChr m:val="]"/>
+                        <m:ctrlPr>
+                          <a:rPr lang="it-IT" i="1" smtClean="0">
+                            <a:latin typeface="Cambria Math" panose="02040503050406030204" pitchFamily="18" charset="0"/>
+                          </a:rPr>
+                        </m:ctrlPr>
+                      </m:dPr>
+                      <m:e>
+                        <m:m>
+                          <m:mPr>
+                            <m:mcs>
+                              <m:mc>
+                                <m:mcPr>
+                                  <m:count m:val="2"/>
+                                  <m:mcJc m:val="center"/>
+                                </m:mcPr>
+                              </m:mc>
+                            </m:mcs>
+                            <m:ctrlPr>
+                              <a:rPr lang="it-IT" i="1" smtClean="0">
+                                <a:latin typeface="Cambria Math" panose="02040503050406030204" pitchFamily="18" charset="0"/>
+                              </a:rPr>
+                            </m:ctrlPr>
+                          </m:mPr>
+                          <m:mr>
+                            <m:e>
+                              <m:sSub>
+                                <m:sSubPr>
+                                  <m:ctrlPr>
+                                    <a:rPr lang="it-IT" i="1">
+                                      <a:latin typeface="Cambria Math" panose="02040503050406030204" pitchFamily="18" charset="0"/>
+                                    </a:rPr>
+                                  </m:ctrlPr>
+                                </m:sSubPr>
+                                <m:e>
+                                  <m:r>
+                                    <a:rPr lang="it-IT" i="1">
+                                      <a:latin typeface="Cambria Math" panose="02040503050406030204" pitchFamily="18" charset="0"/>
+                                    </a:rPr>
+                                    <m:t>𝑅</m:t>
+                                  </m:r>
+                                </m:e>
+                                <m:sub>
+                                  <m:r>
+                                    <a:rPr lang="it-IT" i="1">
+                                      <a:latin typeface="Cambria Math" panose="02040503050406030204" pitchFamily="18" charset="0"/>
+                                    </a:rPr>
+                                    <m:t>𝑧</m:t>
+                                  </m:r>
+                                </m:sub>
+                              </m:sSub>
+                              <m:r>
+                                <a:rPr lang="it-IT" i="1">
+                                  <a:latin typeface="Cambria Math" panose="02040503050406030204" pitchFamily="18" charset="0"/>
+                                </a:rPr>
+                                <m:t>(</m:t>
+                              </m:r>
+                              <m:sSub>
+                                <m:sSubPr>
+                                  <m:ctrlPr>
+                                    <a:rPr lang="it-IT" i="1">
+                                      <a:latin typeface="Cambria Math" panose="02040503050406030204" pitchFamily="18" charset="0"/>
+                                    </a:rPr>
+                                  </m:ctrlPr>
+                                </m:sSubPr>
+                                <m:e>
+                                  <m:r>
+                                    <a:rPr lang="it-IT" i="1">
+                                      <a:latin typeface="Cambria Math" panose="02040503050406030204" pitchFamily="18" charset="0"/>
+                                    </a:rPr>
+                                    <m:t>𝑞</m:t>
+                                  </m:r>
+                                </m:e>
+                                <m:sub>
+                                  <m:r>
+                                    <a:rPr lang="it-IT" i="1">
+                                      <a:latin typeface="Cambria Math" panose="02040503050406030204" pitchFamily="18" charset="0"/>
+                                    </a:rPr>
+                                    <m:t>1</m:t>
+                                  </m:r>
+                                </m:sub>
+                              </m:sSub>
+                              <m:r>
+                                <a:rPr lang="it-IT" i="1">
+                                  <a:latin typeface="Cambria Math" panose="02040503050406030204" pitchFamily="18" charset="0"/>
+                                </a:rPr>
+                                <m:t>+</m:t>
+                              </m:r>
+                              <m:sSub>
+                                <m:sSubPr>
+                                  <m:ctrlPr>
+                                    <a:rPr lang="it-IT" i="1">
+                                      <a:latin typeface="Cambria Math" panose="02040503050406030204" pitchFamily="18" charset="0"/>
+                                    </a:rPr>
+                                  </m:ctrlPr>
+                                </m:sSubPr>
+                                <m:e>
+                                  <m:r>
+                                    <a:rPr lang="it-IT" i="1">
+                                      <a:latin typeface="Cambria Math" panose="02040503050406030204" pitchFamily="18" charset="0"/>
+                                    </a:rPr>
+                                    <m:t>𝑞</m:t>
+                                  </m:r>
+                                </m:e>
+                                <m:sub>
+                                  <m:r>
+                                    <a:rPr lang="it-IT" i="1">
+                                      <a:latin typeface="Cambria Math" panose="02040503050406030204" pitchFamily="18" charset="0"/>
+                                    </a:rPr>
+                                    <m:t>2</m:t>
+                                  </m:r>
+                                </m:sub>
+                              </m:sSub>
+                              <m:r>
+                                <a:rPr lang="it-IT" i="1">
+                                  <a:latin typeface="Cambria Math" panose="02040503050406030204" pitchFamily="18" charset="0"/>
+                                </a:rPr>
+                                <m:t>)</m:t>
+                              </m:r>
+                              <m:r>
+                                <m:rPr>
+                                  <m:nor/>
+                                </m:rPr>
+                                <a:rPr lang="it-IT" dirty="0"/>
+                                <m:t> </m:t>
+                              </m:r>
+                            </m:e>
+                            <m:e>
+                              <m:sSub>
+                                <m:sSubPr>
+                                  <m:ctrlPr>
+                                    <a:rPr lang="it-IT" i="1">
+                                      <a:latin typeface="Cambria Math" panose="02040503050406030204" pitchFamily="18" charset="0"/>
+                                    </a:rPr>
+                                  </m:ctrlPr>
+                                </m:sSubPr>
+                                <m:e>
+                                  <m:r>
+                                    <a:rPr lang="it-IT" i="1">
+                                      <a:latin typeface="Cambria Math" panose="02040503050406030204" pitchFamily="18" charset="0"/>
+                                    </a:rPr>
+                                    <m:t>𝑅</m:t>
+                                  </m:r>
+                                </m:e>
+                                <m:sub>
+                                  <m:r>
+                                    <a:rPr lang="it-IT" i="1">
+                                      <a:latin typeface="Cambria Math" panose="02040503050406030204" pitchFamily="18" charset="0"/>
+                                    </a:rPr>
+                                    <m:t>𝑧</m:t>
+                                  </m:r>
+                                </m:sub>
+                              </m:sSub>
+                              <m:d>
+                                <m:dPr>
+                                  <m:ctrlPr>
+                                    <a:rPr lang="it-IT" i="1">
+                                      <a:latin typeface="Cambria Math" panose="02040503050406030204" pitchFamily="18" charset="0"/>
+                                    </a:rPr>
+                                  </m:ctrlPr>
+                                </m:dPr>
+                                <m:e>
+                                  <m:sSub>
+                                    <m:sSubPr>
+                                      <m:ctrlPr>
+                                        <a:rPr lang="it-IT" i="1" dirty="0">
+                                          <a:latin typeface="Cambria Math" panose="02040503050406030204" pitchFamily="18" charset="0"/>
+                                        </a:rPr>
+                                      </m:ctrlPr>
+                                    </m:sSubPr>
+                                    <m:e>
+                                      <m:r>
+                                        <a:rPr lang="it-IT" i="1" dirty="0">
+                                          <a:latin typeface="Cambria Math" panose="02040503050406030204" pitchFamily="18" charset="0"/>
+                                        </a:rPr>
+                                        <m:t>𝑞</m:t>
+                                      </m:r>
+                                    </m:e>
+                                    <m:sub>
+                                      <m:r>
+                                        <a:rPr lang="it-IT" i="1" dirty="0">
+                                          <a:latin typeface="Cambria Math" panose="02040503050406030204" pitchFamily="18" charset="0"/>
+                                        </a:rPr>
+                                        <m:t>1</m:t>
+                                      </m:r>
+                                    </m:sub>
+                                  </m:sSub>
+                                </m:e>
+                              </m:d>
+                              <m:r>
+                                <a:rPr lang="it-IT" i="1">
+                                  <a:latin typeface="Cambria Math" panose="02040503050406030204" pitchFamily="18" charset="0"/>
+                                </a:rPr>
+                                <m:t>∗</m:t>
+                              </m:r>
+                              <m:sSub>
+                                <m:sSubPr>
+                                  <m:ctrlPr>
+                                    <a:rPr lang="it-IT" i="1">
+                                      <a:latin typeface="Cambria Math" panose="02040503050406030204" pitchFamily="18" charset="0"/>
+                                    </a:rPr>
+                                  </m:ctrlPr>
+                                </m:sSubPr>
+                                <m:e>
+                                  <m:r>
+                                    <a:rPr lang="it-IT" i="1">
+                                      <a:latin typeface="Cambria Math" panose="02040503050406030204" pitchFamily="18" charset="0"/>
+                                    </a:rPr>
+                                    <m:t>𝐿</m:t>
+                                  </m:r>
+                                </m:e>
+                                <m:sub>
+                                  <m:r>
+                                    <a:rPr lang="it-IT" i="1">
+                                      <a:latin typeface="Cambria Math" panose="02040503050406030204" pitchFamily="18" charset="0"/>
+                                    </a:rPr>
+                                    <m:t>1</m:t>
+                                  </m:r>
+                                </m:sub>
+                              </m:sSub>
+                              <m:r>
+                                <a:rPr lang="it-IT" i="1">
+                                  <a:latin typeface="Cambria Math" panose="02040503050406030204" pitchFamily="18" charset="0"/>
+                                </a:rPr>
+                                <m:t>∗</m:t>
+                              </m:r>
+                              <m:sSub>
+                                <m:sSubPr>
+                                  <m:ctrlPr>
+                                    <a:rPr lang="it-IT" i="1">
+                                      <a:latin typeface="Cambria Math" panose="02040503050406030204" pitchFamily="18" charset="0"/>
+                                    </a:rPr>
+                                  </m:ctrlPr>
+                                </m:sSubPr>
+                                <m:e>
+                                  <m:r>
+                                    <a:rPr lang="it-IT" i="1">
+                                      <a:latin typeface="Cambria Math" panose="02040503050406030204" pitchFamily="18" charset="0"/>
+                                    </a:rPr>
+                                    <m:t>𝑒</m:t>
+                                  </m:r>
+                                </m:e>
+                                <m:sub>
+                                  <m:r>
+                                    <a:rPr lang="it-IT" i="1">
+                                      <a:latin typeface="Cambria Math" panose="02040503050406030204" pitchFamily="18" charset="0"/>
+                                    </a:rPr>
+                                    <m:t>𝑥</m:t>
+                                  </m:r>
+                                </m:sub>
+                              </m:sSub>
+                              <m:r>
+                                <m:rPr>
+                                  <m:nor/>
+                                </m:rPr>
+                                <a:rPr lang="it-IT" dirty="0"/>
+                                <m:t> </m:t>
+                              </m:r>
+                            </m:e>
+                          </m:mr>
+                          <m:mr>
+                            <m:e>
+                              <m:r>
+                                <a:rPr lang="it-IT" b="0" i="1" smtClean="0">
+                                  <a:latin typeface="Cambria Math" panose="02040503050406030204" pitchFamily="18" charset="0"/>
+                                </a:rPr>
+                                <m:t>0</m:t>
+                              </m:r>
+                            </m:e>
+                            <m:e>
+                              <m:r>
+                                <a:rPr lang="it-IT" b="0" i="1" smtClean="0">
+                                  <a:latin typeface="Cambria Math" panose="02040503050406030204" pitchFamily="18" charset="0"/>
+                                </a:rPr>
+                                <m:t>1</m:t>
+                              </m:r>
+                            </m:e>
+                          </m:mr>
+                        </m:m>
+                      </m:e>
+                    </m:d>
+                  </m:oMath>
+                </a14:m>
+                <a:endParaRPr lang="it-IT" dirty="0"/>
+              </a:p>
+              <a:p>
+                <a:pPr marL="0" indent="0">
+                  <a:buNone/>
+                </a:pPr>
+                <a:endParaRPr lang="it-IT" dirty="0"/>
+              </a:p>
+              <a:p>
+                <a:pPr marL="0" indent="0">
+                  <a:buNone/>
+                </a:pPr>
+                <a:r>
+                  <a:rPr lang="it-IT" dirty="0"/>
+                  <a:t>N.B. la cinematica diretta è stata calcolata fissando l’origine del sistema di riferimento 1 e 2 nel baricentro dei rispettivi corpi (il perché è spiegato nel paragrafo dell’energia cinetica).</a:t>
+                </a:r>
+              </a:p>
+              <a:p>
+                <a:pPr marL="0" indent="0">
+                  <a:buNone/>
+                </a:pPr>
+                <a:endParaRPr lang="it-IT" dirty="0"/>
+              </a:p>
+            </p:txBody>
+          </p:sp>
         </mc:Choice>
-        <mc:Fallback xmlns="">
-          <p:graphicFrame>
-            <p:nvGraphicFramePr>
-              <p:cNvPr id="2" name="Diagramma 1">
+        <mc:Fallback>
+          <p:sp>
+            <p:nvSpPr>
+              <p:cNvPr id="3" name="Segnaposto contenuto 2">
                 <a:extLst>
                   <a:ext uri="{FF2B5EF4-FFF2-40B4-BE49-F238E27FC236}">
-                    <a16:creationId xmlns:a16="http://schemas.microsoft.com/office/drawing/2014/main" id="{85A3C102-5A12-4818-AC91-8FA87D7698D4}"/>
+                    <a16:creationId xmlns:a16="http://schemas.microsoft.com/office/drawing/2014/main" id="{609AEB39-8BB5-47BF-AC3A-B4CB3C79C39B}"/>
                   </a:ext>
                 </a:extLst>
               </p:cNvPr>
-              <p:cNvGraphicFramePr/>
+              <p:cNvSpPr>
+                <a:spLocks noGrp="1" noRot="1" noChangeAspect="1" noMove="1" noResize="1" noEditPoints="1" noAdjustHandles="1" noChangeArrowheads="1" noChangeShapeType="1" noTextEdit="1"/>
+              </p:cNvSpPr>
               <p:nvPr>
-                <p:extLst>
-                  <p:ext uri="{D42A27DB-BD31-4B8C-83A1-F6EECF244321}">
-                    <p14:modId xmlns:p14="http://schemas.microsoft.com/office/powerpoint/2010/main" val="2128506284"/>
-                  </p:ext>
-                </p:extLst>
+                <p:ph idx="1"/>
               </p:nvPr>
-            </p:nvGraphicFramePr>
-            <p:xfrm>
-              <a:off x="1701924" y="980728"/>
-              <a:ext cx="8125883" cy="5417256"/>
-            </p:xfrm>
-            <a:graphic>
-              <a:graphicData uri="http://schemas.openxmlformats.org/drawingml/2006/diagram">
-                <dgm:relIds xmlns:dgm="http://schemas.openxmlformats.org/drawingml/2006/diagram" xmlns:r="http://schemas.openxmlformats.org/officeDocument/2006/relationships" r:dm="rId7" r:lo="rId8" r:qs="rId9" r:cs="rId10"/>
-              </a:graphicData>
-            </a:graphic>
-          </p:graphicFrame>
-        </mc:Fallback>
-      </mc:AlternateContent>
-      <mc:AlternateContent xmlns:mc="http://schemas.openxmlformats.org/markup-compatibility/2006" xmlns:a14="http://schemas.microsoft.com/office/drawing/2010/main">
-        <mc:Choice Requires="a14">
-          <p:graphicFrame>
-            <p:nvGraphicFramePr>
-              <p:cNvPr id="6" name="Diagramma 5">
-                <a:extLst>
-                  <a:ext uri="{FF2B5EF4-FFF2-40B4-BE49-F238E27FC236}">
-                    <a16:creationId xmlns:a16="http://schemas.microsoft.com/office/drawing/2014/main" id="{C9EA2A04-C6C4-461C-AA21-B88E1BDC4D5F}"/>
-                  </a:ext>
-                </a:extLst>
-              </p:cNvPr>
-              <p:cNvGraphicFramePr/>
-              <p:nvPr>
-                <p:extLst>
-                  <p:ext uri="{D42A27DB-BD31-4B8C-83A1-F6EECF244321}">
-                    <p14:modId xmlns:p14="http://schemas.microsoft.com/office/powerpoint/2010/main" val="3790538502"/>
-                  </p:ext>
-                </p:extLst>
-              </p:nvPr>
-            </p:nvGraphicFramePr>
-            <p:xfrm>
-              <a:off x="1845940" y="3429000"/>
-              <a:ext cx="8125883" cy="5417256"/>
-            </p:xfrm>
-            <a:graphic>
-              <a:graphicData uri="http://schemas.openxmlformats.org/drawingml/2006/diagram">
-                <dgm:relIds xmlns:dgm="http://schemas.openxmlformats.org/drawingml/2006/diagram" xmlns:r="http://schemas.openxmlformats.org/officeDocument/2006/relationships" r:dm="rId11" r:lo="rId12" r:qs="rId13" r:cs="rId14"/>
-              </a:graphicData>
-            </a:graphic>
-          </p:graphicFrame>
-        </mc:Choice>
-        <mc:Fallback xmlns="">
-          <p:graphicFrame>
-            <p:nvGraphicFramePr>
-              <p:cNvPr id="6" name="Diagramma 5">
-                <a:extLst>
-                  <a:ext uri="{FF2B5EF4-FFF2-40B4-BE49-F238E27FC236}">
-                    <a16:creationId xmlns:a16="http://schemas.microsoft.com/office/drawing/2014/main" id="{C9EA2A04-C6C4-461C-AA21-B88E1BDC4D5F}"/>
-                  </a:ext>
-                </a:extLst>
-              </p:cNvPr>
-              <p:cNvGraphicFramePr/>
-              <p:nvPr>
-                <p:extLst>
-                  <p:ext uri="{D42A27DB-BD31-4B8C-83A1-F6EECF244321}">
-                    <p14:modId xmlns:p14="http://schemas.microsoft.com/office/powerpoint/2010/main" val="3790538502"/>
-                  </p:ext>
-                </p:extLst>
-              </p:nvPr>
-            </p:nvGraphicFramePr>
-            <p:xfrm>
-              <a:off x="1845940" y="3429000"/>
-              <a:ext cx="8125883" cy="5417256"/>
-            </p:xfrm>
-            <a:graphic>
-              <a:graphicData uri="http://schemas.openxmlformats.org/drawingml/2006/diagram">
-                <dgm:relIds xmlns:dgm="http://schemas.openxmlformats.org/drawingml/2006/diagram" xmlns:r="http://schemas.openxmlformats.org/officeDocument/2006/relationships" r:dm="rId16" r:lo="rId17" r:qs="rId18" r:cs="rId19"/>
-              </a:graphicData>
-            </a:graphic>
-          </p:graphicFrame>
+            </p:nvSpPr>
+            <p:spPr>
+              <a:xfrm>
+                <a:off x="1485900" y="188640"/>
+                <a:ext cx="9782801" cy="6480720"/>
+              </a:xfrm>
+              <a:blipFill>
+                <a:blip r:embed="rId2"/>
+                <a:stretch>
+                  <a:fillRect l="-1308" t="-2352" r="-374" b="-1411"/>
+                </a:stretch>
+              </a:blipFill>
+            </p:spPr>
+            <p:txBody>
+              <a:bodyPr/>
+              <a:lstStyle/>
+              <a:p>
+                <a:r>
+                  <a:rPr lang="it-IT">
+                    <a:noFill/>
+                  </a:rPr>
+                  <a:t> </a:t>
+                </a:r>
+              </a:p>
+            </p:txBody>
+          </p:sp>
         </mc:Fallback>
       </mc:AlternateContent>
     </p:spTree>

--- a/00_Relazione/Modello fisico pendolo/Equazioni_del_moto.pptx
+++ b/00_Relazione/Modello fisico pendolo/Equazioni_del_moto.pptx
@@ -7939,29 +7939,6 @@
           </a:p>
         </p:txBody>
       </p:sp>
-      <p:sp>
-        <p:nvSpPr>
-          <p:cNvPr id="3" name="Sottotitolo 2"/>
-          <p:cNvSpPr>
-            <a:spLocks noGrp="1"/>
-          </p:cNvSpPr>
-          <p:nvPr>
-            <p:ph type="subTitle" idx="1"/>
-          </p:nvPr>
-        </p:nvSpPr>
-        <p:spPr/>
-        <p:txBody>
-          <a:bodyPr rtlCol="0"/>
-          <a:lstStyle/>
-          <a:p>
-            <a:pPr rtl="0"/>
-            <a:r>
-              <a:rPr lang="it-IT" dirty="0"/>
-              <a:t>Pendolo inverso</a:t>
-            </a:r>
-          </a:p>
-        </p:txBody>
-      </p:sp>
     </p:spTree>
     <p:extLst>
       <p:ext uri="{BB962C8B-B14F-4D97-AF65-F5344CB8AC3E}">
@@ -8037,8 +8014,8 @@
           </a:p>
         </p:txBody>
       </p:sp>
-      <mc:AlternateContent xmlns:mc="http://schemas.openxmlformats.org/markup-compatibility/2006" xmlns:a14="http://schemas.microsoft.com/office/drawing/2010/main">
-        <mc:Choice Requires="a14">
+      <mc:AlternateContent xmlns:mc="http://schemas.openxmlformats.org/markup-compatibility/2006">
+        <mc:Choice xmlns:a14="http://schemas.microsoft.com/office/drawing/2010/main" Requires="a14">
           <p:sp>
             <p:nvSpPr>
               <p:cNvPr id="3" name="Segnaposto contenuto 2">
@@ -8062,35 +8039,52 @@
               </a:xfrm>
             </p:spPr>
             <p:txBody>
-              <a:bodyPr/>
+              <a:bodyPr>
+                <a:normAutofit lnSpcReduction="10000"/>
+              </a:bodyPr>
               <a:lstStyle/>
               <a:p>
-                <a:pPr marL="0" indent="0">
+                <a:pPr marL="0" indent="0" algn="just">
+                  <a:lnSpc>
+                    <a:spcPct val="100000"/>
+                  </a:lnSpc>
                   <a:buNone/>
                 </a:pPr>
                 <a:r>
-                  <a:rPr lang="it-IT" dirty="0"/>
+                  <a:rPr lang="it-IT" sz="2400" dirty="0"/>
                   <a:t>La funzione di </a:t>
                 </a:r>
                 <a:r>
-                  <a:rPr lang="it-IT" dirty="0" err="1"/>
+                  <a:rPr lang="it-IT" sz="2400" dirty="0" err="1"/>
                   <a:t>Rayleigh</a:t>
                 </a:r>
                 <a:r>
-                  <a:rPr lang="it-IT" dirty="0"/>
+                  <a:rPr lang="it-IT" sz="2400" dirty="0"/>
                   <a:t> è una forma quadratica nelle velocità rappresentante l’energia dissipata dalle forze di attrito sul corpo preso in esame. La funzione di </a:t>
                 </a:r>
                 <a:r>
-                  <a:rPr lang="it-IT" dirty="0" err="1"/>
+                  <a:rPr lang="it-IT" sz="2400" dirty="0" err="1"/>
                   <a:t>Rayleigh</a:t>
                 </a:r>
                 <a:r>
-                  <a:rPr lang="it-IT" dirty="0"/>
+                  <a:rPr lang="it-IT" sz="2400" dirty="0"/>
                   <a:t> è definita da:</a:t>
                 </a:r>
               </a:p>
               <a:p>
-                <a:pPr marL="0" indent="0">
+                <a:pPr marL="0" indent="0" algn="just">
+                  <a:lnSpc>
+                    <a:spcPct val="100000"/>
+                  </a:lnSpc>
+                  <a:buNone/>
+                </a:pPr>
+                <a:endParaRPr lang="it-IT" sz="2400" dirty="0"/>
+              </a:p>
+              <a:p>
+                <a:pPr marL="0" indent="0" algn="just">
+                  <a:lnSpc>
+                    <a:spcPct val="100000"/>
+                  </a:lnSpc>
                   <a:buNone/>
                 </a:pPr>
                 <a14:m>
@@ -8100,13 +8094,13 @@
                     </m:oMathParaPr>
                     <m:oMath xmlns:m="http://schemas.openxmlformats.org/officeDocument/2006/math">
                       <m:r>
-                        <a:rPr lang="it-IT" b="0" i="1" smtClean="0">
+                        <a:rPr lang="it-IT" sz="2400" b="0" i="1" smtClean="0">
                           <a:latin typeface="Cambria Math" panose="02040503050406030204" pitchFamily="18" charset="0"/>
                         </a:rPr>
                         <m:t>𝐹</m:t>
                       </m:r>
                       <m:r>
-                        <a:rPr lang="it-IT" b="0" i="1" smtClean="0">
+                        <a:rPr lang="it-IT" sz="2400" b="0" i="1" smtClean="0">
                           <a:latin typeface="Cambria Math" panose="02040503050406030204" pitchFamily="18" charset="0"/>
                         </a:rPr>
                         <m:t>=</m:t>
@@ -8114,14 +8108,14 @@
                       <m:f>
                         <m:fPr>
                           <m:ctrlPr>
-                            <a:rPr lang="it-IT" b="0" i="1" smtClean="0">
+                            <a:rPr lang="it-IT" sz="2400" b="0" i="1" smtClean="0">
                               <a:latin typeface="Cambria Math" panose="02040503050406030204" pitchFamily="18" charset="0"/>
                             </a:rPr>
                           </m:ctrlPr>
                         </m:fPr>
                         <m:num>
                           <m:r>
-                            <a:rPr lang="it-IT" b="0" i="1" smtClean="0">
+                            <a:rPr lang="it-IT" sz="2400" b="0" i="1" smtClean="0">
                               <a:latin typeface="Cambria Math" panose="02040503050406030204" pitchFamily="18" charset="0"/>
                             </a:rPr>
                             <m:t>1</m:t>
@@ -8129,7 +8123,7 @@
                         </m:num>
                         <m:den>
                           <m:r>
-                            <a:rPr lang="it-IT" b="0" i="1" smtClean="0">
+                            <a:rPr lang="it-IT" sz="2400" b="0" i="1" smtClean="0">
                               <a:latin typeface="Cambria Math" panose="02040503050406030204" pitchFamily="18" charset="0"/>
                             </a:rPr>
                             <m:t>2</m:t>
@@ -8139,7 +8133,7 @@
                       <m:sSup>
                         <m:sSupPr>
                           <m:ctrlPr>
-                            <a:rPr lang="it-IT" b="0" i="1" smtClean="0">
+                            <a:rPr lang="it-IT" sz="2400" b="0" i="1" smtClean="0">
                               <a:latin typeface="Cambria Math" panose="02040503050406030204" pitchFamily="18" charset="0"/>
                             </a:rPr>
                           </m:ctrlPr>
@@ -8149,14 +8143,14 @@
                             <m:accPr>
                               <m:chr m:val="̇"/>
                               <m:ctrlPr>
-                                <a:rPr lang="it-IT" b="0" i="1" smtClean="0">
+                                <a:rPr lang="it-IT" sz="2400" b="0" i="1" smtClean="0">
                                   <a:latin typeface="Cambria Math" panose="02040503050406030204" pitchFamily="18" charset="0"/>
                                 </a:rPr>
                               </m:ctrlPr>
                             </m:accPr>
                             <m:e>
                               <m:r>
-                                <a:rPr lang="it-IT" b="0" i="1" smtClean="0">
+                                <a:rPr lang="it-IT" sz="2400" b="0" i="1" smtClean="0">
                                   <a:latin typeface="Cambria Math" panose="02040503050406030204" pitchFamily="18" charset="0"/>
                                 </a:rPr>
                                 <m:t>𝑞</m:t>
@@ -8166,7 +8160,7 @@
                         </m:e>
                         <m:sup>
                           <m:r>
-                            <a:rPr lang="it-IT" b="0" i="1" smtClean="0">
+                            <a:rPr lang="it-IT" sz="2400" b="0" i="1" smtClean="0">
                               <a:latin typeface="Cambria Math" panose="02040503050406030204" pitchFamily="18" charset="0"/>
                             </a:rPr>
                             <m:t>𝑇</m:t>
@@ -8177,7 +8171,7 @@
                         <m:rPr>
                           <m:sty m:val="p"/>
                         </m:rPr>
-                        <a:rPr lang="it-IT" b="0" i="0" smtClean="0">
+                        <a:rPr lang="it-IT" sz="2400" b="0" i="0" smtClean="0">
                           <a:latin typeface="Cambria Math" panose="02040503050406030204" pitchFamily="18" charset="0"/>
                         </a:rPr>
                         <m:t>D</m:t>
@@ -8186,14 +8180,14 @@
                         <m:accPr>
                           <m:chr m:val="̇"/>
                           <m:ctrlPr>
-                            <a:rPr lang="it-IT" b="0" i="1" smtClean="0">
+                            <a:rPr lang="it-IT" sz="2400" b="0" i="1" smtClean="0">
                               <a:latin typeface="Cambria Math" panose="02040503050406030204" pitchFamily="18" charset="0"/>
                             </a:rPr>
                           </m:ctrlPr>
                         </m:accPr>
                         <m:e>
                           <m:r>
-                            <a:rPr lang="it-IT" b="0" i="1" smtClean="0">
+                            <a:rPr lang="it-IT" sz="2400" b="0" i="1" smtClean="0">
                               <a:latin typeface="Cambria Math" panose="02040503050406030204" pitchFamily="18" charset="0"/>
                             </a:rPr>
                             <m:t>𝑞</m:t>
@@ -8203,19 +8197,34 @@
                     </m:oMath>
                   </m:oMathPara>
                 </a14:m>
-                <a:endParaRPr lang="it-IT" dirty="0"/>
+                <a:endParaRPr lang="it-IT" sz="2400" dirty="0"/>
               </a:p>
               <a:p>
-                <a:pPr marL="0" indent="0">
+                <a:pPr marL="0" indent="0" algn="just">
+                  <a:lnSpc>
+                    <a:spcPct val="100000"/>
+                  </a:lnSpc>
                   <a:buNone/>
                 </a:pPr>
                 <a:r>
-                  <a:rPr lang="it-IT" dirty="0"/>
+                  <a:rPr lang="it-IT" sz="2400" dirty="0"/>
                   <a:t>dove D è l’energia dissipata dalle forze di attrito ed è una matrice definita positiva. Nel caso del pendolo inverso ho che:</a:t>
                 </a:r>
               </a:p>
               <a:p>
-                <a:pPr marL="0" indent="0">
+                <a:pPr marL="0" indent="0" algn="just">
+                  <a:lnSpc>
+                    <a:spcPct val="100000"/>
+                  </a:lnSpc>
+                  <a:buNone/>
+                </a:pPr>
+                <a:endParaRPr lang="it-IT" sz="2400" dirty="0"/>
+              </a:p>
+              <a:p>
+                <a:pPr marL="0" indent="0" algn="just">
+                  <a:lnSpc>
+                    <a:spcPct val="100000"/>
+                  </a:lnSpc>
                   <a:buNone/>
                 </a:pPr>
                 <a14:m>
@@ -8223,14 +8232,14 @@
                     <m:sSub>
                       <m:sSubPr>
                         <m:ctrlPr>
-                          <a:rPr lang="it-IT" i="1" smtClean="0">
+                          <a:rPr lang="it-IT" sz="2400" i="1" smtClean="0">
                             <a:latin typeface="Cambria Math" panose="02040503050406030204" pitchFamily="18" charset="0"/>
                           </a:rPr>
                         </m:ctrlPr>
                       </m:sSubPr>
                       <m:e>
                         <m:r>
-                          <a:rPr lang="it-IT" b="0" i="1" smtClean="0">
+                          <a:rPr lang="it-IT" sz="2400" b="0" i="1" smtClean="0">
                             <a:latin typeface="Cambria Math" panose="02040503050406030204" pitchFamily="18" charset="0"/>
                           </a:rPr>
                           <m:t>𝐹</m:t>
@@ -8238,7 +8247,7 @@
                       </m:e>
                       <m:sub>
                         <m:r>
-                          <a:rPr lang="it-IT" b="0" i="1" smtClean="0">
+                          <a:rPr lang="it-IT" sz="2400" b="0" i="1" smtClean="0">
                             <a:latin typeface="Cambria Math" panose="02040503050406030204" pitchFamily="18" charset="0"/>
                           </a:rPr>
                           <m:t>𝐵</m:t>
@@ -8246,7 +8255,7 @@
                       </m:sub>
                     </m:sSub>
                     <m:r>
-                      <a:rPr lang="it-IT" b="0" i="1" smtClean="0">
+                      <a:rPr lang="it-IT" sz="2400" b="0" i="1" smtClean="0">
                         <a:latin typeface="Cambria Math" panose="02040503050406030204" pitchFamily="18" charset="0"/>
                       </a:rPr>
                       <m:t>=</m:t>
@@ -8254,14 +8263,14 @@
                     <m:f>
                       <m:fPr>
                         <m:ctrlPr>
-                          <a:rPr lang="it-IT" b="0" i="1" smtClean="0">
+                          <a:rPr lang="it-IT" sz="2400" b="0" i="1" smtClean="0">
                             <a:latin typeface="Cambria Math" panose="02040503050406030204" pitchFamily="18" charset="0"/>
                           </a:rPr>
                         </m:ctrlPr>
                       </m:fPr>
                       <m:num>
                         <m:r>
-                          <a:rPr lang="it-IT" b="0" i="1" smtClean="0">
+                          <a:rPr lang="it-IT" sz="2400" b="0" i="1" smtClean="0">
                             <a:latin typeface="Cambria Math" panose="02040503050406030204" pitchFamily="18" charset="0"/>
                           </a:rPr>
                           <m:t>1</m:t>
@@ -8269,7 +8278,7 @@
                       </m:num>
                       <m:den>
                         <m:r>
-                          <a:rPr lang="it-IT" b="0" i="1" smtClean="0">
+                          <a:rPr lang="it-IT" sz="2400" b="0" i="1" smtClean="0">
                             <a:latin typeface="Cambria Math" panose="02040503050406030204" pitchFamily="18" charset="0"/>
                           </a:rPr>
                           <m:t>2</m:t>
@@ -8279,14 +8288,14 @@
                     <m:sSub>
                       <m:sSubPr>
                         <m:ctrlPr>
-                          <a:rPr lang="it-IT" b="0" i="1" smtClean="0">
+                          <a:rPr lang="it-IT" sz="2400" b="0" i="1" smtClean="0">
                             <a:latin typeface="Cambria Math" panose="02040503050406030204" pitchFamily="18" charset="0"/>
                           </a:rPr>
                         </m:ctrlPr>
                       </m:sSubPr>
                       <m:e>
                         <m:r>
-                          <a:rPr lang="it-IT" b="0" i="1" smtClean="0">
+                          <a:rPr lang="it-IT" sz="2400" b="0" i="1" smtClean="0">
                             <a:latin typeface="Cambria Math" panose="02040503050406030204" pitchFamily="18" charset="0"/>
                           </a:rPr>
                           <m:t>𝐷</m:t>
@@ -8294,7 +8303,7 @@
                       </m:e>
                       <m:sub>
                         <m:r>
-                          <a:rPr lang="it-IT" b="0" i="1" smtClean="0">
+                          <a:rPr lang="it-IT" sz="2400" b="0" i="1" smtClean="0">
                             <a:latin typeface="Cambria Math" panose="02040503050406030204" pitchFamily="18" charset="0"/>
                           </a:rPr>
                           <m:t>1</m:t>
@@ -8304,7 +8313,7 @@
                     <m:sSubSup>
                       <m:sSubSupPr>
                         <m:ctrlPr>
-                          <a:rPr lang="it-IT" b="0" i="1" smtClean="0">
+                          <a:rPr lang="it-IT" sz="2400" b="0" i="1" smtClean="0">
                             <a:latin typeface="Cambria Math" panose="02040503050406030204" pitchFamily="18" charset="0"/>
                           </a:rPr>
                         </m:ctrlPr>
@@ -8314,14 +8323,14 @@
                           <m:accPr>
                             <m:chr m:val="̇"/>
                             <m:ctrlPr>
-                              <a:rPr lang="it-IT" b="0" i="1" smtClean="0">
+                              <a:rPr lang="it-IT" sz="2400" b="0" i="1" smtClean="0">
                                 <a:latin typeface="Cambria Math" panose="02040503050406030204" pitchFamily="18" charset="0"/>
                               </a:rPr>
                             </m:ctrlPr>
                           </m:accPr>
                           <m:e>
                             <m:r>
-                              <a:rPr lang="it-IT" b="0" i="1" smtClean="0">
+                              <a:rPr lang="it-IT" sz="2400" b="0" i="1" smtClean="0">
                                 <a:latin typeface="Cambria Math" panose="02040503050406030204" pitchFamily="18" charset="0"/>
                               </a:rPr>
                               <m:t>𝑞</m:t>
@@ -8331,7 +8340,7 @@
                       </m:e>
                       <m:sub>
                         <m:r>
-                          <a:rPr lang="it-IT" b="0" i="1" smtClean="0">
+                          <a:rPr lang="it-IT" sz="2400" b="0" i="1" smtClean="0">
                             <a:latin typeface="Cambria Math" panose="02040503050406030204" pitchFamily="18" charset="0"/>
                           </a:rPr>
                           <m:t>1</m:t>
@@ -8339,7 +8348,7 @@
                       </m:sub>
                       <m:sup>
                         <m:r>
-                          <a:rPr lang="it-IT" b="0" i="1" smtClean="0">
+                          <a:rPr lang="it-IT" sz="2400" b="0" i="1" smtClean="0">
                             <a:latin typeface="Cambria Math" panose="02040503050406030204" pitchFamily="18" charset="0"/>
                           </a:rPr>
                           <m:t>2</m:t>
@@ -8349,20 +8358,23 @@
                   </m:oMath>
                 </a14:m>
                 <a:r>
-                  <a:rPr lang="it-IT" dirty="0"/>
+                  <a:rPr lang="it-IT" sz="2400" dirty="0"/>
                   <a:t> (funzione di </a:t>
                 </a:r>
                 <a:r>
-                  <a:rPr lang="it-IT" dirty="0" err="1"/>
+                  <a:rPr lang="it-IT" sz="2400" dirty="0" err="1"/>
                   <a:t>Rayleigh</a:t>
                 </a:r>
                 <a:r>
-                  <a:rPr lang="it-IT" dirty="0"/>
+                  <a:rPr lang="it-IT" sz="2400" dirty="0"/>
                   <a:t> della barra)</a:t>
                 </a:r>
               </a:p>
               <a:p>
-                <a:pPr marL="0" indent="0">
+                <a:pPr marL="0" indent="0" algn="just">
+                  <a:lnSpc>
+                    <a:spcPct val="100000"/>
+                  </a:lnSpc>
                   <a:buNone/>
                 </a:pPr>
                 <a14:m>
@@ -8370,14 +8382,14 @@
                     <m:sSub>
                       <m:sSubPr>
                         <m:ctrlPr>
-                          <a:rPr lang="it-IT" i="1">
+                          <a:rPr lang="it-IT" sz="2400" i="1">
                             <a:latin typeface="Cambria Math" panose="02040503050406030204" pitchFamily="18" charset="0"/>
                           </a:rPr>
                         </m:ctrlPr>
                       </m:sSubPr>
                       <m:e>
                         <m:r>
-                          <a:rPr lang="it-IT" i="1">
+                          <a:rPr lang="it-IT" sz="2400" i="1">
                             <a:latin typeface="Cambria Math" panose="02040503050406030204" pitchFamily="18" charset="0"/>
                           </a:rPr>
                           <m:t>𝐹</m:t>
@@ -8385,7 +8397,7 @@
                       </m:e>
                       <m:sub>
                         <m:r>
-                          <a:rPr lang="it-IT" b="0" i="1" smtClean="0">
+                          <a:rPr lang="it-IT" sz="2400" b="0" i="1" smtClean="0">
                             <a:latin typeface="Cambria Math" panose="02040503050406030204" pitchFamily="18" charset="0"/>
                           </a:rPr>
                           <m:t>𝐷</m:t>
@@ -8393,7 +8405,7 @@
                       </m:sub>
                     </m:sSub>
                     <m:r>
-                      <a:rPr lang="it-IT" i="1">
+                      <a:rPr lang="it-IT" sz="2400" i="1">
                         <a:latin typeface="Cambria Math" panose="02040503050406030204" pitchFamily="18" charset="0"/>
                       </a:rPr>
                       <m:t>=</m:t>
@@ -8401,14 +8413,14 @@
                     <m:f>
                       <m:fPr>
                         <m:ctrlPr>
-                          <a:rPr lang="it-IT" i="1">
+                          <a:rPr lang="it-IT" sz="2400" i="1">
                             <a:latin typeface="Cambria Math" panose="02040503050406030204" pitchFamily="18" charset="0"/>
                           </a:rPr>
                         </m:ctrlPr>
                       </m:fPr>
                       <m:num>
                         <m:r>
-                          <a:rPr lang="it-IT" i="1">
+                          <a:rPr lang="it-IT" sz="2400" i="1">
                             <a:latin typeface="Cambria Math" panose="02040503050406030204" pitchFamily="18" charset="0"/>
                           </a:rPr>
                           <m:t>1</m:t>
@@ -8416,7 +8428,7 @@
                       </m:num>
                       <m:den>
                         <m:r>
-                          <a:rPr lang="it-IT" i="1">
+                          <a:rPr lang="it-IT" sz="2400" i="1">
                             <a:latin typeface="Cambria Math" panose="02040503050406030204" pitchFamily="18" charset="0"/>
                           </a:rPr>
                           <m:t>2</m:t>
@@ -8426,14 +8438,14 @@
                     <m:sSub>
                       <m:sSubPr>
                         <m:ctrlPr>
-                          <a:rPr lang="it-IT" i="1">
+                          <a:rPr lang="it-IT" sz="2400" i="1">
                             <a:latin typeface="Cambria Math" panose="02040503050406030204" pitchFamily="18" charset="0"/>
                           </a:rPr>
                         </m:ctrlPr>
                       </m:sSubPr>
                       <m:e>
                         <m:r>
-                          <a:rPr lang="it-IT" i="1">
+                          <a:rPr lang="it-IT" sz="2400" i="1">
                             <a:latin typeface="Cambria Math" panose="02040503050406030204" pitchFamily="18" charset="0"/>
                           </a:rPr>
                           <m:t>𝐷</m:t>
@@ -8441,7 +8453,7 @@
                       </m:e>
                       <m:sub>
                         <m:r>
-                          <a:rPr lang="it-IT" i="1">
+                          <a:rPr lang="it-IT" sz="2400" i="1">
                             <a:latin typeface="Cambria Math" panose="02040503050406030204" pitchFamily="18" charset="0"/>
                           </a:rPr>
                           <m:t>1</m:t>
@@ -8451,7 +8463,7 @@
                     <m:sSubSup>
                       <m:sSubSupPr>
                         <m:ctrlPr>
-                          <a:rPr lang="it-IT" i="1">
+                          <a:rPr lang="it-IT" sz="2400" i="1">
                             <a:latin typeface="Cambria Math" panose="02040503050406030204" pitchFamily="18" charset="0"/>
                           </a:rPr>
                         </m:ctrlPr>
@@ -8461,14 +8473,14 @@
                           <m:accPr>
                             <m:chr m:val="̇"/>
                             <m:ctrlPr>
-                              <a:rPr lang="it-IT" i="1">
+                              <a:rPr lang="it-IT" sz="2400" i="1">
                                 <a:latin typeface="Cambria Math" panose="02040503050406030204" pitchFamily="18" charset="0"/>
                               </a:rPr>
                             </m:ctrlPr>
                           </m:accPr>
                           <m:e>
                             <m:r>
-                              <a:rPr lang="it-IT" i="1">
+                              <a:rPr lang="it-IT" sz="2400" i="1">
                                 <a:latin typeface="Cambria Math" panose="02040503050406030204" pitchFamily="18" charset="0"/>
                               </a:rPr>
                               <m:t>𝑞</m:t>
@@ -8478,7 +8490,7 @@
                       </m:e>
                       <m:sub>
                         <m:r>
-                          <a:rPr lang="it-IT" b="0" i="1" smtClean="0">
+                          <a:rPr lang="it-IT" sz="2400" b="0" i="1" smtClean="0">
                             <a:latin typeface="Cambria Math" panose="02040503050406030204" pitchFamily="18" charset="0"/>
                           </a:rPr>
                           <m:t>2</m:t>
@@ -8486,7 +8498,7 @@
                       </m:sub>
                       <m:sup>
                         <m:r>
-                          <a:rPr lang="it-IT" i="1">
+                          <a:rPr lang="it-IT" sz="2400" i="1">
                             <a:latin typeface="Cambria Math" panose="02040503050406030204" pitchFamily="18" charset="0"/>
                           </a:rPr>
                           <m:t>2</m:t>
@@ -8496,22 +8508,22 @@
                   </m:oMath>
                 </a14:m>
                 <a:r>
-                  <a:rPr lang="it-IT" dirty="0"/>
+                  <a:rPr lang="it-IT" sz="2400" dirty="0"/>
                   <a:t> (funzione di </a:t>
                 </a:r>
                 <a:r>
-                  <a:rPr lang="it-IT" dirty="0" err="1"/>
+                  <a:rPr lang="it-IT" sz="2400" dirty="0" err="1"/>
                   <a:t>Rayleigh</a:t>
                 </a:r>
                 <a:r>
-                  <a:rPr lang="it-IT" dirty="0"/>
+                  <a:rPr lang="it-IT" sz="2400" dirty="0"/>
                   <a:t> del disco)</a:t>
                 </a:r>
               </a:p>
             </p:txBody>
           </p:sp>
         </mc:Choice>
-        <mc:Fallback xmlns="">
+        <mc:Fallback>
           <p:sp>
             <p:nvSpPr>
               <p:cNvPr id="3" name="Segnaposto contenuto 2">
@@ -8536,7 +8548,7 @@
               <a:blipFill>
                 <a:blip r:embed="rId2"/>
                 <a:stretch>
-                  <a:fillRect l="-1246" t="-2088" r="-1433"/>
+                  <a:fillRect l="-935" t="-1624" r="-997"/>
                 </a:stretch>
               </a:blipFill>
             </p:spPr>
@@ -8625,8 +8637,8 @@
           </a:p>
         </p:txBody>
       </p:sp>
-      <mc:AlternateContent xmlns:mc="http://schemas.openxmlformats.org/markup-compatibility/2006" xmlns:a14="http://schemas.microsoft.com/office/drawing/2010/main">
-        <mc:Choice Requires="a14">
+      <mc:AlternateContent xmlns:mc="http://schemas.openxmlformats.org/markup-compatibility/2006">
+        <mc:Choice xmlns:a14="http://schemas.microsoft.com/office/drawing/2010/main" Requires="a14">
           <p:sp>
             <p:nvSpPr>
               <p:cNvPr id="3" name="Segnaposto contenuto 2">
@@ -8646,51 +8658,63 @@
             <p:spPr/>
             <p:txBody>
               <a:bodyPr>
-                <a:normAutofit lnSpcReduction="10000"/>
+                <a:normAutofit/>
               </a:bodyPr>
               <a:lstStyle/>
               <a:p>
-                <a:pPr marL="0" indent="0">
+                <a:pPr marL="0" indent="0" algn="just">
+                  <a:lnSpc>
+                    <a:spcPct val="100000"/>
+                  </a:lnSpc>
                   <a:buNone/>
                 </a:pPr>
                 <a:r>
-                  <a:rPr lang="it-IT" dirty="0"/>
+                  <a:rPr lang="it-IT" sz="2400" dirty="0"/>
                   <a:t>La conoscenza dell’energia cinetica e potenziale di un corpo oltre che della funzione di </a:t>
                 </a:r>
                 <a:r>
-                  <a:rPr lang="it-IT" dirty="0" err="1"/>
+                  <a:rPr lang="it-IT" sz="2400" dirty="0" err="1"/>
                   <a:t>Rayleigh</a:t>
                 </a:r>
                 <a:r>
-                  <a:rPr lang="it-IT" dirty="0"/>
+                  <a:rPr lang="it-IT" sz="2400" dirty="0"/>
                   <a:t> è necessaria per determinare le equazioni del moto dell’oggetto considerato, in questo caso del pendolo inverso.</a:t>
                 </a:r>
               </a:p>
               <a:p>
-                <a:pPr marL="0" indent="0">
+                <a:pPr marL="0" indent="0" algn="just">
+                  <a:lnSpc>
+                    <a:spcPct val="100000"/>
+                  </a:lnSpc>
                   <a:buNone/>
                 </a:pPr>
                 <a:r>
-                  <a:rPr lang="it-IT" dirty="0"/>
+                  <a:rPr lang="it-IT" sz="2400" dirty="0"/>
                   <a:t>Indico con </a:t>
                 </a:r>
                 <a:r>
-                  <a:rPr lang="it-IT" b="1" i="1" dirty="0"/>
+                  <a:rPr lang="it-IT" sz="2400" b="1" i="1" dirty="0"/>
                   <a:t>u</a:t>
                 </a:r>
                 <a:r>
-                  <a:rPr lang="it-IT" dirty="0"/>
+                  <a:rPr lang="it-IT" sz="2400" dirty="0"/>
                   <a:t> un vettore di forze esercitate lungo le coordinate generalizzate, l’equazione di Eulero-Lagrange che mi permette di determinare l’equazione del moto è data da:</a:t>
                 </a:r>
               </a:p>
               <a:p>
-                <a:pPr marL="0" indent="0">
+                <a:pPr marL="0" indent="0" algn="just">
+                  <a:lnSpc>
+                    <a:spcPct val="100000"/>
+                  </a:lnSpc>
                   <a:buNone/>
                 </a:pPr>
-                <a:endParaRPr lang="it-IT" dirty="0"/>
+                <a:endParaRPr lang="it-IT" sz="2400" dirty="0"/>
               </a:p>
               <a:p>
-                <a:pPr marL="0" indent="0">
+                <a:pPr marL="0" indent="0" algn="just">
+                  <a:lnSpc>
+                    <a:spcPct val="100000"/>
+                  </a:lnSpc>
                   <a:buNone/>
                 </a:pPr>
                 <a14:m>
@@ -8702,14 +8726,14 @@
                       <m:f>
                         <m:fPr>
                           <m:ctrlPr>
-                            <a:rPr lang="it-IT" i="1" smtClean="0">
+                            <a:rPr lang="it-IT" sz="2400" i="1" smtClean="0">
                               <a:latin typeface="Cambria Math" panose="02040503050406030204" pitchFamily="18" charset="0"/>
                             </a:rPr>
                           </m:ctrlPr>
                         </m:fPr>
                         <m:num>
                           <m:r>
-                            <a:rPr lang="it-IT" b="0" i="1" smtClean="0">
+                            <a:rPr lang="it-IT" sz="2400" b="0" i="1" smtClean="0">
                               <a:latin typeface="Cambria Math" panose="02040503050406030204" pitchFamily="18" charset="0"/>
                             </a:rPr>
                             <m:t>𝑑</m:t>
@@ -8717,7 +8741,7 @@
                         </m:num>
                         <m:den>
                           <m:r>
-                            <a:rPr lang="it-IT" b="0" i="1" smtClean="0">
+                            <a:rPr lang="it-IT" sz="2400" b="0" i="1" smtClean="0">
                               <a:latin typeface="Cambria Math" panose="02040503050406030204" pitchFamily="18" charset="0"/>
                             </a:rPr>
                             <m:t>𝑑𝑡</m:t>
@@ -8727,21 +8751,21 @@
                       <m:f>
                         <m:fPr>
                           <m:ctrlPr>
-                            <a:rPr lang="it-IT" i="1" smtClean="0">
+                            <a:rPr lang="it-IT" sz="2400" i="1" smtClean="0">
                               <a:latin typeface="Cambria Math" panose="02040503050406030204" pitchFamily="18" charset="0"/>
                             </a:rPr>
                           </m:ctrlPr>
                         </m:fPr>
                         <m:num>
                           <m:r>
-                            <a:rPr lang="it-IT" i="1" smtClean="0">
+                            <a:rPr lang="it-IT" sz="2400" i="1" smtClean="0">
                               <a:latin typeface="Cambria Math" panose="02040503050406030204" pitchFamily="18" charset="0"/>
                               <a:ea typeface="Cambria Math" panose="02040503050406030204" pitchFamily="18" charset="0"/>
                             </a:rPr>
                             <m:t>𝜕</m:t>
                           </m:r>
                           <m:r>
-                            <a:rPr lang="it-IT" b="0" i="1" smtClean="0">
+                            <a:rPr lang="it-IT" sz="2400" b="0" i="1" smtClean="0">
                               <a:latin typeface="Cambria Math" panose="02040503050406030204" pitchFamily="18" charset="0"/>
                               <a:ea typeface="Cambria Math" panose="02040503050406030204" pitchFamily="18" charset="0"/>
                             </a:rPr>
@@ -8750,7 +8774,7 @@
                         </m:num>
                         <m:den>
                           <m:r>
-                            <a:rPr lang="it-IT" i="1" smtClean="0">
+                            <a:rPr lang="it-IT" sz="2400" i="1" smtClean="0">
                               <a:latin typeface="Cambria Math" panose="02040503050406030204" pitchFamily="18" charset="0"/>
                               <a:ea typeface="Cambria Math" panose="02040503050406030204" pitchFamily="18" charset="0"/>
                             </a:rPr>
@@ -8760,7 +8784,7 @@
                             <m:accPr>
                               <m:chr m:val="̇"/>
                               <m:ctrlPr>
-                                <a:rPr lang="it-IT" i="1" smtClean="0">
+                                <a:rPr lang="it-IT" sz="2400" i="1" smtClean="0">
                                   <a:latin typeface="Cambria Math" panose="02040503050406030204" pitchFamily="18" charset="0"/>
                                   <a:ea typeface="Cambria Math" panose="02040503050406030204" pitchFamily="18" charset="0"/>
                                 </a:rPr>
@@ -8768,7 +8792,7 @@
                             </m:accPr>
                             <m:e>
                               <m:r>
-                                <a:rPr lang="it-IT" b="0" i="1" smtClean="0">
+                                <a:rPr lang="it-IT" sz="2400" b="0" i="1" smtClean="0">
                                   <a:latin typeface="Cambria Math" panose="02040503050406030204" pitchFamily="18" charset="0"/>
                                   <a:ea typeface="Cambria Math" panose="02040503050406030204" pitchFamily="18" charset="0"/>
                                 </a:rPr>
@@ -8779,7 +8803,7 @@
                         </m:den>
                       </m:f>
                       <m:r>
-                        <a:rPr lang="it-IT" b="0" i="1" smtClean="0">
+                        <a:rPr lang="it-IT" sz="2400" b="0" i="1" smtClean="0">
                           <a:latin typeface="Cambria Math" panose="02040503050406030204" pitchFamily="18" charset="0"/>
                         </a:rPr>
                         <m:t>−</m:t>
@@ -8787,21 +8811,21 @@
                       <m:f>
                         <m:fPr>
                           <m:ctrlPr>
-                            <a:rPr lang="it-IT" b="0" i="1" smtClean="0">
+                            <a:rPr lang="it-IT" sz="2400" b="0" i="1" smtClean="0">
                               <a:latin typeface="Cambria Math" panose="02040503050406030204" pitchFamily="18" charset="0"/>
                             </a:rPr>
                           </m:ctrlPr>
                         </m:fPr>
                         <m:num>
                           <m:r>
-                            <a:rPr lang="it-IT" b="0" i="1" smtClean="0">
+                            <a:rPr lang="it-IT" sz="2400" b="0" i="1" smtClean="0">
                               <a:latin typeface="Cambria Math" panose="02040503050406030204" pitchFamily="18" charset="0"/>
                               <a:ea typeface="Cambria Math" panose="02040503050406030204" pitchFamily="18" charset="0"/>
                             </a:rPr>
                             <m:t>𝜕</m:t>
                           </m:r>
                           <m:r>
-                            <a:rPr lang="it-IT" b="0" i="1" smtClean="0">
+                            <a:rPr lang="it-IT" sz="2400" b="0" i="1" smtClean="0">
                               <a:latin typeface="Cambria Math" panose="02040503050406030204" pitchFamily="18" charset="0"/>
                               <a:ea typeface="Cambria Math" panose="02040503050406030204" pitchFamily="18" charset="0"/>
                             </a:rPr>
@@ -8810,14 +8834,14 @@
                         </m:num>
                         <m:den>
                           <m:r>
-                            <a:rPr lang="it-IT" b="0" i="1" smtClean="0">
+                            <a:rPr lang="it-IT" sz="2400" b="0" i="1" smtClean="0">
                               <a:latin typeface="Cambria Math" panose="02040503050406030204" pitchFamily="18" charset="0"/>
                               <a:ea typeface="Cambria Math" panose="02040503050406030204" pitchFamily="18" charset="0"/>
                             </a:rPr>
                             <m:t>𝜕</m:t>
                           </m:r>
                           <m:r>
-                            <a:rPr lang="it-IT" b="0" i="1" smtClean="0">
+                            <a:rPr lang="it-IT" sz="2400" b="0" i="1" smtClean="0">
                               <a:latin typeface="Cambria Math" panose="02040503050406030204" pitchFamily="18" charset="0"/>
                               <a:ea typeface="Cambria Math" panose="02040503050406030204" pitchFamily="18" charset="0"/>
                             </a:rPr>
@@ -8826,7 +8850,7 @@
                         </m:den>
                       </m:f>
                       <m:r>
-                        <a:rPr lang="it-IT" b="0" i="1" smtClean="0">
+                        <a:rPr lang="it-IT" sz="2400" b="0" i="1" smtClean="0">
                           <a:latin typeface="Cambria Math" panose="02040503050406030204" pitchFamily="18" charset="0"/>
                         </a:rPr>
                         <m:t>+</m:t>
@@ -8834,21 +8858,21 @@
                       <m:f>
                         <m:fPr>
                           <m:ctrlPr>
-                            <a:rPr lang="it-IT" b="0" i="1" smtClean="0">
+                            <a:rPr lang="it-IT" sz="2400" b="0" i="1" smtClean="0">
                               <a:latin typeface="Cambria Math" panose="02040503050406030204" pitchFamily="18" charset="0"/>
                             </a:rPr>
                           </m:ctrlPr>
                         </m:fPr>
                         <m:num>
                           <m:r>
-                            <a:rPr lang="it-IT" b="0" i="1" smtClean="0">
+                            <a:rPr lang="it-IT" sz="2400" b="0" i="1" smtClean="0">
                               <a:latin typeface="Cambria Math" panose="02040503050406030204" pitchFamily="18" charset="0"/>
                               <a:ea typeface="Cambria Math" panose="02040503050406030204" pitchFamily="18" charset="0"/>
                             </a:rPr>
                             <m:t>𝜕</m:t>
                           </m:r>
                           <m:r>
-                            <a:rPr lang="it-IT" b="0" i="1" smtClean="0">
+                            <a:rPr lang="it-IT" sz="2400" b="0" i="1" smtClean="0">
                               <a:latin typeface="Cambria Math" panose="02040503050406030204" pitchFamily="18" charset="0"/>
                               <a:ea typeface="Cambria Math" panose="02040503050406030204" pitchFamily="18" charset="0"/>
                             </a:rPr>
@@ -8857,7 +8881,7 @@
                         </m:num>
                         <m:den>
                           <m:r>
-                            <a:rPr lang="it-IT" b="0" i="1" smtClean="0">
+                            <a:rPr lang="it-IT" sz="2400" b="0" i="1" smtClean="0">
                               <a:latin typeface="Cambria Math" panose="02040503050406030204" pitchFamily="18" charset="0"/>
                               <a:ea typeface="Cambria Math" panose="02040503050406030204" pitchFamily="18" charset="0"/>
                             </a:rPr>
@@ -8867,7 +8891,7 @@
                             <m:accPr>
                               <m:chr m:val="̇"/>
                               <m:ctrlPr>
-                                <a:rPr lang="it-IT" b="0" i="1" smtClean="0">
+                                <a:rPr lang="it-IT" sz="2400" b="0" i="1" smtClean="0">
                                   <a:latin typeface="Cambria Math" panose="02040503050406030204" pitchFamily="18" charset="0"/>
                                   <a:ea typeface="Cambria Math" panose="02040503050406030204" pitchFamily="18" charset="0"/>
                                 </a:rPr>
@@ -8875,7 +8899,7 @@
                             </m:accPr>
                             <m:e>
                               <m:r>
-                                <a:rPr lang="it-IT" b="0" i="1" smtClean="0">
+                                <a:rPr lang="it-IT" sz="2400" b="0" i="1" smtClean="0">
                                   <a:latin typeface="Cambria Math" panose="02040503050406030204" pitchFamily="18" charset="0"/>
                                   <a:ea typeface="Cambria Math" panose="02040503050406030204" pitchFamily="18" charset="0"/>
                                 </a:rPr>
@@ -8886,7 +8910,7 @@
                         </m:den>
                       </m:f>
                       <m:r>
-                        <a:rPr lang="it-IT" b="0" i="1" smtClean="0">
+                        <a:rPr lang="it-IT" sz="2400" b="0" i="1" smtClean="0">
                           <a:latin typeface="Cambria Math" panose="02040503050406030204" pitchFamily="18" charset="0"/>
                           <a:ea typeface="Cambria Math" panose="02040503050406030204" pitchFamily="18" charset="0"/>
                         </a:rPr>
@@ -8895,7 +8919,7 @@
                       <m:sSup>
                         <m:sSupPr>
                           <m:ctrlPr>
-                            <a:rPr lang="it-IT" b="0" i="1" smtClean="0">
+                            <a:rPr lang="it-IT" sz="2400" b="0" i="1" smtClean="0">
                               <a:latin typeface="Cambria Math" panose="02040503050406030204" pitchFamily="18" charset="0"/>
                               <a:ea typeface="Cambria Math" panose="02040503050406030204" pitchFamily="18" charset="0"/>
                             </a:rPr>
@@ -8903,7 +8927,7 @@
                         </m:sSupPr>
                         <m:e>
                           <m:r>
-                            <a:rPr lang="it-IT" b="0" i="1" smtClean="0">
+                            <a:rPr lang="it-IT" sz="2400" b="0" i="1" smtClean="0">
                               <a:latin typeface="Cambria Math" panose="02040503050406030204" pitchFamily="18" charset="0"/>
                               <a:ea typeface="Cambria Math" panose="02040503050406030204" pitchFamily="18" charset="0"/>
                             </a:rPr>
@@ -8912,7 +8936,7 @@
                         </m:e>
                         <m:sup>
                           <m:r>
-                            <a:rPr lang="it-IT" b="0" i="1" smtClean="0">
+                            <a:rPr lang="it-IT" sz="2400" b="0" i="1" smtClean="0">
                               <a:latin typeface="Cambria Math" panose="02040503050406030204" pitchFamily="18" charset="0"/>
                               <a:ea typeface="Cambria Math" panose="02040503050406030204" pitchFamily="18" charset="0"/>
                             </a:rPr>
@@ -8923,12 +8947,12 @@
                     </m:oMath>
                   </m:oMathPara>
                 </a14:m>
-                <a:endParaRPr lang="it-IT" dirty="0"/>
+                <a:endParaRPr lang="it-IT" sz="2400" dirty="0"/>
               </a:p>
             </p:txBody>
           </p:sp>
         </mc:Choice>
-        <mc:Fallback xmlns="">
+        <mc:Fallback>
           <p:sp>
             <p:nvSpPr>
               <p:cNvPr id="3" name="Segnaposto contenuto 2">
@@ -8949,7 +8973,7 @@
               <a:blipFill>
                 <a:blip r:embed="rId2"/>
                 <a:stretch>
-                  <a:fillRect l="-1246" t="-3333" r="-1807"/>
+                  <a:fillRect l="-935" t="-1067" r="-997"/>
                 </a:stretch>
               </a:blipFill>
             </p:spPr>
@@ -9010,8 +9034,8 @@
           <a:chExt cx="0" cy="0"/>
         </a:xfrm>
       </p:grpSpPr>
-      <mc:AlternateContent xmlns:mc="http://schemas.openxmlformats.org/markup-compatibility/2006" xmlns:a14="http://schemas.microsoft.com/office/drawing/2010/main">
-        <mc:Choice Requires="a14">
+      <mc:AlternateContent xmlns:mc="http://schemas.openxmlformats.org/markup-compatibility/2006">
+        <mc:Choice xmlns:a14="http://schemas.microsoft.com/office/drawing/2010/main" Requires="a14">
           <p:sp>
             <p:nvSpPr>
               <p:cNvPr id="3" name="Segnaposto contenuto 2">
@@ -9040,26 +9064,35 @@
               </a:bodyPr>
               <a:lstStyle/>
               <a:p>
-                <a:pPr marL="0" lvl="0" indent="0">
+                <a:pPr marL="0" lvl="0" indent="0" algn="just">
                   <a:lnSpc>
                     <a:spcPct val="100000"/>
                   </a:lnSpc>
                   <a:buNone/>
                 </a:pPr>
                 <a:r>
-                  <a:rPr lang="it-IT" dirty="0"/>
+                  <a:rPr lang="it-IT" sz="2400" dirty="0"/>
                   <a:t>L’equazione scritta nella diapositiva precedente ci permette di scrivere il modello di un qualsiasi sistema fisico.</a:t>
                 </a:r>
               </a:p>
               <a:p>
-                <a:pPr marL="0" lvl="0" indent="0">
+                <a:pPr marL="0" lvl="0" indent="0" algn="just">
+                  <a:lnSpc>
+                    <a:spcPct val="100000"/>
+                  </a:lnSpc>
+                  <a:buNone/>
+                </a:pPr>
+                <a:endParaRPr lang="it-IT" sz="2400" dirty="0"/>
+              </a:p>
+              <a:p>
+                <a:pPr marL="0" lvl="0" indent="0" algn="just">
                   <a:lnSpc>
                     <a:spcPct val="100000"/>
                   </a:lnSpc>
                   <a:buNone/>
                 </a:pPr>
                 <a:r>
-                  <a:rPr lang="it-IT" dirty="0"/>
+                  <a:rPr lang="it-IT" sz="2400" dirty="0"/>
                   <a:t>Più precisamente il termine </a:t>
                 </a:r>
                 <a14:m>
@@ -9067,14 +9100,14 @@
                     <m:f>
                       <m:fPr>
                         <m:ctrlPr>
-                          <a:rPr lang="it-IT" i="1">
+                          <a:rPr lang="it-IT" sz="2400" i="1">
                             <a:latin typeface="Cambria Math" panose="02040503050406030204" pitchFamily="18" charset="0"/>
                           </a:rPr>
                         </m:ctrlPr>
                       </m:fPr>
                       <m:num>
                         <m:r>
-                          <a:rPr lang="it-IT" i="1">
+                          <a:rPr lang="it-IT" sz="2400" i="1">
                             <a:latin typeface="Cambria Math" panose="02040503050406030204" pitchFamily="18" charset="0"/>
                           </a:rPr>
                           <m:t>𝑑</m:t>
@@ -9082,7 +9115,7 @@
                       </m:num>
                       <m:den>
                         <m:r>
-                          <a:rPr lang="it-IT" i="1">
+                          <a:rPr lang="it-IT" sz="2400" i="1">
                             <a:latin typeface="Cambria Math" panose="02040503050406030204" pitchFamily="18" charset="0"/>
                           </a:rPr>
                           <m:t>𝑑𝑡</m:t>
@@ -9092,21 +9125,21 @@
                     <m:f>
                       <m:fPr>
                         <m:ctrlPr>
-                          <a:rPr lang="it-IT" i="1">
+                          <a:rPr lang="it-IT" sz="2400" i="1">
                             <a:latin typeface="Cambria Math" panose="02040503050406030204" pitchFamily="18" charset="0"/>
                           </a:rPr>
                         </m:ctrlPr>
                       </m:fPr>
                       <m:num>
                         <m:r>
-                          <a:rPr lang="it-IT" i="1">
+                          <a:rPr lang="it-IT" sz="2400" i="1">
                             <a:latin typeface="Cambria Math" panose="02040503050406030204" pitchFamily="18" charset="0"/>
                             <a:ea typeface="Cambria Math" panose="02040503050406030204" pitchFamily="18" charset="0"/>
                           </a:rPr>
                           <m:t>𝜕</m:t>
                         </m:r>
                         <m:r>
-                          <a:rPr lang="it-IT" i="1">
+                          <a:rPr lang="it-IT" sz="2400" i="1">
                             <a:latin typeface="Cambria Math" panose="02040503050406030204" pitchFamily="18" charset="0"/>
                             <a:ea typeface="Cambria Math" panose="02040503050406030204" pitchFamily="18" charset="0"/>
                           </a:rPr>
@@ -9115,7 +9148,7 @@
                       </m:num>
                       <m:den>
                         <m:r>
-                          <a:rPr lang="it-IT" i="1">
+                          <a:rPr lang="it-IT" sz="2400" i="1">
                             <a:latin typeface="Cambria Math" panose="02040503050406030204" pitchFamily="18" charset="0"/>
                             <a:ea typeface="Cambria Math" panose="02040503050406030204" pitchFamily="18" charset="0"/>
                           </a:rPr>
@@ -9125,7 +9158,7 @@
                           <m:accPr>
                             <m:chr m:val="̇"/>
                             <m:ctrlPr>
-                              <a:rPr lang="it-IT" i="1">
+                              <a:rPr lang="it-IT" sz="2400" i="1">
                                 <a:latin typeface="Cambria Math" panose="02040503050406030204" pitchFamily="18" charset="0"/>
                                 <a:ea typeface="Cambria Math" panose="02040503050406030204" pitchFamily="18" charset="0"/>
                               </a:rPr>
@@ -9133,7 +9166,7 @@
                           </m:accPr>
                           <m:e>
                             <m:r>
-                              <a:rPr lang="it-IT" i="1">
+                              <a:rPr lang="it-IT" sz="2400" i="1">
                                 <a:latin typeface="Cambria Math" panose="02040503050406030204" pitchFamily="18" charset="0"/>
                                 <a:ea typeface="Cambria Math" panose="02040503050406030204" pitchFamily="18" charset="0"/>
                               </a:rPr>
@@ -9144,7 +9177,7 @@
                       </m:den>
                     </m:f>
                     <m:r>
-                      <a:rPr lang="it-IT" i="1">
+                      <a:rPr lang="it-IT" sz="2400" i="1">
                         <a:latin typeface="Cambria Math" panose="02040503050406030204" pitchFamily="18" charset="0"/>
                       </a:rPr>
                       <m:t>−</m:t>
@@ -9152,21 +9185,21 @@
                     <m:f>
                       <m:fPr>
                         <m:ctrlPr>
-                          <a:rPr lang="it-IT" i="1">
+                          <a:rPr lang="it-IT" sz="2400" i="1">
                             <a:latin typeface="Cambria Math" panose="02040503050406030204" pitchFamily="18" charset="0"/>
                           </a:rPr>
                         </m:ctrlPr>
                       </m:fPr>
                       <m:num>
                         <m:r>
-                          <a:rPr lang="it-IT" i="1">
+                          <a:rPr lang="it-IT" sz="2400" i="1">
                             <a:latin typeface="Cambria Math" panose="02040503050406030204" pitchFamily="18" charset="0"/>
                             <a:ea typeface="Cambria Math" panose="02040503050406030204" pitchFamily="18" charset="0"/>
                           </a:rPr>
                           <m:t>𝜕</m:t>
                         </m:r>
                         <m:r>
-                          <a:rPr lang="it-IT" i="1">
+                          <a:rPr lang="it-IT" sz="2400" i="1">
                             <a:latin typeface="Cambria Math" panose="02040503050406030204" pitchFamily="18" charset="0"/>
                             <a:ea typeface="Cambria Math" panose="02040503050406030204" pitchFamily="18" charset="0"/>
                           </a:rPr>
@@ -9175,14 +9208,14 @@
                       </m:num>
                       <m:den>
                         <m:r>
-                          <a:rPr lang="it-IT" i="1">
+                          <a:rPr lang="it-IT" sz="2400" i="1">
                             <a:latin typeface="Cambria Math" panose="02040503050406030204" pitchFamily="18" charset="0"/>
                             <a:ea typeface="Cambria Math" panose="02040503050406030204" pitchFamily="18" charset="0"/>
                           </a:rPr>
                           <m:t>𝜕</m:t>
                         </m:r>
                         <m:r>
-                          <a:rPr lang="it-IT" i="1">
+                          <a:rPr lang="it-IT" sz="2400" i="1">
                             <a:latin typeface="Cambria Math" panose="02040503050406030204" pitchFamily="18" charset="0"/>
                             <a:ea typeface="Cambria Math" panose="02040503050406030204" pitchFamily="18" charset="0"/>
                           </a:rPr>
@@ -9193,7 +9226,7 @@
                   </m:oMath>
                 </a14:m>
                 <a:r>
-                  <a:rPr lang="it-IT" dirty="0"/>
+                  <a:rPr lang="it-IT" sz="2400" dirty="0"/>
                   <a:t> rappresenta le forze potenziali, di inerzia (dovute al fatto che l’oggetto si muove) e le forze apparenti; il termine </a:t>
                 </a:r>
                 <a14:m>
@@ -9201,21 +9234,21 @@
                     <m:f>
                       <m:fPr>
                         <m:ctrlPr>
-                          <a:rPr lang="it-IT" i="1">
+                          <a:rPr lang="it-IT" sz="2400" i="1">
                             <a:latin typeface="Cambria Math" panose="02040503050406030204" pitchFamily="18" charset="0"/>
                           </a:rPr>
                         </m:ctrlPr>
                       </m:fPr>
                       <m:num>
                         <m:r>
-                          <a:rPr lang="it-IT" i="1">
+                          <a:rPr lang="it-IT" sz="2400" i="1">
                             <a:latin typeface="Cambria Math" panose="02040503050406030204" pitchFamily="18" charset="0"/>
                             <a:ea typeface="Cambria Math" panose="02040503050406030204" pitchFamily="18" charset="0"/>
                           </a:rPr>
                           <m:t>𝜕</m:t>
                         </m:r>
                         <m:r>
-                          <a:rPr lang="it-IT" i="1">
+                          <a:rPr lang="it-IT" sz="2400" i="1">
                             <a:latin typeface="Cambria Math" panose="02040503050406030204" pitchFamily="18" charset="0"/>
                             <a:ea typeface="Cambria Math" panose="02040503050406030204" pitchFamily="18" charset="0"/>
                           </a:rPr>
@@ -9224,7 +9257,7 @@
                       </m:num>
                       <m:den>
                         <m:r>
-                          <a:rPr lang="it-IT" i="1">
+                          <a:rPr lang="it-IT" sz="2400" i="1">
                             <a:latin typeface="Cambria Math" panose="02040503050406030204" pitchFamily="18" charset="0"/>
                             <a:ea typeface="Cambria Math" panose="02040503050406030204" pitchFamily="18" charset="0"/>
                           </a:rPr>
@@ -9234,7 +9267,7 @@
                           <m:accPr>
                             <m:chr m:val="̇"/>
                             <m:ctrlPr>
-                              <a:rPr lang="it-IT" i="1">
+                              <a:rPr lang="it-IT" sz="2400" i="1">
                                 <a:latin typeface="Cambria Math" panose="02040503050406030204" pitchFamily="18" charset="0"/>
                                 <a:ea typeface="Cambria Math" panose="02040503050406030204" pitchFamily="18" charset="0"/>
                               </a:rPr>
@@ -9242,7 +9275,7 @@
                           </m:accPr>
                           <m:e>
                             <m:r>
-                              <a:rPr lang="it-IT" i="1">
+                              <a:rPr lang="it-IT" sz="2400" i="1">
                                 <a:latin typeface="Cambria Math" panose="02040503050406030204" pitchFamily="18" charset="0"/>
                                 <a:ea typeface="Cambria Math" panose="02040503050406030204" pitchFamily="18" charset="0"/>
                               </a:rPr>
@@ -9255,7 +9288,7 @@
                   </m:oMath>
                 </a14:m>
                 <a:r>
-                  <a:rPr lang="it-IT" dirty="0"/>
+                  <a:rPr lang="it-IT" sz="2400" dirty="0"/>
                   <a:t> rappresenta le forze di attrito e </a:t>
                 </a:r>
                 <a14:m>
@@ -9263,7 +9296,7 @@
                     <m:sSup>
                       <m:sSupPr>
                         <m:ctrlPr>
-                          <a:rPr lang="it-IT" i="1">
+                          <a:rPr lang="it-IT" sz="2400" i="1">
                             <a:latin typeface="Cambria Math" panose="02040503050406030204" pitchFamily="18" charset="0"/>
                             <a:ea typeface="Cambria Math" panose="02040503050406030204" pitchFamily="18" charset="0"/>
                           </a:rPr>
@@ -9271,7 +9304,7 @@
                       </m:sSupPr>
                       <m:e>
                         <m:r>
-                          <a:rPr lang="it-IT" i="1">
+                          <a:rPr lang="it-IT" sz="2400" i="1">
                             <a:latin typeface="Cambria Math" panose="02040503050406030204" pitchFamily="18" charset="0"/>
                             <a:ea typeface="Cambria Math" panose="02040503050406030204" pitchFamily="18" charset="0"/>
                           </a:rPr>
@@ -9280,7 +9313,7 @@
                       </m:e>
                       <m:sup>
                         <m:r>
-                          <a:rPr lang="it-IT" i="1">
+                          <a:rPr lang="it-IT" sz="2400" i="1">
                             <a:latin typeface="Cambria Math" panose="02040503050406030204" pitchFamily="18" charset="0"/>
                             <a:ea typeface="Cambria Math" panose="02040503050406030204" pitchFamily="18" charset="0"/>
                           </a:rPr>
@@ -9289,7 +9322,7 @@
                       </m:sup>
                     </m:sSup>
                     <m:r>
-                      <a:rPr lang="it-IT" b="0" i="0" smtClean="0">
+                      <a:rPr lang="it-IT" sz="2400" b="0" i="0" smtClean="0">
                         <a:latin typeface="Cambria Math" panose="02040503050406030204" pitchFamily="18" charset="0"/>
                         <a:ea typeface="Cambria Math" panose="02040503050406030204" pitchFamily="18" charset="0"/>
                       </a:rPr>
@@ -9298,26 +9331,35 @@
                   </m:oMath>
                 </a14:m>
                 <a:r>
-                  <a:rPr lang="it-IT" dirty="0"/>
+                  <a:rPr lang="it-IT" sz="2400" dirty="0"/>
                   <a:t> come già detto, le forze esterne che, nella nostra analisi, considereremo scalari ed esercitate sia sulla barra che sul disco.</a:t>
                 </a:r>
               </a:p>
               <a:p>
-                <a:pPr marL="0" lvl="0" indent="0">
+                <a:pPr marL="0" lvl="0" indent="0" algn="just">
+                  <a:lnSpc>
+                    <a:spcPct val="100000"/>
+                  </a:lnSpc>
+                  <a:buNone/>
+                </a:pPr>
+                <a:endParaRPr lang="it-IT" sz="2400" dirty="0"/>
+              </a:p>
+              <a:p>
+                <a:pPr marL="0" lvl="0" indent="0" algn="just">
                   <a:lnSpc>
                     <a:spcPct val="100000"/>
                   </a:lnSpc>
                   <a:buNone/>
                 </a:pPr>
                 <a:r>
-                  <a:rPr lang="it-IT" dirty="0"/>
+                  <a:rPr lang="it-IT" sz="2400" dirty="0"/>
                   <a:t>Come si può vedere dalla formula, per effettuare il calcolo delle equazioni di Eulero-Lagrange è necessario ricavare la funzione Lagrangiana data dalla differenza dell’energia cinetica totale del corpo e dell’energia potenziale totale del corpo stesso.</a:t>
                 </a:r>
               </a:p>
             </p:txBody>
           </p:sp>
         </mc:Choice>
-        <mc:Fallback xmlns="">
+        <mc:Fallback>
           <p:sp>
             <p:nvSpPr>
               <p:cNvPr id="3" name="Segnaposto contenuto 2">
@@ -9342,7 +9384,7 @@
               <a:blipFill>
                 <a:blip r:embed="rId2"/>
                 <a:stretch>
-                  <a:fillRect l="-1188" t="-1011" r="-594" b="-460"/>
+                  <a:fillRect l="-891" t="-735" r="-891"/>
                 </a:stretch>
               </a:blipFill>
             </p:spPr>
@@ -9403,8 +9445,8 @@
           <a:chExt cx="0" cy="0"/>
         </a:xfrm>
       </p:grpSpPr>
-      <mc:AlternateContent xmlns:mc="http://schemas.openxmlformats.org/markup-compatibility/2006" xmlns:a14="http://schemas.microsoft.com/office/drawing/2010/main">
-        <mc:Choice Requires="a14">
+      <mc:AlternateContent xmlns:mc="http://schemas.openxmlformats.org/markup-compatibility/2006">
+        <mc:Choice xmlns:a14="http://schemas.microsoft.com/office/drawing/2010/main" Requires="a14">
           <p:sp>
             <p:nvSpPr>
               <p:cNvPr id="3" name="Segnaposto contenuto 2">
@@ -9428,25 +9470,36 @@
               </a:xfrm>
             </p:spPr>
             <p:txBody>
-              <a:bodyPr/>
+              <a:bodyPr>
+                <a:normAutofit/>
+              </a:bodyPr>
               <a:lstStyle/>
               <a:p>
-                <a:pPr marL="0" indent="0">
+                <a:pPr marL="0" indent="0" algn="just">
+                  <a:lnSpc>
+                    <a:spcPct val="100000"/>
+                  </a:lnSpc>
                   <a:buNone/>
                 </a:pPr>
                 <a:r>
-                  <a:rPr lang="it-IT" dirty="0"/>
+                  <a:rPr lang="it-IT" sz="2400" dirty="0"/>
                   <a:t>La funzione Lagrangiana è data da:</a:t>
                 </a:r>
               </a:p>
               <a:p>
-                <a:pPr marL="0" indent="0">
+                <a:pPr marL="0" indent="0" algn="just">
+                  <a:lnSpc>
+                    <a:spcPct val="100000"/>
+                  </a:lnSpc>
                   <a:buNone/>
                 </a:pPr>
-                <a:endParaRPr lang="it-IT" dirty="0"/>
+                <a:endParaRPr lang="it-IT" sz="2400" dirty="0"/>
               </a:p>
               <a:p>
-                <a:pPr marL="0" indent="0">
+                <a:pPr marL="0" indent="0" algn="just">
+                  <a:lnSpc>
+                    <a:spcPct val="100000"/>
+                  </a:lnSpc>
                   <a:buNone/>
                 </a:pPr>
                 <a14:m>
@@ -9456,13 +9509,13 @@
                     </m:oMathParaPr>
                     <m:oMath xmlns:m="http://schemas.openxmlformats.org/officeDocument/2006/math">
                       <m:r>
-                        <a:rPr lang="it-IT" b="0" i="1" smtClean="0">
+                        <a:rPr lang="it-IT" sz="2400" b="0" i="1" smtClean="0">
                           <a:latin typeface="Cambria Math" panose="02040503050406030204" pitchFamily="18" charset="0"/>
                         </a:rPr>
                         <m:t>𝐿</m:t>
                       </m:r>
                       <m:r>
-                        <a:rPr lang="it-IT" b="0" i="1" smtClean="0">
+                        <a:rPr lang="it-IT" sz="2400" b="0" i="1" smtClean="0">
                           <a:latin typeface="Cambria Math" panose="02040503050406030204" pitchFamily="18" charset="0"/>
                         </a:rPr>
                         <m:t>=(</m:t>
@@ -9470,14 +9523,14 @@
                       <m:sSub>
                         <m:sSubPr>
                           <m:ctrlPr>
-                            <a:rPr lang="it-IT" b="0" i="1" smtClean="0">
+                            <a:rPr lang="it-IT" sz="2400" b="0" i="1" smtClean="0">
                               <a:latin typeface="Cambria Math" panose="02040503050406030204" pitchFamily="18" charset="0"/>
                             </a:rPr>
                           </m:ctrlPr>
                         </m:sSubPr>
                         <m:e>
                           <m:r>
-                            <a:rPr lang="it-IT" b="0" i="1" smtClean="0">
+                            <a:rPr lang="it-IT" sz="2400" b="0" i="1" smtClean="0">
                               <a:latin typeface="Cambria Math" panose="02040503050406030204" pitchFamily="18" charset="0"/>
                             </a:rPr>
                             <m:t>𝑇</m:t>
@@ -9485,7 +9538,7 @@
                         </m:e>
                         <m:sub>
                           <m:r>
-                            <a:rPr lang="it-IT" b="0" i="1" smtClean="0">
+                            <a:rPr lang="it-IT" sz="2400" b="0" i="1" smtClean="0">
                               <a:latin typeface="Cambria Math" panose="02040503050406030204" pitchFamily="18" charset="0"/>
                             </a:rPr>
                             <m:t>𝐵</m:t>
@@ -9493,7 +9546,7 @@
                         </m:sub>
                       </m:sSub>
                       <m:r>
-                        <a:rPr lang="it-IT" b="0" i="1" smtClean="0">
+                        <a:rPr lang="it-IT" sz="2400" b="0" i="1" smtClean="0">
                           <a:latin typeface="Cambria Math" panose="02040503050406030204" pitchFamily="18" charset="0"/>
                         </a:rPr>
                         <m:t>+</m:t>
@@ -9501,14 +9554,14 @@
                       <m:sSub>
                         <m:sSubPr>
                           <m:ctrlPr>
-                            <a:rPr lang="it-IT" b="0" i="1" smtClean="0">
+                            <a:rPr lang="it-IT" sz="2400" b="0" i="1" smtClean="0">
                               <a:latin typeface="Cambria Math" panose="02040503050406030204" pitchFamily="18" charset="0"/>
                             </a:rPr>
                           </m:ctrlPr>
                         </m:sSubPr>
                         <m:e>
                           <m:r>
-                            <a:rPr lang="it-IT" b="0" i="1" smtClean="0">
+                            <a:rPr lang="it-IT" sz="2400" b="0" i="1" smtClean="0">
                               <a:latin typeface="Cambria Math" panose="02040503050406030204" pitchFamily="18" charset="0"/>
                             </a:rPr>
                             <m:t>𝑇</m:t>
@@ -9516,7 +9569,7 @@
                         </m:e>
                         <m:sub>
                           <m:r>
-                            <a:rPr lang="it-IT" b="0" i="1" smtClean="0">
+                            <a:rPr lang="it-IT" sz="2400" b="0" i="1" smtClean="0">
                               <a:latin typeface="Cambria Math" panose="02040503050406030204" pitchFamily="18" charset="0"/>
                             </a:rPr>
                             <m:t>𝐷</m:t>
@@ -9524,7 +9577,7 @@
                         </m:sub>
                       </m:sSub>
                       <m:r>
-                        <a:rPr lang="it-IT" b="0" i="1" smtClean="0">
+                        <a:rPr lang="it-IT" sz="2400" b="0" i="1" smtClean="0">
                           <a:latin typeface="Cambria Math" panose="02040503050406030204" pitchFamily="18" charset="0"/>
                         </a:rPr>
                         <m:t>)−(</m:t>
@@ -9532,14 +9585,14 @@
                       <m:sSub>
                         <m:sSubPr>
                           <m:ctrlPr>
-                            <a:rPr lang="it-IT" b="0" i="1" smtClean="0">
+                            <a:rPr lang="it-IT" sz="2400" b="0" i="1" smtClean="0">
                               <a:latin typeface="Cambria Math" panose="02040503050406030204" pitchFamily="18" charset="0"/>
                             </a:rPr>
                           </m:ctrlPr>
                         </m:sSubPr>
                         <m:e>
                           <m:r>
-                            <a:rPr lang="it-IT" b="0" i="1" smtClean="0">
+                            <a:rPr lang="it-IT" sz="2400" b="0" i="1" smtClean="0">
                               <a:latin typeface="Cambria Math" panose="02040503050406030204" pitchFamily="18" charset="0"/>
                             </a:rPr>
                             <m:t>𝑈</m:t>
@@ -9547,7 +9600,7 @@
                         </m:e>
                         <m:sub>
                           <m:r>
-                            <a:rPr lang="it-IT" b="0" i="1" smtClean="0">
+                            <a:rPr lang="it-IT" sz="2400" b="0" i="1" smtClean="0">
                               <a:latin typeface="Cambria Math" panose="02040503050406030204" pitchFamily="18" charset="0"/>
                             </a:rPr>
                             <m:t>𝐵</m:t>
@@ -9555,7 +9608,7 @@
                         </m:sub>
                       </m:sSub>
                       <m:r>
-                        <a:rPr lang="it-IT" b="0" i="1" smtClean="0">
+                        <a:rPr lang="it-IT" sz="2400" b="0" i="1" smtClean="0">
                           <a:latin typeface="Cambria Math" panose="02040503050406030204" pitchFamily="18" charset="0"/>
                         </a:rPr>
                         <m:t>+</m:t>
@@ -9563,14 +9616,14 @@
                       <m:sSub>
                         <m:sSubPr>
                           <m:ctrlPr>
-                            <a:rPr lang="it-IT" b="0" i="1" smtClean="0">
+                            <a:rPr lang="it-IT" sz="2400" b="0" i="1" smtClean="0">
                               <a:latin typeface="Cambria Math" panose="02040503050406030204" pitchFamily="18" charset="0"/>
                             </a:rPr>
                           </m:ctrlPr>
                         </m:sSubPr>
                         <m:e>
                           <m:r>
-                            <a:rPr lang="it-IT" b="0" i="1" smtClean="0">
+                            <a:rPr lang="it-IT" sz="2400" b="0" i="1" smtClean="0">
                               <a:latin typeface="Cambria Math" panose="02040503050406030204" pitchFamily="18" charset="0"/>
                             </a:rPr>
                             <m:t>𝑈</m:t>
@@ -9578,7 +9631,7 @@
                         </m:e>
                         <m:sub>
                           <m:r>
-                            <a:rPr lang="it-IT" b="0" i="1" smtClean="0">
+                            <a:rPr lang="it-IT" sz="2400" b="0" i="1" smtClean="0">
                               <a:latin typeface="Cambria Math" panose="02040503050406030204" pitchFamily="18" charset="0"/>
                             </a:rPr>
                             <m:t>𝐷</m:t>
@@ -9586,7 +9639,7 @@
                         </m:sub>
                       </m:sSub>
                       <m:r>
-                        <a:rPr lang="it-IT" b="0" i="1" smtClean="0">
+                        <a:rPr lang="it-IT" sz="2400" b="0" i="1" smtClean="0">
                           <a:latin typeface="Cambria Math" panose="02040503050406030204" pitchFamily="18" charset="0"/>
                         </a:rPr>
                         <m:t>)</m:t>
@@ -9594,31 +9647,43 @@
                     </m:oMath>
                   </m:oMathPara>
                 </a14:m>
-                <a:endParaRPr lang="it-IT" dirty="0"/>
+                <a:endParaRPr lang="it-IT" sz="2400" dirty="0"/>
               </a:p>
               <a:p>
-                <a:pPr marL="0" indent="0">
+                <a:pPr marL="0" indent="0" algn="just">
+                  <a:lnSpc>
+                    <a:spcPct val="100000"/>
+                  </a:lnSpc>
                   <a:buNone/>
                 </a:pPr>
-                <a:endParaRPr lang="it-IT" dirty="0"/>
+                <a:endParaRPr lang="it-IT" sz="2400" dirty="0"/>
               </a:p>
               <a:p>
-                <a:pPr marL="0" indent="0">
+                <a:pPr marL="0" indent="0" algn="just">
+                  <a:lnSpc>
+                    <a:spcPct val="100000"/>
+                  </a:lnSpc>
                   <a:buNone/>
                 </a:pPr>
                 <a:r>
-                  <a:rPr lang="it-IT" dirty="0"/>
+                  <a:rPr lang="it-IT" sz="2400" dirty="0"/>
                   <a:t>E da un punto di vista dei calcoli relativi al pendolo inverso ho che:</a:t>
                 </a:r>
               </a:p>
               <a:p>
-                <a:pPr marL="0" indent="0">
+                <a:pPr marL="0" indent="0" algn="just">
+                  <a:lnSpc>
+                    <a:spcPct val="100000"/>
+                  </a:lnSpc>
                   <a:buNone/>
                 </a:pPr>
-                <a:endParaRPr lang="it-IT" dirty="0"/>
+                <a:endParaRPr lang="it-IT" sz="2400" dirty="0"/>
               </a:p>
               <a:p>
-                <a:pPr marL="0" indent="0">
+                <a:pPr marL="0" indent="0" algn="just">
+                  <a:lnSpc>
+                    <a:spcPct val="100000"/>
+                  </a:lnSpc>
                   <a:buNone/>
                 </a:pPr>
                 <a14:m>
@@ -9628,13 +9693,13 @@
                     </m:oMathParaPr>
                     <m:oMath xmlns:m="http://schemas.openxmlformats.org/officeDocument/2006/math">
                       <m:r>
-                        <a:rPr lang="it-IT" b="0" i="1" smtClean="0">
+                        <a:rPr lang="it-IT" sz="2400" b="0" i="1" smtClean="0">
                           <a:latin typeface="Cambria Math" panose="02040503050406030204" pitchFamily="18" charset="0"/>
                         </a:rPr>
                         <m:t>𝐿</m:t>
                       </m:r>
                       <m:r>
-                        <a:rPr lang="it-IT" b="0" i="1" smtClean="0">
+                        <a:rPr lang="it-IT" sz="2400" b="0" i="1" smtClean="0">
                           <a:latin typeface="Cambria Math" panose="02040503050406030204" pitchFamily="18" charset="0"/>
                         </a:rPr>
                         <m:t>=(</m:t>
@@ -9642,14 +9707,14 @@
                       <m:f>
                         <m:fPr>
                           <m:ctrlPr>
-                            <a:rPr lang="it-IT" i="1">
+                            <a:rPr lang="it-IT" sz="2400" i="1">
                               <a:latin typeface="Cambria Math" panose="02040503050406030204" pitchFamily="18" charset="0"/>
                             </a:rPr>
                           </m:ctrlPr>
                         </m:fPr>
                         <m:num>
                           <m:r>
-                            <a:rPr lang="it-IT" i="1">
+                            <a:rPr lang="it-IT" sz="2400" i="1">
                               <a:latin typeface="Cambria Math" panose="02040503050406030204" pitchFamily="18" charset="0"/>
                             </a:rPr>
                             <m:t>1</m:t>
@@ -9657,7 +9722,7 @@
                         </m:num>
                         <m:den>
                           <m:r>
-                            <a:rPr lang="it-IT" i="1">
+                            <a:rPr lang="it-IT" sz="2400" i="1">
                               <a:latin typeface="Cambria Math" panose="02040503050406030204" pitchFamily="18" charset="0"/>
                             </a:rPr>
                             <m:t>2</m:t>
@@ -9667,14 +9732,14 @@
                       <m:sSub>
                         <m:sSubPr>
                           <m:ctrlPr>
-                            <a:rPr lang="it-IT" i="1">
+                            <a:rPr lang="it-IT" sz="2400" i="1">
                               <a:latin typeface="Cambria Math" panose="02040503050406030204" pitchFamily="18" charset="0"/>
                             </a:rPr>
                           </m:ctrlPr>
                         </m:sSubPr>
                         <m:e>
                           <m:r>
-                            <a:rPr lang="it-IT" i="1">
+                            <a:rPr lang="it-IT" sz="2400" i="1">
                               <a:latin typeface="Cambria Math" panose="02040503050406030204" pitchFamily="18" charset="0"/>
                             </a:rPr>
                             <m:t>𝑀</m:t>
@@ -9682,7 +9747,7 @@
                         </m:e>
                         <m:sub>
                           <m:r>
-                            <a:rPr lang="it-IT" i="1">
+                            <a:rPr lang="it-IT" sz="2400" i="1">
                               <a:latin typeface="Cambria Math" panose="02040503050406030204" pitchFamily="18" charset="0"/>
                             </a:rPr>
                             <m:t>1</m:t>
@@ -9692,7 +9757,7 @@
                       <m:sSubSup>
                         <m:sSubSupPr>
                           <m:ctrlPr>
-                            <a:rPr lang="it-IT" i="1">
+                            <a:rPr lang="it-IT" sz="2400" i="1">
                               <a:latin typeface="Cambria Math" panose="02040503050406030204" pitchFamily="18" charset="0"/>
                             </a:rPr>
                           </m:ctrlPr>
@@ -9702,14 +9767,14 @@
                             <m:accPr>
                               <m:chr m:val="̇"/>
                               <m:ctrlPr>
-                                <a:rPr lang="it-IT" i="1">
+                                <a:rPr lang="it-IT" sz="2400" i="1">
                                   <a:latin typeface="Cambria Math" panose="02040503050406030204" pitchFamily="18" charset="0"/>
                                 </a:rPr>
                               </m:ctrlPr>
                             </m:accPr>
                             <m:e>
                               <m:r>
-                                <a:rPr lang="it-IT" i="1">
+                                <a:rPr lang="it-IT" sz="2400" i="1">
                                   <a:latin typeface="Cambria Math" panose="02040503050406030204" pitchFamily="18" charset="0"/>
                                 </a:rPr>
                                 <m:t>𝑞</m:t>
@@ -9719,7 +9784,7 @@
                         </m:e>
                         <m:sub>
                           <m:r>
-                            <a:rPr lang="it-IT" i="1">
+                            <a:rPr lang="it-IT" sz="2400" i="1">
                               <a:latin typeface="Cambria Math" panose="02040503050406030204" pitchFamily="18" charset="0"/>
                             </a:rPr>
                             <m:t>1</m:t>
@@ -9727,7 +9792,7 @@
                         </m:sub>
                         <m:sup>
                           <m:r>
-                            <a:rPr lang="it-IT" i="1">
+                            <a:rPr lang="it-IT" sz="2400" i="1">
                               <a:latin typeface="Cambria Math" panose="02040503050406030204" pitchFamily="18" charset="0"/>
                             </a:rPr>
                             <m:t>2</m:t>
@@ -9735,7 +9800,7 @@
                         </m:sup>
                       </m:sSubSup>
                       <m:r>
-                        <a:rPr lang="it-IT" i="1">
+                        <a:rPr lang="it-IT" sz="2400" i="1">
                           <a:latin typeface="Cambria Math" panose="02040503050406030204" pitchFamily="18" charset="0"/>
                         </a:rPr>
                         <m:t>(</m:t>
@@ -9743,14 +9808,14 @@
                       <m:sSub>
                         <m:sSubPr>
                           <m:ctrlPr>
-                            <a:rPr lang="it-IT" i="1">
+                            <a:rPr lang="it-IT" sz="2400" i="1">
                               <a:latin typeface="Cambria Math" panose="02040503050406030204" pitchFamily="18" charset="0"/>
                             </a:rPr>
                           </m:ctrlPr>
                         </m:sSubPr>
                         <m:e>
                           <m:r>
-                            <a:rPr lang="it-IT" i="1">
+                            <a:rPr lang="it-IT" sz="2400" i="1">
                               <a:latin typeface="Cambria Math" panose="02040503050406030204" pitchFamily="18" charset="0"/>
                             </a:rPr>
                             <m:t>𝐿</m:t>
@@ -9758,7 +9823,7 @@
                         </m:e>
                         <m:sub>
                           <m:r>
-                            <a:rPr lang="it-IT" i="1">
+                            <a:rPr lang="it-IT" sz="2400" i="1">
                               <a:latin typeface="Cambria Math" panose="02040503050406030204" pitchFamily="18" charset="0"/>
                             </a:rPr>
                             <m:t>𝐵𝐶</m:t>
@@ -9766,7 +9831,7 @@
                         </m:sub>
                       </m:sSub>
                       <m:r>
-                        <a:rPr lang="it-IT" i="1">
+                        <a:rPr lang="it-IT" sz="2400" i="1">
                           <a:latin typeface="Cambria Math" panose="02040503050406030204" pitchFamily="18" charset="0"/>
                         </a:rPr>
                         <m:t>+</m:t>
@@ -9774,14 +9839,14 @@
                       <m:sSub>
                         <m:sSubPr>
                           <m:ctrlPr>
-                            <a:rPr lang="it-IT" i="1">
+                            <a:rPr lang="it-IT" sz="2400" i="1">
                               <a:latin typeface="Cambria Math" panose="02040503050406030204" pitchFamily="18" charset="0"/>
                             </a:rPr>
                           </m:ctrlPr>
                         </m:sSubPr>
                         <m:e>
                           <m:r>
-                            <a:rPr lang="it-IT" i="1">
+                            <a:rPr lang="it-IT" sz="2400" i="1">
                               <a:latin typeface="Cambria Math" panose="02040503050406030204" pitchFamily="18" charset="0"/>
                             </a:rPr>
                             <m:t>𝐿</m:t>
@@ -9789,7 +9854,7 @@
                         </m:e>
                         <m:sub>
                           <m:r>
-                            <a:rPr lang="it-IT" i="1">
+                            <a:rPr lang="it-IT" sz="2400" i="1">
                               <a:latin typeface="Cambria Math" panose="02040503050406030204" pitchFamily="18" charset="0"/>
                             </a:rPr>
                             <m:t>1</m:t>
@@ -9799,14 +9864,14 @@
                       <m:sSup>
                         <m:sSupPr>
                           <m:ctrlPr>
-                            <a:rPr lang="it-IT" i="1">
+                            <a:rPr lang="it-IT" sz="2400" i="1">
                               <a:latin typeface="Cambria Math" panose="02040503050406030204" pitchFamily="18" charset="0"/>
                             </a:rPr>
                           </m:ctrlPr>
                         </m:sSupPr>
                         <m:e>
                           <m:r>
-                            <a:rPr lang="it-IT" i="1">
+                            <a:rPr lang="it-IT" sz="2400" i="1">
                               <a:latin typeface="Cambria Math" panose="02040503050406030204" pitchFamily="18" charset="0"/>
                             </a:rPr>
                             <m:t>)</m:t>
@@ -9814,7 +9879,7 @@
                         </m:e>
                         <m:sup>
                           <m:r>
-                            <a:rPr lang="it-IT" i="1">
+                            <a:rPr lang="it-IT" sz="2400" i="1">
                               <a:latin typeface="Cambria Math" panose="02040503050406030204" pitchFamily="18" charset="0"/>
                             </a:rPr>
                             <m:t>2</m:t>
@@ -9822,7 +9887,7 @@
                         </m:sup>
                       </m:sSup>
                       <m:r>
-                        <a:rPr lang="it-IT" i="1">
+                        <a:rPr lang="it-IT" sz="2400" i="1">
                           <a:latin typeface="Cambria Math" panose="02040503050406030204" pitchFamily="18" charset="0"/>
                         </a:rPr>
                         <m:t>+</m:t>
@@ -9830,14 +9895,14 @@
                       <m:f>
                         <m:fPr>
                           <m:ctrlPr>
-                            <a:rPr lang="it-IT" i="1">
+                            <a:rPr lang="it-IT" sz="2400" i="1">
                               <a:latin typeface="Cambria Math" panose="02040503050406030204" pitchFamily="18" charset="0"/>
                             </a:rPr>
                           </m:ctrlPr>
                         </m:fPr>
                         <m:num>
                           <m:r>
-                            <a:rPr lang="it-IT" i="1">
+                            <a:rPr lang="it-IT" sz="2400" i="1">
                               <a:latin typeface="Cambria Math" panose="02040503050406030204" pitchFamily="18" charset="0"/>
                             </a:rPr>
                             <m:t>1</m:t>
@@ -9845,7 +9910,7 @@
                         </m:num>
                         <m:den>
                           <m:r>
-                            <a:rPr lang="it-IT" i="1">
+                            <a:rPr lang="it-IT" sz="2400" i="1">
                               <a:latin typeface="Cambria Math" panose="02040503050406030204" pitchFamily="18" charset="0"/>
                             </a:rPr>
                             <m:t>2</m:t>
@@ -9856,7 +9921,7 @@
                         <m:accPr>
                           <m:chr m:val="̇"/>
                           <m:ctrlPr>
-                            <a:rPr lang="it-IT" i="1">
+                            <a:rPr lang="it-IT" sz="2400" i="1">
                               <a:latin typeface="Cambria Math" panose="02040503050406030204" pitchFamily="18" charset="0"/>
                             </a:rPr>
                           </m:ctrlPr>
@@ -9865,14 +9930,14 @@
                           <m:sSubSup>
                             <m:sSubSupPr>
                               <m:ctrlPr>
-                                <a:rPr lang="it-IT" i="1">
+                                <a:rPr lang="it-IT" sz="2400" i="1">
                                   <a:latin typeface="Cambria Math" panose="02040503050406030204" pitchFamily="18" charset="0"/>
                                 </a:rPr>
                               </m:ctrlPr>
                             </m:sSubSupPr>
                             <m:e>
                               <m:r>
-                                <a:rPr lang="it-IT" i="1">
+                                <a:rPr lang="it-IT" sz="2400" i="1">
                                   <a:latin typeface="Cambria Math" panose="02040503050406030204" pitchFamily="18" charset="0"/>
                                 </a:rPr>
                                 <m:t>𝑞</m:t>
@@ -9880,7 +9945,7 @@
                             </m:e>
                             <m:sub>
                               <m:r>
-                                <a:rPr lang="it-IT" i="1">
+                                <a:rPr lang="it-IT" sz="2400" i="1">
                                   <a:latin typeface="Cambria Math" panose="02040503050406030204" pitchFamily="18" charset="0"/>
                                 </a:rPr>
                                 <m:t>1</m:t>
@@ -9888,7 +9953,7 @@
                             </m:sub>
                             <m:sup>
                               <m:r>
-                                <a:rPr lang="it-IT" i="1">
+                                <a:rPr lang="it-IT" sz="2400" i="1">
                                   <a:latin typeface="Cambria Math" panose="02040503050406030204" pitchFamily="18" charset="0"/>
                                 </a:rPr>
                                 <m:t>2</m:t>
@@ -9900,14 +9965,14 @@
                       <m:sSub>
                         <m:sSubPr>
                           <m:ctrlPr>
-                            <a:rPr lang="it-IT" i="1">
+                            <a:rPr lang="it-IT" sz="2400" i="1">
                               <a:latin typeface="Cambria Math" panose="02040503050406030204" pitchFamily="18" charset="0"/>
                             </a:rPr>
                           </m:ctrlPr>
                         </m:sSubPr>
                         <m:e>
                           <m:r>
-                            <a:rPr lang="it-IT" i="1">
+                            <a:rPr lang="it-IT" sz="2400" i="1">
                               <a:latin typeface="Cambria Math" panose="02040503050406030204" pitchFamily="18" charset="0"/>
                             </a:rPr>
                             <m:t>𝐼</m:t>
@@ -9915,7 +9980,7 @@
                         </m:e>
                         <m:sub>
                           <m:r>
-                            <a:rPr lang="it-IT" i="1">
+                            <a:rPr lang="it-IT" sz="2400" i="1">
                               <a:latin typeface="Cambria Math" panose="02040503050406030204" pitchFamily="18" charset="0"/>
                             </a:rPr>
                             <m:t>𝑧𝑧𝐵</m:t>
@@ -9923,7 +9988,7 @@
                         </m:sub>
                       </m:sSub>
                       <m:r>
-                        <a:rPr lang="it-IT" b="0" i="1" smtClean="0">
+                        <a:rPr lang="it-IT" sz="2400" b="0" i="1" smtClean="0">
                           <a:latin typeface="Cambria Math" panose="02040503050406030204" pitchFamily="18" charset="0"/>
                         </a:rPr>
                         <m:t>+</m:t>
@@ -9931,14 +9996,14 @@
                       <m:f>
                         <m:fPr>
                           <m:ctrlPr>
-                            <a:rPr lang="it-IT" i="1">
+                            <a:rPr lang="it-IT" sz="2400" i="1">
                               <a:latin typeface="Cambria Math" panose="02040503050406030204" pitchFamily="18" charset="0"/>
                             </a:rPr>
                           </m:ctrlPr>
                         </m:fPr>
                         <m:num>
                           <m:r>
-                            <a:rPr lang="it-IT" i="1">
+                            <a:rPr lang="it-IT" sz="2400" i="1">
                               <a:latin typeface="Cambria Math" panose="02040503050406030204" pitchFamily="18" charset="0"/>
                             </a:rPr>
                             <m:t>1</m:t>
@@ -9946,7 +10011,7 @@
                         </m:num>
                         <m:den>
                           <m:r>
-                            <a:rPr lang="it-IT" i="1">
+                            <a:rPr lang="it-IT" sz="2400" i="1">
                               <a:latin typeface="Cambria Math" panose="02040503050406030204" pitchFamily="18" charset="0"/>
                             </a:rPr>
                             <m:t>2</m:t>
@@ -9956,14 +10021,14 @@
                       <m:sSub>
                         <m:sSubPr>
                           <m:ctrlPr>
-                            <a:rPr lang="it-IT" i="1">
+                            <a:rPr lang="it-IT" sz="2400" i="1">
                               <a:latin typeface="Cambria Math" panose="02040503050406030204" pitchFamily="18" charset="0"/>
                             </a:rPr>
                           </m:ctrlPr>
                         </m:sSubPr>
                         <m:e>
                           <m:r>
-                            <a:rPr lang="it-IT" i="1">
+                            <a:rPr lang="it-IT" sz="2400" i="1">
                               <a:latin typeface="Cambria Math" panose="02040503050406030204" pitchFamily="18" charset="0"/>
                             </a:rPr>
                             <m:t>𝑀</m:t>
@@ -9971,7 +10036,7 @@
                         </m:e>
                         <m:sub>
                           <m:r>
-                            <a:rPr lang="it-IT" i="1">
+                            <a:rPr lang="it-IT" sz="2400" i="1">
                               <a:latin typeface="Cambria Math" panose="02040503050406030204" pitchFamily="18" charset="0"/>
                             </a:rPr>
                             <m:t>2</m:t>
@@ -9981,7 +10046,7 @@
                       <m:sSubSup>
                         <m:sSubSupPr>
                           <m:ctrlPr>
-                            <a:rPr lang="it-IT" i="1">
+                            <a:rPr lang="it-IT" sz="2400" i="1">
                               <a:latin typeface="Cambria Math" panose="02040503050406030204" pitchFamily="18" charset="0"/>
                             </a:rPr>
                           </m:ctrlPr>
@@ -9991,14 +10056,14 @@
                             <m:accPr>
                               <m:chr m:val="̇"/>
                               <m:ctrlPr>
-                                <a:rPr lang="it-IT" i="1">
+                                <a:rPr lang="it-IT" sz="2400" i="1">
                                   <a:latin typeface="Cambria Math" panose="02040503050406030204" pitchFamily="18" charset="0"/>
                                 </a:rPr>
                               </m:ctrlPr>
                             </m:accPr>
                             <m:e>
                               <m:r>
-                                <a:rPr lang="it-IT" i="1">
+                                <a:rPr lang="it-IT" sz="2400" i="1">
                                   <a:latin typeface="Cambria Math" panose="02040503050406030204" pitchFamily="18" charset="0"/>
                                 </a:rPr>
                                 <m:t>𝑞</m:t>
@@ -10008,7 +10073,7 @@
                         </m:e>
                         <m:sub>
                           <m:r>
-                            <a:rPr lang="it-IT" i="1">
+                            <a:rPr lang="it-IT" sz="2400" i="1">
                               <a:latin typeface="Cambria Math" panose="02040503050406030204" pitchFamily="18" charset="0"/>
                             </a:rPr>
                             <m:t>1</m:t>
@@ -10016,7 +10081,7 @@
                         </m:sub>
                         <m:sup>
                           <m:r>
-                            <a:rPr lang="it-IT" i="1">
+                            <a:rPr lang="it-IT" sz="2400" i="1">
                               <a:latin typeface="Cambria Math" panose="02040503050406030204" pitchFamily="18" charset="0"/>
                             </a:rPr>
                             <m:t>2</m:t>
@@ -10026,14 +10091,14 @@
                       <m:sSubSup>
                         <m:sSubSupPr>
                           <m:ctrlPr>
-                            <a:rPr lang="it-IT" i="1">
+                            <a:rPr lang="it-IT" sz="2400" i="1">
                               <a:latin typeface="Cambria Math" panose="02040503050406030204" pitchFamily="18" charset="0"/>
                             </a:rPr>
                           </m:ctrlPr>
                         </m:sSubSupPr>
                         <m:e>
                           <m:r>
-                            <a:rPr lang="it-IT" i="1">
+                            <a:rPr lang="it-IT" sz="2400" i="1">
                               <a:latin typeface="Cambria Math" panose="02040503050406030204" pitchFamily="18" charset="0"/>
                             </a:rPr>
                             <m:t>𝐿</m:t>
@@ -10041,7 +10106,7 @@
                         </m:e>
                         <m:sub>
                           <m:r>
-                            <a:rPr lang="it-IT" i="1">
+                            <a:rPr lang="it-IT" sz="2400" i="1">
                               <a:latin typeface="Cambria Math" panose="02040503050406030204" pitchFamily="18" charset="0"/>
                             </a:rPr>
                             <m:t>1</m:t>
@@ -10049,7 +10114,7 @@
                         </m:sub>
                         <m:sup>
                           <m:r>
-                            <a:rPr lang="it-IT" i="1">
+                            <a:rPr lang="it-IT" sz="2400" i="1">
                               <a:latin typeface="Cambria Math" panose="02040503050406030204" pitchFamily="18" charset="0"/>
                             </a:rPr>
                             <m:t>2</m:t>
@@ -10057,7 +10122,7 @@
                         </m:sup>
                       </m:sSubSup>
                       <m:r>
-                        <a:rPr lang="it-IT" b="0" i="1" smtClean="0">
+                        <a:rPr lang="it-IT" sz="2400" b="0" i="1" smtClean="0">
                           <a:latin typeface="Cambria Math" panose="02040503050406030204" pitchFamily="18" charset="0"/>
                         </a:rPr>
                         <m:t>+</m:t>
@@ -10065,12 +10130,15 @@
                     </m:oMath>
                   </m:oMathPara>
                 </a14:m>
-                <a:endParaRPr lang="it-IT" b="0" i="1" dirty="0">
+                <a:endParaRPr lang="it-IT" sz="2400" b="0" i="1" dirty="0">
                   <a:latin typeface="Cambria Math" panose="02040503050406030204" pitchFamily="18" charset="0"/>
                 </a:endParaRPr>
               </a:p>
               <a:p>
-                <a:pPr marL="0" indent="0">
+                <a:pPr marL="0" indent="0" algn="just">
+                  <a:lnSpc>
+                    <a:spcPct val="100000"/>
+                  </a:lnSpc>
                   <a:buNone/>
                 </a:pPr>
                 <a14:m>
@@ -10082,14 +10150,14 @@
                       <m:f>
                         <m:fPr>
                           <m:ctrlPr>
-                            <a:rPr lang="it-IT" i="1">
+                            <a:rPr lang="it-IT" sz="2400" i="1">
                               <a:latin typeface="Cambria Math" panose="02040503050406030204" pitchFamily="18" charset="0"/>
                             </a:rPr>
                           </m:ctrlPr>
                         </m:fPr>
                         <m:num>
                           <m:r>
-                            <a:rPr lang="it-IT" i="1">
+                            <a:rPr lang="it-IT" sz="2400" i="1">
                               <a:latin typeface="Cambria Math" panose="02040503050406030204" pitchFamily="18" charset="0"/>
                             </a:rPr>
                             <m:t>1</m:t>
@@ -10097,7 +10165,7 @@
                         </m:num>
                         <m:den>
                           <m:r>
-                            <a:rPr lang="it-IT" i="1">
+                            <a:rPr lang="it-IT" sz="2400" i="1">
                               <a:latin typeface="Cambria Math" panose="02040503050406030204" pitchFamily="18" charset="0"/>
                             </a:rPr>
                             <m:t>2</m:t>
@@ -10107,7 +10175,7 @@
                       <m:d>
                         <m:dPr>
                           <m:ctrlPr>
-                            <a:rPr lang="it-IT" i="1">
+                            <a:rPr lang="it-IT" sz="2400" i="1">
                               <a:latin typeface="Cambria Math" panose="02040503050406030204" pitchFamily="18" charset="0"/>
                             </a:rPr>
                           </m:ctrlPr>
@@ -10116,7 +10184,7 @@
                           <m:sSub>
                             <m:sSubPr>
                               <m:ctrlPr>
-                                <a:rPr lang="it-IT" i="1">
+                                <a:rPr lang="it-IT" sz="2400" i="1">
                                   <a:latin typeface="Cambria Math" panose="02040503050406030204" pitchFamily="18" charset="0"/>
                                 </a:rPr>
                               </m:ctrlPr>
@@ -10126,14 +10194,14 @@
                                 <m:accPr>
                                   <m:chr m:val="̇"/>
                                   <m:ctrlPr>
-                                    <a:rPr lang="it-IT" i="1">
+                                    <a:rPr lang="it-IT" sz="2400" i="1">
                                       <a:latin typeface="Cambria Math" panose="02040503050406030204" pitchFamily="18" charset="0"/>
                                     </a:rPr>
                                   </m:ctrlPr>
                                 </m:accPr>
                                 <m:e>
                                   <m:r>
-                                    <a:rPr lang="it-IT" i="1">
+                                    <a:rPr lang="it-IT" sz="2400" i="1">
                                       <a:latin typeface="Cambria Math" panose="02040503050406030204" pitchFamily="18" charset="0"/>
                                     </a:rPr>
                                     <m:t>𝑞</m:t>
@@ -10143,7 +10211,7 @@
                             </m:e>
                             <m:sub>
                               <m:r>
-                                <a:rPr lang="it-IT" i="1">
+                                <a:rPr lang="it-IT" sz="2400" i="1">
                                   <a:latin typeface="Cambria Math" panose="02040503050406030204" pitchFamily="18" charset="0"/>
                                 </a:rPr>
                                 <m:t>1</m:t>
@@ -10151,7 +10219,7 @@
                             </m:sub>
                           </m:sSub>
                           <m:r>
-                            <a:rPr lang="it-IT" i="1">
+                            <a:rPr lang="it-IT" sz="2400" i="1">
                               <a:latin typeface="Cambria Math" panose="02040503050406030204" pitchFamily="18" charset="0"/>
                             </a:rPr>
                             <m:t>+</m:t>
@@ -10159,7 +10227,7 @@
                           <m:sSub>
                             <m:sSubPr>
                               <m:ctrlPr>
-                                <a:rPr lang="it-IT" i="1">
+                                <a:rPr lang="it-IT" sz="2400" i="1">
                                   <a:latin typeface="Cambria Math" panose="02040503050406030204" pitchFamily="18" charset="0"/>
                                 </a:rPr>
                               </m:ctrlPr>
@@ -10169,14 +10237,14 @@
                                 <m:accPr>
                                   <m:chr m:val="̇"/>
                                   <m:ctrlPr>
-                                    <a:rPr lang="it-IT" i="1">
+                                    <a:rPr lang="it-IT" sz="2400" i="1">
                                       <a:latin typeface="Cambria Math" panose="02040503050406030204" pitchFamily="18" charset="0"/>
                                     </a:rPr>
                                   </m:ctrlPr>
                                 </m:accPr>
                                 <m:e>
                                   <m:r>
-                                    <a:rPr lang="it-IT" i="1">
+                                    <a:rPr lang="it-IT" sz="2400" i="1">
                                       <a:latin typeface="Cambria Math" panose="02040503050406030204" pitchFamily="18" charset="0"/>
                                     </a:rPr>
                                     <m:t>𝑞</m:t>
@@ -10186,7 +10254,7 @@
                             </m:e>
                             <m:sub>
                               <m:r>
-                                <a:rPr lang="it-IT" i="1">
+                                <a:rPr lang="it-IT" sz="2400" i="1">
                                   <a:latin typeface="Cambria Math" panose="02040503050406030204" pitchFamily="18" charset="0"/>
                                 </a:rPr>
                                 <m:t>2</m:t>
@@ -10196,14 +10264,14 @@
                           <m:sSup>
                             <m:sSupPr>
                               <m:ctrlPr>
-                                <a:rPr lang="it-IT" i="1">
+                                <a:rPr lang="it-IT" sz="2400" i="1">
                                   <a:latin typeface="Cambria Math" panose="02040503050406030204" pitchFamily="18" charset="0"/>
                                 </a:rPr>
                               </m:ctrlPr>
                             </m:sSupPr>
                             <m:e>
                               <m:r>
-                                <a:rPr lang="it-IT" i="1">
+                                <a:rPr lang="it-IT" sz="2400" i="1">
                                   <a:latin typeface="Cambria Math" panose="02040503050406030204" pitchFamily="18" charset="0"/>
                                 </a:rPr>
                                 <m:t>)</m:t>
@@ -10211,7 +10279,7 @@
                             </m:e>
                             <m:sup>
                               <m:r>
-                                <a:rPr lang="it-IT" i="1">
+                                <a:rPr lang="it-IT" sz="2400" i="1">
                                   <a:latin typeface="Cambria Math" panose="02040503050406030204" pitchFamily="18" charset="0"/>
                                 </a:rPr>
                                 <m:t>2</m:t>
@@ -10221,14 +10289,14 @@
                           <m:sSub>
                             <m:sSubPr>
                               <m:ctrlPr>
-                                <a:rPr lang="it-IT" i="1">
+                                <a:rPr lang="it-IT" sz="2400" i="1">
                                   <a:latin typeface="Cambria Math" panose="02040503050406030204" pitchFamily="18" charset="0"/>
                                 </a:rPr>
                               </m:ctrlPr>
                             </m:sSubPr>
                             <m:e>
                               <m:r>
-                                <a:rPr lang="it-IT" i="1">
+                                <a:rPr lang="it-IT" sz="2400" i="1">
                                   <a:latin typeface="Cambria Math" panose="02040503050406030204" pitchFamily="18" charset="0"/>
                                 </a:rPr>
                                 <m:t>𝐼</m:t>
@@ -10236,7 +10304,7 @@
                             </m:e>
                             <m:sub>
                               <m:r>
-                                <a:rPr lang="it-IT" i="1">
+                                <a:rPr lang="it-IT" sz="2400" i="1">
                                   <a:latin typeface="Cambria Math" panose="02040503050406030204" pitchFamily="18" charset="0"/>
                                 </a:rPr>
                                 <m:t>𝑧𝑧𝐷</m:t>
@@ -10246,13 +10314,13 @@
                         </m:e>
                       </m:d>
                       <m:r>
-                        <a:rPr lang="it-IT" b="0" i="0" smtClean="0">
+                        <a:rPr lang="it-IT" sz="2400" b="0" i="0" smtClean="0">
                           <a:latin typeface="Cambria Math" panose="02040503050406030204" pitchFamily="18" charset="0"/>
                         </a:rPr>
                         <m:t>−(</m:t>
                       </m:r>
                       <m:r>
-                        <a:rPr lang="it-IT" i="1">
+                        <a:rPr lang="it-IT" sz="2400" i="1">
                           <a:latin typeface="Cambria Math" panose="02040503050406030204" pitchFamily="18" charset="0"/>
                         </a:rPr>
                         <m:t>𝑔</m:t>
@@ -10260,14 +10328,14 @@
                       <m:sSub>
                         <m:sSubPr>
                           <m:ctrlPr>
-                            <a:rPr lang="it-IT" i="1">
+                            <a:rPr lang="it-IT" sz="2400" i="1">
                               <a:latin typeface="Cambria Math" panose="02040503050406030204" pitchFamily="18" charset="0"/>
                             </a:rPr>
                           </m:ctrlPr>
                         </m:sSubPr>
                         <m:e>
                           <m:r>
-                            <a:rPr lang="it-IT" i="1">
+                            <a:rPr lang="it-IT" sz="2400" i="1">
                               <a:latin typeface="Cambria Math" panose="02040503050406030204" pitchFamily="18" charset="0"/>
                             </a:rPr>
                             <m:t>𝑀</m:t>
@@ -10275,7 +10343,7 @@
                         </m:e>
                         <m:sub>
                           <m:r>
-                            <a:rPr lang="it-IT" i="1">
+                            <a:rPr lang="it-IT" sz="2400" i="1">
                               <a:latin typeface="Cambria Math" panose="02040503050406030204" pitchFamily="18" charset="0"/>
                             </a:rPr>
                             <m:t>1</m:t>
@@ -10285,7 +10353,7 @@
                       <m:d>
                         <m:dPr>
                           <m:ctrlPr>
-                            <a:rPr lang="it-IT" i="1">
+                            <a:rPr lang="it-IT" sz="2400" i="1">
                               <a:latin typeface="Cambria Math" panose="02040503050406030204" pitchFamily="18" charset="0"/>
                             </a:rPr>
                           </m:ctrlPr>
@@ -10294,14 +10362,14 @@
                           <m:sSub>
                             <m:sSubPr>
                               <m:ctrlPr>
-                                <a:rPr lang="it-IT" i="1">
+                                <a:rPr lang="it-IT" sz="2400" i="1">
                                   <a:latin typeface="Cambria Math" panose="02040503050406030204" pitchFamily="18" charset="0"/>
                                 </a:rPr>
                               </m:ctrlPr>
                             </m:sSubPr>
                             <m:e>
                               <m:r>
-                                <a:rPr lang="it-IT" i="1">
+                                <a:rPr lang="it-IT" sz="2400" i="1">
                                   <a:latin typeface="Cambria Math" panose="02040503050406030204" pitchFamily="18" charset="0"/>
                                 </a:rPr>
                                 <m:t>𝐿</m:t>
@@ -10309,7 +10377,7 @@
                             </m:e>
                             <m:sub>
                               <m:r>
-                                <a:rPr lang="it-IT" i="1">
+                                <a:rPr lang="it-IT" sz="2400" i="1">
                                   <a:latin typeface="Cambria Math" panose="02040503050406030204" pitchFamily="18" charset="0"/>
                                 </a:rPr>
                                 <m:t>𝐵𝐶</m:t>
@@ -10317,7 +10385,7 @@
                             </m:sub>
                           </m:sSub>
                           <m:r>
-                            <a:rPr lang="it-IT" i="1">
+                            <a:rPr lang="it-IT" sz="2400" i="1">
                               <a:latin typeface="Cambria Math" panose="02040503050406030204" pitchFamily="18" charset="0"/>
                             </a:rPr>
                             <m:t>+</m:t>
@@ -10325,14 +10393,14 @@
                           <m:sSub>
                             <m:sSubPr>
                               <m:ctrlPr>
-                                <a:rPr lang="it-IT" i="1">
+                                <a:rPr lang="it-IT" sz="2400" i="1">
                                   <a:latin typeface="Cambria Math" panose="02040503050406030204" pitchFamily="18" charset="0"/>
                                 </a:rPr>
                               </m:ctrlPr>
                             </m:sSubPr>
                             <m:e>
                               <m:r>
-                                <a:rPr lang="it-IT" i="1">
+                                <a:rPr lang="it-IT" sz="2400" i="1">
                                   <a:latin typeface="Cambria Math" panose="02040503050406030204" pitchFamily="18" charset="0"/>
                                 </a:rPr>
                                 <m:t>𝐿</m:t>
@@ -10340,7 +10408,7 @@
                             </m:e>
                             <m:sub>
                               <m:r>
-                                <a:rPr lang="it-IT" i="1">
+                                <a:rPr lang="it-IT" sz="2400" i="1">
                                   <a:latin typeface="Cambria Math" panose="02040503050406030204" pitchFamily="18" charset="0"/>
                                 </a:rPr>
                                 <m:t>1</m:t>
@@ -10352,7 +10420,7 @@
                       <m:func>
                         <m:funcPr>
                           <m:ctrlPr>
-                            <a:rPr lang="it-IT" i="1">
+                            <a:rPr lang="it-IT" sz="2400" i="1">
                               <a:latin typeface="Cambria Math" panose="02040503050406030204" pitchFamily="18" charset="0"/>
                             </a:rPr>
                           </m:ctrlPr>
@@ -10362,7 +10430,7 @@
                             <m:rPr>
                               <m:sty m:val="p"/>
                             </m:rPr>
-                            <a:rPr lang="it-IT">
+                            <a:rPr lang="it-IT" sz="2400">
                               <a:latin typeface="Cambria Math" panose="02040503050406030204" pitchFamily="18" charset="0"/>
                             </a:rPr>
                             <m:t>cos</m:t>
@@ -10372,7 +10440,7 @@
                           <m:d>
                             <m:dPr>
                               <m:ctrlPr>
-                                <a:rPr lang="it-IT" i="1">
+                                <a:rPr lang="it-IT" sz="2400" i="1">
                                   <a:latin typeface="Cambria Math" panose="02040503050406030204" pitchFamily="18" charset="0"/>
                                 </a:rPr>
                               </m:ctrlPr>
@@ -10381,14 +10449,14 @@
                               <m:sSub>
                                 <m:sSubPr>
                                   <m:ctrlPr>
-                                    <a:rPr lang="it-IT" i="1">
+                                    <a:rPr lang="it-IT" sz="2400" i="1">
                                       <a:latin typeface="Cambria Math" panose="02040503050406030204" pitchFamily="18" charset="0"/>
                                     </a:rPr>
                                   </m:ctrlPr>
                                 </m:sSubPr>
                                 <m:e>
                                   <m:r>
-                                    <a:rPr lang="it-IT" i="1">
+                                    <a:rPr lang="it-IT" sz="2400" i="1">
                                       <a:latin typeface="Cambria Math" panose="02040503050406030204" pitchFamily="18" charset="0"/>
                                       <a:ea typeface="Cambria Math" panose="02040503050406030204" pitchFamily="18" charset="0"/>
                                     </a:rPr>
@@ -10397,7 +10465,7 @@
                                 </m:e>
                                 <m:sub>
                                   <m:r>
-                                    <a:rPr lang="it-IT" i="1">
+                                    <a:rPr lang="it-IT" sz="2400" i="1">
                                       <a:latin typeface="Cambria Math" panose="02040503050406030204" pitchFamily="18" charset="0"/>
                                     </a:rPr>
                                     <m:t>1</m:t>
@@ -10409,13 +10477,13 @@
                         </m:e>
                       </m:func>
                       <m:r>
-                        <a:rPr lang="it-IT" b="0" i="0" smtClean="0">
+                        <a:rPr lang="it-IT" sz="2400" b="0" i="0" smtClean="0">
                           <a:latin typeface="Cambria Math" panose="02040503050406030204" pitchFamily="18" charset="0"/>
                         </a:rPr>
                         <m:t>+</m:t>
                       </m:r>
                       <m:r>
-                        <a:rPr lang="it-IT" i="1">
+                        <a:rPr lang="it-IT" sz="2400" i="1">
                           <a:latin typeface="Cambria Math" panose="02040503050406030204" pitchFamily="18" charset="0"/>
                         </a:rPr>
                         <m:t>𝑔</m:t>
@@ -10423,14 +10491,14 @@
                       <m:sSub>
                         <m:sSubPr>
                           <m:ctrlPr>
-                            <a:rPr lang="it-IT" i="1">
+                            <a:rPr lang="it-IT" sz="2400" i="1">
                               <a:latin typeface="Cambria Math" panose="02040503050406030204" pitchFamily="18" charset="0"/>
                             </a:rPr>
                           </m:ctrlPr>
                         </m:sSubPr>
                         <m:e>
                           <m:r>
-                            <a:rPr lang="it-IT" i="1">
+                            <a:rPr lang="it-IT" sz="2400" i="1">
                               <a:latin typeface="Cambria Math" panose="02040503050406030204" pitchFamily="18" charset="0"/>
                             </a:rPr>
                             <m:t>𝑀</m:t>
@@ -10438,7 +10506,7 @@
                         </m:e>
                         <m:sub>
                           <m:r>
-                            <a:rPr lang="it-IT" i="1">
+                            <a:rPr lang="it-IT" sz="2400" i="1">
                               <a:latin typeface="Cambria Math" panose="02040503050406030204" pitchFamily="18" charset="0"/>
                             </a:rPr>
                             <m:t>2</m:t>
@@ -10448,14 +10516,14 @@
                       <m:sSub>
                         <m:sSubPr>
                           <m:ctrlPr>
-                            <a:rPr lang="it-IT" i="1">
+                            <a:rPr lang="it-IT" sz="2400" i="1">
                               <a:latin typeface="Cambria Math" panose="02040503050406030204" pitchFamily="18" charset="0"/>
                             </a:rPr>
                           </m:ctrlPr>
                         </m:sSubPr>
                         <m:e>
                           <m:r>
-                            <a:rPr lang="it-IT" i="1">
+                            <a:rPr lang="it-IT" sz="2400" i="1">
                               <a:latin typeface="Cambria Math" panose="02040503050406030204" pitchFamily="18" charset="0"/>
                             </a:rPr>
                             <m:t>𝐿</m:t>
@@ -10463,7 +10531,7 @@
                         </m:e>
                         <m:sub>
                           <m:r>
-                            <a:rPr lang="it-IT" i="1">
+                            <a:rPr lang="it-IT" sz="2400" i="1">
                               <a:latin typeface="Cambria Math" panose="02040503050406030204" pitchFamily="18" charset="0"/>
                             </a:rPr>
                             <m:t>1</m:t>
@@ -10471,13 +10539,13 @@
                         </m:sub>
                       </m:sSub>
                       <m:r>
-                        <a:rPr lang="it-IT" i="1">
+                        <a:rPr lang="it-IT" sz="2400" i="1">
                           <a:latin typeface="Cambria Math" panose="02040503050406030204" pitchFamily="18" charset="0"/>
                         </a:rPr>
                         <m:t>𝑐𝑜𝑠</m:t>
                       </m:r>
                       <m:r>
-                        <a:rPr lang="it-IT" i="1">
+                        <a:rPr lang="it-IT" sz="2400" i="1">
                           <a:latin typeface="Cambria Math" panose="02040503050406030204" pitchFamily="18" charset="0"/>
                         </a:rPr>
                         <m:t>⁡(</m:t>
@@ -10485,14 +10553,14 @@
                       <m:sSub>
                         <m:sSubPr>
                           <m:ctrlPr>
-                            <a:rPr lang="it-IT" i="1">
+                            <a:rPr lang="it-IT" sz="2400" i="1">
                               <a:latin typeface="Cambria Math" panose="02040503050406030204" pitchFamily="18" charset="0"/>
                             </a:rPr>
                           </m:ctrlPr>
                         </m:sSubPr>
                         <m:e>
                           <m:r>
-                            <a:rPr lang="it-IT" i="1">
+                            <a:rPr lang="it-IT" sz="2400" i="1">
                               <a:latin typeface="Cambria Math" panose="02040503050406030204" pitchFamily="18" charset="0"/>
                               <a:ea typeface="Cambria Math" panose="02040503050406030204" pitchFamily="18" charset="0"/>
                             </a:rPr>
@@ -10501,7 +10569,7 @@
                         </m:e>
                         <m:sub>
                           <m:r>
-                            <a:rPr lang="it-IT" i="1">
+                            <a:rPr lang="it-IT" sz="2400" i="1">
                               <a:latin typeface="Cambria Math" panose="02040503050406030204" pitchFamily="18" charset="0"/>
                             </a:rPr>
                             <m:t>1</m:t>
@@ -10509,13 +10577,13 @@
                         </m:sub>
                       </m:sSub>
                       <m:r>
-                        <a:rPr lang="it-IT" i="1">
+                        <a:rPr lang="it-IT" sz="2400" i="1">
                           <a:latin typeface="Cambria Math" panose="02040503050406030204" pitchFamily="18" charset="0"/>
                         </a:rPr>
                         <m:t>)</m:t>
                       </m:r>
                       <m:r>
-                        <a:rPr lang="it-IT" b="0" i="0" smtClean="0">
+                        <a:rPr lang="it-IT" sz="2400" b="0" i="0" smtClean="0">
                           <a:latin typeface="Cambria Math" panose="02040503050406030204" pitchFamily="18" charset="0"/>
                         </a:rPr>
                         <m:t>)</m:t>
@@ -10523,12 +10591,12 @@
                     </m:oMath>
                   </m:oMathPara>
                 </a14:m>
-                <a:endParaRPr lang="it-IT" dirty="0"/>
+                <a:endParaRPr lang="it-IT" sz="2400" dirty="0"/>
               </a:p>
             </p:txBody>
           </p:sp>
         </mc:Choice>
-        <mc:Fallback xmlns="">
+        <mc:Fallback>
           <p:sp>
             <p:nvSpPr>
               <p:cNvPr id="3" name="Segnaposto contenuto 2">
@@ -10553,7 +10621,7 @@
               <a:blipFill>
                 <a:blip r:embed="rId2"/>
                 <a:stretch>
-                  <a:fillRect l="-1246" t="-1511" r="-2056"/>
+                  <a:fillRect l="-935" t="-711"/>
                 </a:stretch>
               </a:blipFill>
             </p:spPr>
@@ -10668,37 +10736,46 @@
             </p:spPr>
             <p:txBody>
               <a:bodyPr>
-                <a:normAutofit fontScale="62500" lnSpcReduction="20000"/>
+                <a:noAutofit/>
               </a:bodyPr>
               <a:lstStyle/>
               <a:p>
-                <a:pPr marL="0" indent="0">
+                <a:pPr marL="0" indent="0" algn="just">
                   <a:lnSpc>
-                    <a:spcPct val="120000"/>
+                    <a:spcPct val="100000"/>
                   </a:lnSpc>
                   <a:buNone/>
                 </a:pPr>
                 <a:r>
-                  <a:rPr lang="it-IT" sz="4000" dirty="0"/>
+                  <a:rPr lang="it-IT" sz="2400" dirty="0"/>
                   <a:t>Per ricavare le equazioni del moto del pendolo inverso devo calcolare le derivate che sono presenti nell’equazione di Eulero-Lagrange e, dopo aver fatto ciò, sono in grado di ricavare le equazioni del moto (o equazioni di Eulero-Lagrange) del pendolo inverso. Dopo aver fatto i calcoli ho che le equazioni del moto del pendolo inverso sono:</a:t>
                 </a:r>
               </a:p>
               <a:p>
-                <a:pPr marL="0" indent="0">
+                <a:pPr marL="0" indent="0" algn="just">
+                  <a:lnSpc>
+                    <a:spcPct val="100000"/>
+                  </a:lnSpc>
                   <a:buNone/>
                 </a:pPr>
-                <a:endParaRPr lang="it-IT" dirty="0"/>
+                <a:endParaRPr lang="it-IT" sz="2400" dirty="0"/>
               </a:p>
               <a:p>
                 <a:pPr marL="0" indent="0" algn="just">
+                  <a:lnSpc>
+                    <a:spcPct val="100000"/>
+                  </a:lnSpc>
                   <a:buNone/>
                 </a:pPr>
-                <a:endParaRPr lang="it-IT" sz="2000" i="1" dirty="0">
+                <a:endParaRPr lang="it-IT" sz="2400" i="1" dirty="0">
                   <a:latin typeface="Cambria Math" panose="02040503050406030204" pitchFamily="18" charset="0"/>
                 </a:endParaRPr>
               </a:p>
               <a:p>
                 <a:pPr marL="0" indent="0" algn="just">
+                  <a:lnSpc>
+                    <a:spcPct val="100000"/>
+                  </a:lnSpc>
                   <a:buNone/>
                 </a:pPr>
                 <a14:m>
@@ -10712,7 +10789,7 @@
                           <m:begChr m:val="{"/>
                           <m:endChr m:val=""/>
                           <m:ctrlPr>
-                            <a:rPr lang="it-IT" sz="3000" i="1" smtClean="0">
+                            <a:rPr lang="it-IT" sz="1800" i="1" smtClean="0">
                               <a:latin typeface="Cambria Math" panose="02040503050406030204" pitchFamily="18" charset="0"/>
                             </a:rPr>
                           </m:ctrlPr>
@@ -10729,7 +10806,7 @@
                                 </m:mc>
                               </m:mcs>
                               <m:ctrlPr>
-                                <a:rPr lang="it-IT" sz="3000" i="1" smtClean="0">
+                                <a:rPr lang="it-IT" sz="1800" i="1" smtClean="0">
                                   <a:latin typeface="Cambria Math" panose="02040503050406030204" pitchFamily="18" charset="0"/>
                                 </a:rPr>
                               </m:ctrlPr>
@@ -10739,7 +10816,7 @@
                                 <m:sSub>
                                   <m:sSubPr>
                                     <m:ctrlPr>
-                                      <a:rPr lang="it-IT" sz="3000" i="1">
+                                      <a:rPr lang="it-IT" sz="1800" i="1">
                                         <a:latin typeface="Cambria Math" panose="02040503050406030204" pitchFamily="18" charset="0"/>
                                       </a:rPr>
                                     </m:ctrlPr>
@@ -10749,14 +10826,14 @@
                                       <m:accPr>
                                         <m:chr m:val="̈"/>
                                         <m:ctrlPr>
-                                          <a:rPr lang="it-IT" sz="3000" i="1">
+                                          <a:rPr lang="it-IT" sz="1800" i="1">
                                             <a:latin typeface="Cambria Math" panose="02040503050406030204" pitchFamily="18" charset="0"/>
                                           </a:rPr>
                                         </m:ctrlPr>
                                       </m:accPr>
                                       <m:e>
                                         <m:r>
-                                          <a:rPr lang="it-IT" sz="3000" i="1">
+                                          <a:rPr lang="it-IT" sz="1800" i="1">
                                             <a:latin typeface="Cambria Math" panose="02040503050406030204" pitchFamily="18" charset="0"/>
                                           </a:rPr>
                                           <m:t>𝑞</m:t>
@@ -10766,7 +10843,7 @@
                                   </m:e>
                                   <m:sub>
                                     <m:r>
-                                      <a:rPr lang="it-IT" sz="3000" i="1">
+                                      <a:rPr lang="it-IT" sz="1800" i="1">
                                         <a:latin typeface="Cambria Math" panose="02040503050406030204" pitchFamily="18" charset="0"/>
                                       </a:rPr>
                                       <m:t>1</m:t>
@@ -10774,7 +10851,7 @@
                                   </m:sub>
                                 </m:sSub>
                                 <m:r>
-                                  <a:rPr lang="it-IT" sz="3000" i="1">
+                                  <a:rPr lang="it-IT" sz="1800" i="1">
                                     <a:latin typeface="Cambria Math" panose="02040503050406030204" pitchFamily="18" charset="0"/>
                                   </a:rPr>
                                   <m:t>(</m:t>
@@ -10782,14 +10859,14 @@
                                 <m:sSub>
                                   <m:sSubPr>
                                     <m:ctrlPr>
-                                      <a:rPr lang="it-IT" sz="3000" i="1">
+                                      <a:rPr lang="it-IT" sz="1800" i="1">
                                         <a:latin typeface="Cambria Math" panose="02040503050406030204" pitchFamily="18" charset="0"/>
                                       </a:rPr>
                                     </m:ctrlPr>
                                   </m:sSubPr>
                                   <m:e>
                                     <m:r>
-                                      <a:rPr lang="it-IT" sz="3000" i="1">
+                                      <a:rPr lang="it-IT" sz="1800" i="1">
                                         <a:latin typeface="Cambria Math" panose="02040503050406030204" pitchFamily="18" charset="0"/>
                                       </a:rPr>
                                       <m:t>𝐼</m:t>
@@ -10797,7 +10874,7 @@
                                   </m:e>
                                   <m:sub>
                                     <m:r>
-                                      <a:rPr lang="it-IT" sz="3000" i="1">
+                                      <a:rPr lang="it-IT" sz="1800" i="1">
                                         <a:latin typeface="Cambria Math" panose="02040503050406030204" pitchFamily="18" charset="0"/>
                                       </a:rPr>
                                       <m:t>𝑧𝑧𝐵</m:t>
@@ -10805,7 +10882,7 @@
                                   </m:sub>
                                 </m:sSub>
                                 <m:r>
-                                  <a:rPr lang="it-IT" sz="3000" i="1">
+                                  <a:rPr lang="it-IT" sz="1800" i="1">
                                     <a:latin typeface="Cambria Math" panose="02040503050406030204" pitchFamily="18" charset="0"/>
                                   </a:rPr>
                                   <m:t>+</m:t>
@@ -10813,14 +10890,14 @@
                                 <m:sSub>
                                   <m:sSubPr>
                                     <m:ctrlPr>
-                                      <a:rPr lang="it-IT" sz="3000" i="1">
+                                      <a:rPr lang="it-IT" sz="1800" i="1">
                                         <a:latin typeface="Cambria Math" panose="02040503050406030204" pitchFamily="18" charset="0"/>
                                       </a:rPr>
                                     </m:ctrlPr>
                                   </m:sSubPr>
                                   <m:e>
                                     <m:r>
-                                      <a:rPr lang="it-IT" sz="3000" i="1">
+                                      <a:rPr lang="it-IT" sz="1800" i="1">
                                         <a:latin typeface="Cambria Math" panose="02040503050406030204" pitchFamily="18" charset="0"/>
                                       </a:rPr>
                                       <m:t>𝐼</m:t>
@@ -10828,7 +10905,7 @@
                                   </m:e>
                                   <m:sub>
                                     <m:r>
-                                      <a:rPr lang="it-IT" sz="3000" i="1">
+                                      <a:rPr lang="it-IT" sz="1800" i="1">
                                         <a:latin typeface="Cambria Math" panose="02040503050406030204" pitchFamily="18" charset="0"/>
                                       </a:rPr>
                                       <m:t>𝑧𝑧𝐷</m:t>
@@ -10836,7 +10913,7 @@
                                   </m:sub>
                                 </m:sSub>
                                 <m:r>
-                                  <a:rPr lang="it-IT" sz="3000" i="1">
+                                  <a:rPr lang="it-IT" sz="1800" i="1">
                                     <a:latin typeface="Cambria Math" panose="02040503050406030204" pitchFamily="18" charset="0"/>
                                   </a:rPr>
                                   <m:t>+</m:t>
@@ -10844,14 +10921,14 @@
                                 <m:sSub>
                                   <m:sSubPr>
                                     <m:ctrlPr>
-                                      <a:rPr lang="it-IT" sz="3000" i="1">
+                                      <a:rPr lang="it-IT" sz="1800" i="1">
                                         <a:latin typeface="Cambria Math" panose="02040503050406030204" pitchFamily="18" charset="0"/>
                                       </a:rPr>
                                     </m:ctrlPr>
                                   </m:sSubPr>
                                   <m:e>
                                     <m:r>
-                                      <a:rPr lang="it-IT" sz="3000" i="1">
+                                      <a:rPr lang="it-IT" sz="1800" i="1">
                                         <a:latin typeface="Cambria Math" panose="02040503050406030204" pitchFamily="18" charset="0"/>
                                       </a:rPr>
                                       <m:t>𝑀</m:t>
@@ -10859,7 +10936,7 @@
                                   </m:e>
                                   <m:sub>
                                     <m:r>
-                                      <a:rPr lang="it-IT" sz="3000" i="1">
+                                      <a:rPr lang="it-IT" sz="1800" i="1">
                                         <a:latin typeface="Cambria Math" panose="02040503050406030204" pitchFamily="18" charset="0"/>
                                       </a:rPr>
                                       <m:t>1</m:t>
@@ -10869,7 +10946,7 @@
                                 <m:d>
                                   <m:dPr>
                                     <m:ctrlPr>
-                                      <a:rPr lang="it-IT" sz="3000" i="1">
+                                      <a:rPr lang="it-IT" sz="1800" i="1">
                                         <a:latin typeface="Cambria Math" panose="02040503050406030204" pitchFamily="18" charset="0"/>
                                       </a:rPr>
                                     </m:ctrlPr>
@@ -10878,14 +10955,14 @@
                                     <m:sSub>
                                       <m:sSubPr>
                                         <m:ctrlPr>
-                                          <a:rPr lang="it-IT" sz="3000" i="1">
+                                          <a:rPr lang="it-IT" sz="1800" i="1">
                                             <a:latin typeface="Cambria Math" panose="02040503050406030204" pitchFamily="18" charset="0"/>
                                           </a:rPr>
                                         </m:ctrlPr>
                                       </m:sSubPr>
                                       <m:e>
                                         <m:r>
-                                          <a:rPr lang="it-IT" sz="3000" i="1">
+                                          <a:rPr lang="it-IT" sz="1800" i="1">
                                             <a:latin typeface="Cambria Math" panose="02040503050406030204" pitchFamily="18" charset="0"/>
                                           </a:rPr>
                                           <m:t>𝐿</m:t>
@@ -10893,7 +10970,7 @@
                                       </m:e>
                                       <m:sub>
                                         <m:r>
-                                          <a:rPr lang="it-IT" sz="3000" i="1">
+                                          <a:rPr lang="it-IT" sz="1800" i="1">
                                             <a:latin typeface="Cambria Math" panose="02040503050406030204" pitchFamily="18" charset="0"/>
                                           </a:rPr>
                                           <m:t>𝐵𝐶</m:t>
@@ -10901,7 +10978,7 @@
                                       </m:sub>
                                     </m:sSub>
                                     <m:r>
-                                      <a:rPr lang="it-IT" sz="3000" i="1">
+                                      <a:rPr lang="it-IT" sz="1800" i="1">
                                         <a:latin typeface="Cambria Math" panose="02040503050406030204" pitchFamily="18" charset="0"/>
                                       </a:rPr>
                                       <m:t>+</m:t>
@@ -10909,14 +10986,14 @@
                                     <m:sSub>
                                       <m:sSubPr>
                                         <m:ctrlPr>
-                                          <a:rPr lang="it-IT" sz="3000" i="1">
+                                          <a:rPr lang="it-IT" sz="1800" i="1">
                                             <a:latin typeface="Cambria Math" panose="02040503050406030204" pitchFamily="18" charset="0"/>
                                           </a:rPr>
                                         </m:ctrlPr>
                                       </m:sSubPr>
                                       <m:e>
                                         <m:r>
-                                          <a:rPr lang="it-IT" sz="3000" i="1">
+                                          <a:rPr lang="it-IT" sz="1800" i="1">
                                             <a:latin typeface="Cambria Math" panose="02040503050406030204" pitchFamily="18" charset="0"/>
                                           </a:rPr>
                                           <m:t>𝐿</m:t>
@@ -10924,7 +11001,7 @@
                                       </m:e>
                                       <m:sub>
                                         <m:r>
-                                          <a:rPr lang="it-IT" sz="3000" i="1">
+                                          <a:rPr lang="it-IT" sz="1800" i="1">
                                             <a:latin typeface="Cambria Math" panose="02040503050406030204" pitchFamily="18" charset="0"/>
                                           </a:rPr>
                                           <m:t>1</m:t>
@@ -10934,14 +11011,14 @@
                                     <m:sSup>
                                       <m:sSupPr>
                                         <m:ctrlPr>
-                                          <a:rPr lang="it-IT" sz="3000" i="1">
+                                          <a:rPr lang="it-IT" sz="1800" i="1">
                                             <a:latin typeface="Cambria Math" panose="02040503050406030204" pitchFamily="18" charset="0"/>
                                           </a:rPr>
                                         </m:ctrlPr>
                                       </m:sSupPr>
                                       <m:e>
                                         <m:r>
-                                          <a:rPr lang="it-IT" sz="3000" i="1">
+                                          <a:rPr lang="it-IT" sz="1800" i="1">
                                             <a:latin typeface="Cambria Math" panose="02040503050406030204" pitchFamily="18" charset="0"/>
                                           </a:rPr>
                                           <m:t>)</m:t>
@@ -10949,7 +11026,7 @@
                                       </m:e>
                                       <m:sup>
                                         <m:r>
-                                          <a:rPr lang="it-IT" sz="3000" i="1">
+                                          <a:rPr lang="it-IT" sz="1800" i="1">
                                             <a:latin typeface="Cambria Math" panose="02040503050406030204" pitchFamily="18" charset="0"/>
                                           </a:rPr>
                                           <m:t>2</m:t>
@@ -10957,7 +11034,7 @@
                                       </m:sup>
                                     </m:sSup>
                                     <m:r>
-                                      <a:rPr lang="it-IT" sz="3000" i="1">
+                                      <a:rPr lang="it-IT" sz="1800" i="1">
                                         <a:latin typeface="Cambria Math" panose="02040503050406030204" pitchFamily="18" charset="0"/>
                                       </a:rPr>
                                       <m:t>+</m:t>
@@ -10965,14 +11042,14 @@
                                     <m:sSub>
                                       <m:sSubPr>
                                         <m:ctrlPr>
-                                          <a:rPr lang="it-IT" sz="3000" i="1">
+                                          <a:rPr lang="it-IT" sz="1800" i="1">
                                             <a:latin typeface="Cambria Math" panose="02040503050406030204" pitchFamily="18" charset="0"/>
                                           </a:rPr>
                                         </m:ctrlPr>
                                       </m:sSubPr>
                                       <m:e>
                                         <m:r>
-                                          <a:rPr lang="it-IT" sz="3000" i="1">
+                                          <a:rPr lang="it-IT" sz="1800" i="1">
                                             <a:latin typeface="Cambria Math" panose="02040503050406030204" pitchFamily="18" charset="0"/>
                                           </a:rPr>
                                           <m:t>𝑀</m:t>
@@ -10980,7 +11057,7 @@
                                       </m:e>
                                       <m:sub>
                                         <m:r>
-                                          <a:rPr lang="it-IT" sz="3000" i="1">
+                                          <a:rPr lang="it-IT" sz="1800" i="1">
                                             <a:latin typeface="Cambria Math" panose="02040503050406030204" pitchFamily="18" charset="0"/>
                                           </a:rPr>
                                           <m:t>2</m:t>
@@ -10990,14 +11067,14 @@
                                     <m:sSubSup>
                                       <m:sSubSupPr>
                                         <m:ctrlPr>
-                                          <a:rPr lang="it-IT" sz="3000" i="1">
+                                          <a:rPr lang="it-IT" sz="1800" i="1">
                                             <a:latin typeface="Cambria Math" panose="02040503050406030204" pitchFamily="18" charset="0"/>
                                           </a:rPr>
                                         </m:ctrlPr>
                                       </m:sSubSupPr>
                                       <m:e>
                                         <m:r>
-                                          <a:rPr lang="it-IT" sz="3000" i="1">
+                                          <a:rPr lang="it-IT" sz="1800" i="1">
                                             <a:latin typeface="Cambria Math" panose="02040503050406030204" pitchFamily="18" charset="0"/>
                                           </a:rPr>
                                           <m:t>𝐿</m:t>
@@ -11005,7 +11082,7 @@
                                       </m:e>
                                       <m:sub>
                                         <m:r>
-                                          <a:rPr lang="it-IT" sz="3000" i="1">
+                                          <a:rPr lang="it-IT" sz="1800" i="1">
                                             <a:latin typeface="Cambria Math" panose="02040503050406030204" pitchFamily="18" charset="0"/>
                                           </a:rPr>
                                           <m:t>1</m:t>
@@ -11013,7 +11090,7 @@
                                       </m:sub>
                                       <m:sup>
                                         <m:r>
-                                          <a:rPr lang="it-IT" sz="3000" i="1">
+                                          <a:rPr lang="it-IT" sz="1800" i="1">
                                             <a:latin typeface="Cambria Math" panose="02040503050406030204" pitchFamily="18" charset="0"/>
                                           </a:rPr>
                                           <m:t>2</m:t>
@@ -11023,7 +11100,7 @@
                                   </m:e>
                                 </m:d>
                                 <m:r>
-                                  <a:rPr lang="it-IT" sz="3000" i="1">
+                                  <a:rPr lang="it-IT" sz="1800" i="1">
                                     <a:latin typeface="Cambria Math" panose="02040503050406030204" pitchFamily="18" charset="0"/>
                                   </a:rPr>
                                   <m:t>+</m:t>
@@ -11031,7 +11108,7 @@
                                 <m:sSub>
                                   <m:sSubPr>
                                     <m:ctrlPr>
-                                      <a:rPr lang="it-IT" sz="3000" i="1">
+                                      <a:rPr lang="it-IT" sz="1800" i="1">
                                         <a:latin typeface="Cambria Math" panose="02040503050406030204" pitchFamily="18" charset="0"/>
                                       </a:rPr>
                                     </m:ctrlPr>
@@ -11041,14 +11118,14 @@
                                       <m:accPr>
                                         <m:chr m:val="̈"/>
                                         <m:ctrlPr>
-                                          <a:rPr lang="it-IT" sz="3000" i="1">
+                                          <a:rPr lang="it-IT" sz="1800" i="1">
                                             <a:latin typeface="Cambria Math" panose="02040503050406030204" pitchFamily="18" charset="0"/>
                                           </a:rPr>
                                         </m:ctrlPr>
                                       </m:accPr>
                                       <m:e>
                                         <m:r>
-                                          <a:rPr lang="it-IT" sz="3000" i="1">
+                                          <a:rPr lang="it-IT" sz="1800" i="1">
                                             <a:latin typeface="Cambria Math" panose="02040503050406030204" pitchFamily="18" charset="0"/>
                                           </a:rPr>
                                           <m:t>𝑞</m:t>
@@ -11058,7 +11135,7 @@
                                   </m:e>
                                   <m:sub>
                                     <m:r>
-                                      <a:rPr lang="it-IT" sz="3000" i="1">
+                                      <a:rPr lang="it-IT" sz="1800" i="1">
                                         <a:latin typeface="Cambria Math" panose="02040503050406030204" pitchFamily="18" charset="0"/>
                                       </a:rPr>
                                       <m:t>2</m:t>
@@ -11068,14 +11145,14 @@
                                 <m:sSub>
                                   <m:sSubPr>
                                     <m:ctrlPr>
-                                      <a:rPr lang="it-IT" sz="3000" i="1">
+                                      <a:rPr lang="it-IT" sz="1800" i="1">
                                         <a:latin typeface="Cambria Math" panose="02040503050406030204" pitchFamily="18" charset="0"/>
                                       </a:rPr>
                                     </m:ctrlPr>
                                   </m:sSubPr>
                                   <m:e>
                                     <m:r>
-                                      <a:rPr lang="it-IT" sz="3000" i="1">
+                                      <a:rPr lang="it-IT" sz="1800" i="1">
                                         <a:latin typeface="Cambria Math" panose="02040503050406030204" pitchFamily="18" charset="0"/>
                                       </a:rPr>
                                       <m:t>𝐼</m:t>
@@ -11083,7 +11160,7 @@
                                   </m:e>
                                   <m:sub>
                                     <m:r>
-                                      <a:rPr lang="it-IT" sz="3000" i="1">
+                                      <a:rPr lang="it-IT" sz="1800" i="1">
                                         <a:latin typeface="Cambria Math" panose="02040503050406030204" pitchFamily="18" charset="0"/>
                                       </a:rPr>
                                       <m:t>𝑧𝑧𝐷</m:t>
@@ -11091,13 +11168,13 @@
                                   </m:sub>
                                 </m:sSub>
                                 <m:r>
-                                  <a:rPr lang="it-IT" sz="3000" i="1">
+                                  <a:rPr lang="it-IT" sz="1800" i="1">
                                     <a:latin typeface="Cambria Math" panose="02040503050406030204" pitchFamily="18" charset="0"/>
                                   </a:rPr>
                                   <m:t>−</m:t>
                                 </m:r>
                                 <m:r>
-                                  <a:rPr lang="it-IT" sz="3000" i="1">
+                                  <a:rPr lang="it-IT" sz="1800" i="1">
                                     <a:latin typeface="Cambria Math" panose="02040503050406030204" pitchFamily="18" charset="0"/>
                                   </a:rPr>
                                   <m:t>𝑔</m:t>
@@ -11105,7 +11182,7 @@
                                 <m:d>
                                   <m:dPr>
                                     <m:ctrlPr>
-                                      <a:rPr lang="it-IT" sz="3000" i="1">
+                                      <a:rPr lang="it-IT" sz="1800" i="1">
                                         <a:latin typeface="Cambria Math" panose="02040503050406030204" pitchFamily="18" charset="0"/>
                                       </a:rPr>
                                     </m:ctrlPr>
@@ -11114,14 +11191,14 @@
                                     <m:sSub>
                                       <m:sSubPr>
                                         <m:ctrlPr>
-                                          <a:rPr lang="it-IT" sz="3000" i="1">
+                                          <a:rPr lang="it-IT" sz="1800" i="1">
                                             <a:latin typeface="Cambria Math" panose="02040503050406030204" pitchFamily="18" charset="0"/>
                                           </a:rPr>
                                         </m:ctrlPr>
                                       </m:sSubPr>
                                       <m:e>
                                         <m:r>
-                                          <a:rPr lang="it-IT" sz="3000" i="1">
+                                          <a:rPr lang="it-IT" sz="1800" i="1">
                                             <a:latin typeface="Cambria Math" panose="02040503050406030204" pitchFamily="18" charset="0"/>
                                           </a:rPr>
                                           <m:t>𝑀</m:t>
@@ -11129,7 +11206,7 @@
                                       </m:e>
                                       <m:sub>
                                         <m:r>
-                                          <a:rPr lang="it-IT" sz="3000" i="1">
+                                          <a:rPr lang="it-IT" sz="1800" i="1">
                                             <a:latin typeface="Cambria Math" panose="02040503050406030204" pitchFamily="18" charset="0"/>
                                           </a:rPr>
                                           <m:t>1</m:t>
@@ -11139,7 +11216,7 @@
                                     <m:d>
                                       <m:dPr>
                                         <m:ctrlPr>
-                                          <a:rPr lang="it-IT" sz="3000" i="1">
+                                          <a:rPr lang="it-IT" sz="1800" i="1">
                                             <a:latin typeface="Cambria Math" panose="02040503050406030204" pitchFamily="18" charset="0"/>
                                           </a:rPr>
                                         </m:ctrlPr>
@@ -11148,14 +11225,14 @@
                                         <m:sSub>
                                           <m:sSubPr>
                                             <m:ctrlPr>
-                                              <a:rPr lang="it-IT" sz="3000" i="1">
+                                              <a:rPr lang="it-IT" sz="1800" i="1">
                                                 <a:latin typeface="Cambria Math" panose="02040503050406030204" pitchFamily="18" charset="0"/>
                                               </a:rPr>
                                             </m:ctrlPr>
                                           </m:sSubPr>
                                           <m:e>
                                             <m:r>
-                                              <a:rPr lang="it-IT" sz="3000" i="1">
+                                              <a:rPr lang="it-IT" sz="1800" i="1">
                                                 <a:latin typeface="Cambria Math" panose="02040503050406030204" pitchFamily="18" charset="0"/>
                                               </a:rPr>
                                               <m:t>𝐿</m:t>
@@ -11163,7 +11240,7 @@
                                           </m:e>
                                           <m:sub>
                                             <m:r>
-                                              <a:rPr lang="it-IT" sz="3000" i="1">
+                                              <a:rPr lang="it-IT" sz="1800" i="1">
                                                 <a:latin typeface="Cambria Math" panose="02040503050406030204" pitchFamily="18" charset="0"/>
                                               </a:rPr>
                                               <m:t>𝐵𝐶</m:t>
@@ -11171,7 +11248,7 @@
                                           </m:sub>
                                         </m:sSub>
                                         <m:r>
-                                          <a:rPr lang="it-IT" sz="3000" i="1">
+                                          <a:rPr lang="it-IT" sz="1800" i="1">
                                             <a:latin typeface="Cambria Math" panose="02040503050406030204" pitchFamily="18" charset="0"/>
                                           </a:rPr>
                                           <m:t>+</m:t>
@@ -11179,14 +11256,14 @@
                                         <m:sSub>
                                           <m:sSubPr>
                                             <m:ctrlPr>
-                                              <a:rPr lang="it-IT" sz="3000" i="1">
+                                              <a:rPr lang="it-IT" sz="1800" i="1">
                                                 <a:latin typeface="Cambria Math" panose="02040503050406030204" pitchFamily="18" charset="0"/>
                                               </a:rPr>
                                             </m:ctrlPr>
                                           </m:sSubPr>
                                           <m:e>
                                             <m:r>
-                                              <a:rPr lang="it-IT" sz="3000" i="1">
+                                              <a:rPr lang="it-IT" sz="1800" i="1">
                                                 <a:latin typeface="Cambria Math" panose="02040503050406030204" pitchFamily="18" charset="0"/>
                                               </a:rPr>
                                               <m:t>𝐿</m:t>
@@ -11194,7 +11271,7 @@
                                           </m:e>
                                           <m:sub>
                                             <m:r>
-                                              <a:rPr lang="it-IT" sz="3000" i="1">
+                                              <a:rPr lang="it-IT" sz="1800" i="1">
                                                 <a:latin typeface="Cambria Math" panose="02040503050406030204" pitchFamily="18" charset="0"/>
                                               </a:rPr>
                                               <m:t>1</m:t>
@@ -11204,7 +11281,7 @@
                                       </m:e>
                                     </m:d>
                                     <m:r>
-                                      <a:rPr lang="it-IT" sz="3000">
+                                      <a:rPr lang="it-IT" sz="1800">
                                         <a:latin typeface="Cambria Math" panose="02040503050406030204" pitchFamily="18" charset="0"/>
                                       </a:rPr>
                                       <m:t>+</m:t>
@@ -11212,14 +11289,14 @@
                                     <m:sSub>
                                       <m:sSubPr>
                                         <m:ctrlPr>
-                                          <a:rPr lang="it-IT" sz="3000" i="1">
+                                          <a:rPr lang="it-IT" sz="1800" i="1">
                                             <a:latin typeface="Cambria Math" panose="02040503050406030204" pitchFamily="18" charset="0"/>
                                           </a:rPr>
                                         </m:ctrlPr>
                                       </m:sSubPr>
                                       <m:e>
                                         <m:r>
-                                          <a:rPr lang="it-IT" sz="3000" i="1">
+                                          <a:rPr lang="it-IT" sz="1800" i="1">
                                             <a:latin typeface="Cambria Math" panose="02040503050406030204" pitchFamily="18" charset="0"/>
                                           </a:rPr>
                                           <m:t>𝑀</m:t>
@@ -11227,7 +11304,7 @@
                                       </m:e>
                                       <m:sub>
                                         <m:r>
-                                          <a:rPr lang="it-IT" sz="3000" i="1">
+                                          <a:rPr lang="it-IT" sz="1800" i="1">
                                             <a:latin typeface="Cambria Math" panose="02040503050406030204" pitchFamily="18" charset="0"/>
                                           </a:rPr>
                                           <m:t>2</m:t>
@@ -11237,14 +11314,14 @@
                                     <m:sSub>
                                       <m:sSubPr>
                                         <m:ctrlPr>
-                                          <a:rPr lang="it-IT" sz="3000" i="1">
+                                          <a:rPr lang="it-IT" sz="1800" i="1">
                                             <a:latin typeface="Cambria Math" panose="02040503050406030204" pitchFamily="18" charset="0"/>
                                           </a:rPr>
                                         </m:ctrlPr>
                                       </m:sSubPr>
                                       <m:e>
                                         <m:r>
-                                          <a:rPr lang="it-IT" sz="3000" i="1">
+                                          <a:rPr lang="it-IT" sz="1800" i="1">
                                             <a:latin typeface="Cambria Math" panose="02040503050406030204" pitchFamily="18" charset="0"/>
                                           </a:rPr>
                                           <m:t>𝐿</m:t>
@@ -11252,7 +11329,7 @@
                                       </m:e>
                                       <m:sub>
                                         <m:r>
-                                          <a:rPr lang="it-IT" sz="3000" i="1">
+                                          <a:rPr lang="it-IT" sz="1800" i="1">
                                             <a:latin typeface="Cambria Math" panose="02040503050406030204" pitchFamily="18" charset="0"/>
                                           </a:rPr>
                                           <m:t>1</m:t>
@@ -11265,7 +11342,7 @@
                                   <m:rPr>
                                     <m:sty m:val="p"/>
                                   </m:rPr>
-                                  <a:rPr lang="it-IT" sz="3000">
+                                  <a:rPr lang="it-IT" sz="1800">
                                     <a:latin typeface="Cambria Math" panose="02040503050406030204" pitchFamily="18" charset="0"/>
                                   </a:rPr>
                                   <m:t>sin</m:t>
@@ -11273,7 +11350,7 @@
                                 <m:d>
                                   <m:dPr>
                                     <m:ctrlPr>
-                                      <a:rPr lang="it-IT" sz="3000" i="1">
+                                      <a:rPr lang="it-IT" sz="1800" i="1">
                                         <a:latin typeface="Cambria Math" panose="02040503050406030204" pitchFamily="18" charset="0"/>
                                       </a:rPr>
                                     </m:ctrlPr>
@@ -11282,14 +11359,14 @@
                                     <m:sSub>
                                       <m:sSubPr>
                                         <m:ctrlPr>
-                                          <a:rPr lang="it-IT" sz="3000" i="1">
+                                          <a:rPr lang="it-IT" sz="1800" i="1">
                                             <a:latin typeface="Cambria Math" panose="02040503050406030204" pitchFamily="18" charset="0"/>
                                           </a:rPr>
                                         </m:ctrlPr>
                                       </m:sSubPr>
                                       <m:e>
                                         <m:r>
-                                          <a:rPr lang="it-IT" sz="3000" i="1">
+                                          <a:rPr lang="it-IT" sz="1800" i="1">
                                             <a:latin typeface="Cambria Math" panose="02040503050406030204" pitchFamily="18" charset="0"/>
                                             <a:ea typeface="Cambria Math" panose="02040503050406030204" pitchFamily="18" charset="0"/>
                                           </a:rPr>
@@ -11298,7 +11375,7 @@
                                       </m:e>
                                       <m:sub>
                                         <m:r>
-                                          <a:rPr lang="it-IT" sz="3000" i="1">
+                                          <a:rPr lang="it-IT" sz="1800" i="1">
                                             <a:latin typeface="Cambria Math" panose="02040503050406030204" pitchFamily="18" charset="0"/>
                                           </a:rPr>
                                           <m:t>1</m:t>
@@ -11308,7 +11385,7 @@
                                   </m:e>
                                 </m:d>
                                 <m:r>
-                                  <a:rPr lang="it-IT" sz="3000">
+                                  <a:rPr lang="it-IT" sz="1800">
                                     <a:latin typeface="Cambria Math" panose="02040503050406030204" pitchFamily="18" charset="0"/>
                                   </a:rPr>
                                   <m:t>+</m:t>
@@ -11316,14 +11393,14 @@
                                 <m:sSub>
                                   <m:sSubPr>
                                     <m:ctrlPr>
-                                      <a:rPr lang="it-IT" sz="3000" i="1">
+                                      <a:rPr lang="it-IT" sz="1800" i="1">
                                         <a:latin typeface="Cambria Math" panose="02040503050406030204" pitchFamily="18" charset="0"/>
                                       </a:rPr>
                                     </m:ctrlPr>
                                   </m:sSubPr>
                                   <m:e>
                                     <m:r>
-                                      <a:rPr lang="it-IT" sz="3000" i="1">
+                                      <a:rPr lang="it-IT" sz="1800" i="1">
                                         <a:latin typeface="Cambria Math" panose="02040503050406030204" pitchFamily="18" charset="0"/>
                                       </a:rPr>
                                       <m:t>𝐷</m:t>
@@ -11331,7 +11408,7 @@
                                   </m:e>
                                   <m:sub>
                                     <m:r>
-                                      <a:rPr lang="it-IT" sz="3000" i="1">
+                                      <a:rPr lang="it-IT" sz="1800" i="1">
                                         <a:latin typeface="Cambria Math" panose="02040503050406030204" pitchFamily="18" charset="0"/>
                                       </a:rPr>
                                       <m:t>1</m:t>
@@ -11341,7 +11418,7 @@
                                 <m:sSub>
                                   <m:sSubPr>
                                     <m:ctrlPr>
-                                      <a:rPr lang="it-IT" sz="3000" i="1">
+                                      <a:rPr lang="it-IT" sz="1800" i="1">
                                         <a:latin typeface="Cambria Math" panose="02040503050406030204" pitchFamily="18" charset="0"/>
                                       </a:rPr>
                                     </m:ctrlPr>
@@ -11351,14 +11428,14 @@
                                       <m:accPr>
                                         <m:chr m:val="̇"/>
                                         <m:ctrlPr>
-                                          <a:rPr lang="it-IT" sz="3000" i="1">
+                                          <a:rPr lang="it-IT" sz="1800" i="1">
                                             <a:latin typeface="Cambria Math" panose="02040503050406030204" pitchFamily="18" charset="0"/>
                                           </a:rPr>
                                         </m:ctrlPr>
                                       </m:accPr>
                                       <m:e>
                                         <m:r>
-                                          <a:rPr lang="it-IT" sz="3000" i="1">
+                                          <a:rPr lang="it-IT" sz="1800" i="1">
                                             <a:latin typeface="Cambria Math" panose="02040503050406030204" pitchFamily="18" charset="0"/>
                                           </a:rPr>
                                           <m:t>𝑞</m:t>
@@ -11368,7 +11445,7 @@
                                   </m:e>
                                   <m:sub>
                                     <m:r>
-                                      <a:rPr lang="it-IT" sz="3000" i="1">
+                                      <a:rPr lang="it-IT" sz="1800" i="1">
                                         <a:latin typeface="Cambria Math" panose="02040503050406030204" pitchFamily="18" charset="0"/>
                                       </a:rPr>
                                       <m:t>1</m:t>
@@ -11376,7 +11453,7 @@
                                   </m:sub>
                                 </m:sSub>
                                 <m:r>
-                                  <a:rPr lang="it-IT" sz="3000" i="1">
+                                  <a:rPr lang="it-IT" sz="1800" i="1">
                                     <a:latin typeface="Cambria Math" panose="02040503050406030204" pitchFamily="18" charset="0"/>
                                   </a:rPr>
                                   <m:t>=</m:t>
@@ -11384,14 +11461,14 @@
                                 <m:sSub>
                                   <m:sSubPr>
                                     <m:ctrlPr>
-                                      <a:rPr lang="it-IT" sz="3000" i="1">
+                                      <a:rPr lang="it-IT" sz="1800" i="1">
                                         <a:latin typeface="Cambria Math" panose="02040503050406030204" pitchFamily="18" charset="0"/>
                                       </a:rPr>
                                     </m:ctrlPr>
                                   </m:sSubPr>
                                   <m:e>
                                     <m:r>
-                                      <a:rPr lang="it-IT" sz="3000" i="1">
+                                      <a:rPr lang="it-IT" sz="1800" i="1">
                                         <a:latin typeface="Cambria Math" panose="02040503050406030204" pitchFamily="18" charset="0"/>
                                       </a:rPr>
                                       <m:t>𝑢</m:t>
@@ -11399,7 +11476,7 @@
                                   </m:e>
                                   <m:sub>
                                     <m:r>
-                                      <a:rPr lang="it-IT" sz="3000" i="1">
+                                      <a:rPr lang="it-IT" sz="1800" i="1">
                                         <a:latin typeface="Cambria Math" panose="02040503050406030204" pitchFamily="18" charset="0"/>
                                       </a:rPr>
                                       <m:t>1</m:t>
@@ -11411,7 +11488,7 @@
                             <m:mr>
                               <m:e>
                                 <m:r>
-                                  <a:rPr lang="it-IT" sz="3000" i="1">
+                                  <a:rPr lang="it-IT" sz="1800" i="1">
                                     <a:latin typeface="Cambria Math" panose="02040503050406030204" pitchFamily="18" charset="0"/>
                                   </a:rPr>
                                   <m:t>(</m:t>
@@ -11419,7 +11496,7 @@
                                 <m:sSub>
                                   <m:sSubPr>
                                     <m:ctrlPr>
-                                      <a:rPr lang="it-IT" sz="3000" i="1">
+                                      <a:rPr lang="it-IT" sz="1800" i="1">
                                         <a:latin typeface="Cambria Math" panose="02040503050406030204" pitchFamily="18" charset="0"/>
                                       </a:rPr>
                                     </m:ctrlPr>
@@ -11429,14 +11506,14 @@
                                       <m:accPr>
                                         <m:chr m:val="̈"/>
                                         <m:ctrlPr>
-                                          <a:rPr lang="it-IT" sz="3000" i="1">
+                                          <a:rPr lang="it-IT" sz="1800" i="1">
                                             <a:latin typeface="Cambria Math" panose="02040503050406030204" pitchFamily="18" charset="0"/>
                                           </a:rPr>
                                         </m:ctrlPr>
                                       </m:accPr>
                                       <m:e>
                                         <m:r>
-                                          <a:rPr lang="it-IT" sz="3000" i="1">
+                                          <a:rPr lang="it-IT" sz="1800" i="1">
                                             <a:latin typeface="Cambria Math" panose="02040503050406030204" pitchFamily="18" charset="0"/>
                                           </a:rPr>
                                           <m:t>𝑞</m:t>
@@ -11446,7 +11523,7 @@
                                   </m:e>
                                   <m:sub>
                                     <m:r>
-                                      <a:rPr lang="it-IT" sz="3000" i="1">
+                                      <a:rPr lang="it-IT" sz="1800" i="1">
                                         <a:latin typeface="Cambria Math" panose="02040503050406030204" pitchFamily="18" charset="0"/>
                                       </a:rPr>
                                       <m:t>1</m:t>
@@ -11454,7 +11531,7 @@
                                   </m:sub>
                                 </m:sSub>
                                 <m:r>
-                                  <a:rPr lang="it-IT" sz="3000" i="1">
+                                  <a:rPr lang="it-IT" sz="1800" i="1">
                                     <a:latin typeface="Cambria Math" panose="02040503050406030204" pitchFamily="18" charset="0"/>
                                   </a:rPr>
                                   <m:t>+</m:t>
@@ -11462,7 +11539,7 @@
                                 <m:sSub>
                                   <m:sSubPr>
                                     <m:ctrlPr>
-                                      <a:rPr lang="it-IT" sz="3000" i="1">
+                                      <a:rPr lang="it-IT" sz="1800" i="1">
                                         <a:latin typeface="Cambria Math" panose="02040503050406030204" pitchFamily="18" charset="0"/>
                                       </a:rPr>
                                     </m:ctrlPr>
@@ -11472,14 +11549,14 @@
                                       <m:accPr>
                                         <m:chr m:val="̈"/>
                                         <m:ctrlPr>
-                                          <a:rPr lang="it-IT" sz="3000" i="1">
+                                          <a:rPr lang="it-IT" sz="1800" i="1">
                                             <a:latin typeface="Cambria Math" panose="02040503050406030204" pitchFamily="18" charset="0"/>
                                           </a:rPr>
                                         </m:ctrlPr>
                                       </m:accPr>
                                       <m:e>
                                         <m:r>
-                                          <a:rPr lang="it-IT" sz="3000" i="1">
+                                          <a:rPr lang="it-IT" sz="1800" i="1">
                                             <a:latin typeface="Cambria Math" panose="02040503050406030204" pitchFamily="18" charset="0"/>
                                           </a:rPr>
                                           <m:t>𝑞</m:t>
@@ -11489,7 +11566,7 @@
                                   </m:e>
                                   <m:sub>
                                     <m:r>
-                                      <a:rPr lang="it-IT" sz="3000" i="1">
+                                      <a:rPr lang="it-IT" sz="1800" i="1">
                                         <a:latin typeface="Cambria Math" panose="02040503050406030204" pitchFamily="18" charset="0"/>
                                       </a:rPr>
                                       <m:t>2</m:t>
@@ -11497,7 +11574,7 @@
                                   </m:sub>
                                 </m:sSub>
                                 <m:r>
-                                  <a:rPr lang="it-IT" sz="3000" i="1">
+                                  <a:rPr lang="it-IT" sz="1800" i="1">
                                     <a:latin typeface="Cambria Math" panose="02040503050406030204" pitchFamily="18" charset="0"/>
                                   </a:rPr>
                                   <m:t>)</m:t>
@@ -11505,14 +11582,14 @@
                                 <m:sSub>
                                   <m:sSubPr>
                                     <m:ctrlPr>
-                                      <a:rPr lang="it-IT" sz="3000" i="1">
+                                      <a:rPr lang="it-IT" sz="1800" i="1">
                                         <a:latin typeface="Cambria Math" panose="02040503050406030204" pitchFamily="18" charset="0"/>
                                       </a:rPr>
                                     </m:ctrlPr>
                                   </m:sSubPr>
                                   <m:e>
                                     <m:r>
-                                      <a:rPr lang="it-IT" sz="3000" i="1">
+                                      <a:rPr lang="it-IT" sz="1800" i="1">
                                         <a:latin typeface="Cambria Math" panose="02040503050406030204" pitchFamily="18" charset="0"/>
                                       </a:rPr>
                                       <m:t>𝐼</m:t>
@@ -11520,7 +11597,7 @@
                                   </m:e>
                                   <m:sub>
                                     <m:r>
-                                      <a:rPr lang="it-IT" sz="3000" i="1">
+                                      <a:rPr lang="it-IT" sz="1800" i="1">
                                         <a:latin typeface="Cambria Math" panose="02040503050406030204" pitchFamily="18" charset="0"/>
                                       </a:rPr>
                                       <m:t>𝑧𝑧𝐷</m:t>
@@ -11528,7 +11605,7 @@
                                   </m:sub>
                                 </m:sSub>
                                 <m:r>
-                                  <a:rPr lang="it-IT" sz="3000" i="1">
+                                  <a:rPr lang="it-IT" sz="1800" i="1">
                                     <a:latin typeface="Cambria Math" panose="02040503050406030204" pitchFamily="18" charset="0"/>
                                   </a:rPr>
                                   <m:t>+</m:t>
@@ -11536,14 +11613,14 @@
                                 <m:sSub>
                                   <m:sSubPr>
                                     <m:ctrlPr>
-                                      <a:rPr lang="it-IT" sz="3000" i="1">
+                                      <a:rPr lang="it-IT" sz="1800" i="1">
                                         <a:latin typeface="Cambria Math" panose="02040503050406030204" pitchFamily="18" charset="0"/>
                                       </a:rPr>
                                     </m:ctrlPr>
                                   </m:sSubPr>
                                   <m:e>
                                     <m:r>
-                                      <a:rPr lang="it-IT" sz="3000" i="1">
+                                      <a:rPr lang="it-IT" sz="1800" i="1">
                                         <a:latin typeface="Cambria Math" panose="02040503050406030204" pitchFamily="18" charset="0"/>
                                       </a:rPr>
                                       <m:t>𝐷</m:t>
@@ -11551,7 +11628,7 @@
                                   </m:e>
                                   <m:sub>
                                     <m:r>
-                                      <a:rPr lang="it-IT" sz="3000" i="1">
+                                      <a:rPr lang="it-IT" sz="1800" i="1">
                                         <a:latin typeface="Cambria Math" panose="02040503050406030204" pitchFamily="18" charset="0"/>
                                       </a:rPr>
                                       <m:t>2</m:t>
@@ -11561,7 +11638,7 @@
                                 <m:sSub>
                                   <m:sSubPr>
                                     <m:ctrlPr>
-                                      <a:rPr lang="it-IT" sz="3000" i="1">
+                                      <a:rPr lang="it-IT" sz="1800" i="1">
                                         <a:latin typeface="Cambria Math" panose="02040503050406030204" pitchFamily="18" charset="0"/>
                                       </a:rPr>
                                     </m:ctrlPr>
@@ -11571,14 +11648,14 @@
                                       <m:accPr>
                                         <m:chr m:val="̇"/>
                                         <m:ctrlPr>
-                                          <a:rPr lang="it-IT" sz="3000" i="1">
+                                          <a:rPr lang="it-IT" sz="1800" i="1">
                                             <a:latin typeface="Cambria Math" panose="02040503050406030204" pitchFamily="18" charset="0"/>
                                           </a:rPr>
                                         </m:ctrlPr>
                                       </m:accPr>
                                       <m:e>
                                         <m:r>
-                                          <a:rPr lang="it-IT" sz="3000" i="1">
+                                          <a:rPr lang="it-IT" sz="1800" i="1">
                                             <a:latin typeface="Cambria Math" panose="02040503050406030204" pitchFamily="18" charset="0"/>
                                           </a:rPr>
                                           <m:t>𝑞</m:t>
@@ -11588,7 +11665,7 @@
                                   </m:e>
                                   <m:sub>
                                     <m:r>
-                                      <a:rPr lang="it-IT" sz="3000" i="1">
+                                      <a:rPr lang="it-IT" sz="1800" i="1">
                                         <a:latin typeface="Cambria Math" panose="02040503050406030204" pitchFamily="18" charset="0"/>
                                       </a:rPr>
                                       <m:t>2</m:t>
@@ -11596,7 +11673,7 @@
                                   </m:sub>
                                 </m:sSub>
                                 <m:r>
-                                  <a:rPr lang="it-IT" sz="3000" i="1">
+                                  <a:rPr lang="it-IT" sz="1800" i="1">
                                     <a:latin typeface="Cambria Math" panose="02040503050406030204" pitchFamily="18" charset="0"/>
                                   </a:rPr>
                                   <m:t>=</m:t>
@@ -11604,14 +11681,14 @@
                                 <m:sSub>
                                   <m:sSubPr>
                                     <m:ctrlPr>
-                                      <a:rPr lang="it-IT" sz="3000" i="1">
+                                      <a:rPr lang="it-IT" sz="1800" i="1">
                                         <a:latin typeface="Cambria Math" panose="02040503050406030204" pitchFamily="18" charset="0"/>
                                       </a:rPr>
                                     </m:ctrlPr>
                                   </m:sSubPr>
                                   <m:e>
                                     <m:r>
-                                      <a:rPr lang="it-IT" sz="3000" i="1">
+                                      <a:rPr lang="it-IT" sz="1800" i="1">
                                         <a:latin typeface="Cambria Math" panose="02040503050406030204" pitchFamily="18" charset="0"/>
                                       </a:rPr>
                                       <m:t>𝑢</m:t>
@@ -11619,7 +11696,7 @@
                                   </m:e>
                                   <m:sub>
                                     <m:r>
-                                      <a:rPr lang="it-IT" sz="3000" i="1">
+                                      <a:rPr lang="it-IT" sz="1800" i="1">
                                         <a:latin typeface="Cambria Math" panose="02040503050406030204" pitchFamily="18" charset="0"/>
                                       </a:rPr>
                                       <m:t>2</m:t>
@@ -11634,7 +11711,7 @@
                     </m:oMath>
                   </m:oMathPara>
                 </a14:m>
-                <a:endParaRPr lang="it-IT" sz="3000" b="0" i="1" dirty="0">
+                <a:endParaRPr lang="it-IT" sz="1800" b="0" i="1" dirty="0">
                   <a:latin typeface="Cambria Math" panose="02040503050406030204" pitchFamily="18" charset="0"/>
                 </a:endParaRPr>
               </a:p>
@@ -11666,7 +11743,7 @@
               <a:blipFill>
                 <a:blip r:embed="rId2"/>
                 <a:stretch>
-                  <a:fillRect l="-986" t="-821" r="-2262"/>
+                  <a:fillRect l="-928" t="-938" r="-928"/>
                 </a:stretch>
               </a:blipFill>
             </p:spPr>
@@ -11739,64 +11816,66 @@
         </p:nvSpPr>
         <p:spPr/>
         <p:txBody>
-          <a:bodyPr rtlCol="0"/>
+          <a:bodyPr rtlCol="0">
+            <a:normAutofit/>
+          </a:bodyPr>
           <a:lstStyle/>
           <a:p>
-            <a:pPr rtl="0"/>
+            <a:pPr algn="just" rtl="0"/>
             <a:r>
-              <a:rPr lang="it-IT" dirty="0"/>
+              <a:rPr lang="it-IT" sz="2400" dirty="0"/>
               <a:t>Rappresentazione grafica del pendolo</a:t>
             </a:r>
           </a:p>
           <a:p>
-            <a:pPr rtl="0"/>
+            <a:pPr algn="just" rtl="0"/>
             <a:r>
-              <a:rPr lang="it-IT" dirty="0"/>
+              <a:rPr lang="it-IT" sz="2400" dirty="0"/>
               <a:t>Cinematica diretta con </a:t>
             </a:r>
             <a:r>
-              <a:rPr lang="it-IT" dirty="0" err="1"/>
+              <a:rPr lang="it-IT" sz="2400" dirty="0" err="1"/>
               <a:t>Denavit-Hartenberg</a:t>
             </a:r>
-            <a:endParaRPr lang="it-IT" dirty="0"/>
+            <a:endParaRPr lang="it-IT" sz="2400" dirty="0"/>
           </a:p>
           <a:p>
-            <a:pPr rtl="0"/>
+            <a:pPr algn="just" rtl="0"/>
             <a:r>
-              <a:rPr lang="it-IT" dirty="0"/>
+              <a:rPr lang="it-IT" sz="2400" dirty="0"/>
               <a:t>Energia cinetica</a:t>
             </a:r>
           </a:p>
           <a:p>
-            <a:pPr rtl="0"/>
+            <a:pPr algn="just" rtl="0"/>
             <a:r>
-              <a:rPr lang="it-IT" dirty="0"/>
+              <a:rPr lang="it-IT" sz="2400" dirty="0"/>
               <a:t>Energia potenziale</a:t>
             </a:r>
           </a:p>
           <a:p>
-            <a:pPr rtl="0"/>
+            <a:pPr algn="just" rtl="0"/>
             <a:r>
-              <a:rPr lang="it-IT" dirty="0"/>
+              <a:rPr lang="it-IT" sz="2400" dirty="0"/>
               <a:t>Funzione di </a:t>
             </a:r>
             <a:r>
-              <a:rPr lang="it-IT" dirty="0" err="1"/>
+              <a:rPr lang="it-IT" sz="2400" dirty="0" err="1"/>
               <a:t>Rayleigh</a:t>
             </a:r>
-            <a:endParaRPr lang="it-IT" dirty="0"/>
+            <a:endParaRPr lang="it-IT" sz="2400" dirty="0"/>
           </a:p>
           <a:p>
-            <a:pPr rtl="0"/>
+            <a:pPr algn="just" rtl="0"/>
             <a:r>
-              <a:rPr lang="it-IT" dirty="0"/>
+              <a:rPr lang="it-IT" sz="2400" dirty="0"/>
               <a:t>Equazione di Eulero-Lagrange</a:t>
             </a:r>
           </a:p>
           <a:p>
-            <a:pPr rtl="0"/>
+            <a:pPr algn="just" rtl="0"/>
             <a:r>
-              <a:rPr lang="it-IT" dirty="0"/>
+              <a:rPr lang="it-IT" sz="2400" dirty="0"/>
               <a:t>Equazioni del moto del pendolo inverso</a:t>
             </a:r>
           </a:p>
@@ -13336,46 +13415,46 @@
         </p:spPr>
         <p:txBody>
           <a:bodyPr>
-            <a:normAutofit fontScale="85000" lnSpcReduction="10000"/>
+            <a:noAutofit/>
           </a:bodyPr>
           <a:lstStyle/>
           <a:p>
-            <a:pPr marL="0" indent="0">
+            <a:pPr marL="0" indent="0" algn="just">
               <a:lnSpc>
                 <a:spcPct val="110000"/>
               </a:lnSpc>
               <a:buNone/>
             </a:pPr>
             <a:r>
-              <a:rPr lang="it-IT" dirty="0"/>
+              <a:rPr lang="it-IT" sz="2400" dirty="0"/>
               <a:t>Il primo passo necessario per il calcolo delle equazioni del moto del pendolo inverso è, oltre fissare i sistemi di riferimento e le variabili di giunto (in questo caso sono due coordinate generalizzate che identificano una rotazione), calcolare la cinematica diretta di quest’ultimo (costituito da due corpi: una barra e un disco pieno).</a:t>
             </a:r>
           </a:p>
           <a:p>
-            <a:pPr marL="0" indent="0">
+            <a:pPr marL="0" indent="0" algn="just">
               <a:lnSpc>
                 <a:spcPct val="110000"/>
               </a:lnSpc>
               <a:buNone/>
             </a:pPr>
             <a:r>
-              <a:rPr lang="it-IT" dirty="0"/>
+              <a:rPr lang="it-IT" sz="2400" dirty="0"/>
               <a:t>L’analisi del pendolo la effettuo in R</a:t>
             </a:r>
             <a:r>
-              <a:rPr lang="it-IT" baseline="30000" dirty="0"/>
+              <a:rPr lang="it-IT" sz="2400" baseline="30000" dirty="0"/>
               <a:t>3</a:t>
             </a:r>
             <a:r>
-              <a:rPr lang="it-IT" dirty="0"/>
+              <a:rPr lang="it-IT" sz="2400" dirty="0"/>
               <a:t> e, considerando che il pendolo ha 2 GDL, avrò per </a:t>
             </a:r>
             <a:r>
-              <a:rPr lang="it-IT" dirty="0" err="1"/>
+              <a:rPr lang="it-IT" sz="2400" dirty="0" err="1"/>
               <a:t>Denavit-Hartenberg</a:t>
             </a:r>
             <a:r>
-              <a:rPr lang="it-IT" dirty="0"/>
+              <a:rPr lang="it-IT" sz="2400" dirty="0"/>
               <a:t> 3 sistemi di riferimento, due solidali ai corpi più uno inerziale(come si può vedere dall’immagine grafica del pendolo). Utilizzando le regole della notazione di D.- H. fisso i sistemi di riferimento e riesco a ricavare le equazioni della cinematica diretta della barra e del disco che saranno necessarie per il calcolo dell’energia cinetica dei due corpi.</a:t>
             </a:r>
           </a:p>
@@ -13453,34 +13532,43 @@
               </a:bodyPr>
               <a:lstStyle/>
               <a:p>
-                <a:pPr marL="0" indent="0">
+                <a:pPr marL="0" indent="0" algn="just">
+                  <a:lnSpc>
+                    <a:spcPct val="120000"/>
+                  </a:lnSpc>
                   <a:buNone/>
                 </a:pPr>
                 <a:r>
-                  <a:rPr lang="it-IT" dirty="0"/>
+                  <a:rPr lang="it-IT" sz="2400" dirty="0"/>
                   <a:t>In seguito ai calcoli si ricava la cinematica diretta della barra:</a:t>
                 </a:r>
               </a:p>
               <a:p>
-                <a:pPr marL="0" indent="0">
+                <a:pPr marL="0" indent="0" algn="just">
+                  <a:lnSpc>
+                    <a:spcPct val="120000"/>
+                  </a:lnSpc>
                   <a:buNone/>
                 </a:pPr>
-                <a:endParaRPr lang="it-IT" dirty="0"/>
+                <a:endParaRPr lang="it-IT" sz="2400" dirty="0"/>
               </a:p>
               <a:p>
-                <a:pPr marL="0" indent="0">
+                <a:pPr marL="0" indent="0" algn="just">
+                  <a:lnSpc>
+                    <a:spcPct val="120000"/>
+                  </a:lnSpc>
                   <a:buNone/>
                 </a:pPr>
                 <a:r>
-                  <a:rPr lang="it-IT" dirty="0"/>
+                  <a:rPr lang="it-IT" sz="2400" dirty="0"/>
                   <a:t>Q</a:t>
                 </a:r>
                 <a:r>
-                  <a:rPr lang="it-IT" baseline="-25000" dirty="0"/>
+                  <a:rPr lang="it-IT" sz="2400" baseline="-25000" dirty="0"/>
                   <a:t>01 </a:t>
                 </a:r>
                 <a:r>
-                  <a:rPr lang="it-IT" dirty="0"/>
+                  <a:rPr lang="it-IT" sz="2400" dirty="0"/>
                   <a:t>=</a:t>
                 </a:r>
                 <a14:m>
@@ -13490,7 +13578,7 @@
                         <m:begChr m:val="["/>
                         <m:endChr m:val="]"/>
                         <m:ctrlPr>
-                          <a:rPr lang="it-IT" i="1" smtClean="0">
+                          <a:rPr lang="it-IT" sz="2400" i="1" smtClean="0">
                             <a:latin typeface="Cambria Math" panose="02040503050406030204" pitchFamily="18" charset="0"/>
                           </a:rPr>
                         </m:ctrlPr>
@@ -13507,7 +13595,7 @@
                               </m:mc>
                             </m:mcs>
                             <m:ctrlPr>
-                              <a:rPr lang="it-IT" i="1" smtClean="0">
+                              <a:rPr lang="it-IT" sz="2400" i="1" smtClean="0">
                                 <a:latin typeface="Cambria Math" panose="02040503050406030204" pitchFamily="18" charset="0"/>
                               </a:rPr>
                             </m:ctrlPr>
@@ -13517,14 +13605,14 @@
                               <m:sSub>
                                 <m:sSubPr>
                                   <m:ctrlPr>
-                                    <a:rPr lang="it-IT" i="1">
+                                    <a:rPr lang="it-IT" sz="2400" i="1">
                                       <a:latin typeface="Cambria Math" panose="02040503050406030204" pitchFamily="18" charset="0"/>
                                     </a:rPr>
                                   </m:ctrlPr>
                                 </m:sSubPr>
                                 <m:e>
                                   <m:r>
-                                    <a:rPr lang="it-IT" i="1">
+                                    <a:rPr lang="it-IT" sz="2400" i="1">
                                       <a:latin typeface="Cambria Math" panose="02040503050406030204" pitchFamily="18" charset="0"/>
                                     </a:rPr>
                                     <m:t>𝑅</m:t>
@@ -13532,7 +13620,7 @@
                                 </m:e>
                                 <m:sub>
                                   <m:r>
-                                    <a:rPr lang="it-IT" i="1">
+                                    <a:rPr lang="it-IT" sz="2400" i="1">
                                       <a:latin typeface="Cambria Math" panose="02040503050406030204" pitchFamily="18" charset="0"/>
                                     </a:rPr>
                                     <m:t>𝑧</m:t>
@@ -13540,7 +13628,7 @@
                                 </m:sub>
                               </m:sSub>
                               <m:r>
-                                <a:rPr lang="it-IT" i="1">
+                                <a:rPr lang="it-IT" sz="2400" i="1">
                                   <a:latin typeface="Cambria Math" panose="02040503050406030204" pitchFamily="18" charset="0"/>
                                 </a:rPr>
                                 <m:t>(</m:t>
@@ -13548,14 +13636,14 @@
                               <m:sSub>
                                 <m:sSubPr>
                                   <m:ctrlPr>
-                                    <a:rPr lang="it-IT" i="1">
+                                    <a:rPr lang="it-IT" sz="2400" i="1">
                                       <a:latin typeface="Cambria Math" panose="02040503050406030204" pitchFamily="18" charset="0"/>
                                     </a:rPr>
                                   </m:ctrlPr>
                                 </m:sSubPr>
                                 <m:e>
                                   <m:r>
-                                    <a:rPr lang="it-IT" i="1">
+                                    <a:rPr lang="it-IT" sz="2400" i="1">
                                       <a:latin typeface="Cambria Math" panose="02040503050406030204" pitchFamily="18" charset="0"/>
                                     </a:rPr>
                                     <m:t>𝑞</m:t>
@@ -13563,7 +13651,7 @@
                                 </m:e>
                                 <m:sub>
                                   <m:r>
-                                    <a:rPr lang="it-IT" i="1">
+                                    <a:rPr lang="it-IT" sz="2400" i="1">
                                       <a:latin typeface="Cambria Math" panose="02040503050406030204" pitchFamily="18" charset="0"/>
                                     </a:rPr>
                                     <m:t>1</m:t>
@@ -13571,7 +13659,7 @@
                                 </m:sub>
                               </m:sSub>
                               <m:r>
-                                <a:rPr lang="it-IT" i="1">
+                                <a:rPr lang="it-IT" sz="2400" i="1">
                                   <a:latin typeface="Cambria Math" panose="02040503050406030204" pitchFamily="18" charset="0"/>
                                 </a:rPr>
                                 <m:t>)</m:t>
@@ -13580,7 +13668,7 @@
                                 <m:rPr>
                                   <m:nor/>
                                 </m:rPr>
-                                <a:rPr lang="it-IT" dirty="0"/>
+                                <a:rPr lang="it-IT" sz="2400" dirty="0"/>
                                 <m:t> </m:t>
                               </m:r>
                             </m:e>
@@ -13588,14 +13676,14 @@
                               <m:sSub>
                                 <m:sSubPr>
                                   <m:ctrlPr>
-                                    <a:rPr lang="it-IT" i="1">
+                                    <a:rPr lang="it-IT" sz="2400" i="1">
                                       <a:latin typeface="Cambria Math" panose="02040503050406030204" pitchFamily="18" charset="0"/>
                                     </a:rPr>
                                   </m:ctrlPr>
                                 </m:sSubPr>
                                 <m:e>
                                   <m:r>
-                                    <a:rPr lang="it-IT" i="1">
+                                    <a:rPr lang="it-IT" sz="2400" i="1">
                                       <a:latin typeface="Cambria Math" panose="02040503050406030204" pitchFamily="18" charset="0"/>
                                     </a:rPr>
                                     <m:t>𝑅</m:t>
@@ -13603,7 +13691,7 @@
                                 </m:e>
                                 <m:sub>
                                   <m:r>
-                                    <a:rPr lang="it-IT" i="1">
+                                    <a:rPr lang="it-IT" sz="2400" i="1">
                                       <a:latin typeface="Cambria Math" panose="02040503050406030204" pitchFamily="18" charset="0"/>
                                     </a:rPr>
                                     <m:t>𝑧</m:t>
@@ -13613,7 +13701,7 @@
                               <m:d>
                                 <m:dPr>
                                   <m:ctrlPr>
-                                    <a:rPr lang="it-IT" i="1">
+                                    <a:rPr lang="it-IT" sz="2400" i="1">
                                       <a:latin typeface="Cambria Math" panose="02040503050406030204" pitchFamily="18" charset="0"/>
                                     </a:rPr>
                                   </m:ctrlPr>
@@ -13622,14 +13710,14 @@
                                   <m:sSub>
                                     <m:sSubPr>
                                       <m:ctrlPr>
-                                        <a:rPr lang="it-IT" i="1" dirty="0">
+                                        <a:rPr lang="it-IT" sz="2400" i="1" dirty="0">
                                           <a:latin typeface="Cambria Math" panose="02040503050406030204" pitchFamily="18" charset="0"/>
                                         </a:rPr>
                                       </m:ctrlPr>
                                     </m:sSubPr>
                                     <m:e>
                                       <m:r>
-                                        <a:rPr lang="it-IT" i="1" dirty="0">
+                                        <a:rPr lang="it-IT" sz="2400" i="1" dirty="0">
                                           <a:latin typeface="Cambria Math" panose="02040503050406030204" pitchFamily="18" charset="0"/>
                                         </a:rPr>
                                         <m:t>𝑞</m:t>
@@ -13637,7 +13725,7 @@
                                     </m:e>
                                     <m:sub>
                                       <m:r>
-                                        <a:rPr lang="it-IT" i="1" dirty="0">
+                                        <a:rPr lang="it-IT" sz="2400" i="1" dirty="0">
                                           <a:latin typeface="Cambria Math" panose="02040503050406030204" pitchFamily="18" charset="0"/>
                                         </a:rPr>
                                         <m:t>1</m:t>
@@ -13647,7 +13735,7 @@
                                 </m:e>
                               </m:d>
                               <m:r>
-                                <a:rPr lang="it-IT" i="1">
+                                <a:rPr lang="it-IT" sz="2400" i="1">
                                   <a:latin typeface="Cambria Math" panose="02040503050406030204" pitchFamily="18" charset="0"/>
                                 </a:rPr>
                                 <m:t>∗</m:t>
@@ -13655,7 +13743,7 @@
                               <m:d>
                                 <m:dPr>
                                   <m:ctrlPr>
-                                    <a:rPr lang="it-IT" i="1">
+                                    <a:rPr lang="it-IT" sz="2400" i="1">
                                       <a:latin typeface="Cambria Math" panose="02040503050406030204" pitchFamily="18" charset="0"/>
                                     </a:rPr>
                                   </m:ctrlPr>
@@ -13664,14 +13752,14 @@
                                   <m:sSub>
                                     <m:sSubPr>
                                       <m:ctrlPr>
-                                        <a:rPr lang="it-IT" i="1">
+                                        <a:rPr lang="it-IT" sz="2400" i="1">
                                           <a:latin typeface="Cambria Math" panose="02040503050406030204" pitchFamily="18" charset="0"/>
                                         </a:rPr>
                                       </m:ctrlPr>
                                     </m:sSubPr>
                                     <m:e>
                                       <m:r>
-                                        <a:rPr lang="it-IT" i="1">
+                                        <a:rPr lang="it-IT" sz="2400" i="1">
                                           <a:latin typeface="Cambria Math" panose="02040503050406030204" pitchFamily="18" charset="0"/>
                                         </a:rPr>
                                         <m:t>𝐿</m:t>
@@ -13679,7 +13767,7 @@
                                     </m:e>
                                     <m:sub>
                                       <m:r>
-                                        <a:rPr lang="it-IT" i="1">
+                                        <a:rPr lang="it-IT" sz="2400" i="1">
                                           <a:latin typeface="Cambria Math" panose="02040503050406030204" pitchFamily="18" charset="0"/>
                                         </a:rPr>
                                         <m:t>𝐵𝐶</m:t>
@@ -13687,7 +13775,7 @@
                                     </m:sub>
                                   </m:sSub>
                                   <m:r>
-                                    <a:rPr lang="it-IT" i="1">
+                                    <a:rPr lang="it-IT" sz="2400" i="1">
                                       <a:latin typeface="Cambria Math" panose="02040503050406030204" pitchFamily="18" charset="0"/>
                                     </a:rPr>
                                     <m:t>+</m:t>
@@ -13695,14 +13783,14 @@
                                   <m:sSub>
                                     <m:sSubPr>
                                       <m:ctrlPr>
-                                        <a:rPr lang="it-IT" i="1">
+                                        <a:rPr lang="it-IT" sz="2400" i="1">
                                           <a:latin typeface="Cambria Math" panose="02040503050406030204" pitchFamily="18" charset="0"/>
                                         </a:rPr>
                                       </m:ctrlPr>
                                     </m:sSubPr>
                                     <m:e>
                                       <m:r>
-                                        <a:rPr lang="it-IT" i="1">
+                                        <a:rPr lang="it-IT" sz="2400" i="1">
                                           <a:latin typeface="Cambria Math" panose="02040503050406030204" pitchFamily="18" charset="0"/>
                                         </a:rPr>
                                         <m:t>𝐿</m:t>
@@ -13710,7 +13798,7 @@
                                     </m:e>
                                     <m:sub>
                                       <m:r>
-                                        <a:rPr lang="it-IT" i="1">
+                                        <a:rPr lang="it-IT" sz="2400" i="1">
                                           <a:latin typeface="Cambria Math" panose="02040503050406030204" pitchFamily="18" charset="0"/>
                                         </a:rPr>
                                         <m:t>1</m:t>
@@ -13720,7 +13808,7 @@
                                 </m:e>
                               </m:d>
                               <m:r>
-                                <a:rPr lang="it-IT" i="1">
+                                <a:rPr lang="it-IT" sz="2400" i="1">
                                   <a:latin typeface="Cambria Math" panose="02040503050406030204" pitchFamily="18" charset="0"/>
                                 </a:rPr>
                                 <m:t>∗</m:t>
@@ -13728,14 +13816,14 @@
                               <m:sSub>
                                 <m:sSubPr>
                                   <m:ctrlPr>
-                                    <a:rPr lang="it-IT" i="1">
+                                    <a:rPr lang="it-IT" sz="2400" i="1">
                                       <a:latin typeface="Cambria Math" panose="02040503050406030204" pitchFamily="18" charset="0"/>
                                     </a:rPr>
                                   </m:ctrlPr>
                                 </m:sSubPr>
                                 <m:e>
                                   <m:r>
-                                    <a:rPr lang="it-IT" i="1">
+                                    <a:rPr lang="it-IT" sz="2400" i="1">
                                       <a:latin typeface="Cambria Math" panose="02040503050406030204" pitchFamily="18" charset="0"/>
                                     </a:rPr>
                                     <m:t>𝑒</m:t>
@@ -13743,7 +13831,7 @@
                                 </m:e>
                                 <m:sub>
                                   <m:r>
-                                    <a:rPr lang="it-IT" i="1">
+                                    <a:rPr lang="it-IT" sz="2400" i="1">
                                       <a:latin typeface="Cambria Math" panose="02040503050406030204" pitchFamily="18" charset="0"/>
                                     </a:rPr>
                                     <m:t>𝑥</m:t>
@@ -13754,7 +13842,7 @@
                                 <m:rPr>
                                   <m:nor/>
                                 </m:rPr>
-                                <a:rPr lang="it-IT" dirty="0"/>
+                                <a:rPr lang="it-IT" sz="2400" dirty="0"/>
                                 <m:t> </m:t>
                               </m:r>
                             </m:e>
@@ -13765,7 +13853,7 @@
                                 <m:rPr>
                                   <m:nor/>
                                 </m:rPr>
-                                <a:rPr lang="it-IT" dirty="0"/>
+                                <a:rPr lang="it-IT" sz="2400" dirty="0"/>
                                 <m:t>0 </m:t>
                               </m:r>
                             </m:e>
@@ -13774,7 +13862,7 @@
                                 <m:rPr>
                                   <m:nor/>
                                 </m:rPr>
-                                <a:rPr lang="it-IT" dirty="0"/>
+                                <a:rPr lang="it-IT" sz="2400" dirty="0"/>
                                 <m:t>1 </m:t>
                               </m:r>
                             </m:e>
@@ -13784,43 +13872,55 @@
                     </m:d>
                   </m:oMath>
                 </a14:m>
-                <a:endParaRPr lang="it-IT" dirty="0"/>
+                <a:endParaRPr lang="it-IT" sz="2400" dirty="0"/>
               </a:p>
               <a:p>
-                <a:pPr marL="0" indent="0">
+                <a:pPr marL="0" indent="0" algn="just">
+                  <a:lnSpc>
+                    <a:spcPct val="120000"/>
+                  </a:lnSpc>
                   <a:buNone/>
                 </a:pPr>
-                <a:endParaRPr lang="it-IT" baseline="-25000" dirty="0"/>
+                <a:endParaRPr lang="it-IT" sz="2400" baseline="-25000" dirty="0"/>
               </a:p>
               <a:p>
-                <a:pPr marL="0" indent="0">
+                <a:pPr marL="0" indent="0" algn="just">
+                  <a:lnSpc>
+                    <a:spcPct val="120000"/>
+                  </a:lnSpc>
                   <a:buNone/>
                 </a:pPr>
                 <a:r>
-                  <a:rPr lang="it-IT" dirty="0"/>
+                  <a:rPr lang="it-IT" sz="2400" dirty="0"/>
                   <a:t>e del disco:</a:t>
                 </a:r>
               </a:p>
               <a:p>
-                <a:pPr marL="0" indent="0">
+                <a:pPr marL="0" indent="0" algn="just">
+                  <a:lnSpc>
+                    <a:spcPct val="120000"/>
+                  </a:lnSpc>
                   <a:buNone/>
                 </a:pPr>
-                <a:endParaRPr lang="it-IT" dirty="0"/>
+                <a:endParaRPr lang="it-IT" sz="2400" dirty="0"/>
               </a:p>
               <a:p>
-                <a:pPr marL="0" indent="0">
+                <a:pPr marL="0" indent="0" algn="just">
+                  <a:lnSpc>
+                    <a:spcPct val="120000"/>
+                  </a:lnSpc>
                   <a:buNone/>
                 </a:pPr>
                 <a:r>
-                  <a:rPr lang="it-IT" dirty="0"/>
+                  <a:rPr lang="it-IT" sz="2400" dirty="0"/>
                   <a:t>Q</a:t>
                 </a:r>
                 <a:r>
-                  <a:rPr lang="it-IT" baseline="-25000" dirty="0"/>
+                  <a:rPr lang="it-IT" sz="2400" baseline="-25000" dirty="0"/>
                   <a:t>02 </a:t>
                 </a:r>
                 <a:r>
-                  <a:rPr lang="it-IT" dirty="0"/>
+                  <a:rPr lang="it-IT" sz="2400" dirty="0"/>
                   <a:t>=</a:t>
                 </a:r>
                 <a14:m>
@@ -13830,7 +13930,7 @@
                         <m:begChr m:val="["/>
                         <m:endChr m:val="]"/>
                         <m:ctrlPr>
-                          <a:rPr lang="it-IT" i="1" smtClean="0">
+                          <a:rPr lang="it-IT" sz="2400" i="1" smtClean="0">
                             <a:latin typeface="Cambria Math" panose="02040503050406030204" pitchFamily="18" charset="0"/>
                           </a:rPr>
                         </m:ctrlPr>
@@ -13847,7 +13947,7 @@
                               </m:mc>
                             </m:mcs>
                             <m:ctrlPr>
-                              <a:rPr lang="it-IT" i="1" smtClean="0">
+                              <a:rPr lang="it-IT" sz="2400" i="1" smtClean="0">
                                 <a:latin typeface="Cambria Math" panose="02040503050406030204" pitchFamily="18" charset="0"/>
                               </a:rPr>
                             </m:ctrlPr>
@@ -13857,14 +13957,14 @@
                               <m:sSub>
                                 <m:sSubPr>
                                   <m:ctrlPr>
-                                    <a:rPr lang="it-IT" i="1">
+                                    <a:rPr lang="it-IT" sz="2400" i="1">
                                       <a:latin typeface="Cambria Math" panose="02040503050406030204" pitchFamily="18" charset="0"/>
                                     </a:rPr>
                                   </m:ctrlPr>
                                 </m:sSubPr>
                                 <m:e>
                                   <m:r>
-                                    <a:rPr lang="it-IT" i="1">
+                                    <a:rPr lang="it-IT" sz="2400" i="1">
                                       <a:latin typeface="Cambria Math" panose="02040503050406030204" pitchFamily="18" charset="0"/>
                                     </a:rPr>
                                     <m:t>𝑅</m:t>
@@ -13872,7 +13972,7 @@
                                 </m:e>
                                 <m:sub>
                                   <m:r>
-                                    <a:rPr lang="it-IT" i="1">
+                                    <a:rPr lang="it-IT" sz="2400" i="1">
                                       <a:latin typeface="Cambria Math" panose="02040503050406030204" pitchFamily="18" charset="0"/>
                                     </a:rPr>
                                     <m:t>𝑧</m:t>
@@ -13880,7 +13980,7 @@
                                 </m:sub>
                               </m:sSub>
                               <m:r>
-                                <a:rPr lang="it-IT" i="1">
+                                <a:rPr lang="it-IT" sz="2400" i="1">
                                   <a:latin typeface="Cambria Math" panose="02040503050406030204" pitchFamily="18" charset="0"/>
                                 </a:rPr>
                                 <m:t>(</m:t>
@@ -13888,14 +13988,14 @@
                               <m:sSub>
                                 <m:sSubPr>
                                   <m:ctrlPr>
-                                    <a:rPr lang="it-IT" i="1">
+                                    <a:rPr lang="it-IT" sz="2400" i="1">
                                       <a:latin typeface="Cambria Math" panose="02040503050406030204" pitchFamily="18" charset="0"/>
                                     </a:rPr>
                                   </m:ctrlPr>
                                 </m:sSubPr>
                                 <m:e>
                                   <m:r>
-                                    <a:rPr lang="it-IT" i="1">
+                                    <a:rPr lang="it-IT" sz="2400" i="1">
                                       <a:latin typeface="Cambria Math" panose="02040503050406030204" pitchFamily="18" charset="0"/>
                                     </a:rPr>
                                     <m:t>𝑞</m:t>
@@ -13903,7 +14003,7 @@
                                 </m:e>
                                 <m:sub>
                                   <m:r>
-                                    <a:rPr lang="it-IT" i="1">
+                                    <a:rPr lang="it-IT" sz="2400" i="1">
                                       <a:latin typeface="Cambria Math" panose="02040503050406030204" pitchFamily="18" charset="0"/>
                                     </a:rPr>
                                     <m:t>1</m:t>
@@ -13911,7 +14011,7 @@
                                 </m:sub>
                               </m:sSub>
                               <m:r>
-                                <a:rPr lang="it-IT" i="1">
+                                <a:rPr lang="it-IT" sz="2400" i="1">
                                   <a:latin typeface="Cambria Math" panose="02040503050406030204" pitchFamily="18" charset="0"/>
                                 </a:rPr>
                                 <m:t>+</m:t>
@@ -13919,14 +14019,14 @@
                               <m:sSub>
                                 <m:sSubPr>
                                   <m:ctrlPr>
-                                    <a:rPr lang="it-IT" i="1">
+                                    <a:rPr lang="it-IT" sz="2400" i="1">
                                       <a:latin typeface="Cambria Math" panose="02040503050406030204" pitchFamily="18" charset="0"/>
                                     </a:rPr>
                                   </m:ctrlPr>
                                 </m:sSubPr>
                                 <m:e>
                                   <m:r>
-                                    <a:rPr lang="it-IT" i="1">
+                                    <a:rPr lang="it-IT" sz="2400" i="1">
                                       <a:latin typeface="Cambria Math" panose="02040503050406030204" pitchFamily="18" charset="0"/>
                                     </a:rPr>
                                     <m:t>𝑞</m:t>
@@ -13934,7 +14034,7 @@
                                 </m:e>
                                 <m:sub>
                                   <m:r>
-                                    <a:rPr lang="it-IT" i="1">
+                                    <a:rPr lang="it-IT" sz="2400" i="1">
                                       <a:latin typeface="Cambria Math" panose="02040503050406030204" pitchFamily="18" charset="0"/>
                                     </a:rPr>
                                     <m:t>2</m:t>
@@ -13942,7 +14042,7 @@
                                 </m:sub>
                               </m:sSub>
                               <m:r>
-                                <a:rPr lang="it-IT" i="1">
+                                <a:rPr lang="it-IT" sz="2400" i="1">
                                   <a:latin typeface="Cambria Math" panose="02040503050406030204" pitchFamily="18" charset="0"/>
                                 </a:rPr>
                                 <m:t>)</m:t>
@@ -13951,7 +14051,7 @@
                                 <m:rPr>
                                   <m:nor/>
                                 </m:rPr>
-                                <a:rPr lang="it-IT" dirty="0"/>
+                                <a:rPr lang="it-IT" sz="2400" dirty="0"/>
                                 <m:t> </m:t>
                               </m:r>
                             </m:e>
@@ -13959,14 +14059,14 @@
                               <m:sSub>
                                 <m:sSubPr>
                                   <m:ctrlPr>
-                                    <a:rPr lang="it-IT" i="1">
+                                    <a:rPr lang="it-IT" sz="2400" i="1">
                                       <a:latin typeface="Cambria Math" panose="02040503050406030204" pitchFamily="18" charset="0"/>
                                     </a:rPr>
                                   </m:ctrlPr>
                                 </m:sSubPr>
                                 <m:e>
                                   <m:r>
-                                    <a:rPr lang="it-IT" i="1">
+                                    <a:rPr lang="it-IT" sz="2400" i="1">
                                       <a:latin typeface="Cambria Math" panose="02040503050406030204" pitchFamily="18" charset="0"/>
                                     </a:rPr>
                                     <m:t>𝑅</m:t>
@@ -13974,7 +14074,7 @@
                                 </m:e>
                                 <m:sub>
                                   <m:r>
-                                    <a:rPr lang="it-IT" i="1">
+                                    <a:rPr lang="it-IT" sz="2400" i="1">
                                       <a:latin typeface="Cambria Math" panose="02040503050406030204" pitchFamily="18" charset="0"/>
                                     </a:rPr>
                                     <m:t>𝑧</m:t>
@@ -13984,7 +14084,7 @@
                               <m:d>
                                 <m:dPr>
                                   <m:ctrlPr>
-                                    <a:rPr lang="it-IT" i="1">
+                                    <a:rPr lang="it-IT" sz="2400" i="1">
                                       <a:latin typeface="Cambria Math" panose="02040503050406030204" pitchFamily="18" charset="0"/>
                                     </a:rPr>
                                   </m:ctrlPr>
@@ -13993,14 +14093,14 @@
                                   <m:sSub>
                                     <m:sSubPr>
                                       <m:ctrlPr>
-                                        <a:rPr lang="it-IT" i="1" dirty="0">
+                                        <a:rPr lang="it-IT" sz="2400" i="1" dirty="0">
                                           <a:latin typeface="Cambria Math" panose="02040503050406030204" pitchFamily="18" charset="0"/>
                                         </a:rPr>
                                       </m:ctrlPr>
                                     </m:sSubPr>
                                     <m:e>
                                       <m:r>
-                                        <a:rPr lang="it-IT" i="1" dirty="0">
+                                        <a:rPr lang="it-IT" sz="2400" i="1" dirty="0">
                                           <a:latin typeface="Cambria Math" panose="02040503050406030204" pitchFamily="18" charset="0"/>
                                         </a:rPr>
                                         <m:t>𝑞</m:t>
@@ -14008,7 +14108,7 @@
                                     </m:e>
                                     <m:sub>
                                       <m:r>
-                                        <a:rPr lang="it-IT" i="1" dirty="0">
+                                        <a:rPr lang="it-IT" sz="2400" i="1" dirty="0">
                                           <a:latin typeface="Cambria Math" panose="02040503050406030204" pitchFamily="18" charset="0"/>
                                         </a:rPr>
                                         <m:t>1</m:t>
@@ -14018,7 +14118,7 @@
                                 </m:e>
                               </m:d>
                               <m:r>
-                                <a:rPr lang="it-IT" i="1">
+                                <a:rPr lang="it-IT" sz="2400" i="1">
                                   <a:latin typeface="Cambria Math" panose="02040503050406030204" pitchFamily="18" charset="0"/>
                                 </a:rPr>
                                 <m:t>∗</m:t>
@@ -14026,14 +14126,14 @@
                               <m:sSub>
                                 <m:sSubPr>
                                   <m:ctrlPr>
-                                    <a:rPr lang="it-IT" i="1">
+                                    <a:rPr lang="it-IT" sz="2400" i="1">
                                       <a:latin typeface="Cambria Math" panose="02040503050406030204" pitchFamily="18" charset="0"/>
                                     </a:rPr>
                                   </m:ctrlPr>
                                 </m:sSubPr>
                                 <m:e>
                                   <m:r>
-                                    <a:rPr lang="it-IT" i="1">
+                                    <a:rPr lang="it-IT" sz="2400" i="1">
                                       <a:latin typeface="Cambria Math" panose="02040503050406030204" pitchFamily="18" charset="0"/>
                                     </a:rPr>
                                     <m:t>𝐿</m:t>
@@ -14041,7 +14141,7 @@
                                 </m:e>
                                 <m:sub>
                                   <m:r>
-                                    <a:rPr lang="it-IT" i="1">
+                                    <a:rPr lang="it-IT" sz="2400" i="1">
                                       <a:latin typeface="Cambria Math" panose="02040503050406030204" pitchFamily="18" charset="0"/>
                                     </a:rPr>
                                     <m:t>1</m:t>
@@ -14049,7 +14149,7 @@
                                 </m:sub>
                               </m:sSub>
                               <m:r>
-                                <a:rPr lang="it-IT" i="1">
+                                <a:rPr lang="it-IT" sz="2400" i="1">
                                   <a:latin typeface="Cambria Math" panose="02040503050406030204" pitchFamily="18" charset="0"/>
                                 </a:rPr>
                                 <m:t>∗</m:t>
@@ -14057,14 +14157,14 @@
                               <m:sSub>
                                 <m:sSubPr>
                                   <m:ctrlPr>
-                                    <a:rPr lang="it-IT" i="1">
+                                    <a:rPr lang="it-IT" sz="2400" i="1">
                                       <a:latin typeface="Cambria Math" panose="02040503050406030204" pitchFamily="18" charset="0"/>
                                     </a:rPr>
                                   </m:ctrlPr>
                                 </m:sSubPr>
                                 <m:e>
                                   <m:r>
-                                    <a:rPr lang="it-IT" i="1">
+                                    <a:rPr lang="it-IT" sz="2400" i="1">
                                       <a:latin typeface="Cambria Math" panose="02040503050406030204" pitchFamily="18" charset="0"/>
                                     </a:rPr>
                                     <m:t>𝑒</m:t>
@@ -14072,7 +14172,7 @@
                                 </m:e>
                                 <m:sub>
                                   <m:r>
-                                    <a:rPr lang="it-IT" i="1">
+                                    <a:rPr lang="it-IT" sz="2400" i="1">
                                       <a:latin typeface="Cambria Math" panose="02040503050406030204" pitchFamily="18" charset="0"/>
                                     </a:rPr>
                                     <m:t>𝑥</m:t>
@@ -14083,7 +14183,7 @@
                                 <m:rPr>
                                   <m:nor/>
                                 </m:rPr>
-                                <a:rPr lang="it-IT" dirty="0"/>
+                                <a:rPr lang="it-IT" sz="2400" dirty="0"/>
                                 <m:t> </m:t>
                               </m:r>
                             </m:e>
@@ -14091,7 +14191,7 @@
                           <m:mr>
                             <m:e>
                               <m:r>
-                                <a:rPr lang="it-IT" b="0" i="1" smtClean="0">
+                                <a:rPr lang="it-IT" sz="2400" b="0" i="1" smtClean="0">
                                   <a:latin typeface="Cambria Math" panose="02040503050406030204" pitchFamily="18" charset="0"/>
                                 </a:rPr>
                                 <m:t>0</m:t>
@@ -14099,7 +14199,7 @@
                             </m:e>
                             <m:e>
                               <m:r>
-                                <a:rPr lang="it-IT" b="0" i="1" smtClean="0">
+                                <a:rPr lang="it-IT" sz="2400" b="0" i="1" smtClean="0">
                                   <a:latin typeface="Cambria Math" panose="02040503050406030204" pitchFamily="18" charset="0"/>
                                 </a:rPr>
                                 <m:t>1</m:t>
@@ -14111,20 +14211,26 @@
                     </m:d>
                   </m:oMath>
                 </a14:m>
-                <a:endParaRPr lang="it-IT" dirty="0"/>
+                <a:endParaRPr lang="it-IT" sz="2400" dirty="0"/>
               </a:p>
               <a:p>
-                <a:pPr marL="0" indent="0">
+                <a:pPr marL="0" indent="0" algn="just">
+                  <a:lnSpc>
+                    <a:spcPct val="120000"/>
+                  </a:lnSpc>
                   <a:buNone/>
                 </a:pPr>
-                <a:endParaRPr lang="it-IT" dirty="0"/>
+                <a:endParaRPr lang="it-IT" sz="2400" dirty="0"/>
               </a:p>
               <a:p>
-                <a:pPr marL="0" indent="0">
+                <a:pPr marL="0" indent="0" algn="just">
+                  <a:lnSpc>
+                    <a:spcPct val="120000"/>
+                  </a:lnSpc>
                   <a:buNone/>
                 </a:pPr>
                 <a:r>
-                  <a:rPr lang="it-IT" dirty="0"/>
+                  <a:rPr lang="it-IT" sz="2400" dirty="0"/>
                   <a:t>N.B. la cinematica diretta è stata calcolata fissando l’origine del sistema di riferimento 1 e 2 nel baricentro dei rispettivi corpi (il perché è spiegato nel paragrafo dell’energia cinetica).</a:t>
                 </a:r>
               </a:p>
@@ -14162,7 +14268,7 @@
               <a:blipFill>
                 <a:blip r:embed="rId2"/>
                 <a:stretch>
-                  <a:fillRect l="-1308" t="-2352" r="-374" b="-1411"/>
+                  <a:fillRect l="-997" t="-753" r="-935" b="-1317"/>
                 </a:stretch>
               </a:blipFill>
             </p:spPr>
@@ -14251,8 +14357,8 @@
           </a:p>
         </p:txBody>
       </p:sp>
-      <mc:AlternateContent xmlns:mc="http://schemas.openxmlformats.org/markup-compatibility/2006" xmlns:a14="http://schemas.microsoft.com/office/drawing/2010/main">
-        <mc:Choice Requires="a14">
+      <mc:AlternateContent xmlns:mc="http://schemas.openxmlformats.org/markup-compatibility/2006">
+        <mc:Choice xmlns:a14="http://schemas.microsoft.com/office/drawing/2010/main" Requires="a14">
           <p:sp>
             <p:nvSpPr>
               <p:cNvPr id="3" name="Segnaposto contenuto 2">
@@ -14276,11 +14382,14 @@
               </a:bodyPr>
               <a:lstStyle/>
               <a:p>
-                <a:pPr marL="0" indent="0">
+                <a:pPr marL="0" indent="0" algn="just">
+                  <a:lnSpc>
+                    <a:spcPct val="100000"/>
+                  </a:lnSpc>
                   <a:buNone/>
                 </a:pPr>
                 <a:r>
-                  <a:rPr lang="it-IT" dirty="0"/>
+                  <a:rPr lang="it-IT" sz="2400" dirty="0"/>
                   <a:t>L’energia cinetica di un corpo in </a:t>
                 </a:r>
                 <a14:m>
@@ -14288,14 +14397,14 @@
                     <m:sSup>
                       <m:sSupPr>
                         <m:ctrlPr>
-                          <a:rPr lang="it-IT" i="1" smtClean="0">
+                          <a:rPr lang="it-IT" sz="2400" i="1" smtClean="0">
                             <a:latin typeface="Cambria Math" panose="02040503050406030204" pitchFamily="18" charset="0"/>
                           </a:rPr>
                         </m:ctrlPr>
                       </m:sSupPr>
                       <m:e>
                         <m:r>
-                          <a:rPr lang="it-IT" b="0" i="1" smtClean="0">
+                          <a:rPr lang="it-IT" sz="2400" b="0" i="1" smtClean="0">
                             <a:latin typeface="Cambria Math" panose="02040503050406030204" pitchFamily="18" charset="0"/>
                           </a:rPr>
                           <m:t>𝑅</m:t>
@@ -14303,7 +14412,7 @@
                       </m:e>
                       <m:sup>
                         <m:r>
-                          <a:rPr lang="it-IT" b="0" i="1" smtClean="0">
+                          <a:rPr lang="it-IT" sz="2400" b="0" i="1" smtClean="0">
                             <a:latin typeface="Cambria Math" panose="02040503050406030204" pitchFamily="18" charset="0"/>
                           </a:rPr>
                           <m:t>3</m:t>
@@ -14313,7 +14422,7 @@
                   </m:oMath>
                 </a14:m>
                 <a:r>
-                  <a:rPr lang="it-IT" dirty="0"/>
+                  <a:rPr lang="it-IT" sz="2400" dirty="0"/>
                   <a:t> è definita come la somma di tre contributi: di pura traslazione </a:t>
                 </a:r>
                 <a14:m>
@@ -14321,14 +14430,14 @@
                     <m:sSub>
                       <m:sSubPr>
                         <m:ctrlPr>
-                          <a:rPr lang="it-IT" i="1" smtClean="0">
+                          <a:rPr lang="it-IT" sz="2400" i="1" smtClean="0">
                             <a:latin typeface="Cambria Math" panose="02040503050406030204" pitchFamily="18" charset="0"/>
                           </a:rPr>
                         </m:ctrlPr>
                       </m:sSubPr>
                       <m:e>
                         <m:r>
-                          <a:rPr lang="it-IT" b="0" i="1" smtClean="0">
+                          <a:rPr lang="it-IT" sz="2400" b="0" i="1" smtClean="0">
                             <a:latin typeface="Cambria Math" panose="02040503050406030204" pitchFamily="18" charset="0"/>
                           </a:rPr>
                           <m:t>𝑇</m:t>
@@ -14336,7 +14445,7 @@
                       </m:e>
                       <m:sub>
                         <m:r>
-                          <a:rPr lang="it-IT" b="0" i="1" smtClean="0">
+                          <a:rPr lang="it-IT" sz="2400" b="0" i="1" smtClean="0">
                             <a:latin typeface="Cambria Math" panose="02040503050406030204" pitchFamily="18" charset="0"/>
                           </a:rPr>
                           <m:t>𝑡</m:t>
@@ -14346,7 +14455,7 @@
                   </m:oMath>
                 </a14:m>
                 <a:r>
-                  <a:rPr lang="it-IT" dirty="0"/>
+                  <a:rPr lang="it-IT" sz="2400" dirty="0"/>
                   <a:t>, di pura rotazione </a:t>
                 </a:r>
                 <a14:m>
@@ -14354,14 +14463,14 @@
                     <m:sSub>
                       <m:sSubPr>
                         <m:ctrlPr>
-                          <a:rPr lang="it-IT" i="1" smtClean="0">
+                          <a:rPr lang="it-IT" sz="2400" i="1" smtClean="0">
                             <a:latin typeface="Cambria Math" panose="02040503050406030204" pitchFamily="18" charset="0"/>
                           </a:rPr>
                         </m:ctrlPr>
                       </m:sSubPr>
                       <m:e>
                         <m:r>
-                          <a:rPr lang="it-IT" b="0" i="1" smtClean="0">
+                          <a:rPr lang="it-IT" sz="2400" b="0" i="1" smtClean="0">
                             <a:latin typeface="Cambria Math" panose="02040503050406030204" pitchFamily="18" charset="0"/>
                           </a:rPr>
                           <m:t>𝑇</m:t>
@@ -14369,7 +14478,7 @@
                       </m:e>
                       <m:sub>
                         <m:r>
-                          <a:rPr lang="it-IT" b="0" i="1" smtClean="0">
+                          <a:rPr lang="it-IT" sz="2400" b="0" i="1" smtClean="0">
                             <a:latin typeface="Cambria Math" panose="02040503050406030204" pitchFamily="18" charset="0"/>
                           </a:rPr>
                           <m:t>𝑟</m:t>
@@ -14377,7 +14486,7 @@
                       </m:sub>
                     </m:sSub>
                     <m:r>
-                      <a:rPr lang="it-IT" b="0" i="0" smtClean="0">
+                      <a:rPr lang="it-IT" sz="2400" b="0" i="0" smtClean="0">
                         <a:latin typeface="Cambria Math" panose="02040503050406030204" pitchFamily="18" charset="0"/>
                       </a:rPr>
                       <m:t> </m:t>
@@ -14385,7 +14494,7 @@
                   </m:oMath>
                 </a14:m>
                 <a:r>
-                  <a:rPr lang="it-IT" dirty="0"/>
+                  <a:rPr lang="it-IT" sz="2400" dirty="0"/>
                   <a:t>e misto. Fissando le origini dei sistemi di riferimento solidali alla barra e al disco nei rispettivi baricentri geometrici, ho che il contributo misto dell’energia cinetica è nullo e dunque i calcoli si semplificano. L’energia cinetica di un corpo in </a:t>
                 </a:r>
                 <a14:m>
@@ -14393,14 +14502,14 @@
                     <m:sSup>
                       <m:sSupPr>
                         <m:ctrlPr>
-                          <a:rPr lang="it-IT" i="1">
+                          <a:rPr lang="it-IT" sz="2400" i="1">
                             <a:latin typeface="Cambria Math" panose="02040503050406030204" pitchFamily="18" charset="0"/>
                           </a:rPr>
                         </m:ctrlPr>
                       </m:sSupPr>
                       <m:e>
                         <m:r>
-                          <a:rPr lang="it-IT" i="1">
+                          <a:rPr lang="it-IT" sz="2400" i="1">
                             <a:latin typeface="Cambria Math" panose="02040503050406030204" pitchFamily="18" charset="0"/>
                           </a:rPr>
                           <m:t>𝑅</m:t>
@@ -14408,7 +14517,7 @@
                       </m:e>
                       <m:sup>
                         <m:r>
-                          <a:rPr lang="it-IT" i="1">
+                          <a:rPr lang="it-IT" sz="2400" i="1">
                             <a:latin typeface="Cambria Math" panose="02040503050406030204" pitchFamily="18" charset="0"/>
                           </a:rPr>
                           <m:t>3</m:t>
@@ -14416,7 +14525,7 @@
                       </m:sup>
                     </m:sSup>
                     <m:r>
-                      <a:rPr lang="it-IT" b="0" i="0" smtClean="0">
+                      <a:rPr lang="it-IT" sz="2400" b="0" i="0" smtClean="0">
                         <a:latin typeface="Cambria Math" panose="02040503050406030204" pitchFamily="18" charset="0"/>
                       </a:rPr>
                       <m:t> è</m:t>
@@ -14424,12 +14533,24 @@
                   </m:oMath>
                 </a14:m>
                 <a:r>
-                  <a:rPr lang="it-IT" dirty="0"/>
+                  <a:rPr lang="it-IT" sz="2400" dirty="0"/>
                   <a:t> pertanto data da:</a:t>
                 </a:r>
               </a:p>
               <a:p>
                 <a:pPr marL="0" indent="0">
+                  <a:lnSpc>
+                    <a:spcPct val="100000"/>
+                  </a:lnSpc>
+                  <a:buNone/>
+                </a:pPr>
+                <a:endParaRPr lang="it-IT" sz="2400" dirty="0"/>
+              </a:p>
+              <a:p>
+                <a:pPr marL="0" indent="0">
+                  <a:lnSpc>
+                    <a:spcPct val="100000"/>
+                  </a:lnSpc>
                   <a:buNone/>
                 </a:pPr>
                 <a14:m>
@@ -14439,13 +14560,13 @@
                     </m:oMathParaPr>
                     <m:oMath xmlns:m="http://schemas.openxmlformats.org/officeDocument/2006/math">
                       <m:r>
-                        <a:rPr lang="it-IT" b="0" i="1" smtClean="0">
+                        <a:rPr lang="it-IT" sz="2400" b="0" i="1" smtClean="0">
                           <a:latin typeface="Cambria Math" panose="02040503050406030204" pitchFamily="18" charset="0"/>
                         </a:rPr>
                         <m:t>𝑇</m:t>
                       </m:r>
                       <m:r>
-                        <a:rPr lang="it-IT" b="0" i="1" smtClean="0">
+                        <a:rPr lang="it-IT" sz="2400" b="0" i="1" smtClean="0">
                           <a:latin typeface="Cambria Math" panose="02040503050406030204" pitchFamily="18" charset="0"/>
                         </a:rPr>
                         <m:t>=</m:t>
@@ -14453,14 +14574,14 @@
                       <m:sSub>
                         <m:sSubPr>
                           <m:ctrlPr>
-                            <a:rPr lang="it-IT" b="0" i="1" smtClean="0">
+                            <a:rPr lang="it-IT" sz="2400" b="0" i="1" smtClean="0">
                               <a:latin typeface="Cambria Math" panose="02040503050406030204" pitchFamily="18" charset="0"/>
                             </a:rPr>
                           </m:ctrlPr>
                         </m:sSubPr>
                         <m:e>
                           <m:r>
-                            <a:rPr lang="it-IT" b="0" i="1" smtClean="0">
+                            <a:rPr lang="it-IT" sz="2400" b="0" i="1" smtClean="0">
                               <a:latin typeface="Cambria Math" panose="02040503050406030204" pitchFamily="18" charset="0"/>
                             </a:rPr>
                             <m:t>𝑇</m:t>
@@ -14468,7 +14589,7 @@
                         </m:e>
                         <m:sub>
                           <m:r>
-                            <a:rPr lang="it-IT" b="0" i="1" smtClean="0">
+                            <a:rPr lang="it-IT" sz="2400" b="0" i="1" smtClean="0">
                               <a:latin typeface="Cambria Math" panose="02040503050406030204" pitchFamily="18" charset="0"/>
                             </a:rPr>
                             <m:t>𝑡</m:t>
@@ -14476,7 +14597,7 @@
                         </m:sub>
                       </m:sSub>
                       <m:r>
-                        <a:rPr lang="it-IT" b="0" i="1" smtClean="0">
+                        <a:rPr lang="it-IT" sz="2400" b="0" i="1" smtClean="0">
                           <a:latin typeface="Cambria Math" panose="02040503050406030204" pitchFamily="18" charset="0"/>
                         </a:rPr>
                         <m:t>+</m:t>
@@ -14484,14 +14605,14 @@
                       <m:sSub>
                         <m:sSubPr>
                           <m:ctrlPr>
-                            <a:rPr lang="it-IT" b="0" i="1" smtClean="0">
+                            <a:rPr lang="it-IT" sz="2400" b="0" i="1" smtClean="0">
                               <a:latin typeface="Cambria Math" panose="02040503050406030204" pitchFamily="18" charset="0"/>
                             </a:rPr>
                           </m:ctrlPr>
                         </m:sSubPr>
                         <m:e>
                           <m:r>
-                            <a:rPr lang="it-IT" b="0" i="1" smtClean="0">
+                            <a:rPr lang="it-IT" sz="2400" b="0" i="1" smtClean="0">
                               <a:latin typeface="Cambria Math" panose="02040503050406030204" pitchFamily="18" charset="0"/>
                             </a:rPr>
                             <m:t>𝑇</m:t>
@@ -14499,7 +14620,7 @@
                         </m:e>
                         <m:sub>
                           <m:r>
-                            <a:rPr lang="it-IT" b="0" i="1" smtClean="0">
+                            <a:rPr lang="it-IT" sz="2400" b="0" i="1" smtClean="0">
                               <a:latin typeface="Cambria Math" panose="02040503050406030204" pitchFamily="18" charset="0"/>
                             </a:rPr>
                             <m:t>𝑟</m:t>
@@ -14507,7 +14628,7 @@
                         </m:sub>
                       </m:sSub>
                       <m:r>
-                        <a:rPr lang="it-IT" b="0" i="1" smtClean="0">
+                        <a:rPr lang="it-IT" sz="2400" b="0" i="1" smtClean="0">
                           <a:latin typeface="Cambria Math" panose="02040503050406030204" pitchFamily="18" charset="0"/>
                         </a:rPr>
                         <m:t>=</m:t>
@@ -14515,14 +14636,14 @@
                       <m:f>
                         <m:fPr>
                           <m:ctrlPr>
-                            <a:rPr lang="it-IT" b="0" i="1" smtClean="0">
+                            <a:rPr lang="it-IT" sz="2400" b="0" i="1" smtClean="0">
                               <a:latin typeface="Cambria Math" panose="02040503050406030204" pitchFamily="18" charset="0"/>
                             </a:rPr>
                           </m:ctrlPr>
                         </m:fPr>
                         <m:num>
                           <m:r>
-                            <a:rPr lang="it-IT" b="0" i="1" smtClean="0">
+                            <a:rPr lang="it-IT" sz="2400" b="0" i="1" smtClean="0">
                               <a:latin typeface="Cambria Math" panose="02040503050406030204" pitchFamily="18" charset="0"/>
                             </a:rPr>
                             <m:t>1</m:t>
@@ -14530,7 +14651,7 @@
                         </m:num>
                         <m:den>
                           <m:r>
-                            <a:rPr lang="it-IT" b="0" i="1" smtClean="0">
+                            <a:rPr lang="it-IT" sz="2400" b="0" i="1" smtClean="0">
                               <a:latin typeface="Cambria Math" panose="02040503050406030204" pitchFamily="18" charset="0"/>
                             </a:rPr>
                             <m:t>2</m:t>
@@ -14538,7 +14659,7 @@
                         </m:den>
                       </m:f>
                       <m:r>
-                        <a:rPr lang="it-IT" b="0" i="1" smtClean="0">
+                        <a:rPr lang="it-IT" sz="2400" b="0" i="1" smtClean="0">
                           <a:latin typeface="Cambria Math" panose="02040503050406030204" pitchFamily="18" charset="0"/>
                         </a:rPr>
                         <m:t>𝑀</m:t>
@@ -14547,7 +14668,7 @@
                         <m:accPr>
                           <m:chr m:val="̇"/>
                           <m:ctrlPr>
-                            <a:rPr lang="it-IT" b="0" i="1" smtClean="0">
+                            <a:rPr lang="it-IT" sz="2400" b="0" i="1" smtClean="0">
                               <a:latin typeface="Cambria Math" panose="02040503050406030204" pitchFamily="18" charset="0"/>
                             </a:rPr>
                           </m:ctrlPr>
@@ -14556,14 +14677,14 @@
                           <m:sSup>
                             <m:sSupPr>
                               <m:ctrlPr>
-                                <a:rPr lang="it-IT" b="0" i="1" smtClean="0">
+                                <a:rPr lang="it-IT" sz="2400" b="0" i="1" smtClean="0">
                                   <a:latin typeface="Cambria Math" panose="02040503050406030204" pitchFamily="18" charset="0"/>
                                 </a:rPr>
                               </m:ctrlPr>
                             </m:sSupPr>
                             <m:e>
                               <m:r>
-                                <a:rPr lang="it-IT" b="0" i="1" smtClean="0">
+                                <a:rPr lang="it-IT" sz="2400" b="0" i="1" smtClean="0">
                                   <a:latin typeface="Cambria Math" panose="02040503050406030204" pitchFamily="18" charset="0"/>
                                 </a:rPr>
                                 <m:t>𝑑</m:t>
@@ -14571,7 +14692,7 @@
                             </m:e>
                             <m:sup>
                               <m:r>
-                                <a:rPr lang="it-IT" b="0" i="1" smtClean="0">
+                                <a:rPr lang="it-IT" sz="2400" b="0" i="1" smtClean="0">
                                   <a:latin typeface="Cambria Math" panose="02040503050406030204" pitchFamily="18" charset="0"/>
                                 </a:rPr>
                                 <m:t>𝑇</m:t>
@@ -14584,14 +14705,14 @@
                         <m:accPr>
                           <m:chr m:val="̇"/>
                           <m:ctrlPr>
-                            <a:rPr lang="it-IT" i="1">
+                            <a:rPr lang="it-IT" sz="2400" i="1">
                               <a:latin typeface="Cambria Math" panose="02040503050406030204" pitchFamily="18" charset="0"/>
                             </a:rPr>
                           </m:ctrlPr>
                         </m:accPr>
                         <m:e>
                           <m:r>
-                            <a:rPr lang="it-IT" i="1">
+                            <a:rPr lang="it-IT" sz="2400" i="1">
                               <a:latin typeface="Cambria Math" panose="02040503050406030204" pitchFamily="18" charset="0"/>
                             </a:rPr>
                             <m:t>𝑑</m:t>
@@ -14599,7 +14720,7 @@
                         </m:e>
                       </m:acc>
                       <m:r>
-                        <a:rPr lang="it-IT" i="1">
+                        <a:rPr lang="it-IT" sz="2400" i="1">
                           <a:latin typeface="Cambria Math" panose="02040503050406030204" pitchFamily="18" charset="0"/>
                         </a:rPr>
                         <m:t>+</m:t>
@@ -14607,14 +14728,14 @@
                       <m:f>
                         <m:fPr>
                           <m:ctrlPr>
-                            <a:rPr lang="it-IT" i="1">
+                            <a:rPr lang="it-IT" sz="2400" i="1">
                               <a:latin typeface="Cambria Math" panose="02040503050406030204" pitchFamily="18" charset="0"/>
                             </a:rPr>
                           </m:ctrlPr>
                         </m:fPr>
                         <m:num>
                           <m:r>
-                            <a:rPr lang="it-IT" i="1">
+                            <a:rPr lang="it-IT" sz="2400" i="1">
                               <a:latin typeface="Cambria Math" panose="02040503050406030204" pitchFamily="18" charset="0"/>
                             </a:rPr>
                             <m:t>1</m:t>
@@ -14622,7 +14743,7 @@
                         </m:num>
                         <m:den>
                           <m:r>
-                            <a:rPr lang="it-IT" i="1">
+                            <a:rPr lang="it-IT" sz="2400" i="1">
                               <a:latin typeface="Cambria Math" panose="02040503050406030204" pitchFamily="18" charset="0"/>
                             </a:rPr>
                             <m:t>2</m:t>
@@ -14632,14 +14753,14 @@
                       <m:sSup>
                         <m:sSupPr>
                           <m:ctrlPr>
-                            <a:rPr lang="it-IT" i="1">
+                            <a:rPr lang="it-IT" sz="2400" i="1">
                               <a:latin typeface="Cambria Math" panose="02040503050406030204" pitchFamily="18" charset="0"/>
                             </a:rPr>
                           </m:ctrlPr>
                         </m:sSupPr>
                         <m:e>
                           <m:r>
-                            <a:rPr lang="it-IT" i="1">
+                            <a:rPr lang="it-IT" sz="2400" i="1">
                               <a:latin typeface="Cambria Math" panose="02040503050406030204" pitchFamily="18" charset="0"/>
                               <a:ea typeface="Cambria Math" panose="02040503050406030204" pitchFamily="18" charset="0"/>
                             </a:rPr>
@@ -14648,7 +14769,7 @@
                         </m:e>
                         <m:sup>
                           <m:r>
-                            <a:rPr lang="it-IT" i="1">
+                            <a:rPr lang="it-IT" sz="2400" i="1">
                               <a:latin typeface="Cambria Math" panose="02040503050406030204" pitchFamily="18" charset="0"/>
                             </a:rPr>
                             <m:t>𝑇</m:t>
@@ -14656,7 +14777,7 @@
                         </m:sup>
                       </m:sSup>
                       <m:r>
-                        <a:rPr lang="it-IT" i="1">
+                        <a:rPr lang="it-IT" sz="2400" i="1">
                           <a:latin typeface="Cambria Math" panose="02040503050406030204" pitchFamily="18" charset="0"/>
                         </a:rPr>
                         <m:t>𝑅𝐼</m:t>
@@ -14664,14 +14785,14 @@
                       <m:sSup>
                         <m:sSupPr>
                           <m:ctrlPr>
-                            <a:rPr lang="it-IT" i="1">
+                            <a:rPr lang="it-IT" sz="2400" i="1">
                               <a:latin typeface="Cambria Math" panose="02040503050406030204" pitchFamily="18" charset="0"/>
                             </a:rPr>
                           </m:ctrlPr>
                         </m:sSupPr>
                         <m:e>
                           <m:r>
-                            <a:rPr lang="it-IT" i="1">
+                            <a:rPr lang="it-IT" sz="2400" i="1">
                               <a:latin typeface="Cambria Math" panose="02040503050406030204" pitchFamily="18" charset="0"/>
                             </a:rPr>
                             <m:t>𝑅</m:t>
@@ -14679,7 +14800,7 @@
                         </m:e>
                         <m:sup>
                           <m:r>
-                            <a:rPr lang="it-IT" i="1">
+                            <a:rPr lang="it-IT" sz="2400" i="1">
                               <a:latin typeface="Cambria Math" panose="02040503050406030204" pitchFamily="18" charset="0"/>
                             </a:rPr>
                             <m:t>𝑇</m:t>
@@ -14687,7 +14808,7 @@
                         </m:sup>
                       </m:sSup>
                       <m:r>
-                        <a:rPr lang="it-IT" i="1">
+                        <a:rPr lang="it-IT" sz="2400" i="1">
                           <a:latin typeface="Cambria Math" panose="02040503050406030204" pitchFamily="18" charset="0"/>
                           <a:ea typeface="Cambria Math" panose="02040503050406030204" pitchFamily="18" charset="0"/>
                         </a:rPr>
@@ -14696,12 +14817,12 @@
                     </m:oMath>
                   </m:oMathPara>
                 </a14:m>
-                <a:endParaRPr lang="it-IT" dirty="0"/>
+                <a:endParaRPr lang="it-IT" sz="2400" dirty="0"/>
               </a:p>
             </p:txBody>
           </p:sp>
         </mc:Choice>
-        <mc:Fallback xmlns="">
+        <mc:Fallback>
           <p:sp>
             <p:nvSpPr>
               <p:cNvPr id="3" name="Segnaposto contenuto 2">
@@ -14722,7 +14843,7 @@
               <a:blipFill>
                 <a:blip r:embed="rId2"/>
                 <a:stretch>
-                  <a:fillRect l="-1246" t="-2533"/>
+                  <a:fillRect l="-935" t="-1200" r="-997"/>
                 </a:stretch>
               </a:blipFill>
             </p:spPr>
@@ -14783,8 +14904,8 @@
           <a:chExt cx="0" cy="0"/>
         </a:xfrm>
       </p:grpSpPr>
-      <mc:AlternateContent xmlns:mc="http://schemas.openxmlformats.org/markup-compatibility/2006" xmlns:a14="http://schemas.microsoft.com/office/drawing/2010/main">
-        <mc:Choice Requires="a14">
+      <mc:AlternateContent xmlns:mc="http://schemas.openxmlformats.org/markup-compatibility/2006">
+        <mc:Choice xmlns:a14="http://schemas.microsoft.com/office/drawing/2010/main" Requires="a14">
           <p:sp>
             <p:nvSpPr>
               <p:cNvPr id="3" name="Segnaposto contenuto 2">
@@ -14813,19 +14934,36 @@
               </a:bodyPr>
               <a:lstStyle/>
               <a:p>
-                <a:pPr marL="0" indent="0">
+                <a:pPr marL="0" indent="0" algn="just">
+                  <a:lnSpc>
+                    <a:spcPct val="100000"/>
+                  </a:lnSpc>
                   <a:buNone/>
                 </a:pPr>
                 <a:r>
-                  <a:rPr lang="it-IT" dirty="0"/>
+                  <a:rPr lang="it-IT" sz="2400" dirty="0"/>
                   <a:t>Nella formula precedente ho che:</a:t>
                 </a:r>
               </a:p>
               <a:p>
+                <a:pPr marL="0" indent="0" algn="just">
+                  <a:lnSpc>
+                    <a:spcPct val="100000"/>
+                  </a:lnSpc>
+                  <a:buNone/>
+                </a:pPr>
+                <a:endParaRPr lang="it-IT" sz="2400" dirty="0"/>
+              </a:p>
+              <a:p>
+                <a:pPr algn="just">
+                  <a:lnSpc>
+                    <a:spcPct val="100000"/>
+                  </a:lnSpc>
+                </a:pPr>
                 <a14:m>
                   <m:oMath xmlns:m="http://schemas.openxmlformats.org/officeDocument/2006/math">
                     <m:r>
-                      <a:rPr lang="it-IT" i="1">
+                      <a:rPr lang="it-IT" sz="2400" i="1">
                         <a:latin typeface="Cambria Math" panose="02040503050406030204" pitchFamily="18" charset="0"/>
                       </a:rPr>
                       <m:t>𝑀</m:t>
@@ -14833,27 +14971,42 @@
                   </m:oMath>
                 </a14:m>
                 <a:r>
-                  <a:rPr lang="it-IT" dirty="0"/>
+                  <a:rPr lang="it-IT" sz="2400" dirty="0"/>
                   <a:t> rappresenta la massa del corpo considerato;</a:t>
                 </a:r>
               </a:p>
               <a:p>
+                <a:pPr algn="just">
+                  <a:lnSpc>
+                    <a:spcPct val="100000"/>
+                  </a:lnSpc>
+                </a:pPr>
                 <a:r>
-                  <a:rPr lang="it-IT" dirty="0"/>
+                  <a:rPr lang="it-IT" sz="2400" dirty="0"/>
                   <a:t>d è un vettore 2x1 che ci dice la posizione del corpo rispetto al sistema di riferimento inerziale;</a:t>
                 </a:r>
               </a:p>
               <a:p>
+                <a:pPr algn="just">
+                  <a:lnSpc>
+                    <a:spcPct val="100000"/>
+                  </a:lnSpc>
+                </a:pPr>
                 <a:r>
-                  <a:rPr lang="it-IT" dirty="0"/>
+                  <a:rPr lang="it-IT" sz="2400" dirty="0"/>
                   <a:t>R è una matrice 2x2 che ci dice l’orientamento del corpo rispetto al sistema di riferimento inerziale;</a:t>
                 </a:r>
               </a:p>
               <a:p>
+                <a:pPr algn="just">
+                  <a:lnSpc>
+                    <a:spcPct val="100000"/>
+                  </a:lnSpc>
+                </a:pPr>
                 <a14:m>
                   <m:oMath xmlns:m="http://schemas.openxmlformats.org/officeDocument/2006/math">
                     <m:r>
-                      <a:rPr lang="it-IT" i="1">
+                      <a:rPr lang="it-IT" sz="2400" i="1">
                         <a:latin typeface="Cambria Math" panose="02040503050406030204" pitchFamily="18" charset="0"/>
                       </a:rPr>
                       <m:t>𝑅𝐼</m:t>
@@ -14861,14 +15014,14 @@
                     <m:sSup>
                       <m:sSupPr>
                         <m:ctrlPr>
-                          <a:rPr lang="it-IT" i="1">
+                          <a:rPr lang="it-IT" sz="2400" i="1">
                             <a:latin typeface="Cambria Math" panose="02040503050406030204" pitchFamily="18" charset="0"/>
                           </a:rPr>
                         </m:ctrlPr>
                       </m:sSupPr>
                       <m:e>
                         <m:r>
-                          <a:rPr lang="it-IT" i="1">
+                          <a:rPr lang="it-IT" sz="2400" i="1">
                             <a:latin typeface="Cambria Math" panose="02040503050406030204" pitchFamily="18" charset="0"/>
                           </a:rPr>
                           <m:t>𝑅</m:t>
@@ -14876,7 +15029,7 @@
                       </m:e>
                       <m:sup>
                         <m:r>
-                          <a:rPr lang="it-IT" i="1">
+                          <a:rPr lang="it-IT" sz="2400" i="1">
                             <a:latin typeface="Cambria Math" panose="02040503050406030204" pitchFamily="18" charset="0"/>
                           </a:rPr>
                           <m:t>𝑇</m:t>
@@ -14886,21 +15039,23 @@
                   </m:oMath>
                 </a14:m>
                 <a:r>
-                  <a:rPr lang="it-IT" dirty="0"/>
+                  <a:rPr lang="it-IT" sz="2400" dirty="0"/>
                   <a:t> è la matrice di inerzia rispetto al sistema di riferimento inerziale e poiché il corpo si muove rispetto al sistema di riferimento inerziale ho che I non è costante bensì dipende dal tempo;</a:t>
                 </a:r>
               </a:p>
               <a:p>
+                <a:pPr algn="just">
+                  <a:lnSpc>
+                    <a:spcPct val="100000"/>
+                  </a:lnSpc>
+                </a:pPr>
                 <a:r>
-                  <a:rPr lang="it-IT" dirty="0">
+                  <a:rPr lang="it-IT" sz="2400" dirty="0">
                     <a:sym typeface="Symbol" panose="05050102010706020507" pitchFamily="18" charset="2"/>
                   </a:rPr>
                   <a:t> è il vettore della velocità angolare assunta dal corpo.</a:t>
                 </a:r>
-                <a:endParaRPr lang="it-IT" dirty="0"/>
-              </a:p>
-              <a:p>
-                <a:endParaRPr lang="it-IT" dirty="0"/>
+                <a:endParaRPr lang="it-IT" sz="2400" dirty="0"/>
               </a:p>
               <a:p>
                 <a:endParaRPr lang="it-IT" dirty="0"/>
@@ -14908,7 +15063,7 @@
             </p:txBody>
           </p:sp>
         </mc:Choice>
-        <mc:Fallback xmlns="">
+        <mc:Fallback>
           <p:sp>
             <p:nvSpPr>
               <p:cNvPr id="3" name="Segnaposto contenuto 2">
@@ -14933,7 +15088,7 @@
               <a:blipFill>
                 <a:blip r:embed="rId2"/>
                 <a:stretch>
-                  <a:fillRect l="-1495" t="-1693" r="-2555"/>
+                  <a:fillRect l="-1184" t="-753" r="-935"/>
                 </a:stretch>
               </a:blipFill>
             </p:spPr>
@@ -14994,8 +15149,8 @@
           <a:chExt cx="0" cy="0"/>
         </a:xfrm>
       </p:grpSpPr>
-      <mc:AlternateContent xmlns:mc="http://schemas.openxmlformats.org/markup-compatibility/2006" xmlns:a14="http://schemas.microsoft.com/office/drawing/2010/main">
-        <mc:Choice Requires="a14">
+      <mc:AlternateContent xmlns:mc="http://schemas.openxmlformats.org/markup-compatibility/2006">
+        <mc:Choice xmlns:a14="http://schemas.microsoft.com/office/drawing/2010/main" Requires="a14">
           <p:sp>
             <p:nvSpPr>
               <p:cNvPr id="3" name="Segnaposto contenuto 2">
@@ -15014,7 +15169,7 @@
             </p:nvSpPr>
             <p:spPr>
               <a:xfrm>
-                <a:off x="1557908" y="116632"/>
+                <a:off x="1485900" y="116632"/>
                 <a:ext cx="9782801" cy="6624736"/>
               </a:xfrm>
             </p:spPr>
@@ -15024,16 +15179,31 @@
               </a:bodyPr>
               <a:lstStyle/>
               <a:p>
-                <a:pPr marL="0" indent="0">
+                <a:pPr marL="0" indent="0" algn="just">
+                  <a:lnSpc>
+                    <a:spcPct val="100000"/>
+                  </a:lnSpc>
                   <a:buNone/>
                 </a:pPr>
                 <a:r>
-                  <a:rPr lang="it-IT" dirty="0"/>
+                  <a:rPr lang="it-IT" sz="2400" dirty="0"/>
                   <a:t>Nel caso analizzato del pendolo inverso ho che l’energia cinetica della barra è data da:</a:t>
                 </a:r>
               </a:p>
               <a:p>
-                <a:pPr marL="0" indent="0">
+                <a:pPr marL="0" indent="0" algn="just">
+                  <a:lnSpc>
+                    <a:spcPct val="100000"/>
+                  </a:lnSpc>
+                  <a:buNone/>
+                </a:pPr>
+                <a:endParaRPr lang="it-IT" sz="2400" dirty="0"/>
+              </a:p>
+              <a:p>
+                <a:pPr marL="0" indent="0" algn="just">
+                  <a:lnSpc>
+                    <a:spcPct val="100000"/>
+                  </a:lnSpc>
                   <a:buNone/>
                 </a:pPr>
                 <a14:m>
@@ -15045,14 +15215,14 @@
                       <m:sSub>
                         <m:sSubPr>
                           <m:ctrlPr>
-                            <a:rPr lang="it-IT" i="1" smtClean="0">
+                            <a:rPr lang="it-IT" sz="2400" i="1" smtClean="0">
                               <a:latin typeface="Cambria Math" panose="02040503050406030204" pitchFamily="18" charset="0"/>
                             </a:rPr>
                           </m:ctrlPr>
                         </m:sSubPr>
                         <m:e>
                           <m:r>
-                            <a:rPr lang="it-IT" b="0" i="1" smtClean="0">
+                            <a:rPr lang="it-IT" sz="2400" b="0" i="1" smtClean="0">
                               <a:latin typeface="Cambria Math" panose="02040503050406030204" pitchFamily="18" charset="0"/>
                             </a:rPr>
                             <m:t>𝑇</m:t>
@@ -15060,7 +15230,7 @@
                         </m:e>
                         <m:sub>
                           <m:r>
-                            <a:rPr lang="it-IT" b="0" i="1" smtClean="0">
+                            <a:rPr lang="it-IT" sz="2400" b="0" i="1" smtClean="0">
                               <a:latin typeface="Cambria Math" panose="02040503050406030204" pitchFamily="18" charset="0"/>
                             </a:rPr>
                             <m:t>𝐵</m:t>
@@ -15068,7 +15238,7 @@
                         </m:sub>
                       </m:sSub>
                       <m:r>
-                        <a:rPr lang="it-IT" i="1">
+                        <a:rPr lang="it-IT" sz="2400" i="1">
                           <a:latin typeface="Cambria Math" panose="02040503050406030204" pitchFamily="18" charset="0"/>
                         </a:rPr>
                         <m:t>=</m:t>
@@ -15076,14 +15246,14 @@
                       <m:sSub>
                         <m:sSubPr>
                           <m:ctrlPr>
-                            <a:rPr lang="it-IT" i="1">
+                            <a:rPr lang="it-IT" sz="2400" i="1">
                               <a:latin typeface="Cambria Math" panose="02040503050406030204" pitchFamily="18" charset="0"/>
                             </a:rPr>
                           </m:ctrlPr>
                         </m:sSubPr>
                         <m:e>
                           <m:r>
-                            <a:rPr lang="it-IT" i="1">
+                            <a:rPr lang="it-IT" sz="2400" i="1">
                               <a:latin typeface="Cambria Math" panose="02040503050406030204" pitchFamily="18" charset="0"/>
                             </a:rPr>
                             <m:t>𝑇</m:t>
@@ -15091,7 +15261,7 @@
                         </m:e>
                         <m:sub>
                           <m:r>
-                            <a:rPr lang="it-IT" i="1">
+                            <a:rPr lang="it-IT" sz="2400" i="1">
                               <a:latin typeface="Cambria Math" panose="02040503050406030204" pitchFamily="18" charset="0"/>
                             </a:rPr>
                             <m:t>𝑡</m:t>
@@ -15099,7 +15269,7 @@
                         </m:sub>
                       </m:sSub>
                       <m:r>
-                        <a:rPr lang="it-IT" i="1">
+                        <a:rPr lang="it-IT" sz="2400" i="1">
                           <a:latin typeface="Cambria Math" panose="02040503050406030204" pitchFamily="18" charset="0"/>
                         </a:rPr>
                         <m:t>+</m:t>
@@ -15107,14 +15277,14 @@
                       <m:sSub>
                         <m:sSubPr>
                           <m:ctrlPr>
-                            <a:rPr lang="it-IT" i="1">
+                            <a:rPr lang="it-IT" sz="2400" i="1">
                               <a:latin typeface="Cambria Math" panose="02040503050406030204" pitchFamily="18" charset="0"/>
                             </a:rPr>
                           </m:ctrlPr>
                         </m:sSubPr>
                         <m:e>
                           <m:r>
-                            <a:rPr lang="it-IT" i="1">
+                            <a:rPr lang="it-IT" sz="2400" i="1">
                               <a:latin typeface="Cambria Math" panose="02040503050406030204" pitchFamily="18" charset="0"/>
                             </a:rPr>
                             <m:t>𝑇</m:t>
@@ -15122,7 +15292,7 @@
                         </m:e>
                         <m:sub>
                           <m:r>
-                            <a:rPr lang="it-IT" i="1">
+                            <a:rPr lang="it-IT" sz="2400" i="1">
                               <a:latin typeface="Cambria Math" panose="02040503050406030204" pitchFamily="18" charset="0"/>
                             </a:rPr>
                             <m:t>𝑟</m:t>
@@ -15130,7 +15300,7 @@
                         </m:sub>
                       </m:sSub>
                       <m:r>
-                        <a:rPr lang="it-IT" i="1">
+                        <a:rPr lang="it-IT" sz="2400" i="1">
                           <a:latin typeface="Cambria Math" panose="02040503050406030204" pitchFamily="18" charset="0"/>
                         </a:rPr>
                         <m:t>=</m:t>
@@ -15138,14 +15308,14 @@
                       <m:f>
                         <m:fPr>
                           <m:ctrlPr>
-                            <a:rPr lang="it-IT" i="1" smtClean="0">
+                            <a:rPr lang="it-IT" sz="2400" i="1" smtClean="0">
                               <a:latin typeface="Cambria Math" panose="02040503050406030204" pitchFamily="18" charset="0"/>
                             </a:rPr>
                           </m:ctrlPr>
                         </m:fPr>
                         <m:num>
                           <m:r>
-                            <a:rPr lang="it-IT" b="0" i="1" smtClean="0">
+                            <a:rPr lang="it-IT" sz="2400" b="0" i="1" smtClean="0">
                               <a:latin typeface="Cambria Math" panose="02040503050406030204" pitchFamily="18" charset="0"/>
                             </a:rPr>
                             <m:t>1</m:t>
@@ -15153,7 +15323,7 @@
                         </m:num>
                         <m:den>
                           <m:r>
-                            <a:rPr lang="it-IT" b="0" i="1" smtClean="0">
+                            <a:rPr lang="it-IT" sz="2400" b="0" i="1" smtClean="0">
                               <a:latin typeface="Cambria Math" panose="02040503050406030204" pitchFamily="18" charset="0"/>
                             </a:rPr>
                             <m:t>2</m:t>
@@ -15163,14 +15333,14 @@
                       <m:sSub>
                         <m:sSubPr>
                           <m:ctrlPr>
-                            <a:rPr lang="it-IT" i="1" smtClean="0">
+                            <a:rPr lang="it-IT" sz="2400" i="1" smtClean="0">
                               <a:latin typeface="Cambria Math" panose="02040503050406030204" pitchFamily="18" charset="0"/>
                             </a:rPr>
                           </m:ctrlPr>
                         </m:sSubPr>
                         <m:e>
                           <m:r>
-                            <a:rPr lang="it-IT" b="0" i="1" smtClean="0">
+                            <a:rPr lang="it-IT" sz="2400" b="0" i="1" smtClean="0">
                               <a:latin typeface="Cambria Math" panose="02040503050406030204" pitchFamily="18" charset="0"/>
                             </a:rPr>
                             <m:t>𝑀</m:t>
@@ -15178,7 +15348,7 @@
                         </m:e>
                         <m:sub>
                           <m:r>
-                            <a:rPr lang="it-IT" b="0" i="1" smtClean="0">
+                            <a:rPr lang="it-IT" sz="2400" b="0" i="1" smtClean="0">
                               <a:latin typeface="Cambria Math" panose="02040503050406030204" pitchFamily="18" charset="0"/>
                             </a:rPr>
                             <m:t>1</m:t>
@@ -15188,7 +15358,7 @@
                       <m:sSubSup>
                         <m:sSubSupPr>
                           <m:ctrlPr>
-                            <a:rPr lang="it-IT" i="1" smtClean="0">
+                            <a:rPr lang="it-IT" sz="2400" i="1" smtClean="0">
                               <a:latin typeface="Cambria Math" panose="02040503050406030204" pitchFamily="18" charset="0"/>
                             </a:rPr>
                           </m:ctrlPr>
@@ -15198,14 +15368,14 @@
                             <m:accPr>
                               <m:chr m:val="̇"/>
                               <m:ctrlPr>
-                                <a:rPr lang="it-IT" i="1" smtClean="0">
+                                <a:rPr lang="it-IT" sz="2400" i="1" smtClean="0">
                                   <a:latin typeface="Cambria Math" panose="02040503050406030204" pitchFamily="18" charset="0"/>
                                 </a:rPr>
                               </m:ctrlPr>
                             </m:accPr>
                             <m:e>
                               <m:r>
-                                <a:rPr lang="it-IT" b="0" i="1" smtClean="0">
+                                <a:rPr lang="it-IT" sz="2400" b="0" i="1" smtClean="0">
                                   <a:latin typeface="Cambria Math" panose="02040503050406030204" pitchFamily="18" charset="0"/>
                                 </a:rPr>
                                 <m:t>𝑞</m:t>
@@ -15215,7 +15385,7 @@
                         </m:e>
                         <m:sub>
                           <m:r>
-                            <a:rPr lang="it-IT" b="0" i="1" smtClean="0">
+                            <a:rPr lang="it-IT" sz="2400" b="0" i="1" smtClean="0">
                               <a:latin typeface="Cambria Math" panose="02040503050406030204" pitchFamily="18" charset="0"/>
                             </a:rPr>
                             <m:t>1</m:t>
@@ -15223,7 +15393,7 @@
                         </m:sub>
                         <m:sup>
                           <m:r>
-                            <a:rPr lang="it-IT" b="0" i="1" smtClean="0">
+                            <a:rPr lang="it-IT" sz="2400" b="0" i="1" smtClean="0">
                               <a:latin typeface="Cambria Math" panose="02040503050406030204" pitchFamily="18" charset="0"/>
                             </a:rPr>
                             <m:t>2</m:t>
@@ -15231,7 +15401,7 @@
                         </m:sup>
                       </m:sSubSup>
                       <m:r>
-                        <a:rPr lang="it-IT" b="0" i="1" smtClean="0">
+                        <a:rPr lang="it-IT" sz="2400" b="0" i="1" smtClean="0">
                           <a:latin typeface="Cambria Math" panose="02040503050406030204" pitchFamily="18" charset="0"/>
                         </a:rPr>
                         <m:t>(</m:t>
@@ -15239,14 +15409,14 @@
                       <m:sSub>
                         <m:sSubPr>
                           <m:ctrlPr>
-                            <a:rPr lang="it-IT" b="0" i="1" smtClean="0">
+                            <a:rPr lang="it-IT" sz="2400" b="0" i="1" smtClean="0">
                               <a:latin typeface="Cambria Math" panose="02040503050406030204" pitchFamily="18" charset="0"/>
                             </a:rPr>
                           </m:ctrlPr>
                         </m:sSubPr>
                         <m:e>
                           <m:r>
-                            <a:rPr lang="it-IT" b="0" i="1" smtClean="0">
+                            <a:rPr lang="it-IT" sz="2400" b="0" i="1" smtClean="0">
                               <a:latin typeface="Cambria Math" panose="02040503050406030204" pitchFamily="18" charset="0"/>
                             </a:rPr>
                             <m:t>𝐿</m:t>
@@ -15254,7 +15424,7 @@
                         </m:e>
                         <m:sub>
                           <m:r>
-                            <a:rPr lang="it-IT" b="0" i="1" smtClean="0">
+                            <a:rPr lang="it-IT" sz="2400" b="0" i="1" smtClean="0">
                               <a:latin typeface="Cambria Math" panose="02040503050406030204" pitchFamily="18" charset="0"/>
                             </a:rPr>
                             <m:t>𝐵𝐶</m:t>
@@ -15262,7 +15432,7 @@
                         </m:sub>
                       </m:sSub>
                       <m:r>
-                        <a:rPr lang="it-IT" b="0" i="1" smtClean="0">
+                        <a:rPr lang="it-IT" sz="2400" b="0" i="1" smtClean="0">
                           <a:latin typeface="Cambria Math" panose="02040503050406030204" pitchFamily="18" charset="0"/>
                         </a:rPr>
                         <m:t>+</m:t>
@@ -15270,14 +15440,14 @@
                       <m:sSub>
                         <m:sSubPr>
                           <m:ctrlPr>
-                            <a:rPr lang="it-IT" b="0" i="1" smtClean="0">
+                            <a:rPr lang="it-IT" sz="2400" b="0" i="1" smtClean="0">
                               <a:latin typeface="Cambria Math" panose="02040503050406030204" pitchFamily="18" charset="0"/>
                             </a:rPr>
                           </m:ctrlPr>
                         </m:sSubPr>
                         <m:e>
                           <m:r>
-                            <a:rPr lang="it-IT" b="0" i="1" smtClean="0">
+                            <a:rPr lang="it-IT" sz="2400" b="0" i="1" smtClean="0">
                               <a:latin typeface="Cambria Math" panose="02040503050406030204" pitchFamily="18" charset="0"/>
                             </a:rPr>
                             <m:t>𝐿</m:t>
@@ -15285,7 +15455,7 @@
                         </m:e>
                         <m:sub>
                           <m:r>
-                            <a:rPr lang="it-IT" b="0" i="1" smtClean="0">
+                            <a:rPr lang="it-IT" sz="2400" b="0" i="1" smtClean="0">
                               <a:latin typeface="Cambria Math" panose="02040503050406030204" pitchFamily="18" charset="0"/>
                             </a:rPr>
                             <m:t>1</m:t>
@@ -15295,14 +15465,14 @@
                       <m:sSup>
                         <m:sSupPr>
                           <m:ctrlPr>
-                            <a:rPr lang="it-IT" b="0" i="1" smtClean="0">
+                            <a:rPr lang="it-IT" sz="2400" b="0" i="1" smtClean="0">
                               <a:latin typeface="Cambria Math" panose="02040503050406030204" pitchFamily="18" charset="0"/>
                             </a:rPr>
                           </m:ctrlPr>
                         </m:sSupPr>
                         <m:e>
                           <m:r>
-                            <a:rPr lang="it-IT" b="0" i="1" smtClean="0">
+                            <a:rPr lang="it-IT" sz="2400" b="0" i="1" smtClean="0">
                               <a:latin typeface="Cambria Math" panose="02040503050406030204" pitchFamily="18" charset="0"/>
                             </a:rPr>
                             <m:t>)</m:t>
@@ -15310,7 +15480,7 @@
                         </m:e>
                         <m:sup>
                           <m:r>
-                            <a:rPr lang="it-IT" b="0" i="1" smtClean="0">
+                            <a:rPr lang="it-IT" sz="2400" b="0" i="1" smtClean="0">
                               <a:latin typeface="Cambria Math" panose="02040503050406030204" pitchFamily="18" charset="0"/>
                             </a:rPr>
                             <m:t>2</m:t>
@@ -15318,7 +15488,7 @@
                         </m:sup>
                       </m:sSup>
                       <m:r>
-                        <a:rPr lang="it-IT" i="1">
+                        <a:rPr lang="it-IT" sz="2400" i="1">
                           <a:latin typeface="Cambria Math" panose="02040503050406030204" pitchFamily="18" charset="0"/>
                         </a:rPr>
                         <m:t>+</m:t>
@@ -15326,14 +15496,14 @@
                       <m:f>
                         <m:fPr>
                           <m:ctrlPr>
-                            <a:rPr lang="it-IT" i="1">
+                            <a:rPr lang="it-IT" sz="2400" i="1">
                               <a:latin typeface="Cambria Math" panose="02040503050406030204" pitchFamily="18" charset="0"/>
                             </a:rPr>
                           </m:ctrlPr>
                         </m:fPr>
                         <m:num>
                           <m:r>
-                            <a:rPr lang="it-IT" i="1">
+                            <a:rPr lang="it-IT" sz="2400" i="1">
                               <a:latin typeface="Cambria Math" panose="02040503050406030204" pitchFamily="18" charset="0"/>
                             </a:rPr>
                             <m:t>1</m:t>
@@ -15341,7 +15511,7 @@
                         </m:num>
                         <m:den>
                           <m:r>
-                            <a:rPr lang="it-IT" i="1">
+                            <a:rPr lang="it-IT" sz="2400" i="1">
                               <a:latin typeface="Cambria Math" panose="02040503050406030204" pitchFamily="18" charset="0"/>
                             </a:rPr>
                             <m:t>2</m:t>
@@ -15352,7 +15522,7 @@
                         <m:accPr>
                           <m:chr m:val="̇"/>
                           <m:ctrlPr>
-                            <a:rPr lang="it-IT" i="1" smtClean="0">
+                            <a:rPr lang="it-IT" sz="2400" i="1" smtClean="0">
                               <a:latin typeface="Cambria Math" panose="02040503050406030204" pitchFamily="18" charset="0"/>
                             </a:rPr>
                           </m:ctrlPr>
@@ -15361,14 +15531,14 @@
                           <m:sSubSup>
                             <m:sSubSupPr>
                               <m:ctrlPr>
-                                <a:rPr lang="it-IT" i="1" smtClean="0">
+                                <a:rPr lang="it-IT" sz="2400" i="1" smtClean="0">
                                   <a:latin typeface="Cambria Math" panose="02040503050406030204" pitchFamily="18" charset="0"/>
                                 </a:rPr>
                               </m:ctrlPr>
                             </m:sSubSupPr>
                             <m:e>
                               <m:r>
-                                <a:rPr lang="it-IT" b="0" i="1" smtClean="0">
+                                <a:rPr lang="it-IT" sz="2400" b="0" i="1" smtClean="0">
                                   <a:latin typeface="Cambria Math" panose="02040503050406030204" pitchFamily="18" charset="0"/>
                                 </a:rPr>
                                 <m:t>𝑞</m:t>
@@ -15376,7 +15546,7 @@
                             </m:e>
                             <m:sub>
                               <m:r>
-                                <a:rPr lang="it-IT" b="0" i="1" smtClean="0">
+                                <a:rPr lang="it-IT" sz="2400" b="0" i="1" smtClean="0">
                                   <a:latin typeface="Cambria Math" panose="02040503050406030204" pitchFamily="18" charset="0"/>
                                 </a:rPr>
                                 <m:t>1</m:t>
@@ -15384,7 +15554,7 @@
                             </m:sub>
                             <m:sup>
                               <m:r>
-                                <a:rPr lang="it-IT" b="0" i="1" smtClean="0">
+                                <a:rPr lang="it-IT" sz="2400" b="0" i="1" smtClean="0">
                                   <a:latin typeface="Cambria Math" panose="02040503050406030204" pitchFamily="18" charset="0"/>
                                 </a:rPr>
                                 <m:t>2</m:t>
@@ -15396,14 +15566,14 @@
                       <m:sSub>
                         <m:sSubPr>
                           <m:ctrlPr>
-                            <a:rPr lang="it-IT" i="1" smtClean="0">
+                            <a:rPr lang="it-IT" sz="2400" i="1" smtClean="0">
                               <a:latin typeface="Cambria Math" panose="02040503050406030204" pitchFamily="18" charset="0"/>
                             </a:rPr>
                           </m:ctrlPr>
                         </m:sSubPr>
                         <m:e>
                           <m:r>
-                            <a:rPr lang="it-IT" b="0" i="1" smtClean="0">
+                            <a:rPr lang="it-IT" sz="2400" b="0" i="1" smtClean="0">
                               <a:latin typeface="Cambria Math" panose="02040503050406030204" pitchFamily="18" charset="0"/>
                             </a:rPr>
                             <m:t>𝐼</m:t>
@@ -15411,7 +15581,7 @@
                         </m:e>
                         <m:sub>
                           <m:r>
-                            <a:rPr lang="it-IT" b="0" i="1" smtClean="0">
+                            <a:rPr lang="it-IT" sz="2400" b="0" i="1" smtClean="0">
                               <a:latin typeface="Cambria Math" panose="02040503050406030204" pitchFamily="18" charset="0"/>
                             </a:rPr>
                             <m:t>𝑧𝑧𝐵</m:t>
@@ -15421,14 +15591,17 @@
                     </m:oMath>
                   </m:oMathPara>
                 </a14:m>
-                <a:endParaRPr lang="it-IT" dirty="0"/>
+                <a:endParaRPr lang="it-IT" sz="2400" dirty="0"/>
               </a:p>
               <a:p>
-                <a:pPr marL="0" indent="0">
+                <a:pPr marL="0" indent="0" algn="just">
+                  <a:lnSpc>
+                    <a:spcPct val="100000"/>
+                  </a:lnSpc>
                   <a:buNone/>
                 </a:pPr>
                 <a:r>
-                  <a:rPr lang="it-IT" dirty="0"/>
+                  <a:rPr lang="it-IT" sz="2400" dirty="0"/>
                   <a:t>Dove </a:t>
                 </a:r>
                 <a14:m>
@@ -15436,14 +15609,14 @@
                     <m:sSub>
                       <m:sSubPr>
                         <m:ctrlPr>
-                          <a:rPr lang="it-IT" i="1" smtClean="0">
+                          <a:rPr lang="it-IT" sz="2400" i="1" smtClean="0">
                             <a:latin typeface="Cambria Math" panose="02040503050406030204" pitchFamily="18" charset="0"/>
                           </a:rPr>
                         </m:ctrlPr>
                       </m:sSubPr>
                       <m:e>
                         <m:r>
-                          <a:rPr lang="it-IT" b="0" i="1" smtClean="0">
+                          <a:rPr lang="it-IT" sz="2400" b="0" i="1" smtClean="0">
                             <a:latin typeface="Cambria Math" panose="02040503050406030204" pitchFamily="18" charset="0"/>
                           </a:rPr>
                           <m:t>𝑀</m:t>
@@ -15451,7 +15624,7 @@
                       </m:e>
                       <m:sub>
                         <m:r>
-                          <a:rPr lang="it-IT" b="0" i="1" smtClean="0">
+                          <a:rPr lang="it-IT" sz="2400" b="0" i="1" smtClean="0">
                             <a:latin typeface="Cambria Math" panose="02040503050406030204" pitchFamily="18" charset="0"/>
                           </a:rPr>
                           <m:t>1</m:t>
@@ -15459,7 +15632,7 @@
                       </m:sub>
                     </m:sSub>
                     <m:r>
-                      <a:rPr lang="it-IT" b="0" i="1" smtClean="0">
+                      <a:rPr lang="it-IT" sz="2400" b="0" i="1" smtClean="0">
                         <a:latin typeface="Cambria Math" panose="02040503050406030204" pitchFamily="18" charset="0"/>
                       </a:rPr>
                       <m:t> è </m:t>
@@ -15467,7 +15640,7 @@
                   </m:oMath>
                 </a14:m>
                 <a:r>
-                  <a:rPr lang="it-IT" dirty="0"/>
+                  <a:rPr lang="it-IT" sz="2400" dirty="0"/>
                   <a:t>la massa della barra, </a:t>
                 </a:r>
                 <a14:m>
@@ -15475,14 +15648,14 @@
                     <m:sSub>
                       <m:sSubPr>
                         <m:ctrlPr>
-                          <a:rPr lang="it-IT" i="1" smtClean="0">
+                          <a:rPr lang="it-IT" sz="2400" i="1" smtClean="0">
                             <a:latin typeface="Cambria Math" panose="02040503050406030204" pitchFamily="18" charset="0"/>
                           </a:rPr>
                         </m:ctrlPr>
                       </m:sSubPr>
                       <m:e>
                         <m:r>
-                          <a:rPr lang="it-IT" b="0" i="1" smtClean="0">
+                          <a:rPr lang="it-IT" sz="2400" b="0" i="1" smtClean="0">
                             <a:latin typeface="Cambria Math" panose="02040503050406030204" pitchFamily="18" charset="0"/>
                           </a:rPr>
                           <m:t>𝐿</m:t>
@@ -15490,7 +15663,7 @@
                       </m:e>
                       <m:sub>
                         <m:r>
-                          <a:rPr lang="it-IT" b="0" i="1" smtClean="0">
+                          <a:rPr lang="it-IT" sz="2400" b="0" i="1" smtClean="0">
                             <a:latin typeface="Cambria Math" panose="02040503050406030204" pitchFamily="18" charset="0"/>
                           </a:rPr>
                           <m:t>1</m:t>
@@ -15498,7 +15671,7 @@
                       </m:sub>
                     </m:sSub>
                     <m:r>
-                      <a:rPr lang="it-IT" b="0" i="1" smtClean="0">
+                      <a:rPr lang="it-IT" sz="2400" b="0" i="1" smtClean="0">
                         <a:latin typeface="Cambria Math" panose="02040503050406030204" pitchFamily="18" charset="0"/>
                       </a:rPr>
                       <m:t> è </m:t>
@@ -15506,7 +15679,7 @@
                   </m:oMath>
                 </a14:m>
                 <a:r>
-                  <a:rPr lang="it-IT" dirty="0"/>
+                  <a:rPr lang="it-IT" sz="2400" dirty="0"/>
                   <a:t>la lunghezza della barra, </a:t>
                 </a:r>
                 <a14:m>
@@ -15514,14 +15687,14 @@
                     <m:sSub>
                       <m:sSubPr>
                         <m:ctrlPr>
-                          <a:rPr lang="it-IT" i="1" smtClean="0">
+                          <a:rPr lang="it-IT" sz="2400" i="1" smtClean="0">
                             <a:latin typeface="Cambria Math" panose="02040503050406030204" pitchFamily="18" charset="0"/>
                           </a:rPr>
                         </m:ctrlPr>
                       </m:sSubPr>
                       <m:e>
                         <m:r>
-                          <a:rPr lang="it-IT" b="0" i="1" smtClean="0">
+                          <a:rPr lang="it-IT" sz="2400" b="0" i="1" smtClean="0">
                             <a:latin typeface="Cambria Math" panose="02040503050406030204" pitchFamily="18" charset="0"/>
                           </a:rPr>
                           <m:t>𝐿</m:t>
@@ -15529,7 +15702,7 @@
                       </m:e>
                       <m:sub>
                         <m:r>
-                          <a:rPr lang="it-IT" b="0" i="1" smtClean="0">
+                          <a:rPr lang="it-IT" sz="2400" b="0" i="1" smtClean="0">
                             <a:latin typeface="Cambria Math" panose="02040503050406030204" pitchFamily="18" charset="0"/>
                           </a:rPr>
                           <m:t>𝐵𝐶</m:t>
@@ -15537,7 +15710,7 @@
                       </m:sub>
                     </m:sSub>
                     <m:r>
-                      <a:rPr lang="it-IT" b="0" i="1" smtClean="0">
+                      <a:rPr lang="it-IT" sz="2400" b="0" i="1" smtClean="0">
                         <a:latin typeface="Cambria Math" panose="02040503050406030204" pitchFamily="18" charset="0"/>
                       </a:rPr>
                       <m:t> è</m:t>
@@ -15545,7 +15718,7 @@
                   </m:oMath>
                 </a14:m>
                 <a:r>
-                  <a:rPr lang="it-IT" dirty="0"/>
+                  <a:rPr lang="it-IT" sz="2400" dirty="0"/>
                   <a:t> la quantità costante di traslazione che mi ha permesso di spostare l’origine del sistema di riferimento della barra nel suo baricentro geometrico e </a:t>
                 </a:r>
                 <a14:m>
@@ -15553,14 +15726,14 @@
                     <m:sSub>
                       <m:sSubPr>
                         <m:ctrlPr>
-                          <a:rPr lang="it-IT" i="1" smtClean="0">
+                          <a:rPr lang="it-IT" sz="2400" i="1" smtClean="0">
                             <a:latin typeface="Cambria Math" panose="02040503050406030204" pitchFamily="18" charset="0"/>
                           </a:rPr>
                         </m:ctrlPr>
                       </m:sSubPr>
                       <m:e>
                         <m:r>
-                          <a:rPr lang="it-IT" b="0" i="1" smtClean="0">
+                          <a:rPr lang="it-IT" sz="2400" b="0" i="1" smtClean="0">
                             <a:latin typeface="Cambria Math" panose="02040503050406030204" pitchFamily="18" charset="0"/>
                           </a:rPr>
                           <m:t>𝐼</m:t>
@@ -15568,7 +15741,7 @@
                       </m:e>
                       <m:sub>
                         <m:r>
-                          <a:rPr lang="it-IT" b="0" i="1" smtClean="0">
+                          <a:rPr lang="it-IT" sz="2400" b="0" i="1" smtClean="0">
                             <a:latin typeface="Cambria Math" panose="02040503050406030204" pitchFamily="18" charset="0"/>
                           </a:rPr>
                           <m:t>𝑧𝑧𝐵</m:t>
@@ -15578,21 +15751,36 @@
                   </m:oMath>
                 </a14:m>
                 <a:r>
-                  <a:rPr lang="it-IT" dirty="0"/>
+                  <a:rPr lang="it-IT" sz="2400" dirty="0"/>
                   <a:t> è il momento di inerzia principale della barra.</a:t>
                 </a:r>
               </a:p>
               <a:p>
-                <a:pPr marL="0" indent="0">
+                <a:pPr marL="0" indent="0" algn="just">
+                  <a:lnSpc>
+                    <a:spcPct val="100000"/>
+                  </a:lnSpc>
                   <a:buNone/>
                 </a:pPr>
                 <a:r>
-                  <a:rPr lang="it-IT" dirty="0"/>
+                  <a:rPr lang="it-IT" sz="2400" dirty="0"/>
                   <a:t>L’energia cinetica del disco è invece data da:</a:t>
                 </a:r>
               </a:p>
               <a:p>
-                <a:pPr marL="0" indent="0">
+                <a:pPr marL="0" indent="0" algn="just">
+                  <a:lnSpc>
+                    <a:spcPct val="100000"/>
+                  </a:lnSpc>
+                  <a:buNone/>
+                </a:pPr>
+                <a:endParaRPr lang="it-IT" sz="2400" dirty="0"/>
+              </a:p>
+              <a:p>
+                <a:pPr marL="0" indent="0" algn="just">
+                  <a:lnSpc>
+                    <a:spcPct val="100000"/>
+                  </a:lnSpc>
                   <a:buNone/>
                 </a:pPr>
                 <a14:m>
@@ -15604,14 +15792,14 @@
                       <m:sSub>
                         <m:sSubPr>
                           <m:ctrlPr>
-                            <a:rPr lang="it-IT" i="1" smtClean="0">
+                            <a:rPr lang="it-IT" sz="2400" i="1" smtClean="0">
                               <a:latin typeface="Cambria Math" panose="02040503050406030204" pitchFamily="18" charset="0"/>
                             </a:rPr>
                           </m:ctrlPr>
                         </m:sSubPr>
                         <m:e>
                           <m:r>
-                            <a:rPr lang="it-IT" b="0" i="1" smtClean="0">
+                            <a:rPr lang="it-IT" sz="2400" b="0" i="1" smtClean="0">
                               <a:latin typeface="Cambria Math" panose="02040503050406030204" pitchFamily="18" charset="0"/>
                             </a:rPr>
                             <m:t>𝑇</m:t>
@@ -15619,7 +15807,7 @@
                         </m:e>
                         <m:sub>
                           <m:r>
-                            <a:rPr lang="it-IT" b="0" i="1" smtClean="0">
+                            <a:rPr lang="it-IT" sz="2400" b="0" i="1" smtClean="0">
                               <a:latin typeface="Cambria Math" panose="02040503050406030204" pitchFamily="18" charset="0"/>
                             </a:rPr>
                             <m:t>𝐷</m:t>
@@ -15627,7 +15815,7 @@
                         </m:sub>
                       </m:sSub>
                       <m:r>
-                        <a:rPr lang="it-IT" i="1">
+                        <a:rPr lang="it-IT" sz="2400" i="1">
                           <a:latin typeface="Cambria Math" panose="02040503050406030204" pitchFamily="18" charset="0"/>
                         </a:rPr>
                         <m:t>=</m:t>
@@ -15635,14 +15823,14 @@
                       <m:sSub>
                         <m:sSubPr>
                           <m:ctrlPr>
-                            <a:rPr lang="it-IT" i="1">
+                            <a:rPr lang="it-IT" sz="2400" i="1">
                               <a:latin typeface="Cambria Math" panose="02040503050406030204" pitchFamily="18" charset="0"/>
                             </a:rPr>
                           </m:ctrlPr>
                         </m:sSubPr>
                         <m:e>
                           <m:r>
-                            <a:rPr lang="it-IT" i="1">
+                            <a:rPr lang="it-IT" sz="2400" i="1">
                               <a:latin typeface="Cambria Math" panose="02040503050406030204" pitchFamily="18" charset="0"/>
                             </a:rPr>
                             <m:t>𝑇</m:t>
@@ -15650,7 +15838,7 @@
                         </m:e>
                         <m:sub>
                           <m:r>
-                            <a:rPr lang="it-IT" i="1">
+                            <a:rPr lang="it-IT" sz="2400" i="1">
                               <a:latin typeface="Cambria Math" panose="02040503050406030204" pitchFamily="18" charset="0"/>
                             </a:rPr>
                             <m:t>𝑡</m:t>
@@ -15658,7 +15846,7 @@
                         </m:sub>
                       </m:sSub>
                       <m:r>
-                        <a:rPr lang="it-IT" i="1">
+                        <a:rPr lang="it-IT" sz="2400" i="1">
                           <a:latin typeface="Cambria Math" panose="02040503050406030204" pitchFamily="18" charset="0"/>
                         </a:rPr>
                         <m:t>+</m:t>
@@ -15666,14 +15854,14 @@
                       <m:sSub>
                         <m:sSubPr>
                           <m:ctrlPr>
-                            <a:rPr lang="it-IT" i="1">
+                            <a:rPr lang="it-IT" sz="2400" i="1">
                               <a:latin typeface="Cambria Math" panose="02040503050406030204" pitchFamily="18" charset="0"/>
                             </a:rPr>
                           </m:ctrlPr>
                         </m:sSubPr>
                         <m:e>
                           <m:r>
-                            <a:rPr lang="it-IT" i="1">
+                            <a:rPr lang="it-IT" sz="2400" i="1">
                               <a:latin typeface="Cambria Math" panose="02040503050406030204" pitchFamily="18" charset="0"/>
                             </a:rPr>
                             <m:t>𝑇</m:t>
@@ -15681,7 +15869,7 @@
                         </m:e>
                         <m:sub>
                           <m:r>
-                            <a:rPr lang="it-IT" i="1">
+                            <a:rPr lang="it-IT" sz="2400" i="1">
                               <a:latin typeface="Cambria Math" panose="02040503050406030204" pitchFamily="18" charset="0"/>
                             </a:rPr>
                             <m:t>𝑟</m:t>
@@ -15689,7 +15877,7 @@
                         </m:sub>
                       </m:sSub>
                       <m:r>
-                        <a:rPr lang="it-IT" i="1">
+                        <a:rPr lang="it-IT" sz="2400" i="1">
                           <a:latin typeface="Cambria Math" panose="02040503050406030204" pitchFamily="18" charset="0"/>
                         </a:rPr>
                         <m:t>=</m:t>
@@ -15697,14 +15885,14 @@
                       <m:f>
                         <m:fPr>
                           <m:ctrlPr>
-                            <a:rPr lang="it-IT" i="1" smtClean="0">
+                            <a:rPr lang="it-IT" sz="2400" i="1" smtClean="0">
                               <a:latin typeface="Cambria Math" panose="02040503050406030204" pitchFamily="18" charset="0"/>
                             </a:rPr>
                           </m:ctrlPr>
                         </m:fPr>
                         <m:num>
                           <m:r>
-                            <a:rPr lang="it-IT" b="0" i="1" smtClean="0">
+                            <a:rPr lang="it-IT" sz="2400" b="0" i="1" smtClean="0">
                               <a:latin typeface="Cambria Math" panose="02040503050406030204" pitchFamily="18" charset="0"/>
                             </a:rPr>
                             <m:t>1</m:t>
@@ -15712,7 +15900,7 @@
                         </m:num>
                         <m:den>
                           <m:r>
-                            <a:rPr lang="it-IT" b="0" i="1" smtClean="0">
+                            <a:rPr lang="it-IT" sz="2400" b="0" i="1" smtClean="0">
                               <a:latin typeface="Cambria Math" panose="02040503050406030204" pitchFamily="18" charset="0"/>
                             </a:rPr>
                             <m:t>2</m:t>
@@ -15722,14 +15910,14 @@
                       <m:sSub>
                         <m:sSubPr>
                           <m:ctrlPr>
-                            <a:rPr lang="it-IT" i="1">
+                            <a:rPr lang="it-IT" sz="2400" i="1">
                               <a:latin typeface="Cambria Math" panose="02040503050406030204" pitchFamily="18" charset="0"/>
                             </a:rPr>
                           </m:ctrlPr>
                         </m:sSubPr>
                         <m:e>
                           <m:r>
-                            <a:rPr lang="it-IT" i="1">
+                            <a:rPr lang="it-IT" sz="2400" i="1">
                               <a:latin typeface="Cambria Math" panose="02040503050406030204" pitchFamily="18" charset="0"/>
                             </a:rPr>
                             <m:t>𝑀</m:t>
@@ -15737,7 +15925,7 @@
                         </m:e>
                         <m:sub>
                           <m:r>
-                            <a:rPr lang="it-IT" b="0" i="1" smtClean="0">
+                            <a:rPr lang="it-IT" sz="2400" b="0" i="1" smtClean="0">
                               <a:latin typeface="Cambria Math" panose="02040503050406030204" pitchFamily="18" charset="0"/>
                             </a:rPr>
                             <m:t>2</m:t>
@@ -15747,7 +15935,7 @@
                       <m:sSubSup>
                         <m:sSubSupPr>
                           <m:ctrlPr>
-                            <a:rPr lang="it-IT" i="1">
+                            <a:rPr lang="it-IT" sz="2400" i="1">
                               <a:latin typeface="Cambria Math" panose="02040503050406030204" pitchFamily="18" charset="0"/>
                             </a:rPr>
                           </m:ctrlPr>
@@ -15757,14 +15945,14 @@
                             <m:accPr>
                               <m:chr m:val="̇"/>
                               <m:ctrlPr>
-                                <a:rPr lang="it-IT" i="1">
+                                <a:rPr lang="it-IT" sz="2400" i="1">
                                   <a:latin typeface="Cambria Math" panose="02040503050406030204" pitchFamily="18" charset="0"/>
                                 </a:rPr>
                               </m:ctrlPr>
                             </m:accPr>
                             <m:e>
                               <m:r>
-                                <a:rPr lang="it-IT" i="1">
+                                <a:rPr lang="it-IT" sz="2400" i="1">
                                   <a:latin typeface="Cambria Math" panose="02040503050406030204" pitchFamily="18" charset="0"/>
                                 </a:rPr>
                                 <m:t>𝑞</m:t>
@@ -15774,7 +15962,7 @@
                         </m:e>
                         <m:sub>
                           <m:r>
-                            <a:rPr lang="it-IT" i="1">
+                            <a:rPr lang="it-IT" sz="2400" i="1">
                               <a:latin typeface="Cambria Math" panose="02040503050406030204" pitchFamily="18" charset="0"/>
                             </a:rPr>
                             <m:t>1</m:t>
@@ -15782,7 +15970,7 @@
                         </m:sub>
                         <m:sup>
                           <m:r>
-                            <a:rPr lang="it-IT" i="1">
+                            <a:rPr lang="it-IT" sz="2400" i="1">
                               <a:latin typeface="Cambria Math" panose="02040503050406030204" pitchFamily="18" charset="0"/>
                             </a:rPr>
                             <m:t>2</m:t>
@@ -15792,14 +15980,14 @@
                       <m:sSubSup>
                         <m:sSubSupPr>
                           <m:ctrlPr>
-                            <a:rPr lang="it-IT" i="1" smtClean="0">
+                            <a:rPr lang="it-IT" sz="2400" i="1" smtClean="0">
                               <a:latin typeface="Cambria Math" panose="02040503050406030204" pitchFamily="18" charset="0"/>
                             </a:rPr>
                           </m:ctrlPr>
                         </m:sSubSupPr>
                         <m:e>
                           <m:r>
-                            <a:rPr lang="it-IT" b="0" i="1" smtClean="0">
+                            <a:rPr lang="it-IT" sz="2400" b="0" i="1" smtClean="0">
                               <a:latin typeface="Cambria Math" panose="02040503050406030204" pitchFamily="18" charset="0"/>
                             </a:rPr>
                             <m:t>𝐿</m:t>
@@ -15807,7 +15995,7 @@
                         </m:e>
                         <m:sub>
                           <m:r>
-                            <a:rPr lang="it-IT" b="0" i="1" smtClean="0">
+                            <a:rPr lang="it-IT" sz="2400" b="0" i="1" smtClean="0">
                               <a:latin typeface="Cambria Math" panose="02040503050406030204" pitchFamily="18" charset="0"/>
                             </a:rPr>
                             <m:t>1</m:t>
@@ -15815,7 +16003,7 @@
                         </m:sub>
                         <m:sup>
                           <m:r>
-                            <a:rPr lang="it-IT" b="0" i="1" smtClean="0">
+                            <a:rPr lang="it-IT" sz="2400" b="0" i="1" smtClean="0">
                               <a:latin typeface="Cambria Math" panose="02040503050406030204" pitchFamily="18" charset="0"/>
                             </a:rPr>
                             <m:t>2</m:t>
@@ -15823,7 +16011,7 @@
                         </m:sup>
                       </m:sSubSup>
                       <m:r>
-                        <a:rPr lang="it-IT" i="1">
+                        <a:rPr lang="it-IT" sz="2400" i="1">
                           <a:latin typeface="Cambria Math" panose="02040503050406030204" pitchFamily="18" charset="0"/>
                         </a:rPr>
                         <m:t>+</m:t>
@@ -15831,14 +16019,14 @@
                       <m:f>
                         <m:fPr>
                           <m:ctrlPr>
-                            <a:rPr lang="it-IT" i="1">
+                            <a:rPr lang="it-IT" sz="2400" i="1">
                               <a:latin typeface="Cambria Math" panose="02040503050406030204" pitchFamily="18" charset="0"/>
                             </a:rPr>
                           </m:ctrlPr>
                         </m:fPr>
                         <m:num>
                           <m:r>
-                            <a:rPr lang="it-IT" i="1">
+                            <a:rPr lang="it-IT" sz="2400" i="1">
                               <a:latin typeface="Cambria Math" panose="02040503050406030204" pitchFamily="18" charset="0"/>
                             </a:rPr>
                             <m:t>1</m:t>
@@ -15846,7 +16034,7 @@
                         </m:num>
                         <m:den>
                           <m:r>
-                            <a:rPr lang="it-IT" i="1">
+                            <a:rPr lang="it-IT" sz="2400" i="1">
                               <a:latin typeface="Cambria Math" panose="02040503050406030204" pitchFamily="18" charset="0"/>
                             </a:rPr>
                             <m:t>2</m:t>
@@ -15854,7 +16042,7 @@
                         </m:den>
                       </m:f>
                       <m:r>
-                        <a:rPr lang="it-IT" b="0" i="1" smtClean="0">
+                        <a:rPr lang="it-IT" sz="2400" b="0" i="1" smtClean="0">
                           <a:latin typeface="Cambria Math" panose="02040503050406030204" pitchFamily="18" charset="0"/>
                         </a:rPr>
                         <m:t>(</m:t>
@@ -15862,7 +16050,7 @@
                       <m:sSub>
                         <m:sSubPr>
                           <m:ctrlPr>
-                            <a:rPr lang="it-IT" b="0" i="1" smtClean="0">
+                            <a:rPr lang="it-IT" sz="2400" b="0" i="1" smtClean="0">
                               <a:latin typeface="Cambria Math" panose="02040503050406030204" pitchFamily="18" charset="0"/>
                             </a:rPr>
                           </m:ctrlPr>
@@ -15872,14 +16060,14 @@
                             <m:accPr>
                               <m:chr m:val="̇"/>
                               <m:ctrlPr>
-                                <a:rPr lang="it-IT" b="0" i="1" smtClean="0">
+                                <a:rPr lang="it-IT" sz="2400" b="0" i="1" smtClean="0">
                                   <a:latin typeface="Cambria Math" panose="02040503050406030204" pitchFamily="18" charset="0"/>
                                 </a:rPr>
                               </m:ctrlPr>
                             </m:accPr>
                             <m:e>
                               <m:r>
-                                <a:rPr lang="it-IT" b="0" i="1" smtClean="0">
+                                <a:rPr lang="it-IT" sz="2400" b="0" i="1" smtClean="0">
                                   <a:latin typeface="Cambria Math" panose="02040503050406030204" pitchFamily="18" charset="0"/>
                                 </a:rPr>
                                 <m:t>𝑞</m:t>
@@ -15889,7 +16077,7 @@
                         </m:e>
                         <m:sub>
                           <m:r>
-                            <a:rPr lang="it-IT" b="0" i="1" smtClean="0">
+                            <a:rPr lang="it-IT" sz="2400" b="0" i="1" smtClean="0">
                               <a:latin typeface="Cambria Math" panose="02040503050406030204" pitchFamily="18" charset="0"/>
                             </a:rPr>
                             <m:t>1</m:t>
@@ -15897,7 +16085,7 @@
                         </m:sub>
                       </m:sSub>
                       <m:r>
-                        <a:rPr lang="it-IT" b="0" i="1" smtClean="0">
+                        <a:rPr lang="it-IT" sz="2400" b="0" i="1" smtClean="0">
                           <a:latin typeface="Cambria Math" panose="02040503050406030204" pitchFamily="18" charset="0"/>
                         </a:rPr>
                         <m:t>+</m:t>
@@ -15905,7 +16093,7 @@
                       <m:sSub>
                         <m:sSubPr>
                           <m:ctrlPr>
-                            <a:rPr lang="it-IT" b="0" i="1" smtClean="0">
+                            <a:rPr lang="it-IT" sz="2400" b="0" i="1" smtClean="0">
                               <a:latin typeface="Cambria Math" panose="02040503050406030204" pitchFamily="18" charset="0"/>
                             </a:rPr>
                           </m:ctrlPr>
@@ -15915,14 +16103,14 @@
                             <m:accPr>
                               <m:chr m:val="̇"/>
                               <m:ctrlPr>
-                                <a:rPr lang="it-IT" b="0" i="1" smtClean="0">
+                                <a:rPr lang="it-IT" sz="2400" b="0" i="1" smtClean="0">
                                   <a:latin typeface="Cambria Math" panose="02040503050406030204" pitchFamily="18" charset="0"/>
                                 </a:rPr>
                               </m:ctrlPr>
                             </m:accPr>
                             <m:e>
                               <m:r>
-                                <a:rPr lang="it-IT" b="0" i="1" smtClean="0">
+                                <a:rPr lang="it-IT" sz="2400" b="0" i="1" smtClean="0">
                                   <a:latin typeface="Cambria Math" panose="02040503050406030204" pitchFamily="18" charset="0"/>
                                 </a:rPr>
                                 <m:t>𝑞</m:t>
@@ -15932,7 +16120,7 @@
                         </m:e>
                         <m:sub>
                           <m:r>
-                            <a:rPr lang="it-IT" b="0" i="1" smtClean="0">
+                            <a:rPr lang="it-IT" sz="2400" b="0" i="1" smtClean="0">
                               <a:latin typeface="Cambria Math" panose="02040503050406030204" pitchFamily="18" charset="0"/>
                             </a:rPr>
                             <m:t>2</m:t>
@@ -15942,14 +16130,14 @@
                       <m:sSup>
                         <m:sSupPr>
                           <m:ctrlPr>
-                            <a:rPr lang="it-IT" b="0" i="1" smtClean="0">
+                            <a:rPr lang="it-IT" sz="2400" b="0" i="1" smtClean="0">
                               <a:latin typeface="Cambria Math" panose="02040503050406030204" pitchFamily="18" charset="0"/>
                             </a:rPr>
                           </m:ctrlPr>
                         </m:sSupPr>
                         <m:e>
                           <m:r>
-                            <a:rPr lang="it-IT" b="0" i="1" smtClean="0">
+                            <a:rPr lang="it-IT" sz="2400" b="0" i="1" smtClean="0">
                               <a:latin typeface="Cambria Math" panose="02040503050406030204" pitchFamily="18" charset="0"/>
                             </a:rPr>
                             <m:t>)</m:t>
@@ -15957,7 +16145,7 @@
                         </m:e>
                         <m:sup>
                           <m:r>
-                            <a:rPr lang="it-IT" b="0" i="1" smtClean="0">
+                            <a:rPr lang="it-IT" sz="2400" b="0" i="1" smtClean="0">
                               <a:latin typeface="Cambria Math" panose="02040503050406030204" pitchFamily="18" charset="0"/>
                             </a:rPr>
                             <m:t>2</m:t>
@@ -15967,14 +16155,14 @@
                       <m:sSub>
                         <m:sSubPr>
                           <m:ctrlPr>
-                            <a:rPr lang="it-IT" b="0" i="1" smtClean="0">
+                            <a:rPr lang="it-IT" sz="2400" b="0" i="1" smtClean="0">
                               <a:latin typeface="Cambria Math" panose="02040503050406030204" pitchFamily="18" charset="0"/>
                             </a:rPr>
                           </m:ctrlPr>
                         </m:sSubPr>
                         <m:e>
                           <m:r>
-                            <a:rPr lang="it-IT" b="0" i="1" smtClean="0">
+                            <a:rPr lang="it-IT" sz="2400" b="0" i="1" smtClean="0">
                               <a:latin typeface="Cambria Math" panose="02040503050406030204" pitchFamily="18" charset="0"/>
                             </a:rPr>
                             <m:t>𝐼</m:t>
@@ -15982,7 +16170,7 @@
                         </m:e>
                         <m:sub>
                           <m:r>
-                            <a:rPr lang="it-IT" b="0" i="1" smtClean="0">
+                            <a:rPr lang="it-IT" sz="2400" b="0" i="1" smtClean="0">
                               <a:latin typeface="Cambria Math" panose="02040503050406030204" pitchFamily="18" charset="0"/>
                             </a:rPr>
                             <m:t>𝑧𝑧𝐷</m:t>
@@ -15992,14 +16180,17 @@
                     </m:oMath>
                   </m:oMathPara>
                 </a14:m>
-                <a:endParaRPr lang="it-IT" dirty="0"/>
+                <a:endParaRPr lang="it-IT" sz="2400" dirty="0"/>
               </a:p>
               <a:p>
-                <a:pPr marL="0" indent="0">
+                <a:pPr marL="0" indent="0" algn="just">
+                  <a:lnSpc>
+                    <a:spcPct val="100000"/>
+                  </a:lnSpc>
                   <a:buNone/>
                 </a:pPr>
                 <a:r>
-                  <a:rPr lang="it-IT" dirty="0"/>
+                  <a:rPr lang="it-IT" sz="2400" dirty="0"/>
                   <a:t>Dove </a:t>
                 </a:r>
                 <a14:m>
@@ -16007,14 +16198,14 @@
                     <m:sSub>
                       <m:sSubPr>
                         <m:ctrlPr>
-                          <a:rPr lang="it-IT" i="1">
+                          <a:rPr lang="it-IT" sz="2400" i="1">
                             <a:latin typeface="Cambria Math" panose="02040503050406030204" pitchFamily="18" charset="0"/>
                           </a:rPr>
                         </m:ctrlPr>
                       </m:sSubPr>
                       <m:e>
                         <m:r>
-                          <a:rPr lang="it-IT" i="1">
+                          <a:rPr lang="it-IT" sz="2400" i="1">
                             <a:latin typeface="Cambria Math" panose="02040503050406030204" pitchFamily="18" charset="0"/>
                           </a:rPr>
                           <m:t>𝑀</m:t>
@@ -16022,7 +16213,7 @@
                       </m:e>
                       <m:sub>
                         <m:r>
-                          <a:rPr lang="it-IT" b="0" i="1" smtClean="0">
+                          <a:rPr lang="it-IT" sz="2400" b="0" i="1" smtClean="0">
                             <a:latin typeface="Cambria Math" panose="02040503050406030204" pitchFamily="18" charset="0"/>
                           </a:rPr>
                           <m:t>2</m:t>
@@ -16030,7 +16221,7 @@
                       </m:sub>
                     </m:sSub>
                     <m:r>
-                      <a:rPr lang="it-IT" i="1">
+                      <a:rPr lang="it-IT" sz="2400" i="1">
                         <a:latin typeface="Cambria Math" panose="02040503050406030204" pitchFamily="18" charset="0"/>
                       </a:rPr>
                       <m:t> è </m:t>
@@ -16038,7 +16229,7 @@
                   </m:oMath>
                 </a14:m>
                 <a:r>
-                  <a:rPr lang="it-IT" dirty="0"/>
+                  <a:rPr lang="it-IT" sz="2400" dirty="0"/>
                   <a:t>la massa del disco e </a:t>
                 </a:r>
                 <a14:m>
@@ -16046,14 +16237,14 @@
                     <m:sSub>
                       <m:sSubPr>
                         <m:ctrlPr>
-                          <a:rPr lang="it-IT" i="1">
+                          <a:rPr lang="it-IT" sz="2400" i="1">
                             <a:latin typeface="Cambria Math" panose="02040503050406030204" pitchFamily="18" charset="0"/>
                           </a:rPr>
                         </m:ctrlPr>
                       </m:sSubPr>
                       <m:e>
                         <m:r>
-                          <a:rPr lang="it-IT" i="1">
+                          <a:rPr lang="it-IT" sz="2400" i="1">
                             <a:latin typeface="Cambria Math" panose="02040503050406030204" pitchFamily="18" charset="0"/>
                           </a:rPr>
                           <m:t>𝐼</m:t>
@@ -16061,13 +16252,13 @@
                       </m:e>
                       <m:sub>
                         <m:r>
-                          <a:rPr lang="it-IT" i="1">
+                          <a:rPr lang="it-IT" sz="2400" i="1">
                             <a:latin typeface="Cambria Math" panose="02040503050406030204" pitchFamily="18" charset="0"/>
                           </a:rPr>
                           <m:t>𝑧𝑧</m:t>
                         </m:r>
                         <m:r>
-                          <a:rPr lang="it-IT" b="0" i="1" smtClean="0">
+                          <a:rPr lang="it-IT" sz="2400" b="0" i="1" smtClean="0">
                             <a:latin typeface="Cambria Math" panose="02040503050406030204" pitchFamily="18" charset="0"/>
                           </a:rPr>
                           <m:t>𝐷</m:t>
@@ -16077,7 +16268,7 @@
                   </m:oMath>
                 </a14:m>
                 <a:r>
-                  <a:rPr lang="it-IT" dirty="0"/>
+                  <a:rPr lang="it-IT" sz="2400" dirty="0"/>
                   <a:t> è il momento di inerzia principale del disco.</a:t>
                 </a:r>
               </a:p>
@@ -16090,7 +16281,7 @@
             </p:txBody>
           </p:sp>
         </mc:Choice>
-        <mc:Fallback xmlns="">
+        <mc:Fallback>
           <p:sp>
             <p:nvSpPr>
               <p:cNvPr id="3" name="Segnaposto contenuto 2">
@@ -16109,13 +16300,13 @@
             </p:nvSpPr>
             <p:spPr>
               <a:xfrm>
-                <a:off x="1557908" y="116632"/>
+                <a:off x="1485900" y="116632"/>
                 <a:ext cx="9782801" cy="6624736"/>
               </a:xfrm>
               <a:blipFill>
                 <a:blip r:embed="rId2"/>
                 <a:stretch>
-                  <a:fillRect l="-1309" t="-1564" r="-2743"/>
+                  <a:fillRect l="-997" t="-736" r="-935"/>
                 </a:stretch>
               </a:blipFill>
             </p:spPr>
@@ -16204,8 +16395,8 @@
           </a:p>
         </p:txBody>
       </p:sp>
-      <mc:AlternateContent xmlns:mc="http://schemas.openxmlformats.org/markup-compatibility/2006" xmlns:a14="http://schemas.microsoft.com/office/drawing/2010/main">
-        <mc:Choice Requires="a14">
+      <mc:AlternateContent xmlns:mc="http://schemas.openxmlformats.org/markup-compatibility/2006">
+        <mc:Choice xmlns:a14="http://schemas.microsoft.com/office/drawing/2010/main" Requires="a14">
           <p:sp>
             <p:nvSpPr>
               <p:cNvPr id="3" name="Segnaposto contenuto 2">
@@ -16224,7 +16415,7 @@
             </p:nvSpPr>
             <p:spPr>
               <a:xfrm>
-                <a:off x="1593436" y="1600200"/>
+                <a:off x="1593436" y="1417637"/>
                 <a:ext cx="9782801" cy="5257800"/>
               </a:xfrm>
             </p:spPr>
@@ -16232,14 +16423,14 @@
               <a:bodyPr/>
               <a:lstStyle/>
               <a:p>
-                <a:pPr marL="0" indent="0">
+                <a:pPr marL="0" indent="0" algn="just">
                   <a:lnSpc>
                     <a:spcPct val="100000"/>
                   </a:lnSpc>
                   <a:buNone/>
                 </a:pPr>
                 <a:r>
-                  <a:rPr lang="it-IT" dirty="0"/>
+                  <a:rPr lang="it-IT" sz="2400" dirty="0"/>
                   <a:t>L’energia potenziale di un corpo rigido in </a:t>
                 </a:r>
                 <a14:m>
@@ -16247,14 +16438,14 @@
                     <m:sSup>
                       <m:sSupPr>
                         <m:ctrlPr>
-                          <a:rPr lang="it-IT" i="1" smtClean="0">
+                          <a:rPr lang="it-IT" sz="2400" i="1" smtClean="0">
                             <a:latin typeface="Cambria Math" panose="02040503050406030204" pitchFamily="18" charset="0"/>
                           </a:rPr>
                         </m:ctrlPr>
                       </m:sSupPr>
                       <m:e>
                         <m:r>
-                          <a:rPr lang="it-IT" b="0" i="1" smtClean="0">
+                          <a:rPr lang="it-IT" sz="2400" b="0" i="1" smtClean="0">
                             <a:latin typeface="Cambria Math" panose="02040503050406030204" pitchFamily="18" charset="0"/>
                           </a:rPr>
                           <m:t>𝑅</m:t>
@@ -16262,7 +16453,7 @@
                       </m:e>
                       <m:sup>
                         <m:r>
-                          <a:rPr lang="it-IT" b="0" i="1" smtClean="0">
+                          <a:rPr lang="it-IT" sz="2400" b="0" i="1" smtClean="0">
                             <a:latin typeface="Cambria Math" panose="02040503050406030204" pitchFamily="18" charset="0"/>
                           </a:rPr>
                           <m:t>3</m:t>
@@ -16270,7 +16461,7 @@
                       </m:sup>
                     </m:sSup>
                     <m:r>
-                      <a:rPr lang="it-IT" b="0" i="1" smtClean="0">
+                      <a:rPr lang="it-IT" sz="2400" b="0" i="1" smtClean="0">
                         <a:latin typeface="Cambria Math" panose="02040503050406030204" pitchFamily="18" charset="0"/>
                       </a:rPr>
                       <m:t> è</m:t>
@@ -16278,12 +16469,21 @@
                   </m:oMath>
                 </a14:m>
                 <a:r>
-                  <a:rPr lang="it-IT" dirty="0"/>
+                  <a:rPr lang="it-IT" sz="2400" dirty="0"/>
                   <a:t> data da:</a:t>
                 </a:r>
               </a:p>
               <a:p>
-                <a:pPr marL="0" indent="0">
+                <a:pPr marL="0" indent="0" algn="just">
+                  <a:lnSpc>
+                    <a:spcPct val="100000"/>
+                  </a:lnSpc>
+                  <a:buNone/>
+                </a:pPr>
+                <a:endParaRPr lang="it-IT" sz="2400" dirty="0"/>
+              </a:p>
+              <a:p>
+                <a:pPr marL="0" indent="0" algn="just">
                   <a:lnSpc>
                     <a:spcPct val="100000"/>
                   </a:lnSpc>
@@ -16296,19 +16496,19 @@
                     </m:oMathParaPr>
                     <m:oMath xmlns:m="http://schemas.openxmlformats.org/officeDocument/2006/math">
                       <m:r>
-                        <a:rPr lang="it-IT" b="0" i="1" smtClean="0">
+                        <a:rPr lang="it-IT" sz="2400" b="0" i="1" smtClean="0">
                           <a:latin typeface="Cambria Math" panose="02040503050406030204" pitchFamily="18" charset="0"/>
                         </a:rPr>
                         <m:t>𝑈</m:t>
                       </m:r>
                       <m:r>
-                        <a:rPr lang="it-IT" b="0" i="1" smtClean="0">
+                        <a:rPr lang="it-IT" sz="2400" b="0" i="1" smtClean="0">
                           <a:latin typeface="Cambria Math" panose="02040503050406030204" pitchFamily="18" charset="0"/>
                         </a:rPr>
                         <m:t>=−</m:t>
                       </m:r>
                       <m:r>
-                        <a:rPr lang="it-IT" b="0" i="1" smtClean="0">
+                        <a:rPr lang="it-IT" sz="2400" b="0" i="1" smtClean="0">
                           <a:latin typeface="Cambria Math" panose="02040503050406030204" pitchFamily="18" charset="0"/>
                         </a:rPr>
                         <m:t>𝑀</m:t>
@@ -16316,14 +16516,14 @@
                       <m:sSup>
                         <m:sSupPr>
                           <m:ctrlPr>
-                            <a:rPr lang="it-IT" b="0" i="1" smtClean="0">
+                            <a:rPr lang="it-IT" sz="2400" b="0" i="1" smtClean="0">
                               <a:latin typeface="Cambria Math" panose="02040503050406030204" pitchFamily="18" charset="0"/>
                             </a:rPr>
                           </m:ctrlPr>
                         </m:sSupPr>
                         <m:e>
                           <m:r>
-                            <a:rPr lang="it-IT" b="0" i="1" smtClean="0">
+                            <a:rPr lang="it-IT" sz="2400" b="0" i="1" smtClean="0">
                               <a:latin typeface="Cambria Math" panose="02040503050406030204" pitchFamily="18" charset="0"/>
                             </a:rPr>
                             <m:t>𝑔</m:t>
@@ -16331,7 +16531,7 @@
                         </m:e>
                         <m:sup>
                           <m:r>
-                            <a:rPr lang="it-IT" b="0" i="1" smtClean="0">
+                            <a:rPr lang="it-IT" sz="2400" b="0" i="1" smtClean="0">
                               <a:latin typeface="Cambria Math" panose="02040503050406030204" pitchFamily="18" charset="0"/>
                             </a:rPr>
                             <m:t>𝑇</m:t>
@@ -16342,7 +16542,7 @@
                         <m:rPr>
                           <m:sty m:val="p"/>
                         </m:rPr>
-                        <a:rPr lang="it-IT" b="0" i="0" smtClean="0">
+                        <a:rPr lang="it-IT" sz="2400" b="0" i="0" smtClean="0">
                           <a:latin typeface="Cambria Math" panose="02040503050406030204" pitchFamily="18" charset="0"/>
                         </a:rPr>
                         <m:t>d</m:t>
@@ -16350,34 +16550,43 @@
                     </m:oMath>
                   </m:oMathPara>
                 </a14:m>
-                <a:endParaRPr lang="it-IT" dirty="0"/>
+                <a:endParaRPr lang="it-IT" sz="2400" dirty="0"/>
               </a:p>
               <a:p>
-                <a:pPr marL="0" indent="0">
+                <a:pPr marL="0" indent="0" algn="just">
                   <a:lnSpc>
                     <a:spcPct val="100000"/>
                   </a:lnSpc>
                   <a:buNone/>
                 </a:pPr>
                 <a:r>
-                  <a:rPr lang="it-IT" dirty="0"/>
+                  <a:rPr lang="it-IT" sz="2400" dirty="0"/>
                   <a:t>dove g è il vettore di gravità nel sistema di riferimento inerziale.</a:t>
                 </a:r>
               </a:p>
               <a:p>
-                <a:pPr marL="0" indent="0">
+                <a:pPr marL="0" indent="0" algn="just">
                   <a:lnSpc>
                     <a:spcPct val="100000"/>
                   </a:lnSpc>
                   <a:buNone/>
                 </a:pPr>
                 <a:r>
-                  <a:rPr lang="it-IT" dirty="0"/>
+                  <a:rPr lang="it-IT" sz="2400" dirty="0"/>
                   <a:t>Nel caso del pendolo inverso ho che l’energia potenziale della barra è pari a:</a:t>
                 </a:r>
               </a:p>
               <a:p>
-                <a:pPr marL="0" indent="0">
+                <a:pPr marL="0" indent="0" algn="just">
+                  <a:lnSpc>
+                    <a:spcPct val="100000"/>
+                  </a:lnSpc>
+                  <a:buNone/>
+                </a:pPr>
+                <a:endParaRPr lang="it-IT" sz="2400" dirty="0"/>
+              </a:p>
+              <a:p>
+                <a:pPr marL="0" indent="0" algn="just">
                   <a:lnSpc>
                     <a:spcPct val="100000"/>
                   </a:lnSpc>
@@ -16392,14 +16601,14 @@
                       <m:sSub>
                         <m:sSubPr>
                           <m:ctrlPr>
-                            <a:rPr lang="it-IT" i="1" smtClean="0">
+                            <a:rPr lang="it-IT" sz="2400" i="1" smtClean="0">
                               <a:latin typeface="Cambria Math" panose="02040503050406030204" pitchFamily="18" charset="0"/>
                             </a:rPr>
                           </m:ctrlPr>
                         </m:sSubPr>
                         <m:e>
                           <m:r>
-                            <a:rPr lang="it-IT" b="0" i="1" smtClean="0">
+                            <a:rPr lang="it-IT" sz="2400" b="0" i="1" smtClean="0">
                               <a:latin typeface="Cambria Math" panose="02040503050406030204" pitchFamily="18" charset="0"/>
                             </a:rPr>
                             <m:t>𝑈</m:t>
@@ -16407,7 +16616,7 @@
                         </m:e>
                         <m:sub>
                           <m:r>
-                            <a:rPr lang="it-IT" b="0" i="1" smtClean="0">
+                            <a:rPr lang="it-IT" sz="2400" b="0" i="1" smtClean="0">
                               <a:latin typeface="Cambria Math" panose="02040503050406030204" pitchFamily="18" charset="0"/>
                             </a:rPr>
                             <m:t>𝐵</m:t>
@@ -16415,13 +16624,13 @@
                         </m:sub>
                       </m:sSub>
                       <m:r>
-                        <a:rPr lang="it-IT" b="0" i="1" smtClean="0">
+                        <a:rPr lang="it-IT" sz="2400" b="0" i="1" smtClean="0">
                           <a:latin typeface="Cambria Math" panose="02040503050406030204" pitchFamily="18" charset="0"/>
                         </a:rPr>
                         <m:t>=</m:t>
                       </m:r>
                       <m:r>
-                        <a:rPr lang="it-IT" b="0" i="1" smtClean="0">
+                        <a:rPr lang="it-IT" sz="2400" b="0" i="1" smtClean="0">
                           <a:latin typeface="Cambria Math" panose="02040503050406030204" pitchFamily="18" charset="0"/>
                         </a:rPr>
                         <m:t>𝑔</m:t>
@@ -16429,14 +16638,14 @@
                       <m:sSub>
                         <m:sSubPr>
                           <m:ctrlPr>
-                            <a:rPr lang="it-IT" b="0" i="1" smtClean="0">
+                            <a:rPr lang="it-IT" sz="2400" b="0" i="1" smtClean="0">
                               <a:latin typeface="Cambria Math" panose="02040503050406030204" pitchFamily="18" charset="0"/>
                             </a:rPr>
                           </m:ctrlPr>
                         </m:sSubPr>
                         <m:e>
                           <m:r>
-                            <a:rPr lang="it-IT" b="0" i="1" smtClean="0">
+                            <a:rPr lang="it-IT" sz="2400" b="0" i="1" smtClean="0">
                               <a:latin typeface="Cambria Math" panose="02040503050406030204" pitchFamily="18" charset="0"/>
                             </a:rPr>
                             <m:t>𝑀</m:t>
@@ -16444,7 +16653,7 @@
                         </m:e>
                         <m:sub>
                           <m:r>
-                            <a:rPr lang="it-IT" b="0" i="1" smtClean="0">
+                            <a:rPr lang="it-IT" sz="2400" b="0" i="1" smtClean="0">
                               <a:latin typeface="Cambria Math" panose="02040503050406030204" pitchFamily="18" charset="0"/>
                             </a:rPr>
                             <m:t>1</m:t>
@@ -16454,7 +16663,7 @@
                       <m:d>
                         <m:dPr>
                           <m:ctrlPr>
-                            <a:rPr lang="it-IT" b="0" i="1" smtClean="0">
+                            <a:rPr lang="it-IT" sz="2400" b="0" i="1" smtClean="0">
                               <a:latin typeface="Cambria Math" panose="02040503050406030204" pitchFamily="18" charset="0"/>
                             </a:rPr>
                           </m:ctrlPr>
@@ -16463,14 +16672,14 @@
                           <m:sSub>
                             <m:sSubPr>
                               <m:ctrlPr>
-                                <a:rPr lang="it-IT" b="0" i="1" smtClean="0">
+                                <a:rPr lang="it-IT" sz="2400" b="0" i="1" smtClean="0">
                                   <a:latin typeface="Cambria Math" panose="02040503050406030204" pitchFamily="18" charset="0"/>
                                 </a:rPr>
                               </m:ctrlPr>
                             </m:sSubPr>
                             <m:e>
                               <m:r>
-                                <a:rPr lang="it-IT" b="0" i="1" smtClean="0">
+                                <a:rPr lang="it-IT" sz="2400" b="0" i="1" smtClean="0">
                                   <a:latin typeface="Cambria Math" panose="02040503050406030204" pitchFamily="18" charset="0"/>
                                 </a:rPr>
                                 <m:t>𝐿</m:t>
@@ -16478,7 +16687,7 @@
                             </m:e>
                             <m:sub>
                               <m:r>
-                                <a:rPr lang="it-IT" b="0" i="1" smtClean="0">
+                                <a:rPr lang="it-IT" sz="2400" b="0" i="1" smtClean="0">
                                   <a:latin typeface="Cambria Math" panose="02040503050406030204" pitchFamily="18" charset="0"/>
                                 </a:rPr>
                                 <m:t>𝐵𝐶</m:t>
@@ -16486,7 +16695,7 @@
                             </m:sub>
                           </m:sSub>
                           <m:r>
-                            <a:rPr lang="it-IT" b="0" i="1" smtClean="0">
+                            <a:rPr lang="it-IT" sz="2400" b="0" i="1" smtClean="0">
                               <a:latin typeface="Cambria Math" panose="02040503050406030204" pitchFamily="18" charset="0"/>
                             </a:rPr>
                             <m:t>+</m:t>
@@ -16494,14 +16703,14 @@
                           <m:sSub>
                             <m:sSubPr>
                               <m:ctrlPr>
-                                <a:rPr lang="it-IT" b="0" i="1" smtClean="0">
+                                <a:rPr lang="it-IT" sz="2400" b="0" i="1" smtClean="0">
                                   <a:latin typeface="Cambria Math" panose="02040503050406030204" pitchFamily="18" charset="0"/>
                                 </a:rPr>
                               </m:ctrlPr>
                             </m:sSubPr>
                             <m:e>
                               <m:r>
-                                <a:rPr lang="it-IT" b="0" i="1" smtClean="0">
+                                <a:rPr lang="it-IT" sz="2400" b="0" i="1" smtClean="0">
                                   <a:latin typeface="Cambria Math" panose="02040503050406030204" pitchFamily="18" charset="0"/>
                                 </a:rPr>
                                 <m:t>𝐿</m:t>
@@ -16509,7 +16718,7 @@
                             </m:e>
                             <m:sub>
                               <m:r>
-                                <a:rPr lang="it-IT" b="0" i="1" smtClean="0">
+                                <a:rPr lang="it-IT" sz="2400" b="0" i="1" smtClean="0">
                                   <a:latin typeface="Cambria Math" panose="02040503050406030204" pitchFamily="18" charset="0"/>
                                 </a:rPr>
                                 <m:t>1</m:t>
@@ -16522,13 +16731,13 @@
                         <m:rPr>
                           <m:sty m:val="p"/>
                         </m:rPr>
-                        <a:rPr lang="it-IT" b="0" i="0" smtClean="0">
+                        <a:rPr lang="it-IT" sz="2400" b="0" i="0" smtClean="0">
                           <a:latin typeface="Cambria Math" panose="02040503050406030204" pitchFamily="18" charset="0"/>
                         </a:rPr>
                         <m:t>cos</m:t>
                       </m:r>
                       <m:r>
-                        <a:rPr lang="it-IT" b="0" i="1" smtClean="0">
+                        <a:rPr lang="it-IT" sz="2400" b="0" i="1" smtClean="0">
                           <a:latin typeface="Cambria Math" panose="02040503050406030204" pitchFamily="18" charset="0"/>
                         </a:rPr>
                         <m:t>⁡(</m:t>
@@ -16536,14 +16745,14 @@
                       <m:sSub>
                         <m:sSubPr>
                           <m:ctrlPr>
-                            <a:rPr lang="it-IT" b="0" i="1" smtClean="0">
+                            <a:rPr lang="it-IT" sz="2400" b="0" i="1" smtClean="0">
                               <a:latin typeface="Cambria Math" panose="02040503050406030204" pitchFamily="18" charset="0"/>
                             </a:rPr>
                           </m:ctrlPr>
                         </m:sSubPr>
                         <m:e>
                           <m:r>
-                            <a:rPr lang="it-IT" b="0" i="1" smtClean="0">
+                            <a:rPr lang="it-IT" sz="2400" b="0" i="1" smtClean="0">
                               <a:latin typeface="Cambria Math" panose="02040503050406030204" pitchFamily="18" charset="0"/>
                               <a:ea typeface="Cambria Math" panose="02040503050406030204" pitchFamily="18" charset="0"/>
                             </a:rPr>
@@ -16552,7 +16761,7 @@
                         </m:e>
                         <m:sub>
                           <m:r>
-                            <a:rPr lang="it-IT" b="0" i="1" smtClean="0">
+                            <a:rPr lang="it-IT" sz="2400" b="0" i="1" smtClean="0">
                               <a:latin typeface="Cambria Math" panose="02040503050406030204" pitchFamily="18" charset="0"/>
                             </a:rPr>
                             <m:t>1</m:t>
@@ -16560,7 +16769,7 @@
                         </m:sub>
                       </m:sSub>
                       <m:r>
-                        <a:rPr lang="it-IT" b="0" i="1" smtClean="0">
+                        <a:rPr lang="it-IT" sz="2400" b="0" i="1" smtClean="0">
                           <a:latin typeface="Cambria Math" panose="02040503050406030204" pitchFamily="18" charset="0"/>
                         </a:rPr>
                         <m:t>)</m:t>
@@ -16568,22 +16777,31 @@
                     </m:oMath>
                   </m:oMathPara>
                 </a14:m>
-                <a:endParaRPr lang="it-IT" dirty="0"/>
+                <a:endParaRPr lang="it-IT" sz="2400" dirty="0"/>
               </a:p>
               <a:p>
-                <a:pPr marL="0" indent="0">
+                <a:pPr marL="0" indent="0" algn="just">
                   <a:lnSpc>
                     <a:spcPct val="100000"/>
                   </a:lnSpc>
                   <a:buNone/>
                 </a:pPr>
                 <a:r>
-                  <a:rPr lang="it-IT" dirty="0"/>
+                  <a:rPr lang="it-IT" sz="2400" dirty="0"/>
                   <a:t>Mentre l’energia potenziale del disco è pari a:</a:t>
                 </a:r>
               </a:p>
               <a:p>
-                <a:pPr marL="0" indent="0">
+                <a:pPr marL="0" indent="0" algn="just">
+                  <a:lnSpc>
+                    <a:spcPct val="100000"/>
+                  </a:lnSpc>
+                  <a:buNone/>
+                </a:pPr>
+                <a:endParaRPr lang="it-IT" sz="2400" dirty="0"/>
+              </a:p>
+              <a:p>
+                <a:pPr marL="0" indent="0" algn="just">
                   <a:lnSpc>
                     <a:spcPct val="100000"/>
                   </a:lnSpc>
@@ -16598,14 +16816,14 @@
                       <m:sSub>
                         <m:sSubPr>
                           <m:ctrlPr>
-                            <a:rPr lang="it-IT" i="1" smtClean="0">
+                            <a:rPr lang="it-IT" sz="2400" i="1" smtClean="0">
                               <a:latin typeface="Cambria Math" panose="02040503050406030204" pitchFamily="18" charset="0"/>
                             </a:rPr>
                           </m:ctrlPr>
                         </m:sSubPr>
                         <m:e>
                           <m:r>
-                            <a:rPr lang="it-IT" b="0" i="1" smtClean="0">
+                            <a:rPr lang="it-IT" sz="2400" b="0" i="1" smtClean="0">
                               <a:latin typeface="Cambria Math" panose="02040503050406030204" pitchFamily="18" charset="0"/>
                             </a:rPr>
                             <m:t>𝑈</m:t>
@@ -16613,7 +16831,7 @@
                         </m:e>
                         <m:sub>
                           <m:r>
-                            <a:rPr lang="it-IT" b="0" i="1" smtClean="0">
+                            <a:rPr lang="it-IT" sz="2400" b="0" i="1" smtClean="0">
                               <a:latin typeface="Cambria Math" panose="02040503050406030204" pitchFamily="18" charset="0"/>
                             </a:rPr>
                             <m:t>𝐷</m:t>
@@ -16621,13 +16839,13 @@
                         </m:sub>
                       </m:sSub>
                       <m:r>
-                        <a:rPr lang="it-IT" b="0" i="1" smtClean="0">
+                        <a:rPr lang="it-IT" sz="2400" b="0" i="1" smtClean="0">
                           <a:latin typeface="Cambria Math" panose="02040503050406030204" pitchFamily="18" charset="0"/>
                         </a:rPr>
                         <m:t>=</m:t>
                       </m:r>
                       <m:r>
-                        <a:rPr lang="it-IT" b="0" i="1" smtClean="0">
+                        <a:rPr lang="it-IT" sz="2400" b="0" i="1" smtClean="0">
                           <a:latin typeface="Cambria Math" panose="02040503050406030204" pitchFamily="18" charset="0"/>
                         </a:rPr>
                         <m:t>𝑔</m:t>
@@ -16635,14 +16853,14 @@
                       <m:sSub>
                         <m:sSubPr>
                           <m:ctrlPr>
-                            <a:rPr lang="it-IT" b="0" i="1" smtClean="0">
+                            <a:rPr lang="it-IT" sz="2400" b="0" i="1" smtClean="0">
                               <a:latin typeface="Cambria Math" panose="02040503050406030204" pitchFamily="18" charset="0"/>
                             </a:rPr>
                           </m:ctrlPr>
                         </m:sSubPr>
                         <m:e>
                           <m:r>
-                            <a:rPr lang="it-IT" b="0" i="1" smtClean="0">
+                            <a:rPr lang="it-IT" sz="2400" b="0" i="1" smtClean="0">
                               <a:latin typeface="Cambria Math" panose="02040503050406030204" pitchFamily="18" charset="0"/>
                             </a:rPr>
                             <m:t>𝑀</m:t>
@@ -16650,7 +16868,7 @@
                         </m:e>
                         <m:sub>
                           <m:r>
-                            <a:rPr lang="it-IT" b="0" i="1" smtClean="0">
+                            <a:rPr lang="it-IT" sz="2400" b="0" i="1" smtClean="0">
                               <a:latin typeface="Cambria Math" panose="02040503050406030204" pitchFamily="18" charset="0"/>
                             </a:rPr>
                             <m:t>2</m:t>
@@ -16660,14 +16878,14 @@
                       <m:sSub>
                         <m:sSubPr>
                           <m:ctrlPr>
-                            <a:rPr lang="it-IT" b="0" i="1" smtClean="0">
+                            <a:rPr lang="it-IT" sz="2400" b="0" i="1" smtClean="0">
                               <a:latin typeface="Cambria Math" panose="02040503050406030204" pitchFamily="18" charset="0"/>
                             </a:rPr>
                           </m:ctrlPr>
                         </m:sSubPr>
                         <m:e>
                           <m:r>
-                            <a:rPr lang="it-IT" b="0" i="1" smtClean="0">
+                            <a:rPr lang="it-IT" sz="2400" b="0" i="1" smtClean="0">
                               <a:latin typeface="Cambria Math" panose="02040503050406030204" pitchFamily="18" charset="0"/>
                             </a:rPr>
                             <m:t>𝐿</m:t>
@@ -16675,7 +16893,7 @@
                         </m:e>
                         <m:sub>
                           <m:r>
-                            <a:rPr lang="it-IT" b="0" i="1" smtClean="0">
+                            <a:rPr lang="it-IT" sz="2400" b="0" i="1" smtClean="0">
                               <a:latin typeface="Cambria Math" panose="02040503050406030204" pitchFamily="18" charset="0"/>
                             </a:rPr>
                             <m:t>1</m:t>
@@ -16683,13 +16901,13 @@
                         </m:sub>
                       </m:sSub>
                       <m:r>
-                        <a:rPr lang="it-IT" b="0" i="1" smtClean="0">
+                        <a:rPr lang="it-IT" sz="2400" b="0" i="1" smtClean="0">
                           <a:latin typeface="Cambria Math" panose="02040503050406030204" pitchFamily="18" charset="0"/>
                         </a:rPr>
                         <m:t>𝑐𝑜𝑠</m:t>
                       </m:r>
                       <m:r>
-                        <a:rPr lang="it-IT" i="1">
+                        <a:rPr lang="it-IT" sz="2400" i="1">
                           <a:latin typeface="Cambria Math" panose="02040503050406030204" pitchFamily="18" charset="0"/>
                         </a:rPr>
                         <m:t>⁡(</m:t>
@@ -16697,14 +16915,14 @@
                       <m:sSub>
                         <m:sSubPr>
                           <m:ctrlPr>
-                            <a:rPr lang="it-IT" i="1">
+                            <a:rPr lang="it-IT" sz="2400" i="1">
                               <a:latin typeface="Cambria Math" panose="02040503050406030204" pitchFamily="18" charset="0"/>
                             </a:rPr>
                           </m:ctrlPr>
                         </m:sSubPr>
                         <m:e>
                           <m:r>
-                            <a:rPr lang="it-IT" i="1">
+                            <a:rPr lang="it-IT" sz="2400" i="1">
                               <a:latin typeface="Cambria Math" panose="02040503050406030204" pitchFamily="18" charset="0"/>
                               <a:ea typeface="Cambria Math" panose="02040503050406030204" pitchFamily="18" charset="0"/>
                             </a:rPr>
@@ -16713,7 +16931,7 @@
                         </m:e>
                         <m:sub>
                           <m:r>
-                            <a:rPr lang="it-IT" i="1">
+                            <a:rPr lang="it-IT" sz="2400" i="1">
                               <a:latin typeface="Cambria Math" panose="02040503050406030204" pitchFamily="18" charset="0"/>
                             </a:rPr>
                             <m:t>1</m:t>
@@ -16721,7 +16939,7 @@
                         </m:sub>
                       </m:sSub>
                       <m:r>
-                        <a:rPr lang="it-IT" i="1">
+                        <a:rPr lang="it-IT" sz="2400" i="1">
                           <a:latin typeface="Cambria Math" panose="02040503050406030204" pitchFamily="18" charset="0"/>
                         </a:rPr>
                         <m:t>)</m:t>
@@ -16729,7 +16947,7 @@
                     </m:oMath>
                   </m:oMathPara>
                 </a14:m>
-                <a:endParaRPr lang="it-IT" dirty="0"/>
+                <a:endParaRPr lang="it-IT" sz="2400" dirty="0"/>
               </a:p>
               <a:p>
                 <a:pPr marL="0" indent="0">
@@ -16740,7 +16958,7 @@
             </p:txBody>
           </p:sp>
         </mc:Choice>
-        <mc:Fallback xmlns="">
+        <mc:Fallback>
           <p:sp>
             <p:nvSpPr>
               <p:cNvPr id="3" name="Segnaposto contenuto 2">
@@ -16759,13 +16977,13 @@
             </p:nvSpPr>
             <p:spPr>
               <a:xfrm>
-                <a:off x="1593436" y="1600200"/>
+                <a:off x="1593436" y="1417637"/>
                 <a:ext cx="9782801" cy="5257800"/>
               </a:xfrm>
               <a:blipFill>
                 <a:blip r:embed="rId2"/>
                 <a:stretch>
-                  <a:fillRect l="-1246" t="-1392"/>
+                  <a:fillRect l="-935" t="-1044" r="-997" b="-464"/>
                 </a:stretch>
               </a:blipFill>
             </p:spPr>
